--- a/presentation/Mercury-Part1.pptx
+++ b/presentation/Mercury-Part1.pptx
@@ -18,15 +18,10 @@
     <p:sldId id="266" r:id="rId12"/>
     <p:sldId id="267" r:id="rId13"/>
     <p:sldId id="268" r:id="rId14"/>
-    <p:sldId id="269" r:id="rId15"/>
-    <p:sldId id="270" r:id="rId16"/>
-    <p:sldId id="271" r:id="rId17"/>
-    <p:sldId id="272" r:id="rId18"/>
-    <p:sldId id="273" r:id="rId19"/>
-    <p:sldId id="274" r:id="rId20"/>
-    <p:sldId id="275" r:id="rId21"/>
-    <p:sldId id="276" r:id="rId22"/>
-    <p:sldId id="277" r:id="rId23"/>
+    <p:sldId id="274" r:id="rId15"/>
+    <p:sldId id="275" r:id="rId16"/>
+    <p:sldId id="276" r:id="rId17"/>
+    <p:sldId id="277" r:id="rId18"/>
   </p:sldIdLst>
   <p:sldSz cx="12192000" cy="6858000"/>
   <p:notesSz cx="6858000" cy="9144000"/>
@@ -190,7 +185,7 @@
           <a:noFill/>
           <a:extLst>
             <a:ext uri="{909E8E84-426E-40dd-AFC4-6F175D3DCCD1}">
-              <a14:hiddenFill xmlns="" xmlns:a14="http://schemas.microsoft.com/office/drawing/2010/main">
+              <a14:hiddenFill xmlns:a14="http://schemas.microsoft.com/office/drawing/2010/main" xmlns="">
                 <a:solidFill>
                   <a:srgbClr val="FFFFFF"/>
                 </a:solidFill>
@@ -249,7 +244,7 @@
             </a:ln>
             <a:extLst>
               <a:ext uri="{91240B29-F687-4f45-9708-019B960494DF}">
-                <a14:hiddenLine xmlns="" xmlns:a14="http://schemas.microsoft.com/office/drawing/2010/main" w="9525">
+                <a14:hiddenLine xmlns:a14="http://schemas.microsoft.com/office/drawing/2010/main" xmlns="" w="9525">
                   <a:solidFill>
                     <a:srgbClr val="000000"/>
                   </a:solidFill>
@@ -339,7 +334,7 @@
             </a:ln>
             <a:extLst>
               <a:ext uri="{91240B29-F687-4f45-9708-019B960494DF}">
-                <a14:hiddenLine xmlns="" xmlns:a14="http://schemas.microsoft.com/office/drawing/2010/main" w="9525">
+                <a14:hiddenLine xmlns:a14="http://schemas.microsoft.com/office/drawing/2010/main" xmlns="" w="9525">
                   <a:solidFill>
                     <a:srgbClr val="000000"/>
                   </a:solidFill>
@@ -429,7 +424,7 @@
             </a:ln>
             <a:extLst>
               <a:ext uri="{91240B29-F687-4f45-9708-019B960494DF}">
-                <a14:hiddenLine xmlns="" xmlns:a14="http://schemas.microsoft.com/office/drawing/2010/main" w="9525">
+                <a14:hiddenLine xmlns:a14="http://schemas.microsoft.com/office/drawing/2010/main" xmlns="" w="9525">
                   <a:solidFill>
                     <a:srgbClr val="000000"/>
                   </a:solidFill>
@@ -463,7 +458,7 @@
             </a:ln>
             <a:extLst>
               <a:ext uri="{91240B29-F687-4f45-9708-019B960494DF}">
-                <a14:hiddenLine xmlns="" xmlns:a14="http://schemas.microsoft.com/office/drawing/2010/main" w="9525">
+                <a14:hiddenLine xmlns:a14="http://schemas.microsoft.com/office/drawing/2010/main" xmlns="" w="9525">
                   <a:solidFill>
                     <a:srgbClr val="000000"/>
                   </a:solidFill>
@@ -553,7 +548,7 @@
             </a:ln>
             <a:extLst>
               <a:ext uri="{91240B29-F687-4f45-9708-019B960494DF}">
-                <a14:hiddenLine xmlns="" xmlns:a14="http://schemas.microsoft.com/office/drawing/2010/main" w="9525">
+                <a14:hiddenLine xmlns:a14="http://schemas.microsoft.com/office/drawing/2010/main" xmlns="" w="9525">
                   <a:solidFill>
                     <a:srgbClr val="000000"/>
                   </a:solidFill>
@@ -615,7 +610,7 @@
             </a:ln>
             <a:extLst>
               <a:ext uri="{91240B29-F687-4f45-9708-019B960494DF}">
-                <a14:hiddenLine xmlns="" xmlns:a14="http://schemas.microsoft.com/office/drawing/2010/main" w="9525">
+                <a14:hiddenLine xmlns:a14="http://schemas.microsoft.com/office/drawing/2010/main" xmlns="" w="9525">
                   <a:solidFill>
                     <a:srgbClr val="000000"/>
                   </a:solidFill>
@@ -677,7 +672,7 @@
             </a:ln>
             <a:extLst>
               <a:ext uri="{91240B29-F687-4f45-9708-019B960494DF}">
-                <a14:hiddenLine xmlns="" xmlns:a14="http://schemas.microsoft.com/office/drawing/2010/main" w="9525">
+                <a14:hiddenLine xmlns:a14="http://schemas.microsoft.com/office/drawing/2010/main" xmlns="" w="9525">
                   <a:solidFill>
                     <a:srgbClr val="000000"/>
                   </a:solidFill>
@@ -767,7 +762,7 @@
             </a:ln>
             <a:extLst>
               <a:ext uri="{91240B29-F687-4f45-9708-019B960494DF}">
-                <a14:hiddenLine xmlns="" xmlns:a14="http://schemas.microsoft.com/office/drawing/2010/main" w="9525">
+                <a14:hiddenLine xmlns:a14="http://schemas.microsoft.com/office/drawing/2010/main" xmlns="" w="9525">
                   <a:solidFill>
                     <a:srgbClr val="000000"/>
                   </a:solidFill>
@@ -829,7 +824,7 @@
             </a:ln>
             <a:extLst>
               <a:ext uri="{91240B29-F687-4f45-9708-019B960494DF}">
-                <a14:hiddenLine xmlns="" xmlns:a14="http://schemas.microsoft.com/office/drawing/2010/main" w="9525">
+                <a14:hiddenLine xmlns:a14="http://schemas.microsoft.com/office/drawing/2010/main" xmlns="" w="9525">
                   <a:solidFill>
                     <a:srgbClr val="000000"/>
                   </a:solidFill>
@@ -891,7 +886,7 @@
             </a:ln>
             <a:extLst>
               <a:ext uri="{91240B29-F687-4f45-9708-019B960494DF}">
-                <a14:hiddenLine xmlns="" xmlns:a14="http://schemas.microsoft.com/office/drawing/2010/main" w="9525">
+                <a14:hiddenLine xmlns:a14="http://schemas.microsoft.com/office/drawing/2010/main" xmlns="" w="9525">
                   <a:solidFill>
                     <a:srgbClr val="000000"/>
                   </a:solidFill>
@@ -981,7 +976,7 @@
             </a:ln>
             <a:extLst>
               <a:ext uri="{91240B29-F687-4f45-9708-019B960494DF}">
-                <a14:hiddenLine xmlns="" xmlns:a14="http://schemas.microsoft.com/office/drawing/2010/main" w="9525">
+                <a14:hiddenLine xmlns:a14="http://schemas.microsoft.com/office/drawing/2010/main" xmlns="" w="9525">
                   <a:solidFill>
                     <a:srgbClr val="000000"/>
                   </a:solidFill>
@@ -1071,7 +1066,7 @@
             </a:ln>
             <a:extLst>
               <a:ext uri="{91240B29-F687-4f45-9708-019B960494DF}">
-                <a14:hiddenLine xmlns="" xmlns:a14="http://schemas.microsoft.com/office/drawing/2010/main" w="9525">
+                <a14:hiddenLine xmlns:a14="http://schemas.microsoft.com/office/drawing/2010/main" xmlns="" w="9525">
                   <a:solidFill>
                     <a:srgbClr val="000000"/>
                   </a:solidFill>
@@ -1133,7 +1128,7 @@
             </a:ln>
             <a:extLst>
               <a:ext uri="{91240B29-F687-4f45-9708-019B960494DF}">
-                <a14:hiddenLine xmlns="" xmlns:a14="http://schemas.microsoft.com/office/drawing/2010/main" w="9525">
+                <a14:hiddenLine xmlns:a14="http://schemas.microsoft.com/office/drawing/2010/main" xmlns="" w="9525">
                   <a:solidFill>
                     <a:srgbClr val="000000"/>
                   </a:solidFill>
@@ -1243,7 +1238,7 @@
             </a:ln>
             <a:extLst>
               <a:ext uri="{91240B29-F687-4f45-9708-019B960494DF}">
-                <a14:hiddenLine xmlns="" xmlns:a14="http://schemas.microsoft.com/office/drawing/2010/main" w="9525">
+                <a14:hiddenLine xmlns:a14="http://schemas.microsoft.com/office/drawing/2010/main" xmlns="" w="9525">
                   <a:solidFill>
                     <a:srgbClr val="000000"/>
                   </a:solidFill>
@@ -1305,7 +1300,7 @@
             </a:ln>
             <a:extLst>
               <a:ext uri="{91240B29-F687-4f45-9708-019B960494DF}">
-                <a14:hiddenLine xmlns="" xmlns:a14="http://schemas.microsoft.com/office/drawing/2010/main" w="9525">
+                <a14:hiddenLine xmlns:a14="http://schemas.microsoft.com/office/drawing/2010/main" xmlns="" w="9525">
                   <a:solidFill>
                     <a:srgbClr val="000000"/>
                   </a:solidFill>
@@ -1395,7 +1390,7 @@
             </a:ln>
             <a:extLst>
               <a:ext uri="{91240B29-F687-4f45-9708-019B960494DF}">
-                <a14:hiddenLine xmlns="" xmlns:a14="http://schemas.microsoft.com/office/drawing/2010/main" w="9525">
+                <a14:hiddenLine xmlns:a14="http://schemas.microsoft.com/office/drawing/2010/main" xmlns="" w="9525">
                   <a:solidFill>
                     <a:srgbClr val="000000"/>
                   </a:solidFill>
@@ -1485,7 +1480,7 @@
             </a:ln>
             <a:extLst>
               <a:ext uri="{91240B29-F687-4f45-9708-019B960494DF}">
-                <a14:hiddenLine xmlns="" xmlns:a14="http://schemas.microsoft.com/office/drawing/2010/main" w="9525">
+                <a14:hiddenLine xmlns:a14="http://schemas.microsoft.com/office/drawing/2010/main" xmlns="" w="9525">
                   <a:solidFill>
                     <a:srgbClr val="000000"/>
                   </a:solidFill>
@@ -1547,7 +1542,7 @@
             </a:ln>
             <a:extLst>
               <a:ext uri="{91240B29-F687-4f45-9708-019B960494DF}">
-                <a14:hiddenLine xmlns="" xmlns:a14="http://schemas.microsoft.com/office/drawing/2010/main" w="9525">
+                <a14:hiddenLine xmlns:a14="http://schemas.microsoft.com/office/drawing/2010/main" xmlns="" w="9525">
                   <a:solidFill>
                     <a:srgbClr val="000000"/>
                   </a:solidFill>
@@ -1637,7 +1632,7 @@
             </a:ln>
             <a:extLst>
               <a:ext uri="{91240B29-F687-4f45-9708-019B960494DF}">
-                <a14:hiddenLine xmlns="" xmlns:a14="http://schemas.microsoft.com/office/drawing/2010/main" w="9525">
+                <a14:hiddenLine xmlns:a14="http://schemas.microsoft.com/office/drawing/2010/main" xmlns="" w="9525">
                   <a:solidFill>
                     <a:srgbClr val="000000"/>
                   </a:solidFill>
@@ -1727,7 +1722,7 @@
             </a:ln>
             <a:extLst>
               <a:ext uri="{91240B29-F687-4f45-9708-019B960494DF}">
-                <a14:hiddenLine xmlns="" xmlns:a14="http://schemas.microsoft.com/office/drawing/2010/main" w="9525">
+                <a14:hiddenLine xmlns:a14="http://schemas.microsoft.com/office/drawing/2010/main" xmlns="" w="9525">
                   <a:solidFill>
                     <a:srgbClr val="000000"/>
                   </a:solidFill>
@@ -1783,7 +1778,7 @@
             </a:ln>
             <a:extLst>
               <a:ext uri="{91240B29-F687-4f45-9708-019B960494DF}">
-                <a14:hiddenLine xmlns="" xmlns:a14="http://schemas.microsoft.com/office/drawing/2010/main" w="9525">
+                <a14:hiddenLine xmlns:a14="http://schemas.microsoft.com/office/drawing/2010/main" xmlns="" w="9525">
                   <a:solidFill>
                     <a:srgbClr val="000000"/>
                   </a:solidFill>
@@ -1873,7 +1868,7 @@
             </a:ln>
             <a:extLst>
               <a:ext uri="{91240B29-F687-4f45-9708-019B960494DF}">
-                <a14:hiddenLine xmlns="" xmlns:a14="http://schemas.microsoft.com/office/drawing/2010/main" w="9525">
+                <a14:hiddenLine xmlns:a14="http://schemas.microsoft.com/office/drawing/2010/main" xmlns="" w="9525">
                   <a:solidFill>
                     <a:srgbClr val="000000"/>
                   </a:solidFill>
@@ -1929,7 +1924,7 @@
             </a:ln>
             <a:extLst>
               <a:ext uri="{91240B29-F687-4f45-9708-019B960494DF}">
-                <a14:hiddenLine xmlns="" xmlns:a14="http://schemas.microsoft.com/office/drawing/2010/main" w="9525">
+                <a14:hiddenLine xmlns:a14="http://schemas.microsoft.com/office/drawing/2010/main" xmlns="" w="9525">
                   <a:solidFill>
                     <a:srgbClr val="000000"/>
                   </a:solidFill>
@@ -2019,7 +2014,7 @@
             </a:ln>
             <a:extLst>
               <a:ext uri="{91240B29-F687-4f45-9708-019B960494DF}">
-                <a14:hiddenLine xmlns="" xmlns:a14="http://schemas.microsoft.com/office/drawing/2010/main" w="9525">
+                <a14:hiddenLine xmlns:a14="http://schemas.microsoft.com/office/drawing/2010/main" xmlns="" w="9525">
                   <a:solidFill>
                     <a:srgbClr val="000000"/>
                   </a:solidFill>
@@ -2087,7 +2082,7 @@
             </a:ln>
             <a:extLst>
               <a:ext uri="{91240B29-F687-4f45-9708-019B960494DF}">
-                <a14:hiddenLine xmlns="" xmlns:a14="http://schemas.microsoft.com/office/drawing/2010/main" w="9525">
+                <a14:hiddenLine xmlns:a14="http://schemas.microsoft.com/office/drawing/2010/main" xmlns="" w="9525">
                   <a:solidFill>
                     <a:srgbClr val="000000"/>
                   </a:solidFill>
@@ -2177,7 +2172,7 @@
             </a:ln>
             <a:extLst>
               <a:ext uri="{91240B29-F687-4f45-9708-019B960494DF}">
-                <a14:hiddenLine xmlns="" xmlns:a14="http://schemas.microsoft.com/office/drawing/2010/main" w="9525">
+                <a14:hiddenLine xmlns:a14="http://schemas.microsoft.com/office/drawing/2010/main" xmlns="" w="9525">
                   <a:solidFill>
                     <a:srgbClr val="000000"/>
                   </a:solidFill>
@@ -2245,7 +2240,7 @@
             </a:ln>
             <a:extLst>
               <a:ext uri="{91240B29-F687-4f45-9708-019B960494DF}">
-                <a14:hiddenLine xmlns="" xmlns:a14="http://schemas.microsoft.com/office/drawing/2010/main" w="9525">
+                <a14:hiddenLine xmlns:a14="http://schemas.microsoft.com/office/drawing/2010/main" xmlns="" w="9525">
                   <a:solidFill>
                     <a:srgbClr val="000000"/>
                   </a:solidFill>
@@ -2335,7 +2330,7 @@
             </a:ln>
             <a:extLst>
               <a:ext uri="{91240B29-F687-4f45-9708-019B960494DF}">
-                <a14:hiddenLine xmlns="" xmlns:a14="http://schemas.microsoft.com/office/drawing/2010/main" w="9525">
+                <a14:hiddenLine xmlns:a14="http://schemas.microsoft.com/office/drawing/2010/main" xmlns="" w="9525">
                   <a:solidFill>
                     <a:srgbClr val="000000"/>
                   </a:solidFill>
@@ -2369,7 +2364,7 @@
             </a:ln>
             <a:extLst>
               <a:ext uri="{91240B29-F687-4f45-9708-019B960494DF}">
-                <a14:hiddenLine xmlns="" xmlns:a14="http://schemas.microsoft.com/office/drawing/2010/main" w="9525">
+                <a14:hiddenLine xmlns:a14="http://schemas.microsoft.com/office/drawing/2010/main" xmlns="" w="9525">
                   <a:solidFill>
                     <a:srgbClr val="000000"/>
                   </a:solidFill>
@@ -2459,7 +2454,7 @@
             </a:ln>
             <a:extLst>
               <a:ext uri="{91240B29-F687-4f45-9708-019B960494DF}">
-                <a14:hiddenLine xmlns="" xmlns:a14="http://schemas.microsoft.com/office/drawing/2010/main" w="9525">
+                <a14:hiddenLine xmlns:a14="http://schemas.microsoft.com/office/drawing/2010/main" xmlns="" w="9525">
                   <a:solidFill>
                     <a:srgbClr val="000000"/>
                   </a:solidFill>
@@ -2521,7 +2516,7 @@
             </a:ln>
             <a:extLst>
               <a:ext uri="{91240B29-F687-4f45-9708-019B960494DF}">
-                <a14:hiddenLine xmlns="" xmlns:a14="http://schemas.microsoft.com/office/drawing/2010/main" w="9525">
+                <a14:hiddenLine xmlns:a14="http://schemas.microsoft.com/office/drawing/2010/main" xmlns="" w="9525">
                   <a:solidFill>
                     <a:srgbClr val="000000"/>
                   </a:solidFill>
@@ -2583,7 +2578,7 @@
             </a:ln>
             <a:extLst>
               <a:ext uri="{91240B29-F687-4f45-9708-019B960494DF}">
-                <a14:hiddenLine xmlns="" xmlns:a14="http://schemas.microsoft.com/office/drawing/2010/main" w="9525">
+                <a14:hiddenLine xmlns:a14="http://schemas.microsoft.com/office/drawing/2010/main" xmlns="" w="9525">
                   <a:solidFill>
                     <a:srgbClr val="000000"/>
                   </a:solidFill>
@@ -2673,7 +2668,7 @@
             </a:ln>
             <a:extLst>
               <a:ext uri="{91240B29-F687-4f45-9708-019B960494DF}">
-                <a14:hiddenLine xmlns="" xmlns:a14="http://schemas.microsoft.com/office/drawing/2010/main" w="9525">
+                <a14:hiddenLine xmlns:a14="http://schemas.microsoft.com/office/drawing/2010/main" xmlns="" w="9525">
                   <a:solidFill>
                     <a:srgbClr val="000000"/>
                   </a:solidFill>
@@ -2741,7 +2736,7 @@
             </a:ln>
             <a:extLst>
               <a:ext uri="{91240B29-F687-4f45-9708-019B960494DF}">
-                <a14:hiddenLine xmlns="" xmlns:a14="http://schemas.microsoft.com/office/drawing/2010/main" w="9525">
+                <a14:hiddenLine xmlns:a14="http://schemas.microsoft.com/office/drawing/2010/main" xmlns="" w="9525">
                   <a:solidFill>
                     <a:srgbClr val="000000"/>
                   </a:solidFill>
@@ -2803,7 +2798,7 @@
             </a:ln>
             <a:extLst>
               <a:ext uri="{91240B29-F687-4f45-9708-019B960494DF}">
-                <a14:hiddenLine xmlns="" xmlns:a14="http://schemas.microsoft.com/office/drawing/2010/main" w="9525">
+                <a14:hiddenLine xmlns:a14="http://schemas.microsoft.com/office/drawing/2010/main" xmlns="" w="9525">
                   <a:solidFill>
                     <a:srgbClr val="000000"/>
                   </a:solidFill>
@@ -2893,7 +2888,7 @@
             </a:ln>
             <a:extLst>
               <a:ext uri="{91240B29-F687-4f45-9708-019B960494DF}">
-                <a14:hiddenLine xmlns="" xmlns:a14="http://schemas.microsoft.com/office/drawing/2010/main" w="9525">
+                <a14:hiddenLine xmlns:a14="http://schemas.microsoft.com/office/drawing/2010/main" xmlns="" w="9525">
                   <a:solidFill>
                     <a:srgbClr val="000000"/>
                   </a:solidFill>
@@ -2955,7 +2950,7 @@
             </a:ln>
             <a:extLst>
               <a:ext uri="{91240B29-F687-4f45-9708-019B960494DF}">
-                <a14:hiddenLine xmlns="" xmlns:a14="http://schemas.microsoft.com/office/drawing/2010/main" w="9525">
+                <a14:hiddenLine xmlns:a14="http://schemas.microsoft.com/office/drawing/2010/main" xmlns="" w="9525">
                   <a:solidFill>
                     <a:srgbClr val="000000"/>
                   </a:solidFill>
@@ -3045,7 +3040,7 @@
             </a:ln>
             <a:extLst>
               <a:ext uri="{91240B29-F687-4f45-9708-019B960494DF}">
-                <a14:hiddenLine xmlns="" xmlns:a14="http://schemas.microsoft.com/office/drawing/2010/main" w="9525">
+                <a14:hiddenLine xmlns:a14="http://schemas.microsoft.com/office/drawing/2010/main" xmlns="" w="9525">
                   <a:solidFill>
                     <a:srgbClr val="000000"/>
                   </a:solidFill>
@@ -3107,7 +3102,7 @@
             </a:ln>
             <a:extLst>
               <a:ext uri="{91240B29-F687-4f45-9708-019B960494DF}">
-                <a14:hiddenLine xmlns="" xmlns:a14="http://schemas.microsoft.com/office/drawing/2010/main" w="9525">
+                <a14:hiddenLine xmlns:a14="http://schemas.microsoft.com/office/drawing/2010/main" xmlns="" w="9525">
                   <a:solidFill>
                     <a:srgbClr val="000000"/>
                   </a:solidFill>
@@ -3197,7 +3192,7 @@
             </a:ln>
             <a:extLst>
               <a:ext uri="{91240B29-F687-4f45-9708-019B960494DF}">
-                <a14:hiddenLine xmlns="" xmlns:a14="http://schemas.microsoft.com/office/drawing/2010/main" w="9525">
+                <a14:hiddenLine xmlns:a14="http://schemas.microsoft.com/office/drawing/2010/main" xmlns="" w="9525">
                   <a:solidFill>
                     <a:srgbClr val="000000"/>
                   </a:solidFill>
@@ -3231,7 +3226,7 @@
             </a:ln>
             <a:extLst>
               <a:ext uri="{91240B29-F687-4f45-9708-019B960494DF}">
-                <a14:hiddenLine xmlns="" xmlns:a14="http://schemas.microsoft.com/office/drawing/2010/main" w="9525">
+                <a14:hiddenLine xmlns:a14="http://schemas.microsoft.com/office/drawing/2010/main" xmlns="" w="9525">
                   <a:solidFill>
                     <a:srgbClr val="000000"/>
                   </a:solidFill>
@@ -3296,7 +3291,7 @@
             </a:ln>
             <a:extLst>
               <a:ext uri="{91240B29-F687-4f45-9708-019B960494DF}">
-                <a14:hiddenLine xmlns="" xmlns:a14="http://schemas.microsoft.com/office/drawing/2010/main" w="9525">
+                <a14:hiddenLine xmlns:a14="http://schemas.microsoft.com/office/drawing/2010/main" xmlns="" w="9525">
                   <a:solidFill>
                     <a:srgbClr val="000000"/>
                   </a:solidFill>
@@ -3386,7 +3381,7 @@
             </a:ln>
             <a:extLst>
               <a:ext uri="{91240B29-F687-4f45-9708-019B960494DF}">
-                <a14:hiddenLine xmlns="" xmlns:a14="http://schemas.microsoft.com/office/drawing/2010/main" w="9525">
+                <a14:hiddenLine xmlns:a14="http://schemas.microsoft.com/office/drawing/2010/main" xmlns="" w="9525">
                   <a:solidFill>
                     <a:srgbClr val="000000"/>
                   </a:solidFill>
@@ -3448,7 +3443,7 @@
             </a:ln>
             <a:extLst>
               <a:ext uri="{91240B29-F687-4f45-9708-019B960494DF}">
-                <a14:hiddenLine xmlns="" xmlns:a14="http://schemas.microsoft.com/office/drawing/2010/main" w="9525">
+                <a14:hiddenLine xmlns:a14="http://schemas.microsoft.com/office/drawing/2010/main" xmlns="" w="9525">
                   <a:solidFill>
                     <a:srgbClr val="000000"/>
                   </a:solidFill>
@@ -3538,7 +3533,7 @@
             </a:ln>
             <a:extLst>
               <a:ext uri="{91240B29-F687-4f45-9708-019B960494DF}">
-                <a14:hiddenLine xmlns="" xmlns:a14="http://schemas.microsoft.com/office/drawing/2010/main" w="9525">
+                <a14:hiddenLine xmlns:a14="http://schemas.microsoft.com/office/drawing/2010/main" xmlns="" w="9525">
                   <a:solidFill>
                     <a:srgbClr val="000000"/>
                   </a:solidFill>
@@ -3628,7 +3623,7 @@
             </a:ln>
             <a:extLst>
               <a:ext uri="{91240B29-F687-4f45-9708-019B960494DF}">
-                <a14:hiddenLine xmlns="" xmlns:a14="http://schemas.microsoft.com/office/drawing/2010/main" w="9525">
+                <a14:hiddenLine xmlns:a14="http://schemas.microsoft.com/office/drawing/2010/main" xmlns="" w="9525">
                   <a:solidFill>
                     <a:srgbClr val="000000"/>
                   </a:solidFill>
@@ -3693,7 +3688,7 @@
             </a:ln>
             <a:extLst>
               <a:ext uri="{91240B29-F687-4f45-9708-019B960494DF}">
-                <a14:hiddenLine xmlns="" xmlns:a14="http://schemas.microsoft.com/office/drawing/2010/main" w="9525">
+                <a14:hiddenLine xmlns:a14="http://schemas.microsoft.com/office/drawing/2010/main" xmlns="" w="9525">
                   <a:solidFill>
                     <a:srgbClr val="000000"/>
                   </a:solidFill>
@@ -3755,7 +3750,7 @@
             </a:ln>
             <a:extLst>
               <a:ext uri="{91240B29-F687-4f45-9708-019B960494DF}">
-                <a14:hiddenLine xmlns="" xmlns:a14="http://schemas.microsoft.com/office/drawing/2010/main" w="9525">
+                <a14:hiddenLine xmlns:a14="http://schemas.microsoft.com/office/drawing/2010/main" xmlns="" w="9525">
                   <a:solidFill>
                     <a:srgbClr val="000000"/>
                   </a:solidFill>
@@ -3845,7 +3840,7 @@
             </a:ln>
             <a:extLst>
               <a:ext uri="{91240B29-F687-4f45-9708-019B960494DF}">
-                <a14:hiddenLine xmlns="" xmlns:a14="http://schemas.microsoft.com/office/drawing/2010/main" w="9525">
+                <a14:hiddenLine xmlns:a14="http://schemas.microsoft.com/office/drawing/2010/main" xmlns="" w="9525">
                   <a:solidFill>
                     <a:srgbClr val="000000"/>
                   </a:solidFill>
@@ -3935,7 +3930,7 @@
             </a:ln>
             <a:extLst>
               <a:ext uri="{91240B29-F687-4f45-9708-019B960494DF}">
-                <a14:hiddenLine xmlns="" xmlns:a14="http://schemas.microsoft.com/office/drawing/2010/main" w="9525">
+                <a14:hiddenLine xmlns:a14="http://schemas.microsoft.com/office/drawing/2010/main" xmlns="" w="9525">
                   <a:solidFill>
                     <a:srgbClr val="000000"/>
                   </a:solidFill>
@@ -3997,7 +3992,7 @@
             </a:ln>
             <a:extLst>
               <a:ext uri="{91240B29-F687-4f45-9708-019B960494DF}">
-                <a14:hiddenLine xmlns="" xmlns:a14="http://schemas.microsoft.com/office/drawing/2010/main" w="9525">
+                <a14:hiddenLine xmlns:a14="http://schemas.microsoft.com/office/drawing/2010/main" xmlns="" w="9525">
                   <a:solidFill>
                     <a:srgbClr val="000000"/>
                   </a:solidFill>
@@ -4117,7 +4112,7 @@
             </a:ln>
             <a:extLst>
               <a:ext uri="{91240B29-F687-4f45-9708-019B960494DF}">
-                <a14:hiddenLine xmlns="" xmlns:a14="http://schemas.microsoft.com/office/drawing/2010/main" w="9525">
+                <a14:hiddenLine xmlns:a14="http://schemas.microsoft.com/office/drawing/2010/main" xmlns="" w="9525">
                   <a:solidFill>
                     <a:srgbClr val="000000"/>
                   </a:solidFill>
@@ -4185,7 +4180,7 @@
             </a:ln>
             <a:extLst>
               <a:ext uri="{91240B29-F687-4f45-9708-019B960494DF}">
-                <a14:hiddenLine xmlns="" xmlns:a14="http://schemas.microsoft.com/office/drawing/2010/main" w="9525">
+                <a14:hiddenLine xmlns:a14="http://schemas.microsoft.com/office/drawing/2010/main" xmlns="" w="9525">
                   <a:solidFill>
                     <a:srgbClr val="000000"/>
                   </a:solidFill>
@@ -4275,7 +4270,7 @@
             </a:ln>
             <a:extLst>
               <a:ext uri="{91240B29-F687-4f45-9708-019B960494DF}">
-                <a14:hiddenLine xmlns="" xmlns:a14="http://schemas.microsoft.com/office/drawing/2010/main" w="9525">
+                <a14:hiddenLine xmlns:a14="http://schemas.microsoft.com/office/drawing/2010/main" xmlns="" w="9525">
                   <a:solidFill>
                     <a:srgbClr val="000000"/>
                   </a:solidFill>
@@ -4415,7 +4410,7 @@
           <a:p>
             <a:fld id="{48A87A34-81AB-432B-8DAE-1953F412C126}" type="datetimeFigureOut">
               <a:rPr lang="en-US" dirty="0"/>
-              <a:t>11/27/2016</a:t>
+              <a:t>11/28/2016</a:t>
             </a:fld>
             <a:endParaRPr lang="en-US" dirty="0"/>
           </a:p>
@@ -4677,7 +4672,7 @@
           <a:p>
             <a:fld id="{48A87A34-81AB-432B-8DAE-1953F412C126}" type="datetimeFigureOut">
               <a:rPr lang="en-US" dirty="0"/>
-              <a:t>11/27/2016</a:t>
+              <a:t>11/28/2016</a:t>
             </a:fld>
             <a:endParaRPr lang="en-US" dirty="0"/>
           </a:p>
@@ -4868,7 +4863,7 @@
           <a:p>
             <a:fld id="{48A87A34-81AB-432B-8DAE-1953F412C126}" type="datetimeFigureOut">
               <a:rPr lang="en-US" dirty="0"/>
-              <a:t>11/27/2016</a:t>
+              <a:t>11/28/2016</a:t>
             </a:fld>
             <a:endParaRPr lang="en-US" dirty="0"/>
           </a:p>
@@ -5126,7 +5121,7 @@
           <a:p>
             <a:fld id="{48A87A34-81AB-432B-8DAE-1953F412C126}" type="datetimeFigureOut">
               <a:rPr lang="en-US" dirty="0"/>
-              <a:t>11/27/2016</a:t>
+              <a:t>11/28/2016</a:t>
             </a:fld>
             <a:endParaRPr lang="en-US" dirty="0"/>
           </a:p>
@@ -5555,7 +5550,7 @@
           <a:p>
             <a:fld id="{48A87A34-81AB-432B-8DAE-1953F412C126}" type="datetimeFigureOut">
               <a:rPr lang="en-US" dirty="0"/>
-              <a:t>11/27/2016</a:t>
+              <a:t>11/28/2016</a:t>
             </a:fld>
             <a:endParaRPr lang="en-US" dirty="0"/>
           </a:p>
@@ -6096,7 +6091,7 @@
           <a:p>
             <a:fld id="{48A87A34-81AB-432B-8DAE-1953F412C126}" type="datetimeFigureOut">
               <a:rPr lang="en-US" dirty="0"/>
-              <a:t>11/27/2016</a:t>
+              <a:t>11/28/2016</a:t>
             </a:fld>
             <a:endParaRPr lang="en-US" dirty="0"/>
           </a:p>
@@ -6811,7 +6806,7 @@
           <a:p>
             <a:fld id="{48A87A34-81AB-432B-8DAE-1953F412C126}" type="datetimeFigureOut">
               <a:rPr lang="en-US" dirty="0"/>
-              <a:t>11/27/2016</a:t>
+              <a:t>11/28/2016</a:t>
             </a:fld>
             <a:endParaRPr lang="en-US" dirty="0"/>
           </a:p>
@@ -6976,7 +6971,7 @@
           <a:p>
             <a:fld id="{48A87A34-81AB-432B-8DAE-1953F412C126}" type="datetimeFigureOut">
               <a:rPr lang="en-US" dirty="0"/>
-              <a:t>11/27/2016</a:t>
+              <a:t>11/28/2016</a:t>
             </a:fld>
             <a:endParaRPr lang="en-US" dirty="0"/>
           </a:p>
@@ -7151,7 +7146,7 @@
           <a:p>
             <a:fld id="{48A87A34-81AB-432B-8DAE-1953F412C126}" type="datetimeFigureOut">
               <a:rPr lang="en-US" dirty="0"/>
-              <a:t>11/27/2016</a:t>
+              <a:t>11/28/2016</a:t>
             </a:fld>
             <a:endParaRPr lang="en-US" dirty="0"/>
           </a:p>
@@ -7316,7 +7311,7 @@
           <a:p>
             <a:fld id="{48A87A34-81AB-432B-8DAE-1953F412C126}" type="datetimeFigureOut">
               <a:rPr lang="en-US" dirty="0"/>
-              <a:t>11/27/2016</a:t>
+              <a:t>11/28/2016</a:t>
             </a:fld>
             <a:endParaRPr lang="en-US" dirty="0"/>
           </a:p>
@@ -7561,7 +7556,7 @@
           <a:p>
             <a:fld id="{48A87A34-81AB-432B-8DAE-1953F412C126}" type="datetimeFigureOut">
               <a:rPr lang="en-US" dirty="0"/>
-              <a:t>11/27/2016</a:t>
+              <a:t>11/28/2016</a:t>
             </a:fld>
             <a:endParaRPr lang="en-US" dirty="0"/>
           </a:p>
@@ -7788,7 +7783,7 @@
           <a:p>
             <a:fld id="{48A87A34-81AB-432B-8DAE-1953F412C126}" type="datetimeFigureOut">
               <a:rPr lang="en-US" dirty="0"/>
-              <a:t>11/27/2016</a:t>
+              <a:t>11/28/2016</a:t>
             </a:fld>
             <a:endParaRPr lang="en-US" dirty="0"/>
           </a:p>
@@ -8164,7 +8159,7 @@
           <a:p>
             <a:fld id="{48A87A34-81AB-432B-8DAE-1953F412C126}" type="datetimeFigureOut">
               <a:rPr lang="en-US" dirty="0"/>
-              <a:t>11/27/2016</a:t>
+              <a:t>11/28/2016</a:t>
             </a:fld>
             <a:endParaRPr lang="en-US" dirty="0"/>
           </a:p>
@@ -8277,7 +8272,7 @@
           <a:p>
             <a:fld id="{48A87A34-81AB-432B-8DAE-1953F412C126}" type="datetimeFigureOut">
               <a:rPr lang="en-US" dirty="0"/>
-              <a:t>11/27/2016</a:t>
+              <a:t>11/28/2016</a:t>
             </a:fld>
             <a:endParaRPr lang="en-US" dirty="0"/>
           </a:p>
@@ -8367,7 +8362,7 @@
           <a:p>
             <a:fld id="{48A87A34-81AB-432B-8DAE-1953F412C126}" type="datetimeFigureOut">
               <a:rPr lang="en-US" dirty="0"/>
-              <a:t>11/27/2016</a:t>
+              <a:t>11/28/2016</a:t>
             </a:fld>
             <a:endParaRPr lang="en-US" dirty="0"/>
           </a:p>
@@ -8611,7 +8606,7 @@
           <a:p>
             <a:fld id="{48A87A34-81AB-432B-8DAE-1953F412C126}" type="datetimeFigureOut">
               <a:rPr lang="en-US" dirty="0"/>
-              <a:t>11/27/2016</a:t>
+              <a:t>11/28/2016</a:t>
             </a:fld>
             <a:endParaRPr lang="en-US" dirty="0"/>
           </a:p>
@@ -8886,7 +8881,7 @@
           <a:p>
             <a:fld id="{48A87A34-81AB-432B-8DAE-1953F412C126}" type="datetimeFigureOut">
               <a:rPr lang="en-US" dirty="0"/>
-              <a:t>11/27/2016</a:t>
+              <a:t>11/28/2016</a:t>
             </a:fld>
             <a:endParaRPr lang="en-US" dirty="0"/>
           </a:p>
@@ -9004,7 +8999,7 @@
           <a:noFill/>
           <a:extLst>
             <a:ext uri="{909E8E84-426E-40dd-AFC4-6F175D3DCCD1}">
-              <a14:hiddenFill xmlns="" xmlns:a14="http://schemas.microsoft.com/office/drawing/2010/main">
+              <a14:hiddenFill xmlns:a14="http://schemas.microsoft.com/office/drawing/2010/main" xmlns="">
                 <a:solidFill>
                   <a:srgbClr val="FFFFFF"/>
                 </a:solidFill>
@@ -9078,7 +9073,7 @@
               </a:ln>
               <a:extLst>
                 <a:ext uri="{91240B29-F687-4f45-9708-019B960494DF}">
-                  <a14:hiddenLine xmlns="" xmlns:a14="http://schemas.microsoft.com/office/drawing/2010/main" w="9525">
+                  <a14:hiddenLine xmlns:a14="http://schemas.microsoft.com/office/drawing/2010/main" xmlns="" w="9525">
                     <a:solidFill>
                       <a:srgbClr val="000000"/>
                     </a:solidFill>
@@ -9168,7 +9163,7 @@
               </a:ln>
               <a:extLst>
                 <a:ext uri="{91240B29-F687-4f45-9708-019B960494DF}">
-                  <a14:hiddenLine xmlns="" xmlns:a14="http://schemas.microsoft.com/office/drawing/2010/main" w="9525">
+                  <a14:hiddenLine xmlns:a14="http://schemas.microsoft.com/office/drawing/2010/main" xmlns="" w="9525">
                     <a:solidFill>
                       <a:srgbClr val="000000"/>
                     </a:solidFill>
@@ -9258,7 +9253,7 @@
               </a:ln>
               <a:extLst>
                 <a:ext uri="{91240B29-F687-4f45-9708-019B960494DF}">
-                  <a14:hiddenLine xmlns="" xmlns:a14="http://schemas.microsoft.com/office/drawing/2010/main" w="9525">
+                  <a14:hiddenLine xmlns:a14="http://schemas.microsoft.com/office/drawing/2010/main" xmlns="" w="9525">
                     <a:solidFill>
                       <a:srgbClr val="000000"/>
                     </a:solidFill>
@@ -9320,7 +9315,7 @@
               </a:ln>
               <a:extLst>
                 <a:ext uri="{91240B29-F687-4f45-9708-019B960494DF}">
-                  <a14:hiddenLine xmlns="" xmlns:a14="http://schemas.microsoft.com/office/drawing/2010/main" w="9525">
+                  <a14:hiddenLine xmlns:a14="http://schemas.microsoft.com/office/drawing/2010/main" xmlns="" w="9525">
                     <a:solidFill>
                       <a:srgbClr val="000000"/>
                     </a:solidFill>
@@ -9410,7 +9405,7 @@
               </a:ln>
               <a:extLst>
                 <a:ext uri="{91240B29-F687-4f45-9708-019B960494DF}">
-                  <a14:hiddenLine xmlns="" xmlns:a14="http://schemas.microsoft.com/office/drawing/2010/main" w="9525">
+                  <a14:hiddenLine xmlns:a14="http://schemas.microsoft.com/office/drawing/2010/main" xmlns="" w="9525">
                     <a:solidFill>
                       <a:srgbClr val="000000"/>
                     </a:solidFill>
@@ -9472,7 +9467,7 @@
               </a:ln>
               <a:extLst>
                 <a:ext uri="{91240B29-F687-4f45-9708-019B960494DF}">
-                  <a14:hiddenLine xmlns="" xmlns:a14="http://schemas.microsoft.com/office/drawing/2010/main" w="9525">
+                  <a14:hiddenLine xmlns:a14="http://schemas.microsoft.com/office/drawing/2010/main" xmlns="" w="9525">
                     <a:solidFill>
                       <a:srgbClr val="000000"/>
                     </a:solidFill>
@@ -9534,7 +9529,7 @@
               </a:ln>
               <a:extLst>
                 <a:ext uri="{91240B29-F687-4f45-9708-019B960494DF}">
-                  <a14:hiddenLine xmlns="" xmlns:a14="http://schemas.microsoft.com/office/drawing/2010/main" w="9525">
+                  <a14:hiddenLine xmlns:a14="http://schemas.microsoft.com/office/drawing/2010/main" xmlns="" w="9525">
                     <a:solidFill>
                       <a:srgbClr val="000000"/>
                     </a:solidFill>
@@ -9624,7 +9619,7 @@
               </a:ln>
               <a:extLst>
                 <a:ext uri="{91240B29-F687-4f45-9708-019B960494DF}">
-                  <a14:hiddenLine xmlns="" xmlns:a14="http://schemas.microsoft.com/office/drawing/2010/main" w="9525">
+                  <a14:hiddenLine xmlns:a14="http://schemas.microsoft.com/office/drawing/2010/main" xmlns="" w="9525">
                     <a:solidFill>
                       <a:srgbClr val="000000"/>
                     </a:solidFill>
@@ -9714,7 +9709,7 @@
               </a:ln>
               <a:extLst>
                 <a:ext uri="{91240B29-F687-4f45-9708-019B960494DF}">
-                  <a14:hiddenLine xmlns="" xmlns:a14="http://schemas.microsoft.com/office/drawing/2010/main" w="9525">
+                  <a14:hiddenLine xmlns:a14="http://schemas.microsoft.com/office/drawing/2010/main" xmlns="" w="9525">
                     <a:solidFill>
                       <a:srgbClr val="000000"/>
                     </a:solidFill>
@@ -9776,7 +9771,7 @@
               </a:ln>
               <a:extLst>
                 <a:ext uri="{91240B29-F687-4f45-9708-019B960494DF}">
-                  <a14:hiddenLine xmlns="" xmlns:a14="http://schemas.microsoft.com/office/drawing/2010/main" w="9525">
+                  <a14:hiddenLine xmlns:a14="http://schemas.microsoft.com/office/drawing/2010/main" xmlns="" w="9525">
                     <a:solidFill>
                       <a:srgbClr val="000000"/>
                     </a:solidFill>
@@ -9886,7 +9881,7 @@
               </a:ln>
               <a:extLst>
                 <a:ext uri="{91240B29-F687-4f45-9708-019B960494DF}">
-                  <a14:hiddenLine xmlns="" xmlns:a14="http://schemas.microsoft.com/office/drawing/2010/main" w="9525">
+                  <a14:hiddenLine xmlns:a14="http://schemas.microsoft.com/office/drawing/2010/main" xmlns="" w="9525">
                     <a:solidFill>
                       <a:srgbClr val="000000"/>
                     </a:solidFill>
@@ -9970,7 +9965,7 @@
               </a:ln>
               <a:extLst>
                 <a:ext uri="{91240B29-F687-4f45-9708-019B960494DF}">
-                  <a14:hiddenLine xmlns="" xmlns:a14="http://schemas.microsoft.com/office/drawing/2010/main" w="9525">
+                  <a14:hiddenLine xmlns:a14="http://schemas.microsoft.com/office/drawing/2010/main" xmlns="" w="9525">
                     <a:solidFill>
                       <a:srgbClr val="000000"/>
                     </a:solidFill>
@@ -10032,7 +10027,7 @@
               </a:ln>
               <a:extLst>
                 <a:ext uri="{91240B29-F687-4f45-9708-019B960494DF}">
-                  <a14:hiddenLine xmlns="" xmlns:a14="http://schemas.microsoft.com/office/drawing/2010/main" w="9525">
+                  <a14:hiddenLine xmlns:a14="http://schemas.microsoft.com/office/drawing/2010/main" xmlns="" w="9525">
                     <a:solidFill>
                       <a:srgbClr val="000000"/>
                     </a:solidFill>
@@ -10094,7 +10089,7 @@
               </a:ln>
               <a:extLst>
                 <a:ext uri="{91240B29-F687-4f45-9708-019B960494DF}">
-                  <a14:hiddenLine xmlns="" xmlns:a14="http://schemas.microsoft.com/office/drawing/2010/main" w="9525">
+                  <a14:hiddenLine xmlns:a14="http://schemas.microsoft.com/office/drawing/2010/main" xmlns="" w="9525">
                     <a:solidFill>
                       <a:srgbClr val="000000"/>
                     </a:solidFill>
@@ -10184,7 +10179,7 @@
               </a:ln>
               <a:extLst>
                 <a:ext uri="{91240B29-F687-4f45-9708-019B960494DF}">
-                  <a14:hiddenLine xmlns="" xmlns:a14="http://schemas.microsoft.com/office/drawing/2010/main" w="9525">
+                  <a14:hiddenLine xmlns:a14="http://schemas.microsoft.com/office/drawing/2010/main" xmlns="" w="9525">
                     <a:solidFill>
                       <a:srgbClr val="000000"/>
                     </a:solidFill>
@@ -10218,7 +10213,7 @@
               </a:ln>
               <a:extLst>
                 <a:ext uri="{91240B29-F687-4f45-9708-019B960494DF}">
-                  <a14:hiddenLine xmlns="" xmlns:a14="http://schemas.microsoft.com/office/drawing/2010/main" w="9525">
+                  <a14:hiddenLine xmlns:a14="http://schemas.microsoft.com/office/drawing/2010/main" xmlns="" w="9525">
                     <a:solidFill>
                       <a:srgbClr val="000000"/>
                     </a:solidFill>
@@ -10283,7 +10278,7 @@
               </a:ln>
               <a:extLst>
                 <a:ext uri="{91240B29-F687-4f45-9708-019B960494DF}">
-                  <a14:hiddenLine xmlns="" xmlns:a14="http://schemas.microsoft.com/office/drawing/2010/main" w="9525">
+                  <a14:hiddenLine xmlns:a14="http://schemas.microsoft.com/office/drawing/2010/main" xmlns="" w="9525">
                     <a:solidFill>
                       <a:srgbClr val="000000"/>
                     </a:solidFill>
@@ -10373,7 +10368,7 @@
               </a:ln>
               <a:extLst>
                 <a:ext uri="{91240B29-F687-4f45-9708-019B960494DF}">
-                  <a14:hiddenLine xmlns="" xmlns:a14="http://schemas.microsoft.com/office/drawing/2010/main" w="9525">
+                  <a14:hiddenLine xmlns:a14="http://schemas.microsoft.com/office/drawing/2010/main" xmlns="" w="9525">
                     <a:solidFill>
                       <a:srgbClr val="000000"/>
                     </a:solidFill>
@@ -10435,7 +10430,7 @@
               </a:ln>
               <a:extLst>
                 <a:ext uri="{91240B29-F687-4f45-9708-019B960494DF}">
-                  <a14:hiddenLine xmlns="" xmlns:a14="http://schemas.microsoft.com/office/drawing/2010/main" w="9525">
+                  <a14:hiddenLine xmlns:a14="http://schemas.microsoft.com/office/drawing/2010/main" xmlns="" w="9525">
                     <a:solidFill>
                       <a:srgbClr val="000000"/>
                     </a:solidFill>
@@ -10525,7 +10520,7 @@
               </a:ln>
               <a:extLst>
                 <a:ext uri="{91240B29-F687-4f45-9708-019B960494DF}">
-                  <a14:hiddenLine xmlns="" xmlns:a14="http://schemas.microsoft.com/office/drawing/2010/main" w="9525">
+                  <a14:hiddenLine xmlns:a14="http://schemas.microsoft.com/office/drawing/2010/main" xmlns="" w="9525">
                     <a:solidFill>
                       <a:srgbClr val="000000"/>
                     </a:solidFill>
@@ -10590,7 +10585,7 @@
               </a:ln>
               <a:extLst>
                 <a:ext uri="{91240B29-F687-4f45-9708-019B960494DF}">
-                  <a14:hiddenLine xmlns="" xmlns:a14="http://schemas.microsoft.com/office/drawing/2010/main" w="9525">
+                  <a14:hiddenLine xmlns:a14="http://schemas.microsoft.com/office/drawing/2010/main" xmlns="" w="9525">
                     <a:solidFill>
                       <a:srgbClr val="000000"/>
                     </a:solidFill>
@@ -10652,7 +10647,7 @@
               </a:ln>
               <a:extLst>
                 <a:ext uri="{91240B29-F687-4f45-9708-019B960494DF}">
-                  <a14:hiddenLine xmlns="" xmlns:a14="http://schemas.microsoft.com/office/drawing/2010/main" w="9525">
+                  <a14:hiddenLine xmlns:a14="http://schemas.microsoft.com/office/drawing/2010/main" xmlns="" w="9525">
                     <a:solidFill>
                       <a:srgbClr val="000000"/>
                     </a:solidFill>
@@ -10742,7 +10737,7 @@
               </a:ln>
               <a:extLst>
                 <a:ext uri="{91240B29-F687-4f45-9708-019B960494DF}">
-                  <a14:hiddenLine xmlns="" xmlns:a14="http://schemas.microsoft.com/office/drawing/2010/main" w="9525">
+                  <a14:hiddenLine xmlns:a14="http://schemas.microsoft.com/office/drawing/2010/main" xmlns="" w="9525">
                     <a:solidFill>
                       <a:srgbClr val="000000"/>
                     </a:solidFill>
@@ -10832,7 +10827,7 @@
               </a:ln>
               <a:extLst>
                 <a:ext uri="{91240B29-F687-4f45-9708-019B960494DF}">
-                  <a14:hiddenLine xmlns="" xmlns:a14="http://schemas.microsoft.com/office/drawing/2010/main" w="9525">
+                  <a14:hiddenLine xmlns:a14="http://schemas.microsoft.com/office/drawing/2010/main" xmlns="" w="9525">
                     <a:solidFill>
                       <a:srgbClr val="000000"/>
                     </a:solidFill>
@@ -10897,7 +10892,7 @@
               </a:ln>
               <a:extLst>
                 <a:ext uri="{91240B29-F687-4f45-9708-019B960494DF}">
-                  <a14:hiddenLine xmlns="" xmlns:a14="http://schemas.microsoft.com/office/drawing/2010/main" w="9525">
+                  <a14:hiddenLine xmlns:a14="http://schemas.microsoft.com/office/drawing/2010/main" xmlns="" w="9525">
                     <a:solidFill>
                       <a:srgbClr val="000000"/>
                     </a:solidFill>
@@ -11017,7 +11012,7 @@
               </a:ln>
               <a:extLst>
                 <a:ext uri="{91240B29-F687-4f45-9708-019B960494DF}">
-                  <a14:hiddenLine xmlns="" xmlns:a14="http://schemas.microsoft.com/office/drawing/2010/main" w="9525">
+                  <a14:hiddenLine xmlns:a14="http://schemas.microsoft.com/office/drawing/2010/main" xmlns="" w="9525">
                     <a:solidFill>
                       <a:srgbClr val="000000"/>
                     </a:solidFill>
@@ -11098,7 +11093,7 @@
               </a:ln>
               <a:extLst>
                 <a:ext uri="{91240B29-F687-4f45-9708-019B960494DF}">
-                  <a14:hiddenLine xmlns="" xmlns:a14="http://schemas.microsoft.com/office/drawing/2010/main" w="9525">
+                  <a14:hiddenLine xmlns:a14="http://schemas.microsoft.com/office/drawing/2010/main" xmlns="" w="9525">
                     <a:solidFill>
                       <a:srgbClr val="000000"/>
                     </a:solidFill>
@@ -11213,7 +11208,7 @@
               </a:ln>
               <a:extLst>
                 <a:ext uri="{91240B29-F687-4f45-9708-019B960494DF}">
-                  <a14:hiddenLine xmlns="" xmlns:a14="http://schemas.microsoft.com/office/drawing/2010/main" w="9525">
+                  <a14:hiddenLine xmlns:a14="http://schemas.microsoft.com/office/drawing/2010/main" xmlns="" w="9525">
                     <a:solidFill>
                       <a:srgbClr val="000000"/>
                     </a:solidFill>
@@ -11303,7 +11298,7 @@
               </a:ln>
               <a:extLst>
                 <a:ext uri="{91240B29-F687-4f45-9708-019B960494DF}">
-                  <a14:hiddenLine xmlns="" xmlns:a14="http://schemas.microsoft.com/office/drawing/2010/main" w="9525">
+                  <a14:hiddenLine xmlns:a14="http://schemas.microsoft.com/office/drawing/2010/main" xmlns="" w="9525">
                     <a:solidFill>
                       <a:srgbClr val="000000"/>
                     </a:solidFill>
@@ -11368,7 +11363,7 @@
               </a:ln>
               <a:extLst>
                 <a:ext uri="{91240B29-F687-4f45-9708-019B960494DF}">
-                  <a14:hiddenLine xmlns="" xmlns:a14="http://schemas.microsoft.com/office/drawing/2010/main" w="9525">
+                  <a14:hiddenLine xmlns:a14="http://schemas.microsoft.com/office/drawing/2010/main" xmlns="" w="9525">
                     <a:solidFill>
                       <a:srgbClr val="000000"/>
                     </a:solidFill>
@@ -11458,7 +11453,7 @@
               </a:ln>
               <a:extLst>
                 <a:ext uri="{91240B29-F687-4f45-9708-019B960494DF}">
-                  <a14:hiddenLine xmlns="" xmlns:a14="http://schemas.microsoft.com/office/drawing/2010/main" w="9525">
+                  <a14:hiddenLine xmlns:a14="http://schemas.microsoft.com/office/drawing/2010/main" xmlns="" w="9525">
                     <a:solidFill>
                       <a:srgbClr val="000000"/>
                     </a:solidFill>
@@ -11526,7 +11521,7 @@
               </a:ln>
               <a:extLst>
                 <a:ext uri="{91240B29-F687-4f45-9708-019B960494DF}">
-                  <a14:hiddenLine xmlns="" xmlns:a14="http://schemas.microsoft.com/office/drawing/2010/main" w="9525">
+                  <a14:hiddenLine xmlns:a14="http://schemas.microsoft.com/office/drawing/2010/main" xmlns="" w="9525">
                     <a:solidFill>
                       <a:srgbClr val="000000"/>
                     </a:solidFill>
@@ -11616,7 +11611,7 @@
               </a:ln>
               <a:extLst>
                 <a:ext uri="{91240B29-F687-4f45-9708-019B960494DF}">
-                  <a14:hiddenLine xmlns="" xmlns:a14="http://schemas.microsoft.com/office/drawing/2010/main" w="9525">
+                  <a14:hiddenLine xmlns:a14="http://schemas.microsoft.com/office/drawing/2010/main" xmlns="" w="9525">
                     <a:solidFill>
                       <a:srgbClr val="000000"/>
                     </a:solidFill>
@@ -11684,7 +11679,7 @@
               </a:ln>
               <a:extLst>
                 <a:ext uri="{91240B29-F687-4f45-9708-019B960494DF}">
-                  <a14:hiddenLine xmlns="" xmlns:a14="http://schemas.microsoft.com/office/drawing/2010/main" w="9525">
+                  <a14:hiddenLine xmlns:a14="http://schemas.microsoft.com/office/drawing/2010/main" xmlns="" w="9525">
                     <a:solidFill>
                       <a:srgbClr val="000000"/>
                     </a:solidFill>
@@ -11774,7 +11769,7 @@
               </a:ln>
               <a:extLst>
                 <a:ext uri="{91240B29-F687-4f45-9708-019B960494DF}">
-                  <a14:hiddenLine xmlns="" xmlns:a14="http://schemas.microsoft.com/office/drawing/2010/main" w="9525">
+                  <a14:hiddenLine xmlns:a14="http://schemas.microsoft.com/office/drawing/2010/main" xmlns="" w="9525">
                     <a:solidFill>
                       <a:srgbClr val="000000"/>
                     </a:solidFill>
@@ -11808,7 +11803,7 @@
               </a:ln>
               <a:extLst>
                 <a:ext uri="{91240B29-F687-4f45-9708-019B960494DF}">
-                  <a14:hiddenLine xmlns="" xmlns:a14="http://schemas.microsoft.com/office/drawing/2010/main" w="9525">
+                  <a14:hiddenLine xmlns:a14="http://schemas.microsoft.com/office/drawing/2010/main" xmlns="" w="9525">
                     <a:solidFill>
                       <a:srgbClr val="000000"/>
                     </a:solidFill>
@@ -11949,7 +11944,7 @@
             <a:fld id="{48A87A34-81AB-432B-8DAE-1953F412C126}" type="datetimeFigureOut">
               <a:rPr lang="en-US" dirty="0"/>
               <a:pPr/>
-              <a:t>11/27/2016</a:t>
+              <a:t>11/28/2016</a:t>
             </a:fld>
             <a:endParaRPr lang="en-US" dirty="0"/>
           </a:p>
@@ -12457,6 +12452,13 @@
   <p:clrMapOvr>
     <a:masterClrMapping/>
   </p:clrMapOvr>
+  <p:timing>
+    <p:tnLst>
+      <p:par>
+        <p:cTn id="1" dur="indefinite" restart="never" nodeType="tmRoot"/>
+      </p:par>
+    </p:tnLst>
+  </p:timing>
 </p:sld>
 </file>
 
@@ -12589,6 +12591,13 @@
   <p:clrMapOvr>
     <a:masterClrMapping/>
   </p:clrMapOvr>
+  <p:timing>
+    <p:tnLst>
+      <p:par>
+        <p:cTn id="1" dur="indefinite" restart="never" nodeType="tmRoot"/>
+      </p:par>
+    </p:tnLst>
+  </p:timing>
 </p:sld>
 </file>
 
@@ -12685,6 +12694,13 @@
   <p:clrMapOvr>
     <a:masterClrMapping/>
   </p:clrMapOvr>
+  <p:timing>
+    <p:tnLst>
+      <p:par>
+        <p:cTn id="1" dur="indefinite" restart="never" nodeType="tmRoot"/>
+      </p:par>
+    </p:tnLst>
+  </p:timing>
 </p:sld>
 </file>
 
@@ -12833,6 +12849,13 @@
   <p:clrMapOvr>
     <a:masterClrMapping/>
   </p:clrMapOvr>
+  <p:timing>
+    <p:tnLst>
+      <p:par>
+        <p:cTn id="1" dur="indefinite" restart="never" nodeType="tmRoot"/>
+      </p:par>
+    </p:tnLst>
+  </p:timing>
 </p:sld>
 </file>
 
@@ -12913,6 +12936,13 @@
   <p:clrMapOvr>
     <a:masterClrMapping/>
   </p:clrMapOvr>
+  <p:timing>
+    <p:tnLst>
+      <p:par>
+        <p:cTn id="1" dur="indefinite" restart="never" nodeType="tmRoot"/>
+      </p:par>
+    </p:tnLst>
+  </p:timing>
 </p:sld>
 </file>
 
@@ -12950,13 +12980,8 @@
           <a:p>
             <a:r>
               <a:rPr lang="en-US" dirty="0"/>
-              <a:t>Component: </a:t>
-            </a:r>
-            <a:r>
-              <a:rPr lang="en-US" dirty="0" err="1"/>
-              <a:t>pubsub</a:t>
-            </a:r>
-            <a:endParaRPr lang="en-US" dirty="0"/>
+              <a:t>Deployment scenarios</a:t>
+            </a:r>
           </a:p>
         </p:txBody>
       </p:sp>
@@ -12970,157 +12995,99 @@
             <p:ph idx="1"/>
           </p:nvPr>
         </p:nvSpPr>
-        <p:spPr/>
+        <p:spPr>
+          <a:xfrm>
+            <a:off x="1141412" y="2249487"/>
+            <a:ext cx="9905999" cy="3874476"/>
+          </a:xfrm>
+        </p:spPr>
         <p:txBody>
-          <a:bodyPr/>
+          <a:bodyPr>
+            <a:normAutofit/>
+          </a:bodyPr>
           <a:lstStyle/>
           <a:p>
             <a:r>
-              <a:rPr lang="en-US" dirty="0">
-                <a:solidFill>
-                  <a:schemeClr val="bg1"/>
-                </a:solidFill>
-              </a:rPr>
-              <a:t>Apache Kafka</a:t>
+              <a:rPr lang="en-US" dirty="0" smtClean="0"/>
+              <a:t>New </a:t>
             </a:r>
             <a:r>
               <a:rPr lang="en-US" dirty="0"/>
-              <a:t>, unmodified</a:t>
-            </a:r>
-          </a:p>
-          <a:p>
+              <a:t>deployments</a:t>
+            </a:r>
+          </a:p>
+          <a:p>
+            <a:pPr lvl="1"/>
             <a:r>
               <a:rPr lang="en-US" dirty="0"/>
-              <a:t>Message router</a:t>
-            </a:r>
-          </a:p>
-          <a:p>
+              <a:t>Metropolitan Intelligent Transportation System</a:t>
+            </a:r>
+          </a:p>
+          <a:p>
+            <a:pPr lvl="1"/>
+            <a:r>
+              <a:rPr lang="en-US" dirty="0" err="1"/>
+              <a:t>CloudRAN</a:t>
+            </a:r>
             <a:r>
               <a:rPr lang="en-US" dirty="0"/>
-              <a:t>Useful for mobile: offsets</a:t>
+              <a:t> Data Center</a:t>
+            </a:r>
+          </a:p>
+          <a:p>
+            <a:r>
+              <a:rPr lang="en-US" dirty="0"/>
+              <a:t>Existing deployments</a:t>
+            </a:r>
+          </a:p>
+          <a:p>
+            <a:pPr lvl="1"/>
+            <a:r>
+              <a:rPr lang="en-US" dirty="0"/>
+              <a:t>Interpose at MTSO (a la SMORE)</a:t>
+            </a:r>
+          </a:p>
+          <a:p>
+            <a:pPr lvl="1"/>
+            <a:r>
+              <a:rPr lang="en-US" dirty="0"/>
+              <a:t>Integrate into </a:t>
+            </a:r>
+            <a:r>
+              <a:rPr lang="en-US" dirty="0" err="1"/>
+              <a:t>eNodeB</a:t>
+            </a:r>
+            <a:r>
+              <a:rPr lang="en-US" dirty="0"/>
+              <a:t>, right at the edge</a:t>
+            </a:r>
+          </a:p>
+          <a:p>
+            <a:pPr lvl="1"/>
+            <a:r>
+              <a:rPr lang="en-US" dirty="0"/>
+              <a:t>North of PGW, dedicated or default bearer</a:t>
             </a:r>
           </a:p>
         </p:txBody>
       </p:sp>
-      <p:pic>
-        <p:nvPicPr>
-          <p:cNvPr id="4" name="Picture 3"/>
-          <p:cNvPicPr>
-            <a:picLocks noChangeAspect="1"/>
-          </p:cNvPicPr>
-          <p:nvPr/>
-        </p:nvPicPr>
-        <p:blipFill>
-          <a:blip r:embed="rId2"/>
-          <a:stretch>
-            <a:fillRect/>
-          </a:stretch>
-        </p:blipFill>
-        <p:spPr>
-          <a:xfrm>
-            <a:off x="5383418" y="1761411"/>
-            <a:ext cx="5663993" cy="4125926"/>
-          </a:xfrm>
-          <a:prstGeom prst="rect">
-            <a:avLst/>
-          </a:prstGeom>
-        </p:spPr>
-      </p:pic>
-      <p:sp>
-        <p:nvSpPr>
-          <p:cNvPr id="5" name="Rectangle: Rounded Corners 4"/>
-          <p:cNvSpPr/>
-          <p:nvPr/>
-        </p:nvSpPr>
-        <p:spPr>
-          <a:xfrm>
-            <a:off x="5553512" y="2885813"/>
-            <a:ext cx="2256638" cy="310393"/>
-          </a:xfrm>
-          <a:prstGeom prst="roundRect">
-            <a:avLst/>
-          </a:prstGeom>
-          <a:noFill/>
-          <a:ln w="28575">
-            <a:solidFill>
-              <a:srgbClr val="92D050"/>
-            </a:solidFill>
-          </a:ln>
-        </p:spPr>
-        <p:style>
-          <a:lnRef idx="2">
-            <a:schemeClr val="accent1">
-              <a:shade val="50000"/>
-            </a:schemeClr>
-          </a:lnRef>
-          <a:fillRef idx="1">
-            <a:schemeClr val="accent1"/>
-          </a:fillRef>
-          <a:effectRef idx="0">
-            <a:schemeClr val="accent1"/>
-          </a:effectRef>
-          <a:fontRef idx="minor">
-            <a:schemeClr val="lt1"/>
-          </a:fontRef>
-        </p:style>
-        <p:txBody>
-          <a:bodyPr rtlCol="0" anchor="ctr"/>
-          <a:lstStyle/>
-          <a:p>
-            <a:pPr algn="ctr"/>
-            <a:endParaRPr lang="en-US"/>
-          </a:p>
-        </p:txBody>
-      </p:sp>
-      <p:cxnSp>
-        <p:nvCxnSpPr>
-          <p:cNvPr id="7" name="Connector: Elbow 6"/>
-          <p:cNvCxnSpPr>
-            <a:cxnSpLocks/>
-            <a:stCxn id="5" idx="1"/>
-          </p:cNvCxnSpPr>
-          <p:nvPr/>
-        </p:nvCxnSpPr>
-        <p:spPr>
-          <a:xfrm rot="10800000">
-            <a:off x="5058562" y="1761412"/>
-            <a:ext cx="494951" cy="1279599"/>
-          </a:xfrm>
-          <a:prstGeom prst="bentConnector2">
-            <a:avLst/>
-          </a:prstGeom>
-          <a:ln w="28575">
-            <a:solidFill>
-              <a:srgbClr val="92D050"/>
-            </a:solidFill>
-            <a:tailEnd type="triangle"/>
-          </a:ln>
-        </p:spPr>
-        <p:style>
-          <a:lnRef idx="1">
-            <a:schemeClr val="accent1"/>
-          </a:lnRef>
-          <a:fillRef idx="0">
-            <a:schemeClr val="accent1"/>
-          </a:fillRef>
-          <a:effectRef idx="0">
-            <a:schemeClr val="accent1"/>
-          </a:effectRef>
-          <a:fontRef idx="minor">
-            <a:schemeClr val="tx1"/>
-          </a:fontRef>
-        </p:style>
-      </p:cxnSp>
     </p:spTree>
     <p:extLst>
       <p:ext uri="{BB962C8B-B14F-4D97-AF65-F5344CB8AC3E}">
-        <p14:creationId xmlns:p14="http://schemas.microsoft.com/office/powerpoint/2010/main" val="1077428074"/>
+        <p14:creationId xmlns:p14="http://schemas.microsoft.com/office/powerpoint/2010/main" val="558600912"/>
       </p:ext>
     </p:extLst>
   </p:cSld>
   <p:clrMapOvr>
     <a:masterClrMapping/>
   </p:clrMapOvr>
+  <p:timing>
+    <p:tnLst>
+      <p:par>
+        <p:cTn id="1" dur="indefinite" restart="never" nodeType="tmRoot"/>
+      </p:par>
+    </p:tnLst>
+  </p:timing>
 </p:sld>
 </file>
 
@@ -13151,54 +13118,20 @@
             <p:ph type="title"/>
           </p:nvPr>
         </p:nvSpPr>
-        <p:spPr/>
+        <p:spPr>
+          <a:xfrm>
+            <a:off x="1141413" y="232624"/>
+            <a:ext cx="9905998" cy="1478570"/>
+          </a:xfrm>
+        </p:spPr>
         <p:txBody>
           <a:bodyPr/>
           <a:lstStyle/>
           <a:p>
+            <a:pPr algn="ctr"/>
             <a:r>
               <a:rPr lang="en-US" dirty="0"/>
-              <a:t>Component: Broker</a:t>
-            </a:r>
-          </a:p>
-        </p:txBody>
-      </p:sp>
-      <p:sp>
-        <p:nvSpPr>
-          <p:cNvPr id="3" name="Content Placeholder 2"/>
-          <p:cNvSpPr>
-            <a:spLocks noGrp="1"/>
-          </p:cNvSpPr>
-          <p:nvPr>
-            <p:ph idx="1"/>
-          </p:nvPr>
-        </p:nvSpPr>
-        <p:spPr/>
-        <p:txBody>
-          <a:bodyPr/>
-          <a:lstStyle/>
-          <a:p>
-            <a:r>
-              <a:rPr lang="en-US" dirty="0"/>
-              <a:t>Central message processing</a:t>
-            </a:r>
-          </a:p>
-          <a:p>
-            <a:r>
-              <a:rPr lang="en-US" dirty="0"/>
-              <a:t>Aggregating functions</a:t>
-            </a:r>
-          </a:p>
-          <a:p>
-            <a:r>
-              <a:rPr lang="en-US" dirty="0"/>
-              <a:t>Data analysis/trending</a:t>
-            </a:r>
-          </a:p>
-          <a:p>
-            <a:r>
-              <a:rPr lang="en-US" dirty="0"/>
-              <a:t>Not mandatory for comm.</a:t>
+              <a:t>Deployment scenarios – Metro ITS</a:t>
             </a:r>
           </a:p>
         </p:txBody>
@@ -13211,117 +13144,38 @@
           </p:cNvPicPr>
           <p:nvPr/>
         </p:nvPicPr>
-        <p:blipFill>
+        <p:blipFill rotWithShape="1">
           <a:blip r:embed="rId2"/>
-          <a:stretch>
-            <a:fillRect/>
-          </a:stretch>
+          <a:srcRect r="67870" b="-22"/>
+          <a:stretch/>
         </p:blipFill>
         <p:spPr>
           <a:xfrm>
-            <a:off x="5383418" y="1761411"/>
-            <a:ext cx="5663993" cy="4125926"/>
+            <a:off x="4335303" y="1546746"/>
+            <a:ext cx="3518218" cy="4698368"/>
           </a:xfrm>
           <a:prstGeom prst="rect">
             <a:avLst/>
           </a:prstGeom>
         </p:spPr>
       </p:pic>
-      <p:sp>
-        <p:nvSpPr>
-          <p:cNvPr id="5" name="Rectangle: Rounded Corners 4"/>
-          <p:cNvSpPr/>
-          <p:nvPr/>
-        </p:nvSpPr>
-        <p:spPr>
-          <a:xfrm>
-            <a:off x="6350466" y="3322039"/>
-            <a:ext cx="687897" cy="520119"/>
-          </a:xfrm>
-          <a:prstGeom prst="roundRect">
-            <a:avLst/>
-          </a:prstGeom>
-          <a:noFill/>
-          <a:ln w="28575">
-            <a:solidFill>
-              <a:srgbClr val="92D050"/>
-            </a:solidFill>
-          </a:ln>
-        </p:spPr>
-        <p:style>
-          <a:lnRef idx="2">
-            <a:schemeClr val="accent1">
-              <a:shade val="50000"/>
-            </a:schemeClr>
-          </a:lnRef>
-          <a:fillRef idx="1">
-            <a:schemeClr val="accent1"/>
-          </a:fillRef>
-          <a:effectRef idx="0">
-            <a:schemeClr val="accent1"/>
-          </a:effectRef>
-          <a:fontRef idx="minor">
-            <a:schemeClr val="lt1"/>
-          </a:fontRef>
-        </p:style>
-        <p:txBody>
-          <a:bodyPr rtlCol="0" anchor="ctr"/>
-          <a:lstStyle/>
-          <a:p>
-            <a:pPr algn="ctr"/>
-            <a:endParaRPr lang="en-US"/>
-          </a:p>
-        </p:txBody>
-      </p:sp>
-      <p:cxnSp>
-        <p:nvCxnSpPr>
-          <p:cNvPr id="7" name="Connector: Elbow 6"/>
-          <p:cNvCxnSpPr>
-            <a:cxnSpLocks/>
-            <a:stCxn id="5" idx="1"/>
-          </p:cNvCxnSpPr>
-          <p:nvPr/>
-        </p:nvCxnSpPr>
-        <p:spPr>
-          <a:xfrm rot="10800000">
-            <a:off x="5075340" y="1761411"/>
-            <a:ext cx="1275127" cy="1820688"/>
-          </a:xfrm>
-          <a:prstGeom prst="bentConnector2">
-            <a:avLst/>
-          </a:prstGeom>
-          <a:ln w="28575">
-            <a:solidFill>
-              <a:srgbClr val="92D050"/>
-            </a:solidFill>
-            <a:tailEnd type="triangle"/>
-          </a:ln>
-        </p:spPr>
-        <p:style>
-          <a:lnRef idx="1">
-            <a:schemeClr val="accent1"/>
-          </a:lnRef>
-          <a:fillRef idx="0">
-            <a:schemeClr val="accent1"/>
-          </a:fillRef>
-          <a:effectRef idx="0">
-            <a:schemeClr val="accent1"/>
-          </a:effectRef>
-          <a:fontRef idx="minor">
-            <a:schemeClr val="tx1"/>
-          </a:fontRef>
-        </p:style>
-      </p:cxnSp>
     </p:spTree>
     <p:extLst>
       <p:ext uri="{BB962C8B-B14F-4D97-AF65-F5344CB8AC3E}">
-        <p14:creationId xmlns:p14="http://schemas.microsoft.com/office/powerpoint/2010/main" val="3250141956"/>
+        <p14:creationId xmlns:p14="http://schemas.microsoft.com/office/powerpoint/2010/main" val="188553244"/>
       </p:ext>
     </p:extLst>
   </p:cSld>
   <p:clrMapOvr>
     <a:masterClrMapping/>
   </p:clrMapOvr>
+  <p:timing>
+    <p:tnLst>
+      <p:par>
+        <p:cTn id="1" dur="indefinite" restart="never" nodeType="tmRoot"/>
+      </p:par>
+    </p:tnLst>
+  </p:timing>
 </p:sld>
 </file>
 
@@ -13352,183 +13206,64 @@
             <p:ph type="title"/>
           </p:nvPr>
         </p:nvSpPr>
-        <p:spPr/>
+        <p:spPr>
+          <a:xfrm>
+            <a:off x="1141413" y="299736"/>
+            <a:ext cx="9905998" cy="1478570"/>
+          </a:xfrm>
+        </p:spPr>
         <p:txBody>
           <a:bodyPr/>
           <a:lstStyle/>
           <a:p>
+            <a:pPr algn="ctr"/>
             <a:r>
               <a:rPr lang="en-US" dirty="0"/>
-              <a:t>Component: Adapter</a:t>
-            </a:r>
-          </a:p>
-        </p:txBody>
-      </p:sp>
-      <p:sp>
-        <p:nvSpPr>
-          <p:cNvPr id="3" name="Content Placeholder 2"/>
-          <p:cNvSpPr>
-            <a:spLocks noGrp="1"/>
-          </p:cNvSpPr>
-          <p:nvPr>
-            <p:ph idx="1"/>
-          </p:nvPr>
-        </p:nvSpPr>
-        <p:spPr/>
-        <p:txBody>
-          <a:bodyPr/>
-          <a:lstStyle/>
-          <a:p>
-            <a:r>
-              <a:rPr lang="en-US" dirty="0"/>
-              <a:t>Interface between worlds</a:t>
-            </a:r>
-          </a:p>
-          <a:p>
-            <a:r>
-              <a:rPr lang="en-US" dirty="0"/>
-              <a:t>Manages client sessions</a:t>
-            </a:r>
-          </a:p>
-          <a:p>
-            <a:r>
-              <a:rPr lang="en-US" dirty="0"/>
-              <a:t>Uses core network transports</a:t>
-            </a:r>
-          </a:p>
-          <a:p>
-            <a:r>
-              <a:rPr lang="en-US" dirty="0"/>
-              <a:t>Change for deployment/tech</a:t>
-            </a:r>
-          </a:p>
-          <a:p>
-            <a:r>
-              <a:rPr lang="en-US" dirty="0"/>
-              <a:t>Enforces Trust</a:t>
+              <a:t>Deployment scenarios - MTSO</a:t>
             </a:r>
           </a:p>
         </p:txBody>
       </p:sp>
       <p:pic>
         <p:nvPicPr>
-          <p:cNvPr id="4" name="Picture 3"/>
+          <p:cNvPr id="3" name="Picture 2"/>
           <p:cNvPicPr>
             <a:picLocks noChangeAspect="1"/>
           </p:cNvPicPr>
           <p:nvPr/>
         </p:nvPicPr>
-        <p:blipFill>
+        <p:blipFill rotWithShape="1">
           <a:blip r:embed="rId2"/>
-          <a:stretch>
-            <a:fillRect/>
-          </a:stretch>
+          <a:srcRect l="33250" r="33250"/>
+          <a:stretch/>
         </p:blipFill>
         <p:spPr>
           <a:xfrm>
-            <a:off x="5383418" y="1761411"/>
-            <a:ext cx="5663993" cy="4125926"/>
+            <a:off x="4237517" y="1565734"/>
+            <a:ext cx="3713789" cy="4755683"/>
           </a:xfrm>
           <a:prstGeom prst="rect">
             <a:avLst/>
           </a:prstGeom>
         </p:spPr>
       </p:pic>
-      <p:sp>
-        <p:nvSpPr>
-          <p:cNvPr id="5" name="Rectangle: Rounded Corners 4"/>
-          <p:cNvSpPr/>
-          <p:nvPr/>
-        </p:nvSpPr>
-        <p:spPr>
-          <a:xfrm>
-            <a:off x="7935987" y="2709644"/>
-            <a:ext cx="838898" cy="721454"/>
-          </a:xfrm>
-          <a:prstGeom prst="roundRect">
-            <a:avLst/>
-          </a:prstGeom>
-          <a:noFill/>
-          <a:ln w="28575">
-            <a:solidFill>
-              <a:srgbClr val="92D050"/>
-            </a:solidFill>
-          </a:ln>
-        </p:spPr>
-        <p:style>
-          <a:lnRef idx="2">
-            <a:schemeClr val="accent1">
-              <a:shade val="50000"/>
-            </a:schemeClr>
-          </a:lnRef>
-          <a:fillRef idx="1">
-            <a:schemeClr val="accent1"/>
-          </a:fillRef>
-          <a:effectRef idx="0">
-            <a:schemeClr val="accent1"/>
-          </a:effectRef>
-          <a:fontRef idx="minor">
-            <a:schemeClr val="lt1"/>
-          </a:fontRef>
-        </p:style>
-        <p:txBody>
-          <a:bodyPr rtlCol="0" anchor="ctr"/>
-          <a:lstStyle/>
-          <a:p>
-            <a:pPr algn="ctr"/>
-            <a:endParaRPr lang="en-US"/>
-          </a:p>
-        </p:txBody>
-      </p:sp>
-      <p:cxnSp>
-        <p:nvCxnSpPr>
-          <p:cNvPr id="7" name="Connector: Elbow 6"/>
-          <p:cNvCxnSpPr>
-            <a:cxnSpLocks/>
-            <a:stCxn id="5" idx="0"/>
-          </p:cNvCxnSpPr>
-          <p:nvPr/>
-        </p:nvCxnSpPr>
-        <p:spPr>
-          <a:xfrm rot="16200000" flipV="1">
-            <a:off x="6509862" y="864069"/>
-            <a:ext cx="1359014" cy="2332135"/>
-          </a:xfrm>
-          <a:prstGeom prst="bentConnector2">
-            <a:avLst/>
-          </a:prstGeom>
-          <a:ln w="28575">
-            <a:solidFill>
-              <a:srgbClr val="92D050"/>
-            </a:solidFill>
-            <a:tailEnd type="triangle"/>
-          </a:ln>
-        </p:spPr>
-        <p:style>
-          <a:lnRef idx="1">
-            <a:schemeClr val="accent1"/>
-          </a:lnRef>
-          <a:fillRef idx="0">
-            <a:schemeClr val="accent1"/>
-          </a:fillRef>
-          <a:effectRef idx="0">
-            <a:schemeClr val="accent1"/>
-          </a:effectRef>
-          <a:fontRef idx="minor">
-            <a:schemeClr val="tx1"/>
-          </a:fontRef>
-        </p:style>
-      </p:cxnSp>
     </p:spTree>
     <p:extLst>
       <p:ext uri="{BB962C8B-B14F-4D97-AF65-F5344CB8AC3E}">
-        <p14:creationId xmlns:p14="http://schemas.microsoft.com/office/powerpoint/2010/main" val="2596559493"/>
+        <p14:creationId xmlns:p14="http://schemas.microsoft.com/office/powerpoint/2010/main" val="597229695"/>
       </p:ext>
     </p:extLst>
   </p:cSld>
   <p:clrMapOvr>
     <a:masterClrMapping/>
   </p:clrMapOvr>
+  <p:timing>
+    <p:tnLst>
+      <p:par>
+        <p:cTn id="1" dur="indefinite" restart="never" nodeType="tmRoot"/>
+      </p:par>
+    </p:tnLst>
+  </p:timing>
 </p:sld>
 </file>
 
@@ -13559,518 +13294,69 @@
             <p:ph type="title"/>
           </p:nvPr>
         </p:nvSpPr>
-        <p:spPr/>
+        <p:spPr>
+          <a:xfrm>
+            <a:off x="1141413" y="308125"/>
+            <a:ext cx="9905998" cy="1478570"/>
+          </a:xfrm>
+        </p:spPr>
         <p:txBody>
           <a:bodyPr/>
           <a:lstStyle/>
           <a:p>
+            <a:pPr algn="ctr"/>
             <a:r>
               <a:rPr lang="en-US" dirty="0"/>
-              <a:t>Component: client endpoint</a:t>
-            </a:r>
-          </a:p>
-        </p:txBody>
-      </p:sp>
-      <p:sp>
-        <p:nvSpPr>
-          <p:cNvPr id="3" name="Content Placeholder 2"/>
-          <p:cNvSpPr>
-            <a:spLocks noGrp="1"/>
-          </p:cNvSpPr>
-          <p:nvPr>
-            <p:ph idx="1"/>
-          </p:nvPr>
-        </p:nvSpPr>
-        <p:spPr/>
-        <p:txBody>
-          <a:bodyPr/>
-          <a:lstStyle/>
-          <a:p>
-            <a:r>
-              <a:rPr lang="en-US" dirty="0"/>
-              <a:t>Client-side interface</a:t>
-            </a:r>
-          </a:p>
-          <a:p>
-            <a:r>
-              <a:rPr lang="en-US" dirty="0"/>
-              <a:t>Connects local apps</a:t>
-            </a:r>
-          </a:p>
-          <a:p>
-            <a:r>
-              <a:rPr lang="en-US" dirty="0"/>
-              <a:t>Reports telemetry</a:t>
-            </a:r>
-          </a:p>
-          <a:p>
-            <a:r>
-              <a:rPr lang="en-US" dirty="0"/>
-              <a:t>Maintains session</a:t>
-            </a:r>
+              <a:t>Deployment scenarios – </a:t>
+            </a:r>
+            <a:r>
+              <a:rPr lang="en-US" dirty="0" err="1"/>
+              <a:t>enodeb</a:t>
+            </a:r>
+            <a:endParaRPr lang="en-US" dirty="0"/>
           </a:p>
         </p:txBody>
       </p:sp>
       <p:pic>
         <p:nvPicPr>
-          <p:cNvPr id="4" name="Picture 3"/>
+          <p:cNvPr id="3" name="Picture 2"/>
           <p:cNvPicPr>
             <a:picLocks noChangeAspect="1"/>
           </p:cNvPicPr>
           <p:nvPr/>
         </p:nvPicPr>
-        <p:blipFill>
+        <p:blipFill rotWithShape="1">
           <a:blip r:embed="rId2"/>
-          <a:stretch>
-            <a:fillRect/>
-          </a:stretch>
+          <a:srcRect l="67747" t="239" r="-59"/>
+          <a:stretch/>
         </p:blipFill>
         <p:spPr>
           <a:xfrm>
-            <a:off x="5383418" y="1761411"/>
-            <a:ext cx="5663993" cy="4125926"/>
+            <a:off x="4303363" y="1627464"/>
+            <a:ext cx="3582098" cy="4744287"/>
           </a:xfrm>
           <a:prstGeom prst="rect">
             <a:avLst/>
           </a:prstGeom>
         </p:spPr>
       </p:pic>
-      <p:sp>
-        <p:nvSpPr>
-          <p:cNvPr id="5" name="Rectangle: Rounded Corners 4"/>
-          <p:cNvSpPr/>
-          <p:nvPr/>
-        </p:nvSpPr>
-        <p:spPr>
-          <a:xfrm>
-            <a:off x="10268125" y="3833770"/>
-            <a:ext cx="779286" cy="545284"/>
-          </a:xfrm>
-          <a:prstGeom prst="roundRect">
-            <a:avLst/>
-          </a:prstGeom>
-          <a:noFill/>
-          <a:ln w="28575">
-            <a:solidFill>
-              <a:srgbClr val="92D050"/>
-            </a:solidFill>
-          </a:ln>
-        </p:spPr>
-        <p:style>
-          <a:lnRef idx="2">
-            <a:schemeClr val="accent1">
-              <a:shade val="50000"/>
-            </a:schemeClr>
-          </a:lnRef>
-          <a:fillRef idx="1">
-            <a:schemeClr val="accent1"/>
-          </a:fillRef>
-          <a:effectRef idx="0">
-            <a:schemeClr val="accent1"/>
-          </a:effectRef>
-          <a:fontRef idx="minor">
-            <a:schemeClr val="lt1"/>
-          </a:fontRef>
-        </p:style>
-        <p:txBody>
-          <a:bodyPr rtlCol="0" anchor="ctr"/>
-          <a:lstStyle/>
-          <a:p>
-            <a:pPr algn="ctr"/>
-            <a:endParaRPr lang="en-US"/>
-          </a:p>
-        </p:txBody>
-      </p:sp>
-      <p:cxnSp>
-        <p:nvCxnSpPr>
-          <p:cNvPr id="7" name="Connector: Elbow 6"/>
-          <p:cNvCxnSpPr>
-            <a:cxnSpLocks/>
-            <a:stCxn id="5" idx="0"/>
-          </p:cNvCxnSpPr>
-          <p:nvPr/>
-        </p:nvCxnSpPr>
-        <p:spPr>
-          <a:xfrm rot="16200000" flipV="1">
-            <a:off x="7883332" y="1059334"/>
-            <a:ext cx="2491531" cy="3057342"/>
-          </a:xfrm>
-          <a:prstGeom prst="bentConnector2">
-            <a:avLst/>
-          </a:prstGeom>
-          <a:ln w="28575">
-            <a:solidFill>
-              <a:srgbClr val="92D050"/>
-            </a:solidFill>
-            <a:tailEnd type="triangle"/>
-          </a:ln>
-        </p:spPr>
-        <p:style>
-          <a:lnRef idx="1">
-            <a:schemeClr val="accent1"/>
-          </a:lnRef>
-          <a:fillRef idx="0">
-            <a:schemeClr val="accent1"/>
-          </a:fillRef>
-          <a:effectRef idx="0">
-            <a:schemeClr val="accent1"/>
-          </a:effectRef>
-          <a:fontRef idx="minor">
-            <a:schemeClr val="tx1"/>
-          </a:fontRef>
-        </p:style>
-      </p:cxnSp>
     </p:spTree>
     <p:extLst>
       <p:ext uri="{BB962C8B-B14F-4D97-AF65-F5344CB8AC3E}">
-        <p14:creationId xmlns:p14="http://schemas.microsoft.com/office/powerpoint/2010/main" val="2538655036"/>
+        <p14:creationId xmlns:p14="http://schemas.microsoft.com/office/powerpoint/2010/main" val="3376742031"/>
       </p:ext>
     </p:extLst>
   </p:cSld>
   <p:clrMapOvr>
     <a:masterClrMapping/>
   </p:clrMapOvr>
-</p:sld>
-</file>
-
-<file path=ppt/slides/slide18.xml><?xml version="1.0" encoding="utf-8"?>
-<p:sld xmlns:a="http://schemas.openxmlformats.org/drawingml/2006/main" xmlns:r="http://schemas.openxmlformats.org/officeDocument/2006/relationships" xmlns:p="http://schemas.openxmlformats.org/presentationml/2006/main">
-  <p:cSld>
-    <p:spTree>
-      <p:nvGrpSpPr>
-        <p:cNvPr id="1" name=""/>
-        <p:cNvGrpSpPr/>
-        <p:nvPr/>
-      </p:nvGrpSpPr>
-      <p:grpSpPr>
-        <a:xfrm>
-          <a:off x="0" y="0"/>
-          <a:ext cx="0" cy="0"/>
-          <a:chOff x="0" y="0"/>
-          <a:chExt cx="0" cy="0"/>
-        </a:xfrm>
-      </p:grpSpPr>
-      <p:sp>
-        <p:nvSpPr>
-          <p:cNvPr id="2" name="Title 1"/>
-          <p:cNvSpPr>
-            <a:spLocks noGrp="1"/>
-          </p:cNvSpPr>
-          <p:nvPr>
-            <p:ph type="title"/>
-          </p:nvPr>
-        </p:nvSpPr>
-        <p:spPr/>
-        <p:txBody>
-          <a:bodyPr/>
-          <a:lstStyle/>
-          <a:p>
-            <a:r>
-              <a:rPr lang="en-US" dirty="0"/>
-              <a:t>Component: Service endpoint</a:t>
-            </a:r>
-          </a:p>
-        </p:txBody>
-      </p:sp>
-      <p:sp>
-        <p:nvSpPr>
-          <p:cNvPr id="3" name="Content Placeholder 2"/>
-          <p:cNvSpPr>
-            <a:spLocks noGrp="1"/>
-          </p:cNvSpPr>
-          <p:nvPr>
-            <p:ph idx="1"/>
-          </p:nvPr>
-        </p:nvSpPr>
-        <p:spPr/>
-        <p:txBody>
-          <a:bodyPr/>
-          <a:lstStyle/>
-          <a:p>
-            <a:r>
-              <a:rPr lang="en-US" dirty="0"/>
-              <a:t>Centralized processing</a:t>
-            </a:r>
-          </a:p>
-          <a:p>
-            <a:r>
-              <a:rPr lang="en-US" dirty="0"/>
-              <a:t>In trusted* position</a:t>
-            </a:r>
-          </a:p>
-          <a:p>
-            <a:r>
-              <a:rPr lang="en-US" dirty="0"/>
-              <a:t>Can use broker</a:t>
-            </a:r>
-          </a:p>
-          <a:p>
-            <a:r>
-              <a:rPr lang="en-US" dirty="0"/>
-              <a:t>Optional</a:t>
-            </a:r>
-          </a:p>
-        </p:txBody>
-      </p:sp>
-      <p:pic>
-        <p:nvPicPr>
-          <p:cNvPr id="4" name="Picture 3"/>
-          <p:cNvPicPr>
-            <a:picLocks noChangeAspect="1"/>
-          </p:cNvPicPr>
-          <p:nvPr/>
-        </p:nvPicPr>
-        <p:blipFill>
-          <a:blip r:embed="rId2"/>
-          <a:stretch>
-            <a:fillRect/>
-          </a:stretch>
-        </p:blipFill>
-        <p:spPr>
-          <a:xfrm>
-            <a:off x="5383418" y="1761411"/>
-            <a:ext cx="5663993" cy="4125926"/>
-          </a:xfrm>
-          <a:prstGeom prst="rect">
-            <a:avLst/>
-          </a:prstGeom>
-        </p:spPr>
-      </p:pic>
-      <p:sp>
-        <p:nvSpPr>
-          <p:cNvPr id="5" name="Rectangle: Rounded Corners 4"/>
-          <p:cNvSpPr/>
-          <p:nvPr/>
-        </p:nvSpPr>
-        <p:spPr>
-          <a:xfrm>
-            <a:off x="5754848" y="2207542"/>
-            <a:ext cx="738231" cy="545284"/>
-          </a:xfrm>
-          <a:prstGeom prst="roundRect">
-            <a:avLst/>
-          </a:prstGeom>
-          <a:noFill/>
-          <a:ln w="28575">
-            <a:solidFill>
-              <a:srgbClr val="92D050"/>
-            </a:solidFill>
-          </a:ln>
-        </p:spPr>
-        <p:style>
-          <a:lnRef idx="2">
-            <a:schemeClr val="accent1">
-              <a:shade val="50000"/>
-            </a:schemeClr>
-          </a:lnRef>
-          <a:fillRef idx="1">
-            <a:schemeClr val="accent1"/>
-          </a:fillRef>
-          <a:effectRef idx="0">
-            <a:schemeClr val="accent1"/>
-          </a:effectRef>
-          <a:fontRef idx="minor">
-            <a:schemeClr val="lt1"/>
-          </a:fontRef>
-        </p:style>
-        <p:txBody>
-          <a:bodyPr rtlCol="0" anchor="ctr"/>
-          <a:lstStyle/>
-          <a:p>
-            <a:pPr algn="ctr"/>
-            <a:endParaRPr lang="en-US"/>
-          </a:p>
-        </p:txBody>
-      </p:sp>
-      <p:cxnSp>
-        <p:nvCxnSpPr>
-          <p:cNvPr id="15" name="Connector: Elbow 14"/>
-          <p:cNvCxnSpPr>
-            <a:cxnSpLocks/>
-            <a:stCxn id="5" idx="1"/>
-          </p:cNvCxnSpPr>
-          <p:nvPr/>
-        </p:nvCxnSpPr>
-        <p:spPr>
-          <a:xfrm rot="10800000">
-            <a:off x="4915958" y="1641294"/>
-            <a:ext cx="838891" cy="838891"/>
-          </a:xfrm>
-          <a:prstGeom prst="bentConnector2">
-            <a:avLst/>
-          </a:prstGeom>
-          <a:ln w="28575">
-            <a:solidFill>
-              <a:srgbClr val="92D050"/>
-            </a:solidFill>
-            <a:tailEnd type="triangle"/>
-          </a:ln>
-        </p:spPr>
-        <p:style>
-          <a:lnRef idx="1">
-            <a:schemeClr val="accent1"/>
-          </a:lnRef>
-          <a:fillRef idx="0">
-            <a:schemeClr val="accent1"/>
-          </a:fillRef>
-          <a:effectRef idx="0">
-            <a:schemeClr val="accent1"/>
-          </a:effectRef>
-          <a:fontRef idx="minor">
-            <a:schemeClr val="tx1"/>
-          </a:fontRef>
-        </p:style>
-      </p:cxnSp>
-    </p:spTree>
-    <p:extLst>
-      <p:ext uri="{BB962C8B-B14F-4D97-AF65-F5344CB8AC3E}">
-        <p14:creationId xmlns:p14="http://schemas.microsoft.com/office/powerpoint/2010/main" val="1163626917"/>
-      </p:ext>
-    </p:extLst>
-  </p:cSld>
-  <p:clrMapOvr>
-    <a:masterClrMapping/>
-  </p:clrMapOvr>
-</p:sld>
-</file>
-
-<file path=ppt/slides/slide19.xml><?xml version="1.0" encoding="utf-8"?>
-<p:sld xmlns:a="http://schemas.openxmlformats.org/drawingml/2006/main" xmlns:r="http://schemas.openxmlformats.org/officeDocument/2006/relationships" xmlns:p="http://schemas.openxmlformats.org/presentationml/2006/main">
-  <p:cSld>
-    <p:spTree>
-      <p:nvGrpSpPr>
-        <p:cNvPr id="1" name=""/>
-        <p:cNvGrpSpPr/>
-        <p:nvPr/>
-      </p:nvGrpSpPr>
-      <p:grpSpPr>
-        <a:xfrm>
-          <a:off x="0" y="0"/>
-          <a:ext cx="0" cy="0"/>
-          <a:chOff x="0" y="0"/>
-          <a:chExt cx="0" cy="0"/>
-        </a:xfrm>
-      </p:grpSpPr>
-      <p:sp>
-        <p:nvSpPr>
-          <p:cNvPr id="2" name="Title 1"/>
-          <p:cNvSpPr>
-            <a:spLocks noGrp="1"/>
-          </p:cNvSpPr>
-          <p:nvPr>
-            <p:ph type="title"/>
-          </p:nvPr>
-        </p:nvSpPr>
-        <p:spPr/>
-        <p:txBody>
-          <a:bodyPr/>
-          <a:lstStyle/>
-          <a:p>
-            <a:r>
-              <a:rPr lang="en-US" dirty="0"/>
-              <a:t>Deployment scenarios</a:t>
-            </a:r>
-          </a:p>
-        </p:txBody>
-      </p:sp>
-      <p:sp>
-        <p:nvSpPr>
-          <p:cNvPr id="3" name="Content Placeholder 2"/>
-          <p:cNvSpPr>
-            <a:spLocks noGrp="1"/>
-          </p:cNvSpPr>
-          <p:nvPr>
-            <p:ph idx="1"/>
-          </p:nvPr>
-        </p:nvSpPr>
-        <p:spPr>
-          <a:xfrm>
-            <a:off x="1141412" y="2249487"/>
-            <a:ext cx="9905999" cy="3874476"/>
-          </a:xfrm>
-        </p:spPr>
-        <p:txBody>
-          <a:bodyPr>
-            <a:normAutofit/>
-          </a:bodyPr>
-          <a:lstStyle/>
-          <a:p>
-            <a:r>
-              <a:rPr lang="en-US" dirty="0"/>
-              <a:t>Major aspect of the “Flexibility” goal</a:t>
-            </a:r>
-          </a:p>
-          <a:p>
-            <a:r>
-              <a:rPr lang="en-US" dirty="0"/>
-              <a:t>New deployments</a:t>
-            </a:r>
-          </a:p>
-          <a:p>
-            <a:pPr lvl="1"/>
-            <a:r>
-              <a:rPr lang="en-US" dirty="0"/>
-              <a:t>Metropolitan Intelligent Transportation System</a:t>
-            </a:r>
-          </a:p>
-          <a:p>
-            <a:pPr lvl="1"/>
-            <a:r>
-              <a:rPr lang="en-US" dirty="0" err="1"/>
-              <a:t>CloudRAN</a:t>
-            </a:r>
-            <a:r>
-              <a:rPr lang="en-US" dirty="0"/>
-              <a:t> Data Center</a:t>
-            </a:r>
-          </a:p>
-          <a:p>
-            <a:r>
-              <a:rPr lang="en-US" dirty="0"/>
-              <a:t>Existing deployments</a:t>
-            </a:r>
-          </a:p>
-          <a:p>
-            <a:pPr lvl="1"/>
-            <a:r>
-              <a:rPr lang="en-US" dirty="0"/>
-              <a:t>Interpose at MTSO (a la SMORE)</a:t>
-            </a:r>
-          </a:p>
-          <a:p>
-            <a:pPr lvl="1"/>
-            <a:r>
-              <a:rPr lang="en-US" dirty="0"/>
-              <a:t>Integrate into </a:t>
-            </a:r>
-            <a:r>
-              <a:rPr lang="en-US" dirty="0" err="1"/>
-              <a:t>eNodeB</a:t>
-            </a:r>
-            <a:r>
-              <a:rPr lang="en-US" dirty="0"/>
-              <a:t>, right at the edge</a:t>
-            </a:r>
-          </a:p>
-          <a:p>
-            <a:pPr lvl="1"/>
-            <a:r>
-              <a:rPr lang="en-US" dirty="0"/>
-              <a:t>North of PGW, dedicated or default bearer</a:t>
-            </a:r>
-          </a:p>
-        </p:txBody>
-      </p:sp>
-    </p:spTree>
-    <p:extLst>
-      <p:ext uri="{BB962C8B-B14F-4D97-AF65-F5344CB8AC3E}">
-        <p14:creationId xmlns:p14="http://schemas.microsoft.com/office/powerpoint/2010/main" val="558600912"/>
-      </p:ext>
-    </p:extLst>
-  </p:cSld>
-  <p:clrMapOvr>
-    <a:masterClrMapping/>
-  </p:clrMapOvr>
+  <p:timing>
+    <p:tnLst>
+      <p:par>
+        <p:cTn id="1" dur="indefinite" restart="never" nodeType="tmRoot"/>
+      </p:par>
+    </p:tnLst>
+  </p:timing>
 </p:sld>
 </file>
 
@@ -14264,254 +13550,13 @@
   <p:clrMapOvr>
     <a:masterClrMapping/>
   </p:clrMapOvr>
-</p:sld>
-</file>
-
-<file path=ppt/slides/slide20.xml><?xml version="1.0" encoding="utf-8"?>
-<p:sld xmlns:a="http://schemas.openxmlformats.org/drawingml/2006/main" xmlns:r="http://schemas.openxmlformats.org/officeDocument/2006/relationships" xmlns:p="http://schemas.openxmlformats.org/presentationml/2006/main">
-  <p:cSld>
-    <p:spTree>
-      <p:nvGrpSpPr>
-        <p:cNvPr id="1" name=""/>
-        <p:cNvGrpSpPr/>
-        <p:nvPr/>
-      </p:nvGrpSpPr>
-      <p:grpSpPr>
-        <a:xfrm>
-          <a:off x="0" y="0"/>
-          <a:ext cx="0" cy="0"/>
-          <a:chOff x="0" y="0"/>
-          <a:chExt cx="0" cy="0"/>
-        </a:xfrm>
-      </p:grpSpPr>
-      <p:sp>
-        <p:nvSpPr>
-          <p:cNvPr id="2" name="Title 1"/>
-          <p:cNvSpPr>
-            <a:spLocks noGrp="1"/>
-          </p:cNvSpPr>
-          <p:nvPr>
-            <p:ph type="title"/>
-          </p:nvPr>
-        </p:nvSpPr>
-        <p:spPr>
-          <a:xfrm>
-            <a:off x="1141413" y="232624"/>
-            <a:ext cx="9905998" cy="1478570"/>
-          </a:xfrm>
-        </p:spPr>
-        <p:txBody>
-          <a:bodyPr/>
-          <a:lstStyle/>
-          <a:p>
-            <a:pPr algn="ctr"/>
-            <a:r>
-              <a:rPr lang="en-US" dirty="0"/>
-              <a:t>Deployment scenarios – Metro ITS</a:t>
-            </a:r>
-          </a:p>
-        </p:txBody>
-      </p:sp>
-      <p:pic>
-        <p:nvPicPr>
-          <p:cNvPr id="4" name="Picture 3"/>
-          <p:cNvPicPr>
-            <a:picLocks noChangeAspect="1"/>
-          </p:cNvPicPr>
-          <p:nvPr/>
-        </p:nvPicPr>
-        <p:blipFill rotWithShape="1">
-          <a:blip r:embed="rId2"/>
-          <a:srcRect r="67870" b="-22"/>
-          <a:stretch/>
-        </p:blipFill>
-        <p:spPr>
-          <a:xfrm>
-            <a:off x="4335303" y="1546746"/>
-            <a:ext cx="3518218" cy="4698368"/>
-          </a:xfrm>
-          <a:prstGeom prst="rect">
-            <a:avLst/>
-          </a:prstGeom>
-        </p:spPr>
-      </p:pic>
-    </p:spTree>
-    <p:extLst>
-      <p:ext uri="{BB962C8B-B14F-4D97-AF65-F5344CB8AC3E}">
-        <p14:creationId xmlns:p14="http://schemas.microsoft.com/office/powerpoint/2010/main" val="188553244"/>
-      </p:ext>
-    </p:extLst>
-  </p:cSld>
-  <p:clrMapOvr>
-    <a:masterClrMapping/>
-  </p:clrMapOvr>
-</p:sld>
-</file>
-
-<file path=ppt/slides/slide21.xml><?xml version="1.0" encoding="utf-8"?>
-<p:sld xmlns:a="http://schemas.openxmlformats.org/drawingml/2006/main" xmlns:r="http://schemas.openxmlformats.org/officeDocument/2006/relationships" xmlns:p="http://schemas.openxmlformats.org/presentationml/2006/main">
-  <p:cSld>
-    <p:spTree>
-      <p:nvGrpSpPr>
-        <p:cNvPr id="1" name=""/>
-        <p:cNvGrpSpPr/>
-        <p:nvPr/>
-      </p:nvGrpSpPr>
-      <p:grpSpPr>
-        <a:xfrm>
-          <a:off x="0" y="0"/>
-          <a:ext cx="0" cy="0"/>
-          <a:chOff x="0" y="0"/>
-          <a:chExt cx="0" cy="0"/>
-        </a:xfrm>
-      </p:grpSpPr>
-      <p:sp>
-        <p:nvSpPr>
-          <p:cNvPr id="2" name="Title 1"/>
-          <p:cNvSpPr>
-            <a:spLocks noGrp="1"/>
-          </p:cNvSpPr>
-          <p:nvPr>
-            <p:ph type="title"/>
-          </p:nvPr>
-        </p:nvSpPr>
-        <p:spPr>
-          <a:xfrm>
-            <a:off x="1141413" y="299736"/>
-            <a:ext cx="9905998" cy="1478570"/>
-          </a:xfrm>
-        </p:spPr>
-        <p:txBody>
-          <a:bodyPr/>
-          <a:lstStyle/>
-          <a:p>
-            <a:pPr algn="ctr"/>
-            <a:r>
-              <a:rPr lang="en-US" dirty="0"/>
-              <a:t>Deployment scenarios - MTSO</a:t>
-            </a:r>
-          </a:p>
-        </p:txBody>
-      </p:sp>
-      <p:pic>
-        <p:nvPicPr>
-          <p:cNvPr id="3" name="Picture 2"/>
-          <p:cNvPicPr>
-            <a:picLocks noChangeAspect="1"/>
-          </p:cNvPicPr>
-          <p:nvPr/>
-        </p:nvPicPr>
-        <p:blipFill rotWithShape="1">
-          <a:blip r:embed="rId2"/>
-          <a:srcRect l="33250" r="33250"/>
-          <a:stretch/>
-        </p:blipFill>
-        <p:spPr>
-          <a:xfrm>
-            <a:off x="4237517" y="1565734"/>
-            <a:ext cx="3713789" cy="4755683"/>
-          </a:xfrm>
-          <a:prstGeom prst="rect">
-            <a:avLst/>
-          </a:prstGeom>
-        </p:spPr>
-      </p:pic>
-    </p:spTree>
-    <p:extLst>
-      <p:ext uri="{BB962C8B-B14F-4D97-AF65-F5344CB8AC3E}">
-        <p14:creationId xmlns:p14="http://schemas.microsoft.com/office/powerpoint/2010/main" val="597229695"/>
-      </p:ext>
-    </p:extLst>
-  </p:cSld>
-  <p:clrMapOvr>
-    <a:masterClrMapping/>
-  </p:clrMapOvr>
-</p:sld>
-</file>
-
-<file path=ppt/slides/slide22.xml><?xml version="1.0" encoding="utf-8"?>
-<p:sld xmlns:a="http://schemas.openxmlformats.org/drawingml/2006/main" xmlns:r="http://schemas.openxmlformats.org/officeDocument/2006/relationships" xmlns:p="http://schemas.openxmlformats.org/presentationml/2006/main">
-  <p:cSld>
-    <p:spTree>
-      <p:nvGrpSpPr>
-        <p:cNvPr id="1" name=""/>
-        <p:cNvGrpSpPr/>
-        <p:nvPr/>
-      </p:nvGrpSpPr>
-      <p:grpSpPr>
-        <a:xfrm>
-          <a:off x="0" y="0"/>
-          <a:ext cx="0" cy="0"/>
-          <a:chOff x="0" y="0"/>
-          <a:chExt cx="0" cy="0"/>
-        </a:xfrm>
-      </p:grpSpPr>
-      <p:sp>
-        <p:nvSpPr>
-          <p:cNvPr id="2" name="Title 1"/>
-          <p:cNvSpPr>
-            <a:spLocks noGrp="1"/>
-          </p:cNvSpPr>
-          <p:nvPr>
-            <p:ph type="title"/>
-          </p:nvPr>
-        </p:nvSpPr>
-        <p:spPr>
-          <a:xfrm>
-            <a:off x="1141413" y="308125"/>
-            <a:ext cx="9905998" cy="1478570"/>
-          </a:xfrm>
-        </p:spPr>
-        <p:txBody>
-          <a:bodyPr/>
-          <a:lstStyle/>
-          <a:p>
-            <a:pPr algn="ctr"/>
-            <a:r>
-              <a:rPr lang="en-US" dirty="0"/>
-              <a:t>Deployment scenarios – </a:t>
-            </a:r>
-            <a:r>
-              <a:rPr lang="en-US" dirty="0" err="1"/>
-              <a:t>enodeb</a:t>
-            </a:r>
-            <a:endParaRPr lang="en-US" dirty="0"/>
-          </a:p>
-        </p:txBody>
-      </p:sp>
-      <p:pic>
-        <p:nvPicPr>
-          <p:cNvPr id="3" name="Picture 2"/>
-          <p:cNvPicPr>
-            <a:picLocks noChangeAspect="1"/>
-          </p:cNvPicPr>
-          <p:nvPr/>
-        </p:nvPicPr>
-        <p:blipFill rotWithShape="1">
-          <a:blip r:embed="rId2"/>
-          <a:srcRect l="67747" t="239" r="-59"/>
-          <a:stretch/>
-        </p:blipFill>
-        <p:spPr>
-          <a:xfrm>
-            <a:off x="4303363" y="1627464"/>
-            <a:ext cx="3582098" cy="4744287"/>
-          </a:xfrm>
-          <a:prstGeom prst="rect">
-            <a:avLst/>
-          </a:prstGeom>
-        </p:spPr>
-      </p:pic>
-    </p:spTree>
-    <p:extLst>
-      <p:ext uri="{BB962C8B-B14F-4D97-AF65-F5344CB8AC3E}">
-        <p14:creationId xmlns:p14="http://schemas.microsoft.com/office/powerpoint/2010/main" val="3376742031"/>
-      </p:ext>
-    </p:extLst>
-  </p:cSld>
-  <p:clrMapOvr>
-    <a:masterClrMapping/>
-  </p:clrMapOvr>
+  <p:timing>
+    <p:tnLst>
+      <p:par>
+        <p:cTn id="1" dur="indefinite" restart="never" nodeType="tmRoot"/>
+      </p:par>
+    </p:tnLst>
+  </p:timing>
 </p:sld>
 </file>
 
@@ -14687,6 +13732,13 @@
   <p:clrMapOvr>
     <a:masterClrMapping/>
   </p:clrMapOvr>
+  <p:timing>
+    <p:tnLst>
+      <p:par>
+        <p:cTn id="1" dur="indefinite" restart="never" nodeType="tmRoot"/>
+      </p:par>
+    </p:tnLst>
+  </p:timing>
 </p:sld>
 </file>
 
@@ -14817,6 +13869,13 @@
   <p:clrMapOvr>
     <a:masterClrMapping/>
   </p:clrMapOvr>
+  <p:timing>
+    <p:tnLst>
+      <p:par>
+        <p:cTn id="1" dur="indefinite" restart="never" nodeType="tmRoot"/>
+      </p:par>
+    </p:tnLst>
+  </p:timing>
 </p:sld>
 </file>
 
@@ -14892,6 +13951,13 @@
   <p:clrMapOvr>
     <a:masterClrMapping/>
   </p:clrMapOvr>
+  <p:timing>
+    <p:tnLst>
+      <p:par>
+        <p:cTn id="1" dur="indefinite" restart="never" nodeType="tmRoot"/>
+      </p:par>
+    </p:tnLst>
+  </p:timing>
 </p:sld>
 </file>
 
@@ -15050,6 +14116,13 @@
   <p:clrMapOvr>
     <a:masterClrMapping/>
   </p:clrMapOvr>
+  <p:timing>
+    <p:tnLst>
+      <p:par>
+        <p:cTn id="1" dur="indefinite" restart="never" nodeType="tmRoot"/>
+      </p:par>
+    </p:tnLst>
+  </p:timing>
 </p:sld>
 </file>
 
@@ -15138,6 +14211,13 @@
   <p:clrMapOvr>
     <a:masterClrMapping/>
   </p:clrMapOvr>
+  <p:timing>
+    <p:tnLst>
+      <p:par>
+        <p:cTn id="1" dur="indefinite" restart="never" nodeType="tmRoot"/>
+      </p:par>
+    </p:tnLst>
+  </p:timing>
 </p:sld>
 </file>
 
@@ -15269,6 +14349,13 @@
   <p:clrMapOvr>
     <a:masterClrMapping/>
   </p:clrMapOvr>
+  <p:timing>
+    <p:tnLst>
+      <p:par>
+        <p:cTn id="1" dur="indefinite" restart="never" nodeType="tmRoot"/>
+      </p:par>
+    </p:tnLst>
+  </p:timing>
 </p:sld>
 </file>
 
@@ -15432,6 +14519,13 @@
   <p:clrMapOvr>
     <a:masterClrMapping/>
   </p:clrMapOvr>
+  <p:timing>
+    <p:tnLst>
+      <p:par>
+        <p:cTn id="1" dur="indefinite" restart="never" nodeType="tmRoot"/>
+      </p:par>
+    </p:tnLst>
+  </p:timing>
 </p:sld>
 </file>
 

--- a/presentation/Mercury-Part1.pptx
+++ b/presentation/Mercury-Part1.pptx
@@ -17,7 +17,7 @@
     <p:sldId id="265" r:id="rId11"/>
     <p:sldId id="266" r:id="rId12"/>
     <p:sldId id="267" r:id="rId13"/>
-    <p:sldId id="268" r:id="rId14"/>
+    <p:sldId id="278" r:id="rId14"/>
     <p:sldId id="274" r:id="rId15"/>
     <p:sldId id="275" r:id="rId16"/>
     <p:sldId id="276" r:id="rId17"/>
@@ -185,7 +185,7 @@
           <a:noFill/>
           <a:extLst>
             <a:ext uri="{909E8E84-426E-40dd-AFC4-6F175D3DCCD1}">
-              <a14:hiddenFill xmlns:a14="http://schemas.microsoft.com/office/drawing/2010/main" xmlns="">
+              <a14:hiddenFill xmlns="" xmlns:a14="http://schemas.microsoft.com/office/drawing/2010/main">
                 <a:solidFill>
                   <a:srgbClr val="FFFFFF"/>
                 </a:solidFill>
@@ -244,7 +244,7 @@
             </a:ln>
             <a:extLst>
               <a:ext uri="{91240B29-F687-4f45-9708-019B960494DF}">
-                <a14:hiddenLine xmlns:a14="http://schemas.microsoft.com/office/drawing/2010/main" xmlns="" w="9525">
+                <a14:hiddenLine xmlns="" xmlns:a14="http://schemas.microsoft.com/office/drawing/2010/main" w="9525">
                   <a:solidFill>
                     <a:srgbClr val="000000"/>
                   </a:solidFill>
@@ -334,7 +334,7 @@
             </a:ln>
             <a:extLst>
               <a:ext uri="{91240B29-F687-4f45-9708-019B960494DF}">
-                <a14:hiddenLine xmlns:a14="http://schemas.microsoft.com/office/drawing/2010/main" xmlns="" w="9525">
+                <a14:hiddenLine xmlns="" xmlns:a14="http://schemas.microsoft.com/office/drawing/2010/main" w="9525">
                   <a:solidFill>
                     <a:srgbClr val="000000"/>
                   </a:solidFill>
@@ -424,7 +424,7 @@
             </a:ln>
             <a:extLst>
               <a:ext uri="{91240B29-F687-4f45-9708-019B960494DF}">
-                <a14:hiddenLine xmlns:a14="http://schemas.microsoft.com/office/drawing/2010/main" xmlns="" w="9525">
+                <a14:hiddenLine xmlns="" xmlns:a14="http://schemas.microsoft.com/office/drawing/2010/main" w="9525">
                   <a:solidFill>
                     <a:srgbClr val="000000"/>
                   </a:solidFill>
@@ -458,7 +458,7 @@
             </a:ln>
             <a:extLst>
               <a:ext uri="{91240B29-F687-4f45-9708-019B960494DF}">
-                <a14:hiddenLine xmlns:a14="http://schemas.microsoft.com/office/drawing/2010/main" xmlns="" w="9525">
+                <a14:hiddenLine xmlns="" xmlns:a14="http://schemas.microsoft.com/office/drawing/2010/main" w="9525">
                   <a:solidFill>
                     <a:srgbClr val="000000"/>
                   </a:solidFill>
@@ -548,7 +548,7 @@
             </a:ln>
             <a:extLst>
               <a:ext uri="{91240B29-F687-4f45-9708-019B960494DF}">
-                <a14:hiddenLine xmlns:a14="http://schemas.microsoft.com/office/drawing/2010/main" xmlns="" w="9525">
+                <a14:hiddenLine xmlns="" xmlns:a14="http://schemas.microsoft.com/office/drawing/2010/main" w="9525">
                   <a:solidFill>
                     <a:srgbClr val="000000"/>
                   </a:solidFill>
@@ -610,7 +610,7 @@
             </a:ln>
             <a:extLst>
               <a:ext uri="{91240B29-F687-4f45-9708-019B960494DF}">
-                <a14:hiddenLine xmlns:a14="http://schemas.microsoft.com/office/drawing/2010/main" xmlns="" w="9525">
+                <a14:hiddenLine xmlns="" xmlns:a14="http://schemas.microsoft.com/office/drawing/2010/main" w="9525">
                   <a:solidFill>
                     <a:srgbClr val="000000"/>
                   </a:solidFill>
@@ -672,7 +672,7 @@
             </a:ln>
             <a:extLst>
               <a:ext uri="{91240B29-F687-4f45-9708-019B960494DF}">
-                <a14:hiddenLine xmlns:a14="http://schemas.microsoft.com/office/drawing/2010/main" xmlns="" w="9525">
+                <a14:hiddenLine xmlns="" xmlns:a14="http://schemas.microsoft.com/office/drawing/2010/main" w="9525">
                   <a:solidFill>
                     <a:srgbClr val="000000"/>
                   </a:solidFill>
@@ -762,7 +762,7 @@
             </a:ln>
             <a:extLst>
               <a:ext uri="{91240B29-F687-4f45-9708-019B960494DF}">
-                <a14:hiddenLine xmlns:a14="http://schemas.microsoft.com/office/drawing/2010/main" xmlns="" w="9525">
+                <a14:hiddenLine xmlns="" xmlns:a14="http://schemas.microsoft.com/office/drawing/2010/main" w="9525">
                   <a:solidFill>
                     <a:srgbClr val="000000"/>
                   </a:solidFill>
@@ -824,7 +824,7 @@
             </a:ln>
             <a:extLst>
               <a:ext uri="{91240B29-F687-4f45-9708-019B960494DF}">
-                <a14:hiddenLine xmlns:a14="http://schemas.microsoft.com/office/drawing/2010/main" xmlns="" w="9525">
+                <a14:hiddenLine xmlns="" xmlns:a14="http://schemas.microsoft.com/office/drawing/2010/main" w="9525">
                   <a:solidFill>
                     <a:srgbClr val="000000"/>
                   </a:solidFill>
@@ -886,7 +886,7 @@
             </a:ln>
             <a:extLst>
               <a:ext uri="{91240B29-F687-4f45-9708-019B960494DF}">
-                <a14:hiddenLine xmlns:a14="http://schemas.microsoft.com/office/drawing/2010/main" xmlns="" w="9525">
+                <a14:hiddenLine xmlns="" xmlns:a14="http://schemas.microsoft.com/office/drawing/2010/main" w="9525">
                   <a:solidFill>
                     <a:srgbClr val="000000"/>
                   </a:solidFill>
@@ -976,7 +976,7 @@
             </a:ln>
             <a:extLst>
               <a:ext uri="{91240B29-F687-4f45-9708-019B960494DF}">
-                <a14:hiddenLine xmlns:a14="http://schemas.microsoft.com/office/drawing/2010/main" xmlns="" w="9525">
+                <a14:hiddenLine xmlns="" xmlns:a14="http://schemas.microsoft.com/office/drawing/2010/main" w="9525">
                   <a:solidFill>
                     <a:srgbClr val="000000"/>
                   </a:solidFill>
@@ -1066,7 +1066,7 @@
             </a:ln>
             <a:extLst>
               <a:ext uri="{91240B29-F687-4f45-9708-019B960494DF}">
-                <a14:hiddenLine xmlns:a14="http://schemas.microsoft.com/office/drawing/2010/main" xmlns="" w="9525">
+                <a14:hiddenLine xmlns="" xmlns:a14="http://schemas.microsoft.com/office/drawing/2010/main" w="9525">
                   <a:solidFill>
                     <a:srgbClr val="000000"/>
                   </a:solidFill>
@@ -1128,7 +1128,7 @@
             </a:ln>
             <a:extLst>
               <a:ext uri="{91240B29-F687-4f45-9708-019B960494DF}">
-                <a14:hiddenLine xmlns:a14="http://schemas.microsoft.com/office/drawing/2010/main" xmlns="" w="9525">
+                <a14:hiddenLine xmlns="" xmlns:a14="http://schemas.microsoft.com/office/drawing/2010/main" w="9525">
                   <a:solidFill>
                     <a:srgbClr val="000000"/>
                   </a:solidFill>
@@ -1238,7 +1238,7 @@
             </a:ln>
             <a:extLst>
               <a:ext uri="{91240B29-F687-4f45-9708-019B960494DF}">
-                <a14:hiddenLine xmlns:a14="http://schemas.microsoft.com/office/drawing/2010/main" xmlns="" w="9525">
+                <a14:hiddenLine xmlns="" xmlns:a14="http://schemas.microsoft.com/office/drawing/2010/main" w="9525">
                   <a:solidFill>
                     <a:srgbClr val="000000"/>
                   </a:solidFill>
@@ -1300,7 +1300,7 @@
             </a:ln>
             <a:extLst>
               <a:ext uri="{91240B29-F687-4f45-9708-019B960494DF}">
-                <a14:hiddenLine xmlns:a14="http://schemas.microsoft.com/office/drawing/2010/main" xmlns="" w="9525">
+                <a14:hiddenLine xmlns="" xmlns:a14="http://schemas.microsoft.com/office/drawing/2010/main" w="9525">
                   <a:solidFill>
                     <a:srgbClr val="000000"/>
                   </a:solidFill>
@@ -1390,7 +1390,7 @@
             </a:ln>
             <a:extLst>
               <a:ext uri="{91240B29-F687-4f45-9708-019B960494DF}">
-                <a14:hiddenLine xmlns:a14="http://schemas.microsoft.com/office/drawing/2010/main" xmlns="" w="9525">
+                <a14:hiddenLine xmlns="" xmlns:a14="http://schemas.microsoft.com/office/drawing/2010/main" w="9525">
                   <a:solidFill>
                     <a:srgbClr val="000000"/>
                   </a:solidFill>
@@ -1480,7 +1480,7 @@
             </a:ln>
             <a:extLst>
               <a:ext uri="{91240B29-F687-4f45-9708-019B960494DF}">
-                <a14:hiddenLine xmlns:a14="http://schemas.microsoft.com/office/drawing/2010/main" xmlns="" w="9525">
+                <a14:hiddenLine xmlns="" xmlns:a14="http://schemas.microsoft.com/office/drawing/2010/main" w="9525">
                   <a:solidFill>
                     <a:srgbClr val="000000"/>
                   </a:solidFill>
@@ -1542,7 +1542,7 @@
             </a:ln>
             <a:extLst>
               <a:ext uri="{91240B29-F687-4f45-9708-019B960494DF}">
-                <a14:hiddenLine xmlns:a14="http://schemas.microsoft.com/office/drawing/2010/main" xmlns="" w="9525">
+                <a14:hiddenLine xmlns="" xmlns:a14="http://schemas.microsoft.com/office/drawing/2010/main" w="9525">
                   <a:solidFill>
                     <a:srgbClr val="000000"/>
                   </a:solidFill>
@@ -1632,7 +1632,7 @@
             </a:ln>
             <a:extLst>
               <a:ext uri="{91240B29-F687-4f45-9708-019B960494DF}">
-                <a14:hiddenLine xmlns:a14="http://schemas.microsoft.com/office/drawing/2010/main" xmlns="" w="9525">
+                <a14:hiddenLine xmlns="" xmlns:a14="http://schemas.microsoft.com/office/drawing/2010/main" w="9525">
                   <a:solidFill>
                     <a:srgbClr val="000000"/>
                   </a:solidFill>
@@ -1722,7 +1722,7 @@
             </a:ln>
             <a:extLst>
               <a:ext uri="{91240B29-F687-4f45-9708-019B960494DF}">
-                <a14:hiddenLine xmlns:a14="http://schemas.microsoft.com/office/drawing/2010/main" xmlns="" w="9525">
+                <a14:hiddenLine xmlns="" xmlns:a14="http://schemas.microsoft.com/office/drawing/2010/main" w="9525">
                   <a:solidFill>
                     <a:srgbClr val="000000"/>
                   </a:solidFill>
@@ -1778,7 +1778,7 @@
             </a:ln>
             <a:extLst>
               <a:ext uri="{91240B29-F687-4f45-9708-019B960494DF}">
-                <a14:hiddenLine xmlns:a14="http://schemas.microsoft.com/office/drawing/2010/main" xmlns="" w="9525">
+                <a14:hiddenLine xmlns="" xmlns:a14="http://schemas.microsoft.com/office/drawing/2010/main" w="9525">
                   <a:solidFill>
                     <a:srgbClr val="000000"/>
                   </a:solidFill>
@@ -1868,7 +1868,7 @@
             </a:ln>
             <a:extLst>
               <a:ext uri="{91240B29-F687-4f45-9708-019B960494DF}">
-                <a14:hiddenLine xmlns:a14="http://schemas.microsoft.com/office/drawing/2010/main" xmlns="" w="9525">
+                <a14:hiddenLine xmlns="" xmlns:a14="http://schemas.microsoft.com/office/drawing/2010/main" w="9525">
                   <a:solidFill>
                     <a:srgbClr val="000000"/>
                   </a:solidFill>
@@ -1924,7 +1924,7 @@
             </a:ln>
             <a:extLst>
               <a:ext uri="{91240B29-F687-4f45-9708-019B960494DF}">
-                <a14:hiddenLine xmlns:a14="http://schemas.microsoft.com/office/drawing/2010/main" xmlns="" w="9525">
+                <a14:hiddenLine xmlns="" xmlns:a14="http://schemas.microsoft.com/office/drawing/2010/main" w="9525">
                   <a:solidFill>
                     <a:srgbClr val="000000"/>
                   </a:solidFill>
@@ -2014,7 +2014,7 @@
             </a:ln>
             <a:extLst>
               <a:ext uri="{91240B29-F687-4f45-9708-019B960494DF}">
-                <a14:hiddenLine xmlns:a14="http://schemas.microsoft.com/office/drawing/2010/main" xmlns="" w="9525">
+                <a14:hiddenLine xmlns="" xmlns:a14="http://schemas.microsoft.com/office/drawing/2010/main" w="9525">
                   <a:solidFill>
                     <a:srgbClr val="000000"/>
                   </a:solidFill>
@@ -2082,7 +2082,7 @@
             </a:ln>
             <a:extLst>
               <a:ext uri="{91240B29-F687-4f45-9708-019B960494DF}">
-                <a14:hiddenLine xmlns:a14="http://schemas.microsoft.com/office/drawing/2010/main" xmlns="" w="9525">
+                <a14:hiddenLine xmlns="" xmlns:a14="http://schemas.microsoft.com/office/drawing/2010/main" w="9525">
                   <a:solidFill>
                     <a:srgbClr val="000000"/>
                   </a:solidFill>
@@ -2172,7 +2172,7 @@
             </a:ln>
             <a:extLst>
               <a:ext uri="{91240B29-F687-4f45-9708-019B960494DF}">
-                <a14:hiddenLine xmlns:a14="http://schemas.microsoft.com/office/drawing/2010/main" xmlns="" w="9525">
+                <a14:hiddenLine xmlns="" xmlns:a14="http://schemas.microsoft.com/office/drawing/2010/main" w="9525">
                   <a:solidFill>
                     <a:srgbClr val="000000"/>
                   </a:solidFill>
@@ -2240,7 +2240,7 @@
             </a:ln>
             <a:extLst>
               <a:ext uri="{91240B29-F687-4f45-9708-019B960494DF}">
-                <a14:hiddenLine xmlns:a14="http://schemas.microsoft.com/office/drawing/2010/main" xmlns="" w="9525">
+                <a14:hiddenLine xmlns="" xmlns:a14="http://schemas.microsoft.com/office/drawing/2010/main" w="9525">
                   <a:solidFill>
                     <a:srgbClr val="000000"/>
                   </a:solidFill>
@@ -2330,7 +2330,7 @@
             </a:ln>
             <a:extLst>
               <a:ext uri="{91240B29-F687-4f45-9708-019B960494DF}">
-                <a14:hiddenLine xmlns:a14="http://schemas.microsoft.com/office/drawing/2010/main" xmlns="" w="9525">
+                <a14:hiddenLine xmlns="" xmlns:a14="http://schemas.microsoft.com/office/drawing/2010/main" w="9525">
                   <a:solidFill>
                     <a:srgbClr val="000000"/>
                   </a:solidFill>
@@ -2364,7 +2364,7 @@
             </a:ln>
             <a:extLst>
               <a:ext uri="{91240B29-F687-4f45-9708-019B960494DF}">
-                <a14:hiddenLine xmlns:a14="http://schemas.microsoft.com/office/drawing/2010/main" xmlns="" w="9525">
+                <a14:hiddenLine xmlns="" xmlns:a14="http://schemas.microsoft.com/office/drawing/2010/main" w="9525">
                   <a:solidFill>
                     <a:srgbClr val="000000"/>
                   </a:solidFill>
@@ -2454,7 +2454,7 @@
             </a:ln>
             <a:extLst>
               <a:ext uri="{91240B29-F687-4f45-9708-019B960494DF}">
-                <a14:hiddenLine xmlns:a14="http://schemas.microsoft.com/office/drawing/2010/main" xmlns="" w="9525">
+                <a14:hiddenLine xmlns="" xmlns:a14="http://schemas.microsoft.com/office/drawing/2010/main" w="9525">
                   <a:solidFill>
                     <a:srgbClr val="000000"/>
                   </a:solidFill>
@@ -2516,7 +2516,7 @@
             </a:ln>
             <a:extLst>
               <a:ext uri="{91240B29-F687-4f45-9708-019B960494DF}">
-                <a14:hiddenLine xmlns:a14="http://schemas.microsoft.com/office/drawing/2010/main" xmlns="" w="9525">
+                <a14:hiddenLine xmlns="" xmlns:a14="http://schemas.microsoft.com/office/drawing/2010/main" w="9525">
                   <a:solidFill>
                     <a:srgbClr val="000000"/>
                   </a:solidFill>
@@ -2578,7 +2578,7 @@
             </a:ln>
             <a:extLst>
               <a:ext uri="{91240B29-F687-4f45-9708-019B960494DF}">
-                <a14:hiddenLine xmlns:a14="http://schemas.microsoft.com/office/drawing/2010/main" xmlns="" w="9525">
+                <a14:hiddenLine xmlns="" xmlns:a14="http://schemas.microsoft.com/office/drawing/2010/main" w="9525">
                   <a:solidFill>
                     <a:srgbClr val="000000"/>
                   </a:solidFill>
@@ -2668,7 +2668,7 @@
             </a:ln>
             <a:extLst>
               <a:ext uri="{91240B29-F687-4f45-9708-019B960494DF}">
-                <a14:hiddenLine xmlns:a14="http://schemas.microsoft.com/office/drawing/2010/main" xmlns="" w="9525">
+                <a14:hiddenLine xmlns="" xmlns:a14="http://schemas.microsoft.com/office/drawing/2010/main" w="9525">
                   <a:solidFill>
                     <a:srgbClr val="000000"/>
                   </a:solidFill>
@@ -2736,7 +2736,7 @@
             </a:ln>
             <a:extLst>
               <a:ext uri="{91240B29-F687-4f45-9708-019B960494DF}">
-                <a14:hiddenLine xmlns:a14="http://schemas.microsoft.com/office/drawing/2010/main" xmlns="" w="9525">
+                <a14:hiddenLine xmlns="" xmlns:a14="http://schemas.microsoft.com/office/drawing/2010/main" w="9525">
                   <a:solidFill>
                     <a:srgbClr val="000000"/>
                   </a:solidFill>
@@ -2798,7 +2798,7 @@
             </a:ln>
             <a:extLst>
               <a:ext uri="{91240B29-F687-4f45-9708-019B960494DF}">
-                <a14:hiddenLine xmlns:a14="http://schemas.microsoft.com/office/drawing/2010/main" xmlns="" w="9525">
+                <a14:hiddenLine xmlns="" xmlns:a14="http://schemas.microsoft.com/office/drawing/2010/main" w="9525">
                   <a:solidFill>
                     <a:srgbClr val="000000"/>
                   </a:solidFill>
@@ -2888,7 +2888,7 @@
             </a:ln>
             <a:extLst>
               <a:ext uri="{91240B29-F687-4f45-9708-019B960494DF}">
-                <a14:hiddenLine xmlns:a14="http://schemas.microsoft.com/office/drawing/2010/main" xmlns="" w="9525">
+                <a14:hiddenLine xmlns="" xmlns:a14="http://schemas.microsoft.com/office/drawing/2010/main" w="9525">
                   <a:solidFill>
                     <a:srgbClr val="000000"/>
                   </a:solidFill>
@@ -2950,7 +2950,7 @@
             </a:ln>
             <a:extLst>
               <a:ext uri="{91240B29-F687-4f45-9708-019B960494DF}">
-                <a14:hiddenLine xmlns:a14="http://schemas.microsoft.com/office/drawing/2010/main" xmlns="" w="9525">
+                <a14:hiddenLine xmlns="" xmlns:a14="http://schemas.microsoft.com/office/drawing/2010/main" w="9525">
                   <a:solidFill>
                     <a:srgbClr val="000000"/>
                   </a:solidFill>
@@ -3040,7 +3040,7 @@
             </a:ln>
             <a:extLst>
               <a:ext uri="{91240B29-F687-4f45-9708-019B960494DF}">
-                <a14:hiddenLine xmlns:a14="http://schemas.microsoft.com/office/drawing/2010/main" xmlns="" w="9525">
+                <a14:hiddenLine xmlns="" xmlns:a14="http://schemas.microsoft.com/office/drawing/2010/main" w="9525">
                   <a:solidFill>
                     <a:srgbClr val="000000"/>
                   </a:solidFill>
@@ -3102,7 +3102,7 @@
             </a:ln>
             <a:extLst>
               <a:ext uri="{91240B29-F687-4f45-9708-019B960494DF}">
-                <a14:hiddenLine xmlns:a14="http://schemas.microsoft.com/office/drawing/2010/main" xmlns="" w="9525">
+                <a14:hiddenLine xmlns="" xmlns:a14="http://schemas.microsoft.com/office/drawing/2010/main" w="9525">
                   <a:solidFill>
                     <a:srgbClr val="000000"/>
                   </a:solidFill>
@@ -3192,7 +3192,7 @@
             </a:ln>
             <a:extLst>
               <a:ext uri="{91240B29-F687-4f45-9708-019B960494DF}">
-                <a14:hiddenLine xmlns:a14="http://schemas.microsoft.com/office/drawing/2010/main" xmlns="" w="9525">
+                <a14:hiddenLine xmlns="" xmlns:a14="http://schemas.microsoft.com/office/drawing/2010/main" w="9525">
                   <a:solidFill>
                     <a:srgbClr val="000000"/>
                   </a:solidFill>
@@ -3226,7 +3226,7 @@
             </a:ln>
             <a:extLst>
               <a:ext uri="{91240B29-F687-4f45-9708-019B960494DF}">
-                <a14:hiddenLine xmlns:a14="http://schemas.microsoft.com/office/drawing/2010/main" xmlns="" w="9525">
+                <a14:hiddenLine xmlns="" xmlns:a14="http://schemas.microsoft.com/office/drawing/2010/main" w="9525">
                   <a:solidFill>
                     <a:srgbClr val="000000"/>
                   </a:solidFill>
@@ -3291,7 +3291,7 @@
             </a:ln>
             <a:extLst>
               <a:ext uri="{91240B29-F687-4f45-9708-019B960494DF}">
-                <a14:hiddenLine xmlns:a14="http://schemas.microsoft.com/office/drawing/2010/main" xmlns="" w="9525">
+                <a14:hiddenLine xmlns="" xmlns:a14="http://schemas.microsoft.com/office/drawing/2010/main" w="9525">
                   <a:solidFill>
                     <a:srgbClr val="000000"/>
                   </a:solidFill>
@@ -3381,7 +3381,7 @@
             </a:ln>
             <a:extLst>
               <a:ext uri="{91240B29-F687-4f45-9708-019B960494DF}">
-                <a14:hiddenLine xmlns:a14="http://schemas.microsoft.com/office/drawing/2010/main" xmlns="" w="9525">
+                <a14:hiddenLine xmlns="" xmlns:a14="http://schemas.microsoft.com/office/drawing/2010/main" w="9525">
                   <a:solidFill>
                     <a:srgbClr val="000000"/>
                   </a:solidFill>
@@ -3443,7 +3443,7 @@
             </a:ln>
             <a:extLst>
               <a:ext uri="{91240B29-F687-4f45-9708-019B960494DF}">
-                <a14:hiddenLine xmlns:a14="http://schemas.microsoft.com/office/drawing/2010/main" xmlns="" w="9525">
+                <a14:hiddenLine xmlns="" xmlns:a14="http://schemas.microsoft.com/office/drawing/2010/main" w="9525">
                   <a:solidFill>
                     <a:srgbClr val="000000"/>
                   </a:solidFill>
@@ -3533,7 +3533,7 @@
             </a:ln>
             <a:extLst>
               <a:ext uri="{91240B29-F687-4f45-9708-019B960494DF}">
-                <a14:hiddenLine xmlns:a14="http://schemas.microsoft.com/office/drawing/2010/main" xmlns="" w="9525">
+                <a14:hiddenLine xmlns="" xmlns:a14="http://schemas.microsoft.com/office/drawing/2010/main" w="9525">
                   <a:solidFill>
                     <a:srgbClr val="000000"/>
                   </a:solidFill>
@@ -3623,7 +3623,7 @@
             </a:ln>
             <a:extLst>
               <a:ext uri="{91240B29-F687-4f45-9708-019B960494DF}">
-                <a14:hiddenLine xmlns:a14="http://schemas.microsoft.com/office/drawing/2010/main" xmlns="" w="9525">
+                <a14:hiddenLine xmlns="" xmlns:a14="http://schemas.microsoft.com/office/drawing/2010/main" w="9525">
                   <a:solidFill>
                     <a:srgbClr val="000000"/>
                   </a:solidFill>
@@ -3688,7 +3688,7 @@
             </a:ln>
             <a:extLst>
               <a:ext uri="{91240B29-F687-4f45-9708-019B960494DF}">
-                <a14:hiddenLine xmlns:a14="http://schemas.microsoft.com/office/drawing/2010/main" xmlns="" w="9525">
+                <a14:hiddenLine xmlns="" xmlns:a14="http://schemas.microsoft.com/office/drawing/2010/main" w="9525">
                   <a:solidFill>
                     <a:srgbClr val="000000"/>
                   </a:solidFill>
@@ -3750,7 +3750,7 @@
             </a:ln>
             <a:extLst>
               <a:ext uri="{91240B29-F687-4f45-9708-019B960494DF}">
-                <a14:hiddenLine xmlns:a14="http://schemas.microsoft.com/office/drawing/2010/main" xmlns="" w="9525">
+                <a14:hiddenLine xmlns="" xmlns:a14="http://schemas.microsoft.com/office/drawing/2010/main" w="9525">
                   <a:solidFill>
                     <a:srgbClr val="000000"/>
                   </a:solidFill>
@@ -3840,7 +3840,7 @@
             </a:ln>
             <a:extLst>
               <a:ext uri="{91240B29-F687-4f45-9708-019B960494DF}">
-                <a14:hiddenLine xmlns:a14="http://schemas.microsoft.com/office/drawing/2010/main" xmlns="" w="9525">
+                <a14:hiddenLine xmlns="" xmlns:a14="http://schemas.microsoft.com/office/drawing/2010/main" w="9525">
                   <a:solidFill>
                     <a:srgbClr val="000000"/>
                   </a:solidFill>
@@ -3930,7 +3930,7 @@
             </a:ln>
             <a:extLst>
               <a:ext uri="{91240B29-F687-4f45-9708-019B960494DF}">
-                <a14:hiddenLine xmlns:a14="http://schemas.microsoft.com/office/drawing/2010/main" xmlns="" w="9525">
+                <a14:hiddenLine xmlns="" xmlns:a14="http://schemas.microsoft.com/office/drawing/2010/main" w="9525">
                   <a:solidFill>
                     <a:srgbClr val="000000"/>
                   </a:solidFill>
@@ -3992,7 +3992,7 @@
             </a:ln>
             <a:extLst>
               <a:ext uri="{91240B29-F687-4f45-9708-019B960494DF}">
-                <a14:hiddenLine xmlns:a14="http://schemas.microsoft.com/office/drawing/2010/main" xmlns="" w="9525">
+                <a14:hiddenLine xmlns="" xmlns:a14="http://schemas.microsoft.com/office/drawing/2010/main" w="9525">
                   <a:solidFill>
                     <a:srgbClr val="000000"/>
                   </a:solidFill>
@@ -4112,7 +4112,7 @@
             </a:ln>
             <a:extLst>
               <a:ext uri="{91240B29-F687-4f45-9708-019B960494DF}">
-                <a14:hiddenLine xmlns:a14="http://schemas.microsoft.com/office/drawing/2010/main" xmlns="" w="9525">
+                <a14:hiddenLine xmlns="" xmlns:a14="http://schemas.microsoft.com/office/drawing/2010/main" w="9525">
                   <a:solidFill>
                     <a:srgbClr val="000000"/>
                   </a:solidFill>
@@ -4180,7 +4180,7 @@
             </a:ln>
             <a:extLst>
               <a:ext uri="{91240B29-F687-4f45-9708-019B960494DF}">
-                <a14:hiddenLine xmlns:a14="http://schemas.microsoft.com/office/drawing/2010/main" xmlns="" w="9525">
+                <a14:hiddenLine xmlns="" xmlns:a14="http://schemas.microsoft.com/office/drawing/2010/main" w="9525">
                   <a:solidFill>
                     <a:srgbClr val="000000"/>
                   </a:solidFill>
@@ -4270,7 +4270,7 @@
             </a:ln>
             <a:extLst>
               <a:ext uri="{91240B29-F687-4f45-9708-019B960494DF}">
-                <a14:hiddenLine xmlns:a14="http://schemas.microsoft.com/office/drawing/2010/main" xmlns="" w="9525">
+                <a14:hiddenLine xmlns="" xmlns:a14="http://schemas.microsoft.com/office/drawing/2010/main" w="9525">
                   <a:solidFill>
                     <a:srgbClr val="000000"/>
                   </a:solidFill>
@@ -4410,7 +4410,7 @@
           <a:p>
             <a:fld id="{48A87A34-81AB-432B-8DAE-1953F412C126}" type="datetimeFigureOut">
               <a:rPr lang="en-US" dirty="0"/>
-              <a:t>11/28/2016</a:t>
+              <a:t>11/29/2016</a:t>
             </a:fld>
             <a:endParaRPr lang="en-US" dirty="0"/>
           </a:p>
@@ -4672,7 +4672,7 @@
           <a:p>
             <a:fld id="{48A87A34-81AB-432B-8DAE-1953F412C126}" type="datetimeFigureOut">
               <a:rPr lang="en-US" dirty="0"/>
-              <a:t>11/28/2016</a:t>
+              <a:t>11/29/2016</a:t>
             </a:fld>
             <a:endParaRPr lang="en-US" dirty="0"/>
           </a:p>
@@ -4863,7 +4863,7 @@
           <a:p>
             <a:fld id="{48A87A34-81AB-432B-8DAE-1953F412C126}" type="datetimeFigureOut">
               <a:rPr lang="en-US" dirty="0"/>
-              <a:t>11/28/2016</a:t>
+              <a:t>11/29/2016</a:t>
             </a:fld>
             <a:endParaRPr lang="en-US" dirty="0"/>
           </a:p>
@@ -5121,7 +5121,7 @@
           <a:p>
             <a:fld id="{48A87A34-81AB-432B-8DAE-1953F412C126}" type="datetimeFigureOut">
               <a:rPr lang="en-US" dirty="0"/>
-              <a:t>11/28/2016</a:t>
+              <a:t>11/29/2016</a:t>
             </a:fld>
             <a:endParaRPr lang="en-US" dirty="0"/>
           </a:p>
@@ -5550,7 +5550,7 @@
           <a:p>
             <a:fld id="{48A87A34-81AB-432B-8DAE-1953F412C126}" type="datetimeFigureOut">
               <a:rPr lang="en-US" dirty="0"/>
-              <a:t>11/28/2016</a:t>
+              <a:t>11/29/2016</a:t>
             </a:fld>
             <a:endParaRPr lang="en-US" dirty="0"/>
           </a:p>
@@ -6091,7 +6091,7 @@
           <a:p>
             <a:fld id="{48A87A34-81AB-432B-8DAE-1953F412C126}" type="datetimeFigureOut">
               <a:rPr lang="en-US" dirty="0"/>
-              <a:t>11/28/2016</a:t>
+              <a:t>11/29/2016</a:t>
             </a:fld>
             <a:endParaRPr lang="en-US" dirty="0"/>
           </a:p>
@@ -6806,7 +6806,7 @@
           <a:p>
             <a:fld id="{48A87A34-81AB-432B-8DAE-1953F412C126}" type="datetimeFigureOut">
               <a:rPr lang="en-US" dirty="0"/>
-              <a:t>11/28/2016</a:t>
+              <a:t>11/29/2016</a:t>
             </a:fld>
             <a:endParaRPr lang="en-US" dirty="0"/>
           </a:p>
@@ -6971,7 +6971,7 @@
           <a:p>
             <a:fld id="{48A87A34-81AB-432B-8DAE-1953F412C126}" type="datetimeFigureOut">
               <a:rPr lang="en-US" dirty="0"/>
-              <a:t>11/28/2016</a:t>
+              <a:t>11/29/2016</a:t>
             </a:fld>
             <a:endParaRPr lang="en-US" dirty="0"/>
           </a:p>
@@ -7146,7 +7146,7 @@
           <a:p>
             <a:fld id="{48A87A34-81AB-432B-8DAE-1953F412C126}" type="datetimeFigureOut">
               <a:rPr lang="en-US" dirty="0"/>
-              <a:t>11/28/2016</a:t>
+              <a:t>11/29/2016</a:t>
             </a:fld>
             <a:endParaRPr lang="en-US" dirty="0"/>
           </a:p>
@@ -7311,7 +7311,7 @@
           <a:p>
             <a:fld id="{48A87A34-81AB-432B-8DAE-1953F412C126}" type="datetimeFigureOut">
               <a:rPr lang="en-US" dirty="0"/>
-              <a:t>11/28/2016</a:t>
+              <a:t>11/29/2016</a:t>
             </a:fld>
             <a:endParaRPr lang="en-US" dirty="0"/>
           </a:p>
@@ -7556,7 +7556,7 @@
           <a:p>
             <a:fld id="{48A87A34-81AB-432B-8DAE-1953F412C126}" type="datetimeFigureOut">
               <a:rPr lang="en-US" dirty="0"/>
-              <a:t>11/28/2016</a:t>
+              <a:t>11/29/2016</a:t>
             </a:fld>
             <a:endParaRPr lang="en-US" dirty="0"/>
           </a:p>
@@ -7783,7 +7783,7 @@
           <a:p>
             <a:fld id="{48A87A34-81AB-432B-8DAE-1953F412C126}" type="datetimeFigureOut">
               <a:rPr lang="en-US" dirty="0"/>
-              <a:t>11/28/2016</a:t>
+              <a:t>11/29/2016</a:t>
             </a:fld>
             <a:endParaRPr lang="en-US" dirty="0"/>
           </a:p>
@@ -8159,7 +8159,7 @@
           <a:p>
             <a:fld id="{48A87A34-81AB-432B-8DAE-1953F412C126}" type="datetimeFigureOut">
               <a:rPr lang="en-US" dirty="0"/>
-              <a:t>11/28/2016</a:t>
+              <a:t>11/29/2016</a:t>
             </a:fld>
             <a:endParaRPr lang="en-US" dirty="0"/>
           </a:p>
@@ -8272,7 +8272,7 @@
           <a:p>
             <a:fld id="{48A87A34-81AB-432B-8DAE-1953F412C126}" type="datetimeFigureOut">
               <a:rPr lang="en-US" dirty="0"/>
-              <a:t>11/28/2016</a:t>
+              <a:t>11/29/2016</a:t>
             </a:fld>
             <a:endParaRPr lang="en-US" dirty="0"/>
           </a:p>
@@ -8362,7 +8362,7 @@
           <a:p>
             <a:fld id="{48A87A34-81AB-432B-8DAE-1953F412C126}" type="datetimeFigureOut">
               <a:rPr lang="en-US" dirty="0"/>
-              <a:t>11/28/2016</a:t>
+              <a:t>11/29/2016</a:t>
             </a:fld>
             <a:endParaRPr lang="en-US" dirty="0"/>
           </a:p>
@@ -8606,7 +8606,7 @@
           <a:p>
             <a:fld id="{48A87A34-81AB-432B-8DAE-1953F412C126}" type="datetimeFigureOut">
               <a:rPr lang="en-US" dirty="0"/>
-              <a:t>11/28/2016</a:t>
+              <a:t>11/29/2016</a:t>
             </a:fld>
             <a:endParaRPr lang="en-US" dirty="0"/>
           </a:p>
@@ -8881,7 +8881,7 @@
           <a:p>
             <a:fld id="{48A87A34-81AB-432B-8DAE-1953F412C126}" type="datetimeFigureOut">
               <a:rPr lang="en-US" dirty="0"/>
-              <a:t>11/28/2016</a:t>
+              <a:t>11/29/2016</a:t>
             </a:fld>
             <a:endParaRPr lang="en-US" dirty="0"/>
           </a:p>
@@ -8999,7 +8999,7 @@
           <a:noFill/>
           <a:extLst>
             <a:ext uri="{909E8E84-426E-40dd-AFC4-6F175D3DCCD1}">
-              <a14:hiddenFill xmlns:a14="http://schemas.microsoft.com/office/drawing/2010/main" xmlns="">
+              <a14:hiddenFill xmlns="" xmlns:a14="http://schemas.microsoft.com/office/drawing/2010/main">
                 <a:solidFill>
                   <a:srgbClr val="FFFFFF"/>
                 </a:solidFill>
@@ -9073,7 +9073,7 @@
               </a:ln>
               <a:extLst>
                 <a:ext uri="{91240B29-F687-4f45-9708-019B960494DF}">
-                  <a14:hiddenLine xmlns:a14="http://schemas.microsoft.com/office/drawing/2010/main" xmlns="" w="9525">
+                  <a14:hiddenLine xmlns="" xmlns:a14="http://schemas.microsoft.com/office/drawing/2010/main" w="9525">
                     <a:solidFill>
                       <a:srgbClr val="000000"/>
                     </a:solidFill>
@@ -9163,7 +9163,7 @@
               </a:ln>
               <a:extLst>
                 <a:ext uri="{91240B29-F687-4f45-9708-019B960494DF}">
-                  <a14:hiddenLine xmlns:a14="http://schemas.microsoft.com/office/drawing/2010/main" xmlns="" w="9525">
+                  <a14:hiddenLine xmlns="" xmlns:a14="http://schemas.microsoft.com/office/drawing/2010/main" w="9525">
                     <a:solidFill>
                       <a:srgbClr val="000000"/>
                     </a:solidFill>
@@ -9253,7 +9253,7 @@
               </a:ln>
               <a:extLst>
                 <a:ext uri="{91240B29-F687-4f45-9708-019B960494DF}">
-                  <a14:hiddenLine xmlns:a14="http://schemas.microsoft.com/office/drawing/2010/main" xmlns="" w="9525">
+                  <a14:hiddenLine xmlns="" xmlns:a14="http://schemas.microsoft.com/office/drawing/2010/main" w="9525">
                     <a:solidFill>
                       <a:srgbClr val="000000"/>
                     </a:solidFill>
@@ -9315,7 +9315,7 @@
               </a:ln>
               <a:extLst>
                 <a:ext uri="{91240B29-F687-4f45-9708-019B960494DF}">
-                  <a14:hiddenLine xmlns:a14="http://schemas.microsoft.com/office/drawing/2010/main" xmlns="" w="9525">
+                  <a14:hiddenLine xmlns="" xmlns:a14="http://schemas.microsoft.com/office/drawing/2010/main" w="9525">
                     <a:solidFill>
                       <a:srgbClr val="000000"/>
                     </a:solidFill>
@@ -9405,7 +9405,7 @@
               </a:ln>
               <a:extLst>
                 <a:ext uri="{91240B29-F687-4f45-9708-019B960494DF}">
-                  <a14:hiddenLine xmlns:a14="http://schemas.microsoft.com/office/drawing/2010/main" xmlns="" w="9525">
+                  <a14:hiddenLine xmlns="" xmlns:a14="http://schemas.microsoft.com/office/drawing/2010/main" w="9525">
                     <a:solidFill>
                       <a:srgbClr val="000000"/>
                     </a:solidFill>
@@ -9467,7 +9467,7 @@
               </a:ln>
               <a:extLst>
                 <a:ext uri="{91240B29-F687-4f45-9708-019B960494DF}">
-                  <a14:hiddenLine xmlns:a14="http://schemas.microsoft.com/office/drawing/2010/main" xmlns="" w="9525">
+                  <a14:hiddenLine xmlns="" xmlns:a14="http://schemas.microsoft.com/office/drawing/2010/main" w="9525">
                     <a:solidFill>
                       <a:srgbClr val="000000"/>
                     </a:solidFill>
@@ -9529,7 +9529,7 @@
               </a:ln>
               <a:extLst>
                 <a:ext uri="{91240B29-F687-4f45-9708-019B960494DF}">
-                  <a14:hiddenLine xmlns:a14="http://schemas.microsoft.com/office/drawing/2010/main" xmlns="" w="9525">
+                  <a14:hiddenLine xmlns="" xmlns:a14="http://schemas.microsoft.com/office/drawing/2010/main" w="9525">
                     <a:solidFill>
                       <a:srgbClr val="000000"/>
                     </a:solidFill>
@@ -9619,7 +9619,7 @@
               </a:ln>
               <a:extLst>
                 <a:ext uri="{91240B29-F687-4f45-9708-019B960494DF}">
-                  <a14:hiddenLine xmlns:a14="http://schemas.microsoft.com/office/drawing/2010/main" xmlns="" w="9525">
+                  <a14:hiddenLine xmlns="" xmlns:a14="http://schemas.microsoft.com/office/drawing/2010/main" w="9525">
                     <a:solidFill>
                       <a:srgbClr val="000000"/>
                     </a:solidFill>
@@ -9709,7 +9709,7 @@
               </a:ln>
               <a:extLst>
                 <a:ext uri="{91240B29-F687-4f45-9708-019B960494DF}">
-                  <a14:hiddenLine xmlns:a14="http://schemas.microsoft.com/office/drawing/2010/main" xmlns="" w="9525">
+                  <a14:hiddenLine xmlns="" xmlns:a14="http://schemas.microsoft.com/office/drawing/2010/main" w="9525">
                     <a:solidFill>
                       <a:srgbClr val="000000"/>
                     </a:solidFill>
@@ -9771,7 +9771,7 @@
               </a:ln>
               <a:extLst>
                 <a:ext uri="{91240B29-F687-4f45-9708-019B960494DF}">
-                  <a14:hiddenLine xmlns:a14="http://schemas.microsoft.com/office/drawing/2010/main" xmlns="" w="9525">
+                  <a14:hiddenLine xmlns="" xmlns:a14="http://schemas.microsoft.com/office/drawing/2010/main" w="9525">
                     <a:solidFill>
                       <a:srgbClr val="000000"/>
                     </a:solidFill>
@@ -9881,7 +9881,7 @@
               </a:ln>
               <a:extLst>
                 <a:ext uri="{91240B29-F687-4f45-9708-019B960494DF}">
-                  <a14:hiddenLine xmlns:a14="http://schemas.microsoft.com/office/drawing/2010/main" xmlns="" w="9525">
+                  <a14:hiddenLine xmlns="" xmlns:a14="http://schemas.microsoft.com/office/drawing/2010/main" w="9525">
                     <a:solidFill>
                       <a:srgbClr val="000000"/>
                     </a:solidFill>
@@ -9965,7 +9965,7 @@
               </a:ln>
               <a:extLst>
                 <a:ext uri="{91240B29-F687-4f45-9708-019B960494DF}">
-                  <a14:hiddenLine xmlns:a14="http://schemas.microsoft.com/office/drawing/2010/main" xmlns="" w="9525">
+                  <a14:hiddenLine xmlns="" xmlns:a14="http://schemas.microsoft.com/office/drawing/2010/main" w="9525">
                     <a:solidFill>
                       <a:srgbClr val="000000"/>
                     </a:solidFill>
@@ -10027,7 +10027,7 @@
               </a:ln>
               <a:extLst>
                 <a:ext uri="{91240B29-F687-4f45-9708-019B960494DF}">
-                  <a14:hiddenLine xmlns:a14="http://schemas.microsoft.com/office/drawing/2010/main" xmlns="" w="9525">
+                  <a14:hiddenLine xmlns="" xmlns:a14="http://schemas.microsoft.com/office/drawing/2010/main" w="9525">
                     <a:solidFill>
                       <a:srgbClr val="000000"/>
                     </a:solidFill>
@@ -10089,7 +10089,7 @@
               </a:ln>
               <a:extLst>
                 <a:ext uri="{91240B29-F687-4f45-9708-019B960494DF}">
-                  <a14:hiddenLine xmlns:a14="http://schemas.microsoft.com/office/drawing/2010/main" xmlns="" w="9525">
+                  <a14:hiddenLine xmlns="" xmlns:a14="http://schemas.microsoft.com/office/drawing/2010/main" w="9525">
                     <a:solidFill>
                       <a:srgbClr val="000000"/>
                     </a:solidFill>
@@ -10179,7 +10179,7 @@
               </a:ln>
               <a:extLst>
                 <a:ext uri="{91240B29-F687-4f45-9708-019B960494DF}">
-                  <a14:hiddenLine xmlns:a14="http://schemas.microsoft.com/office/drawing/2010/main" xmlns="" w="9525">
+                  <a14:hiddenLine xmlns="" xmlns:a14="http://schemas.microsoft.com/office/drawing/2010/main" w="9525">
                     <a:solidFill>
                       <a:srgbClr val="000000"/>
                     </a:solidFill>
@@ -10213,7 +10213,7 @@
               </a:ln>
               <a:extLst>
                 <a:ext uri="{91240B29-F687-4f45-9708-019B960494DF}">
-                  <a14:hiddenLine xmlns:a14="http://schemas.microsoft.com/office/drawing/2010/main" xmlns="" w="9525">
+                  <a14:hiddenLine xmlns="" xmlns:a14="http://schemas.microsoft.com/office/drawing/2010/main" w="9525">
                     <a:solidFill>
                       <a:srgbClr val="000000"/>
                     </a:solidFill>
@@ -10278,7 +10278,7 @@
               </a:ln>
               <a:extLst>
                 <a:ext uri="{91240B29-F687-4f45-9708-019B960494DF}">
-                  <a14:hiddenLine xmlns:a14="http://schemas.microsoft.com/office/drawing/2010/main" xmlns="" w="9525">
+                  <a14:hiddenLine xmlns="" xmlns:a14="http://schemas.microsoft.com/office/drawing/2010/main" w="9525">
                     <a:solidFill>
                       <a:srgbClr val="000000"/>
                     </a:solidFill>
@@ -10368,7 +10368,7 @@
               </a:ln>
               <a:extLst>
                 <a:ext uri="{91240B29-F687-4f45-9708-019B960494DF}">
-                  <a14:hiddenLine xmlns:a14="http://schemas.microsoft.com/office/drawing/2010/main" xmlns="" w="9525">
+                  <a14:hiddenLine xmlns="" xmlns:a14="http://schemas.microsoft.com/office/drawing/2010/main" w="9525">
                     <a:solidFill>
                       <a:srgbClr val="000000"/>
                     </a:solidFill>
@@ -10430,7 +10430,7 @@
               </a:ln>
               <a:extLst>
                 <a:ext uri="{91240B29-F687-4f45-9708-019B960494DF}">
-                  <a14:hiddenLine xmlns:a14="http://schemas.microsoft.com/office/drawing/2010/main" xmlns="" w="9525">
+                  <a14:hiddenLine xmlns="" xmlns:a14="http://schemas.microsoft.com/office/drawing/2010/main" w="9525">
                     <a:solidFill>
                       <a:srgbClr val="000000"/>
                     </a:solidFill>
@@ -10520,7 +10520,7 @@
               </a:ln>
               <a:extLst>
                 <a:ext uri="{91240B29-F687-4f45-9708-019B960494DF}">
-                  <a14:hiddenLine xmlns:a14="http://schemas.microsoft.com/office/drawing/2010/main" xmlns="" w="9525">
+                  <a14:hiddenLine xmlns="" xmlns:a14="http://schemas.microsoft.com/office/drawing/2010/main" w="9525">
                     <a:solidFill>
                       <a:srgbClr val="000000"/>
                     </a:solidFill>
@@ -10585,7 +10585,7 @@
               </a:ln>
               <a:extLst>
                 <a:ext uri="{91240B29-F687-4f45-9708-019B960494DF}">
-                  <a14:hiddenLine xmlns:a14="http://schemas.microsoft.com/office/drawing/2010/main" xmlns="" w="9525">
+                  <a14:hiddenLine xmlns="" xmlns:a14="http://schemas.microsoft.com/office/drawing/2010/main" w="9525">
                     <a:solidFill>
                       <a:srgbClr val="000000"/>
                     </a:solidFill>
@@ -10647,7 +10647,7 @@
               </a:ln>
               <a:extLst>
                 <a:ext uri="{91240B29-F687-4f45-9708-019B960494DF}">
-                  <a14:hiddenLine xmlns:a14="http://schemas.microsoft.com/office/drawing/2010/main" xmlns="" w="9525">
+                  <a14:hiddenLine xmlns="" xmlns:a14="http://schemas.microsoft.com/office/drawing/2010/main" w="9525">
                     <a:solidFill>
                       <a:srgbClr val="000000"/>
                     </a:solidFill>
@@ -10737,7 +10737,7 @@
               </a:ln>
               <a:extLst>
                 <a:ext uri="{91240B29-F687-4f45-9708-019B960494DF}">
-                  <a14:hiddenLine xmlns:a14="http://schemas.microsoft.com/office/drawing/2010/main" xmlns="" w="9525">
+                  <a14:hiddenLine xmlns="" xmlns:a14="http://schemas.microsoft.com/office/drawing/2010/main" w="9525">
                     <a:solidFill>
                       <a:srgbClr val="000000"/>
                     </a:solidFill>
@@ -10827,7 +10827,7 @@
               </a:ln>
               <a:extLst>
                 <a:ext uri="{91240B29-F687-4f45-9708-019B960494DF}">
-                  <a14:hiddenLine xmlns:a14="http://schemas.microsoft.com/office/drawing/2010/main" xmlns="" w="9525">
+                  <a14:hiddenLine xmlns="" xmlns:a14="http://schemas.microsoft.com/office/drawing/2010/main" w="9525">
                     <a:solidFill>
                       <a:srgbClr val="000000"/>
                     </a:solidFill>
@@ -10892,7 +10892,7 @@
               </a:ln>
               <a:extLst>
                 <a:ext uri="{91240B29-F687-4f45-9708-019B960494DF}">
-                  <a14:hiddenLine xmlns:a14="http://schemas.microsoft.com/office/drawing/2010/main" xmlns="" w="9525">
+                  <a14:hiddenLine xmlns="" xmlns:a14="http://schemas.microsoft.com/office/drawing/2010/main" w="9525">
                     <a:solidFill>
                       <a:srgbClr val="000000"/>
                     </a:solidFill>
@@ -11012,7 +11012,7 @@
               </a:ln>
               <a:extLst>
                 <a:ext uri="{91240B29-F687-4f45-9708-019B960494DF}">
-                  <a14:hiddenLine xmlns:a14="http://schemas.microsoft.com/office/drawing/2010/main" xmlns="" w="9525">
+                  <a14:hiddenLine xmlns="" xmlns:a14="http://schemas.microsoft.com/office/drawing/2010/main" w="9525">
                     <a:solidFill>
                       <a:srgbClr val="000000"/>
                     </a:solidFill>
@@ -11093,7 +11093,7 @@
               </a:ln>
               <a:extLst>
                 <a:ext uri="{91240B29-F687-4f45-9708-019B960494DF}">
-                  <a14:hiddenLine xmlns:a14="http://schemas.microsoft.com/office/drawing/2010/main" xmlns="" w="9525">
+                  <a14:hiddenLine xmlns="" xmlns:a14="http://schemas.microsoft.com/office/drawing/2010/main" w="9525">
                     <a:solidFill>
                       <a:srgbClr val="000000"/>
                     </a:solidFill>
@@ -11208,7 +11208,7 @@
               </a:ln>
               <a:extLst>
                 <a:ext uri="{91240B29-F687-4f45-9708-019B960494DF}">
-                  <a14:hiddenLine xmlns:a14="http://schemas.microsoft.com/office/drawing/2010/main" xmlns="" w="9525">
+                  <a14:hiddenLine xmlns="" xmlns:a14="http://schemas.microsoft.com/office/drawing/2010/main" w="9525">
                     <a:solidFill>
                       <a:srgbClr val="000000"/>
                     </a:solidFill>
@@ -11298,7 +11298,7 @@
               </a:ln>
               <a:extLst>
                 <a:ext uri="{91240B29-F687-4f45-9708-019B960494DF}">
-                  <a14:hiddenLine xmlns:a14="http://schemas.microsoft.com/office/drawing/2010/main" xmlns="" w="9525">
+                  <a14:hiddenLine xmlns="" xmlns:a14="http://schemas.microsoft.com/office/drawing/2010/main" w="9525">
                     <a:solidFill>
                       <a:srgbClr val="000000"/>
                     </a:solidFill>
@@ -11363,7 +11363,7 @@
               </a:ln>
               <a:extLst>
                 <a:ext uri="{91240B29-F687-4f45-9708-019B960494DF}">
-                  <a14:hiddenLine xmlns:a14="http://schemas.microsoft.com/office/drawing/2010/main" xmlns="" w="9525">
+                  <a14:hiddenLine xmlns="" xmlns:a14="http://schemas.microsoft.com/office/drawing/2010/main" w="9525">
                     <a:solidFill>
                       <a:srgbClr val="000000"/>
                     </a:solidFill>
@@ -11453,7 +11453,7 @@
               </a:ln>
               <a:extLst>
                 <a:ext uri="{91240B29-F687-4f45-9708-019B960494DF}">
-                  <a14:hiddenLine xmlns:a14="http://schemas.microsoft.com/office/drawing/2010/main" xmlns="" w="9525">
+                  <a14:hiddenLine xmlns="" xmlns:a14="http://schemas.microsoft.com/office/drawing/2010/main" w="9525">
                     <a:solidFill>
                       <a:srgbClr val="000000"/>
                     </a:solidFill>
@@ -11521,7 +11521,7 @@
               </a:ln>
               <a:extLst>
                 <a:ext uri="{91240B29-F687-4f45-9708-019B960494DF}">
-                  <a14:hiddenLine xmlns:a14="http://schemas.microsoft.com/office/drawing/2010/main" xmlns="" w="9525">
+                  <a14:hiddenLine xmlns="" xmlns:a14="http://schemas.microsoft.com/office/drawing/2010/main" w="9525">
                     <a:solidFill>
                       <a:srgbClr val="000000"/>
                     </a:solidFill>
@@ -11611,7 +11611,7 @@
               </a:ln>
               <a:extLst>
                 <a:ext uri="{91240B29-F687-4f45-9708-019B960494DF}">
-                  <a14:hiddenLine xmlns:a14="http://schemas.microsoft.com/office/drawing/2010/main" xmlns="" w="9525">
+                  <a14:hiddenLine xmlns="" xmlns:a14="http://schemas.microsoft.com/office/drawing/2010/main" w="9525">
                     <a:solidFill>
                       <a:srgbClr val="000000"/>
                     </a:solidFill>
@@ -11679,7 +11679,7 @@
               </a:ln>
               <a:extLst>
                 <a:ext uri="{91240B29-F687-4f45-9708-019B960494DF}">
-                  <a14:hiddenLine xmlns:a14="http://schemas.microsoft.com/office/drawing/2010/main" xmlns="" w="9525">
+                  <a14:hiddenLine xmlns="" xmlns:a14="http://schemas.microsoft.com/office/drawing/2010/main" w="9525">
                     <a:solidFill>
                       <a:srgbClr val="000000"/>
                     </a:solidFill>
@@ -11769,7 +11769,7 @@
               </a:ln>
               <a:extLst>
                 <a:ext uri="{91240B29-F687-4f45-9708-019B960494DF}">
-                  <a14:hiddenLine xmlns:a14="http://schemas.microsoft.com/office/drawing/2010/main" xmlns="" w="9525">
+                  <a14:hiddenLine xmlns="" xmlns:a14="http://schemas.microsoft.com/office/drawing/2010/main" w="9525">
                     <a:solidFill>
                       <a:srgbClr val="000000"/>
                     </a:solidFill>
@@ -11803,7 +11803,7 @@
               </a:ln>
               <a:extLst>
                 <a:ext uri="{91240B29-F687-4f45-9708-019B960494DF}">
-                  <a14:hiddenLine xmlns:a14="http://schemas.microsoft.com/office/drawing/2010/main" xmlns="" w="9525">
+                  <a14:hiddenLine xmlns="" xmlns:a14="http://schemas.microsoft.com/office/drawing/2010/main" w="9525">
                     <a:solidFill>
                       <a:srgbClr val="000000"/>
                     </a:solidFill>
@@ -11944,7 +11944,7 @@
             <a:fld id="{48A87A34-81AB-432B-8DAE-1953F412C126}" type="datetimeFigureOut">
               <a:rPr lang="en-US" dirty="0"/>
               <a:pPr/>
-              <a:t>11/28/2016</a:t>
+              <a:t>11/29/2016</a:t>
             </a:fld>
             <a:endParaRPr lang="en-US" dirty="0"/>
           </a:p>
@@ -12452,13 +12452,6 @@
   <p:clrMapOvr>
     <a:masterClrMapping/>
   </p:clrMapOvr>
-  <p:timing>
-    <p:tnLst>
-      <p:par>
-        <p:cTn id="1" dur="indefinite" restart="never" nodeType="tmRoot"/>
-      </p:par>
-    </p:tnLst>
-  </p:timing>
 </p:sld>
 </file>
 
@@ -12591,13 +12584,6 @@
   <p:clrMapOvr>
     <a:masterClrMapping/>
   </p:clrMapOvr>
-  <p:timing>
-    <p:tnLst>
-      <p:par>
-        <p:cTn id="1" dur="indefinite" restart="never" nodeType="tmRoot"/>
-      </p:par>
-    </p:tnLst>
-  </p:timing>
 </p:sld>
 </file>
 
@@ -12694,13 +12680,6 @@
   <p:clrMapOvr>
     <a:masterClrMapping/>
   </p:clrMapOvr>
-  <p:timing>
-    <p:tnLst>
-      <p:par>
-        <p:cTn id="1" dur="indefinite" restart="never" nodeType="tmRoot"/>
-      </p:par>
-    </p:tnLst>
-  </p:timing>
 </p:sld>
 </file>
 
@@ -12849,13 +12828,6 @@
   <p:clrMapOvr>
     <a:masterClrMapping/>
   </p:clrMapOvr>
-  <p:timing>
-    <p:tnLst>
-      <p:par>
-        <p:cTn id="1" dur="indefinite" restart="never" nodeType="tmRoot"/>
-      </p:par>
-    </p:tnLst>
-  </p:timing>
 </p:sld>
 </file>
 
@@ -12886,32 +12858,406 @@
             <p:ph type="title"/>
           </p:nvPr>
         </p:nvSpPr>
-        <p:spPr>
-          <a:xfrm>
-            <a:off x="3788384" y="52459"/>
-            <a:ext cx="4979469" cy="1478570"/>
-          </a:xfrm>
-        </p:spPr>
+        <p:spPr/>
         <p:txBody>
           <a:bodyPr/>
           <a:lstStyle/>
           <a:p>
+            <a:pPr algn="ctr"/>
             <a:r>
               <a:rPr lang="en-US" dirty="0"/>
-              <a:t>Mercury architecture</a:t>
+              <a:t>Mercury components</a:t>
             </a:r>
           </a:p>
         </p:txBody>
       </p:sp>
+      <p:sp>
+        <p:nvSpPr>
+          <p:cNvPr id="4" name="Rectangle: Diagonal Corners Rounded 3"/>
+          <p:cNvSpPr/>
+          <p:nvPr/>
+        </p:nvSpPr>
+        <p:spPr>
+          <a:xfrm>
+            <a:off x="2952732" y="1824446"/>
+            <a:ext cx="1535185" cy="914400"/>
+          </a:xfrm>
+          <a:prstGeom prst="round2DiagRect">
+            <a:avLst/>
+          </a:prstGeom>
+        </p:spPr>
+        <p:style>
+          <a:lnRef idx="2">
+            <a:schemeClr val="accent1">
+              <a:shade val="50000"/>
+            </a:schemeClr>
+          </a:lnRef>
+          <a:fillRef idx="1">
+            <a:schemeClr val="accent1"/>
+          </a:fillRef>
+          <a:effectRef idx="0">
+            <a:schemeClr val="accent1"/>
+          </a:effectRef>
+          <a:fontRef idx="minor">
+            <a:schemeClr val="lt1"/>
+          </a:fontRef>
+        </p:style>
+        <p:txBody>
+          <a:bodyPr rtlCol="0" anchor="ctr"/>
+          <a:lstStyle/>
+          <a:p>
+            <a:pPr algn="ctr"/>
+            <a:r>
+              <a:rPr lang="en-US" dirty="0"/>
+              <a:t>Broker</a:t>
+            </a:r>
+          </a:p>
+        </p:txBody>
+      </p:sp>
+      <p:sp>
+        <p:nvSpPr>
+          <p:cNvPr id="5" name="Cylinder 4"/>
+          <p:cNvSpPr/>
+          <p:nvPr/>
+        </p:nvSpPr>
+        <p:spPr>
+          <a:xfrm rot="5400000">
+            <a:off x="5909851" y="1260287"/>
+            <a:ext cx="369115" cy="2042718"/>
+          </a:xfrm>
+          <a:prstGeom prst="can">
+            <a:avLst/>
+          </a:prstGeom>
+        </p:spPr>
+        <p:style>
+          <a:lnRef idx="2">
+            <a:schemeClr val="accent2">
+              <a:shade val="50000"/>
+            </a:schemeClr>
+          </a:lnRef>
+          <a:fillRef idx="1">
+            <a:schemeClr val="accent2"/>
+          </a:fillRef>
+          <a:effectRef idx="0">
+            <a:schemeClr val="accent2"/>
+          </a:effectRef>
+          <a:fontRef idx="minor">
+            <a:schemeClr val="lt1"/>
+          </a:fontRef>
+        </p:style>
+        <p:txBody>
+          <a:bodyPr vert="vert270" rtlCol="0" anchor="ctr"/>
+          <a:lstStyle/>
+          <a:p>
+            <a:pPr algn="ctr"/>
+            <a:r>
+              <a:rPr lang="en-US" dirty="0" err="1"/>
+              <a:t>PubSub</a:t>
+            </a:r>
+            <a:endParaRPr lang="en-US" dirty="0"/>
+          </a:p>
+        </p:txBody>
+      </p:sp>
+      <p:sp>
+        <p:nvSpPr>
+          <p:cNvPr id="6" name="Rectangle: Rounded Corners 5"/>
+          <p:cNvSpPr/>
+          <p:nvPr/>
+        </p:nvSpPr>
+        <p:spPr>
+          <a:xfrm>
+            <a:off x="5326815" y="3013596"/>
+            <a:ext cx="1535185" cy="931178"/>
+          </a:xfrm>
+          <a:prstGeom prst="roundRect">
+            <a:avLst/>
+          </a:prstGeom>
+        </p:spPr>
+        <p:style>
+          <a:lnRef idx="2">
+            <a:schemeClr val="accent3">
+              <a:shade val="50000"/>
+            </a:schemeClr>
+          </a:lnRef>
+          <a:fillRef idx="1">
+            <a:schemeClr val="accent3"/>
+          </a:fillRef>
+          <a:effectRef idx="0">
+            <a:schemeClr val="accent3"/>
+          </a:effectRef>
+          <a:fontRef idx="minor">
+            <a:schemeClr val="lt1"/>
+          </a:fontRef>
+        </p:style>
+        <p:txBody>
+          <a:bodyPr rtlCol="0" anchor="ctr"/>
+          <a:lstStyle/>
+          <a:p>
+            <a:pPr algn="ctr"/>
+            <a:r>
+              <a:rPr lang="en-US" dirty="0"/>
+              <a:t>Adapter</a:t>
+            </a:r>
+          </a:p>
+        </p:txBody>
+      </p:sp>
+      <p:cxnSp>
+        <p:nvCxnSpPr>
+          <p:cNvPr id="10" name="Connector: Elbow 9"/>
+          <p:cNvCxnSpPr>
+            <a:stCxn id="5" idx="3"/>
+            <a:endCxn id="4" idx="0"/>
+          </p:cNvCxnSpPr>
+          <p:nvPr/>
+        </p:nvCxnSpPr>
+        <p:spPr>
+          <a:xfrm rot="10800000">
+            <a:off x="4487918" y="2281647"/>
+            <a:ext cx="585133" cy="1"/>
+          </a:xfrm>
+          <a:prstGeom prst="bentConnector3">
+            <a:avLst/>
+          </a:prstGeom>
+          <a:ln>
+            <a:solidFill>
+              <a:schemeClr val="tx1"/>
+            </a:solidFill>
+            <a:headEnd type="triangle"/>
+            <a:tailEnd type="triangle"/>
+          </a:ln>
+        </p:spPr>
+        <p:style>
+          <a:lnRef idx="1">
+            <a:schemeClr val="accent1"/>
+          </a:lnRef>
+          <a:fillRef idx="0">
+            <a:schemeClr val="accent1"/>
+          </a:fillRef>
+          <a:effectRef idx="0">
+            <a:schemeClr val="accent1"/>
+          </a:effectRef>
+          <a:fontRef idx="minor">
+            <a:schemeClr val="tx1"/>
+          </a:fontRef>
+        </p:style>
+      </p:cxnSp>
+      <p:cxnSp>
+        <p:nvCxnSpPr>
+          <p:cNvPr id="20" name="Straight Arrow Connector 19"/>
+          <p:cNvCxnSpPr>
+            <a:stCxn id="5" idx="4"/>
+            <a:endCxn id="6" idx="0"/>
+          </p:cNvCxnSpPr>
+          <p:nvPr/>
+        </p:nvCxnSpPr>
+        <p:spPr>
+          <a:xfrm flipH="1">
+            <a:off x="6094408" y="2466204"/>
+            <a:ext cx="1" cy="547392"/>
+          </a:xfrm>
+          <a:prstGeom prst="straightConnector1">
+            <a:avLst/>
+          </a:prstGeom>
+          <a:ln>
+            <a:solidFill>
+              <a:schemeClr val="tx1"/>
+            </a:solidFill>
+            <a:headEnd type="triangle"/>
+            <a:tailEnd type="triangle"/>
+          </a:ln>
+        </p:spPr>
+        <p:style>
+          <a:lnRef idx="1">
+            <a:schemeClr val="accent1"/>
+          </a:lnRef>
+          <a:fillRef idx="0">
+            <a:schemeClr val="accent1"/>
+          </a:fillRef>
+          <a:effectRef idx="0">
+            <a:schemeClr val="accent1"/>
+          </a:effectRef>
+          <a:fontRef idx="minor">
+            <a:schemeClr val="tx1"/>
+          </a:fontRef>
+        </p:style>
+      </p:cxnSp>
+      <p:sp>
+        <p:nvSpPr>
+          <p:cNvPr id="21" name="Rectangle 20"/>
+          <p:cNvSpPr/>
+          <p:nvPr/>
+        </p:nvSpPr>
+        <p:spPr>
+          <a:xfrm>
+            <a:off x="7700899" y="1824446"/>
+            <a:ext cx="1535185" cy="914400"/>
+          </a:xfrm>
+          <a:prstGeom prst="rect">
+            <a:avLst/>
+          </a:prstGeom>
+          <a:solidFill>
+            <a:schemeClr val="tx2">
+              <a:lumMod val="60000"/>
+              <a:lumOff val="40000"/>
+            </a:schemeClr>
+          </a:solidFill>
+        </p:spPr>
+        <p:style>
+          <a:lnRef idx="2">
+            <a:schemeClr val="accent1">
+              <a:shade val="50000"/>
+            </a:schemeClr>
+          </a:lnRef>
+          <a:fillRef idx="1">
+            <a:schemeClr val="accent1"/>
+          </a:fillRef>
+          <a:effectRef idx="0">
+            <a:schemeClr val="accent1"/>
+          </a:effectRef>
+          <a:fontRef idx="minor">
+            <a:schemeClr val="lt1"/>
+          </a:fontRef>
+        </p:style>
+        <p:txBody>
+          <a:bodyPr rtlCol="0" anchor="ctr"/>
+          <a:lstStyle/>
+          <a:p>
+            <a:pPr algn="ctr"/>
+            <a:r>
+              <a:rPr lang="en-US" dirty="0"/>
+              <a:t>Service Endpoint</a:t>
+            </a:r>
+          </a:p>
+        </p:txBody>
+      </p:sp>
+      <p:cxnSp>
+        <p:nvCxnSpPr>
+          <p:cNvPr id="23" name="Straight Arrow Connector 22"/>
+          <p:cNvCxnSpPr>
+            <a:stCxn id="5" idx="1"/>
+            <a:endCxn id="21" idx="1"/>
+          </p:cNvCxnSpPr>
+          <p:nvPr/>
+        </p:nvCxnSpPr>
+        <p:spPr>
+          <a:xfrm flipV="1">
+            <a:off x="7115768" y="2281646"/>
+            <a:ext cx="585131" cy="1"/>
+          </a:xfrm>
+          <a:prstGeom prst="straightConnector1">
+            <a:avLst/>
+          </a:prstGeom>
+          <a:ln>
+            <a:solidFill>
+              <a:schemeClr val="tx1"/>
+            </a:solidFill>
+            <a:headEnd type="triangle"/>
+            <a:tailEnd type="triangle"/>
+          </a:ln>
+        </p:spPr>
+        <p:style>
+          <a:lnRef idx="1">
+            <a:schemeClr val="accent1"/>
+          </a:lnRef>
+          <a:fillRef idx="0">
+            <a:schemeClr val="accent1"/>
+          </a:fillRef>
+          <a:effectRef idx="0">
+            <a:schemeClr val="accent1"/>
+          </a:effectRef>
+          <a:fontRef idx="minor">
+            <a:schemeClr val="tx1"/>
+          </a:fontRef>
+        </p:style>
+      </p:cxnSp>
+      <p:sp>
+        <p:nvSpPr>
+          <p:cNvPr id="24" name="Cloud 23"/>
+          <p:cNvSpPr/>
+          <p:nvPr/>
+        </p:nvSpPr>
+        <p:spPr>
+          <a:xfrm>
+            <a:off x="5053648" y="4370664"/>
+            <a:ext cx="2081518" cy="1191237"/>
+          </a:xfrm>
+          <a:prstGeom prst="cloud">
+            <a:avLst/>
+          </a:prstGeom>
+        </p:spPr>
+        <p:style>
+          <a:lnRef idx="2">
+            <a:schemeClr val="dk1"/>
+          </a:lnRef>
+          <a:fillRef idx="1">
+            <a:schemeClr val="lt1"/>
+          </a:fillRef>
+          <a:effectRef idx="0">
+            <a:schemeClr val="dk1"/>
+          </a:effectRef>
+          <a:fontRef idx="minor">
+            <a:schemeClr val="dk1"/>
+          </a:fontRef>
+        </p:style>
+        <p:txBody>
+          <a:bodyPr rtlCol="0" anchor="ctr"/>
+          <a:lstStyle/>
+          <a:p>
+            <a:pPr algn="ctr"/>
+            <a:r>
+              <a:rPr lang="en-US" dirty="0"/>
+              <a:t>Mobile Core</a:t>
+            </a:r>
+          </a:p>
+        </p:txBody>
+      </p:sp>
+      <p:cxnSp>
+        <p:nvCxnSpPr>
+          <p:cNvPr id="26" name="Straight Arrow Connector 25"/>
+          <p:cNvCxnSpPr>
+            <a:stCxn id="6" idx="2"/>
+            <a:endCxn id="24" idx="3"/>
+          </p:cNvCxnSpPr>
+          <p:nvPr/>
+        </p:nvCxnSpPr>
+        <p:spPr>
+          <a:xfrm flipH="1">
+            <a:off x="6094407" y="3944774"/>
+            <a:ext cx="1" cy="494000"/>
+          </a:xfrm>
+          <a:prstGeom prst="straightConnector1">
+            <a:avLst/>
+          </a:prstGeom>
+          <a:ln>
+            <a:solidFill>
+              <a:schemeClr val="tx1"/>
+            </a:solidFill>
+            <a:headEnd type="triangle"/>
+            <a:tailEnd type="triangle"/>
+          </a:ln>
+        </p:spPr>
+        <p:style>
+          <a:lnRef idx="1">
+            <a:schemeClr val="accent1"/>
+          </a:lnRef>
+          <a:fillRef idx="0">
+            <a:schemeClr val="accent1"/>
+          </a:fillRef>
+          <a:effectRef idx="0">
+            <a:schemeClr val="accent1"/>
+          </a:effectRef>
+          <a:fontRef idx="minor">
+            <a:schemeClr val="tx1"/>
+          </a:fontRef>
+        </p:style>
+      </p:cxnSp>
       <p:pic>
         <p:nvPicPr>
-          <p:cNvPr id="4" name="Content Placeholder 3"/>
+          <p:cNvPr id="31" name="Picture 30" descr="Cell-Tower.png"/>
           <p:cNvPicPr>
-            <a:picLocks noGrp="1" noChangeAspect="1"/>
+            <a:picLocks noChangeAspect="1"/>
           </p:cNvPicPr>
-          <p:nvPr>
-            <p:ph idx="1"/>
-          </p:nvPr>
+          <p:nvPr/>
         </p:nvPicPr>
         <p:blipFill>
           <a:blip r:embed="rId2"/>
@@ -12921,28 +13267,914 @@
         </p:blipFill>
         <p:spPr>
           <a:xfrm>
-            <a:off x="2743201" y="1381739"/>
-            <a:ext cx="7069834" cy="5150009"/>
+            <a:off x="7700899" y="4191774"/>
+            <a:ext cx="914402" cy="1368555"/>
           </a:xfrm>
+          <a:prstGeom prst="rect">
+            <a:avLst/>
+          </a:prstGeom>
         </p:spPr>
       </p:pic>
+      <p:pic>
+        <p:nvPicPr>
+          <p:cNvPr id="33" name="Picture 32" descr="Cell-Tower.png"/>
+          <p:cNvPicPr>
+            <a:picLocks noChangeAspect="1"/>
+          </p:cNvPicPr>
+          <p:nvPr/>
+        </p:nvPicPr>
+        <p:blipFill>
+          <a:blip r:embed="rId2"/>
+          <a:stretch>
+            <a:fillRect/>
+          </a:stretch>
+        </p:blipFill>
+        <p:spPr>
+          <a:xfrm>
+            <a:off x="3573513" y="4191774"/>
+            <a:ext cx="914402" cy="1368555"/>
+          </a:xfrm>
+          <a:prstGeom prst="rect">
+            <a:avLst/>
+          </a:prstGeom>
+        </p:spPr>
+      </p:pic>
+      <p:cxnSp>
+        <p:nvCxnSpPr>
+          <p:cNvPr id="35" name="Straight Arrow Connector 34"/>
+          <p:cNvCxnSpPr>
+            <a:stCxn id="24" idx="0"/>
+          </p:cNvCxnSpPr>
+          <p:nvPr/>
+        </p:nvCxnSpPr>
+        <p:spPr>
+          <a:xfrm>
+            <a:off x="7133431" y="4966283"/>
+            <a:ext cx="634775" cy="511728"/>
+          </a:xfrm>
+          <a:prstGeom prst="straightConnector1">
+            <a:avLst/>
+          </a:prstGeom>
+          <a:ln>
+            <a:solidFill>
+              <a:schemeClr val="tx1"/>
+            </a:solidFill>
+            <a:headEnd type="triangle"/>
+            <a:tailEnd type="triangle"/>
+          </a:ln>
+        </p:spPr>
+        <p:style>
+          <a:lnRef idx="1">
+            <a:schemeClr val="accent1"/>
+          </a:lnRef>
+          <a:fillRef idx="0">
+            <a:schemeClr val="accent1"/>
+          </a:fillRef>
+          <a:effectRef idx="0">
+            <a:schemeClr val="accent1"/>
+          </a:effectRef>
+          <a:fontRef idx="minor">
+            <a:schemeClr val="tx1"/>
+          </a:fontRef>
+        </p:style>
+      </p:cxnSp>
+      <p:cxnSp>
+        <p:nvCxnSpPr>
+          <p:cNvPr id="37" name="Straight Arrow Connector 36"/>
+          <p:cNvCxnSpPr>
+            <a:stCxn id="24" idx="2"/>
+          </p:cNvCxnSpPr>
+          <p:nvPr/>
+        </p:nvCxnSpPr>
+        <p:spPr>
+          <a:xfrm flipH="1">
+            <a:off x="4412609" y="4966283"/>
+            <a:ext cx="647496" cy="511728"/>
+          </a:xfrm>
+          <a:prstGeom prst="straightConnector1">
+            <a:avLst/>
+          </a:prstGeom>
+          <a:ln>
+            <a:solidFill>
+              <a:schemeClr val="tx1"/>
+            </a:solidFill>
+            <a:headEnd type="triangle"/>
+            <a:tailEnd type="triangle"/>
+          </a:ln>
+        </p:spPr>
+        <p:style>
+          <a:lnRef idx="1">
+            <a:schemeClr val="accent1"/>
+          </a:lnRef>
+          <a:fillRef idx="0">
+            <a:schemeClr val="accent1"/>
+          </a:fillRef>
+          <a:effectRef idx="0">
+            <a:schemeClr val="accent1"/>
+          </a:effectRef>
+          <a:fontRef idx="minor">
+            <a:schemeClr val="tx1"/>
+          </a:fontRef>
+        </p:style>
+      </p:cxnSp>
+      <p:sp>
+        <p:nvSpPr>
+          <p:cNvPr id="38" name="TextBox 37"/>
+          <p:cNvSpPr txBox="1"/>
+          <p:nvPr/>
+        </p:nvSpPr>
+        <p:spPr>
+          <a:xfrm>
+            <a:off x="3396694" y="5560329"/>
+            <a:ext cx="1268039" cy="369332"/>
+          </a:xfrm>
+          <a:prstGeom prst="rect">
+            <a:avLst/>
+          </a:prstGeom>
+          <a:noFill/>
+        </p:spPr>
+        <p:txBody>
+          <a:bodyPr wrap="none" rtlCol="0">
+            <a:spAutoFit/>
+          </a:bodyPr>
+          <a:lstStyle/>
+          <a:p>
+            <a:r>
+              <a:rPr lang="en-US" dirty="0"/>
+              <a:t>Access Point</a:t>
+            </a:r>
+          </a:p>
+        </p:txBody>
+      </p:sp>
+      <p:sp>
+        <p:nvSpPr>
+          <p:cNvPr id="39" name="TextBox 38"/>
+          <p:cNvSpPr txBox="1"/>
+          <p:nvPr/>
+        </p:nvSpPr>
+        <p:spPr>
+          <a:xfrm>
+            <a:off x="7524080" y="5560329"/>
+            <a:ext cx="1268039" cy="369332"/>
+          </a:xfrm>
+          <a:prstGeom prst="rect">
+            <a:avLst/>
+          </a:prstGeom>
+          <a:noFill/>
+        </p:spPr>
+        <p:txBody>
+          <a:bodyPr wrap="none" rtlCol="0">
+            <a:spAutoFit/>
+          </a:bodyPr>
+          <a:lstStyle/>
+          <a:p>
+            <a:r>
+              <a:rPr lang="en-US" dirty="0"/>
+              <a:t>Access Point</a:t>
+            </a:r>
+          </a:p>
+        </p:txBody>
+      </p:sp>
+      <p:pic>
+        <p:nvPicPr>
+          <p:cNvPr id="40" name="Picture 39" descr="Simple Cellphone Clipart by anubisza on DeviantArt"/>
+          <p:cNvPicPr>
+            <a:picLocks noChangeAspect="1"/>
+          </p:cNvPicPr>
+          <p:nvPr/>
+        </p:nvPicPr>
+        <p:blipFill>
+          <a:blip r:embed="rId3"/>
+          <a:stretch>
+            <a:fillRect/>
+          </a:stretch>
+        </p:blipFill>
+        <p:spPr>
+          <a:xfrm>
+            <a:off x="9369466" y="4191774"/>
+            <a:ext cx="554200" cy="650191"/>
+          </a:xfrm>
+          <a:prstGeom prst="rect">
+            <a:avLst/>
+          </a:prstGeom>
+        </p:spPr>
+      </p:pic>
+      <p:pic>
+        <p:nvPicPr>
+          <p:cNvPr id="41" name="Picture 40" descr="Simple Cellphone Clipart by anubisza on DeviantArt"/>
+          <p:cNvPicPr>
+            <a:picLocks noChangeAspect="1"/>
+          </p:cNvPicPr>
+          <p:nvPr/>
+        </p:nvPicPr>
+        <p:blipFill>
+          <a:blip r:embed="rId3"/>
+          <a:stretch>
+            <a:fillRect/>
+          </a:stretch>
+        </p:blipFill>
+        <p:spPr>
+          <a:xfrm>
+            <a:off x="9369466" y="4910138"/>
+            <a:ext cx="554200" cy="650191"/>
+          </a:xfrm>
+          <a:prstGeom prst="rect">
+            <a:avLst/>
+          </a:prstGeom>
+        </p:spPr>
+      </p:pic>
+      <p:pic>
+        <p:nvPicPr>
+          <p:cNvPr id="42" name="Picture 41" descr="Simple Cellphone Clipart by anubisza on DeviantArt"/>
+          <p:cNvPicPr>
+            <a:picLocks noChangeAspect="1"/>
+          </p:cNvPicPr>
+          <p:nvPr/>
+        </p:nvPicPr>
+        <p:blipFill>
+          <a:blip r:embed="rId3"/>
+          <a:stretch>
+            <a:fillRect/>
+          </a:stretch>
+        </p:blipFill>
+        <p:spPr>
+          <a:xfrm flipH="1">
+            <a:off x="2398532" y="4191774"/>
+            <a:ext cx="554200" cy="650191"/>
+          </a:xfrm>
+          <a:prstGeom prst="rect">
+            <a:avLst/>
+          </a:prstGeom>
+        </p:spPr>
+      </p:pic>
+      <p:pic>
+        <p:nvPicPr>
+          <p:cNvPr id="43" name="Picture 42" descr="Simple Cellphone Clipart by anubisza on DeviantArt"/>
+          <p:cNvPicPr>
+            <a:picLocks noChangeAspect="1"/>
+          </p:cNvPicPr>
+          <p:nvPr/>
+        </p:nvPicPr>
+        <p:blipFill>
+          <a:blip r:embed="rId3"/>
+          <a:stretch>
+            <a:fillRect/>
+          </a:stretch>
+        </p:blipFill>
+        <p:spPr>
+          <a:xfrm flipH="1">
+            <a:off x="2398532" y="4914333"/>
+            <a:ext cx="554200" cy="650191"/>
+          </a:xfrm>
+          <a:prstGeom prst="rect">
+            <a:avLst/>
+          </a:prstGeom>
+        </p:spPr>
+      </p:pic>
+      <p:grpSp>
+        <p:nvGrpSpPr>
+          <p:cNvPr id="48" name="Group 47"/>
+          <p:cNvGrpSpPr/>
+          <p:nvPr/>
+        </p:nvGrpSpPr>
+        <p:grpSpPr>
+          <a:xfrm rot="2277131">
+            <a:off x="2316490" y="3897446"/>
+            <a:ext cx="887924" cy="1023458"/>
+            <a:chOff x="2508770" y="3598877"/>
+            <a:chExt cx="887924" cy="1023458"/>
+          </a:xfrm>
+        </p:grpSpPr>
+        <p:sp>
+          <p:nvSpPr>
+            <p:cNvPr id="44" name="Arc 43"/>
+            <p:cNvSpPr/>
+            <p:nvPr/>
+          </p:nvSpPr>
+          <p:spPr>
+            <a:xfrm>
+              <a:off x="2508770" y="3598877"/>
+              <a:ext cx="887924" cy="1023458"/>
+            </a:xfrm>
+            <a:prstGeom prst="arc">
+              <a:avLst/>
+            </a:prstGeom>
+            <a:ln>
+              <a:solidFill>
+                <a:schemeClr val="tx1"/>
+              </a:solidFill>
+            </a:ln>
+          </p:spPr>
+          <p:style>
+            <a:lnRef idx="1">
+              <a:schemeClr val="accent1"/>
+            </a:lnRef>
+            <a:fillRef idx="0">
+              <a:schemeClr val="accent1"/>
+            </a:fillRef>
+            <a:effectRef idx="0">
+              <a:schemeClr val="accent1"/>
+            </a:effectRef>
+            <a:fontRef idx="minor">
+              <a:schemeClr val="tx1"/>
+            </a:fontRef>
+          </p:style>
+          <p:txBody>
+            <a:bodyPr rtlCol="0" anchor="ctr"/>
+            <a:lstStyle/>
+            <a:p>
+              <a:pPr algn="ctr"/>
+              <a:endParaRPr lang="en-US"/>
+            </a:p>
+          </p:txBody>
+        </p:sp>
+        <p:sp>
+          <p:nvSpPr>
+            <p:cNvPr id="46" name="Arc 45"/>
+            <p:cNvSpPr/>
+            <p:nvPr/>
+          </p:nvSpPr>
+          <p:spPr>
+            <a:xfrm>
+              <a:off x="2650921" y="3708692"/>
+              <a:ext cx="643206" cy="730082"/>
+            </a:xfrm>
+            <a:prstGeom prst="arc">
+              <a:avLst/>
+            </a:prstGeom>
+            <a:ln>
+              <a:solidFill>
+                <a:schemeClr val="tx1"/>
+              </a:solidFill>
+            </a:ln>
+          </p:spPr>
+          <p:style>
+            <a:lnRef idx="1">
+              <a:schemeClr val="accent1"/>
+            </a:lnRef>
+            <a:fillRef idx="0">
+              <a:schemeClr val="accent1"/>
+            </a:fillRef>
+            <a:effectRef idx="0">
+              <a:schemeClr val="accent1"/>
+            </a:effectRef>
+            <a:fontRef idx="minor">
+              <a:schemeClr val="tx1"/>
+            </a:fontRef>
+          </p:style>
+          <p:txBody>
+            <a:bodyPr rtlCol="0" anchor="ctr"/>
+            <a:lstStyle/>
+            <a:p>
+              <a:pPr algn="ctr"/>
+              <a:endParaRPr lang="en-US"/>
+            </a:p>
+          </p:txBody>
+        </p:sp>
+        <p:sp>
+          <p:nvSpPr>
+            <p:cNvPr id="47" name="Arc 46"/>
+            <p:cNvSpPr/>
+            <p:nvPr/>
+          </p:nvSpPr>
+          <p:spPr>
+            <a:xfrm>
+              <a:off x="2819347" y="3812648"/>
+              <a:ext cx="377393" cy="427987"/>
+            </a:xfrm>
+            <a:prstGeom prst="arc">
+              <a:avLst/>
+            </a:prstGeom>
+            <a:ln>
+              <a:solidFill>
+                <a:schemeClr val="tx1"/>
+              </a:solidFill>
+            </a:ln>
+          </p:spPr>
+          <p:style>
+            <a:lnRef idx="1">
+              <a:schemeClr val="accent1"/>
+            </a:lnRef>
+            <a:fillRef idx="0">
+              <a:schemeClr val="accent1"/>
+            </a:fillRef>
+            <a:effectRef idx="0">
+              <a:schemeClr val="accent1"/>
+            </a:effectRef>
+            <a:fontRef idx="minor">
+              <a:schemeClr val="tx1"/>
+            </a:fontRef>
+          </p:style>
+          <p:txBody>
+            <a:bodyPr rtlCol="0" anchor="ctr"/>
+            <a:lstStyle/>
+            <a:p>
+              <a:pPr algn="ctr"/>
+              <a:endParaRPr lang="en-US"/>
+            </a:p>
+          </p:txBody>
+        </p:sp>
+      </p:grpSp>
+      <p:grpSp>
+        <p:nvGrpSpPr>
+          <p:cNvPr id="49" name="Group 48"/>
+          <p:cNvGrpSpPr/>
+          <p:nvPr/>
+        </p:nvGrpSpPr>
+        <p:grpSpPr>
+          <a:xfrm rot="12782066">
+            <a:off x="9038771" y="3730721"/>
+            <a:ext cx="887924" cy="1023458"/>
+            <a:chOff x="2508770" y="3598877"/>
+            <a:chExt cx="887924" cy="1023458"/>
+          </a:xfrm>
+        </p:grpSpPr>
+        <p:sp>
+          <p:nvSpPr>
+            <p:cNvPr id="50" name="Arc 49"/>
+            <p:cNvSpPr/>
+            <p:nvPr/>
+          </p:nvSpPr>
+          <p:spPr>
+            <a:xfrm>
+              <a:off x="2508770" y="3598877"/>
+              <a:ext cx="887924" cy="1023458"/>
+            </a:xfrm>
+            <a:prstGeom prst="arc">
+              <a:avLst/>
+            </a:prstGeom>
+            <a:ln>
+              <a:solidFill>
+                <a:schemeClr val="tx1"/>
+              </a:solidFill>
+            </a:ln>
+          </p:spPr>
+          <p:style>
+            <a:lnRef idx="1">
+              <a:schemeClr val="accent1"/>
+            </a:lnRef>
+            <a:fillRef idx="0">
+              <a:schemeClr val="accent1"/>
+            </a:fillRef>
+            <a:effectRef idx="0">
+              <a:schemeClr val="accent1"/>
+            </a:effectRef>
+            <a:fontRef idx="minor">
+              <a:schemeClr val="tx1"/>
+            </a:fontRef>
+          </p:style>
+          <p:txBody>
+            <a:bodyPr rtlCol="0" anchor="ctr"/>
+            <a:lstStyle/>
+            <a:p>
+              <a:pPr algn="ctr"/>
+              <a:endParaRPr lang="en-US"/>
+            </a:p>
+          </p:txBody>
+        </p:sp>
+        <p:sp>
+          <p:nvSpPr>
+            <p:cNvPr id="51" name="Arc 50"/>
+            <p:cNvSpPr/>
+            <p:nvPr/>
+          </p:nvSpPr>
+          <p:spPr>
+            <a:xfrm>
+              <a:off x="2650921" y="3708692"/>
+              <a:ext cx="643206" cy="730082"/>
+            </a:xfrm>
+            <a:prstGeom prst="arc">
+              <a:avLst/>
+            </a:prstGeom>
+            <a:ln>
+              <a:solidFill>
+                <a:schemeClr val="tx1"/>
+              </a:solidFill>
+            </a:ln>
+          </p:spPr>
+          <p:style>
+            <a:lnRef idx="1">
+              <a:schemeClr val="accent1"/>
+            </a:lnRef>
+            <a:fillRef idx="0">
+              <a:schemeClr val="accent1"/>
+            </a:fillRef>
+            <a:effectRef idx="0">
+              <a:schemeClr val="accent1"/>
+            </a:effectRef>
+            <a:fontRef idx="minor">
+              <a:schemeClr val="tx1"/>
+            </a:fontRef>
+          </p:style>
+          <p:txBody>
+            <a:bodyPr rtlCol="0" anchor="ctr"/>
+            <a:lstStyle/>
+            <a:p>
+              <a:pPr algn="ctr"/>
+              <a:endParaRPr lang="en-US"/>
+            </a:p>
+          </p:txBody>
+        </p:sp>
+        <p:sp>
+          <p:nvSpPr>
+            <p:cNvPr id="52" name="Arc 51"/>
+            <p:cNvSpPr/>
+            <p:nvPr/>
+          </p:nvSpPr>
+          <p:spPr>
+            <a:xfrm>
+              <a:off x="2819347" y="3812648"/>
+              <a:ext cx="377393" cy="427987"/>
+            </a:xfrm>
+            <a:prstGeom prst="arc">
+              <a:avLst/>
+            </a:prstGeom>
+            <a:ln>
+              <a:solidFill>
+                <a:schemeClr val="tx1"/>
+              </a:solidFill>
+            </a:ln>
+          </p:spPr>
+          <p:style>
+            <a:lnRef idx="1">
+              <a:schemeClr val="accent1"/>
+            </a:lnRef>
+            <a:fillRef idx="0">
+              <a:schemeClr val="accent1"/>
+            </a:fillRef>
+            <a:effectRef idx="0">
+              <a:schemeClr val="accent1"/>
+            </a:effectRef>
+            <a:fontRef idx="minor">
+              <a:schemeClr val="tx1"/>
+            </a:fontRef>
+          </p:style>
+          <p:txBody>
+            <a:bodyPr rtlCol="0" anchor="ctr"/>
+            <a:lstStyle/>
+            <a:p>
+              <a:pPr algn="ctr"/>
+              <a:endParaRPr lang="en-US"/>
+            </a:p>
+          </p:txBody>
+        </p:sp>
+      </p:grpSp>
+      <p:grpSp>
+        <p:nvGrpSpPr>
+          <p:cNvPr id="53" name="Group 52"/>
+          <p:cNvGrpSpPr/>
+          <p:nvPr/>
+        </p:nvGrpSpPr>
+        <p:grpSpPr>
+          <a:xfrm rot="2174497">
+            <a:off x="2379049" y="4896211"/>
+            <a:ext cx="887924" cy="1023458"/>
+            <a:chOff x="2508770" y="3598877"/>
+            <a:chExt cx="887924" cy="1023458"/>
+          </a:xfrm>
+        </p:grpSpPr>
+        <p:sp>
+          <p:nvSpPr>
+            <p:cNvPr id="54" name="Arc 53"/>
+            <p:cNvSpPr/>
+            <p:nvPr/>
+          </p:nvSpPr>
+          <p:spPr>
+            <a:xfrm>
+              <a:off x="2508770" y="3598877"/>
+              <a:ext cx="887924" cy="1023458"/>
+            </a:xfrm>
+            <a:prstGeom prst="arc">
+              <a:avLst/>
+            </a:prstGeom>
+            <a:ln>
+              <a:solidFill>
+                <a:schemeClr val="tx1"/>
+              </a:solidFill>
+            </a:ln>
+          </p:spPr>
+          <p:style>
+            <a:lnRef idx="1">
+              <a:schemeClr val="accent1"/>
+            </a:lnRef>
+            <a:fillRef idx="0">
+              <a:schemeClr val="accent1"/>
+            </a:fillRef>
+            <a:effectRef idx="0">
+              <a:schemeClr val="accent1"/>
+            </a:effectRef>
+            <a:fontRef idx="minor">
+              <a:schemeClr val="tx1"/>
+            </a:fontRef>
+          </p:style>
+          <p:txBody>
+            <a:bodyPr rtlCol="0" anchor="ctr"/>
+            <a:lstStyle/>
+            <a:p>
+              <a:pPr algn="ctr"/>
+              <a:endParaRPr lang="en-US"/>
+            </a:p>
+          </p:txBody>
+        </p:sp>
+        <p:sp>
+          <p:nvSpPr>
+            <p:cNvPr id="55" name="Arc 54"/>
+            <p:cNvSpPr/>
+            <p:nvPr/>
+          </p:nvSpPr>
+          <p:spPr>
+            <a:xfrm>
+              <a:off x="2650921" y="3708692"/>
+              <a:ext cx="643206" cy="730082"/>
+            </a:xfrm>
+            <a:prstGeom prst="arc">
+              <a:avLst/>
+            </a:prstGeom>
+            <a:ln>
+              <a:solidFill>
+                <a:schemeClr val="tx1"/>
+              </a:solidFill>
+            </a:ln>
+          </p:spPr>
+          <p:style>
+            <a:lnRef idx="1">
+              <a:schemeClr val="accent1"/>
+            </a:lnRef>
+            <a:fillRef idx="0">
+              <a:schemeClr val="accent1"/>
+            </a:fillRef>
+            <a:effectRef idx="0">
+              <a:schemeClr val="accent1"/>
+            </a:effectRef>
+            <a:fontRef idx="minor">
+              <a:schemeClr val="tx1"/>
+            </a:fontRef>
+          </p:style>
+          <p:txBody>
+            <a:bodyPr rtlCol="0" anchor="ctr"/>
+            <a:lstStyle/>
+            <a:p>
+              <a:pPr algn="ctr"/>
+              <a:endParaRPr lang="en-US" dirty="0"/>
+            </a:p>
+          </p:txBody>
+        </p:sp>
+        <p:sp>
+          <p:nvSpPr>
+            <p:cNvPr id="56" name="Arc 55"/>
+            <p:cNvSpPr/>
+            <p:nvPr/>
+          </p:nvSpPr>
+          <p:spPr>
+            <a:xfrm>
+              <a:off x="2819347" y="3812648"/>
+              <a:ext cx="377393" cy="427987"/>
+            </a:xfrm>
+            <a:prstGeom prst="arc">
+              <a:avLst/>
+            </a:prstGeom>
+            <a:ln>
+              <a:solidFill>
+                <a:schemeClr val="tx1"/>
+              </a:solidFill>
+            </a:ln>
+          </p:spPr>
+          <p:style>
+            <a:lnRef idx="1">
+              <a:schemeClr val="accent1"/>
+            </a:lnRef>
+            <a:fillRef idx="0">
+              <a:schemeClr val="accent1"/>
+            </a:fillRef>
+            <a:effectRef idx="0">
+              <a:schemeClr val="accent1"/>
+            </a:effectRef>
+            <a:fontRef idx="minor">
+              <a:schemeClr val="tx1"/>
+            </a:fontRef>
+          </p:style>
+          <p:txBody>
+            <a:bodyPr rtlCol="0" anchor="ctr"/>
+            <a:lstStyle/>
+            <a:p>
+              <a:pPr algn="ctr"/>
+              <a:endParaRPr lang="en-US"/>
+            </a:p>
+          </p:txBody>
+        </p:sp>
+      </p:grpSp>
+      <p:grpSp>
+        <p:nvGrpSpPr>
+          <p:cNvPr id="57" name="Group 56"/>
+          <p:cNvGrpSpPr/>
+          <p:nvPr/>
+        </p:nvGrpSpPr>
+        <p:grpSpPr>
+          <a:xfrm rot="12968342">
+            <a:off x="9071959" y="4598372"/>
+            <a:ext cx="887924" cy="1023458"/>
+            <a:chOff x="2508770" y="3598877"/>
+            <a:chExt cx="887924" cy="1023458"/>
+          </a:xfrm>
+        </p:grpSpPr>
+        <p:sp>
+          <p:nvSpPr>
+            <p:cNvPr id="58" name="Arc 57"/>
+            <p:cNvSpPr/>
+            <p:nvPr/>
+          </p:nvSpPr>
+          <p:spPr>
+            <a:xfrm>
+              <a:off x="2508770" y="3598877"/>
+              <a:ext cx="887924" cy="1023458"/>
+            </a:xfrm>
+            <a:prstGeom prst="arc">
+              <a:avLst/>
+            </a:prstGeom>
+            <a:ln>
+              <a:solidFill>
+                <a:schemeClr val="tx1"/>
+              </a:solidFill>
+            </a:ln>
+          </p:spPr>
+          <p:style>
+            <a:lnRef idx="1">
+              <a:schemeClr val="accent1"/>
+            </a:lnRef>
+            <a:fillRef idx="0">
+              <a:schemeClr val="accent1"/>
+            </a:fillRef>
+            <a:effectRef idx="0">
+              <a:schemeClr val="accent1"/>
+            </a:effectRef>
+            <a:fontRef idx="minor">
+              <a:schemeClr val="tx1"/>
+            </a:fontRef>
+          </p:style>
+          <p:txBody>
+            <a:bodyPr rtlCol="0" anchor="ctr"/>
+            <a:lstStyle/>
+            <a:p>
+              <a:pPr algn="ctr"/>
+              <a:endParaRPr lang="en-US"/>
+            </a:p>
+          </p:txBody>
+        </p:sp>
+        <p:sp>
+          <p:nvSpPr>
+            <p:cNvPr id="59" name="Arc 58"/>
+            <p:cNvSpPr/>
+            <p:nvPr/>
+          </p:nvSpPr>
+          <p:spPr>
+            <a:xfrm>
+              <a:off x="2650921" y="3708692"/>
+              <a:ext cx="643206" cy="730082"/>
+            </a:xfrm>
+            <a:prstGeom prst="arc">
+              <a:avLst/>
+            </a:prstGeom>
+            <a:ln>
+              <a:solidFill>
+                <a:schemeClr val="tx1"/>
+              </a:solidFill>
+            </a:ln>
+          </p:spPr>
+          <p:style>
+            <a:lnRef idx="1">
+              <a:schemeClr val="accent1"/>
+            </a:lnRef>
+            <a:fillRef idx="0">
+              <a:schemeClr val="accent1"/>
+            </a:fillRef>
+            <a:effectRef idx="0">
+              <a:schemeClr val="accent1"/>
+            </a:effectRef>
+            <a:fontRef idx="minor">
+              <a:schemeClr val="tx1"/>
+            </a:fontRef>
+          </p:style>
+          <p:txBody>
+            <a:bodyPr rtlCol="0" anchor="ctr"/>
+            <a:lstStyle/>
+            <a:p>
+              <a:pPr algn="ctr"/>
+              <a:endParaRPr lang="en-US"/>
+            </a:p>
+          </p:txBody>
+        </p:sp>
+        <p:sp>
+          <p:nvSpPr>
+            <p:cNvPr id="60" name="Arc 59"/>
+            <p:cNvSpPr/>
+            <p:nvPr/>
+          </p:nvSpPr>
+          <p:spPr>
+            <a:xfrm>
+              <a:off x="2819347" y="3812648"/>
+              <a:ext cx="377393" cy="427987"/>
+            </a:xfrm>
+            <a:prstGeom prst="arc">
+              <a:avLst/>
+            </a:prstGeom>
+            <a:ln>
+              <a:solidFill>
+                <a:schemeClr val="tx1"/>
+              </a:solidFill>
+            </a:ln>
+          </p:spPr>
+          <p:style>
+            <a:lnRef idx="1">
+              <a:schemeClr val="accent1"/>
+            </a:lnRef>
+            <a:fillRef idx="0">
+              <a:schemeClr val="accent1"/>
+            </a:fillRef>
+            <a:effectRef idx="0">
+              <a:schemeClr val="accent1"/>
+            </a:effectRef>
+            <a:fontRef idx="minor">
+              <a:schemeClr val="tx1"/>
+            </a:fontRef>
+          </p:style>
+          <p:txBody>
+            <a:bodyPr rtlCol="0" anchor="ctr"/>
+            <a:lstStyle/>
+            <a:p>
+              <a:pPr algn="ctr"/>
+              <a:endParaRPr lang="en-US"/>
+            </a:p>
+          </p:txBody>
+        </p:sp>
+      </p:grpSp>
+      <p:sp>
+        <p:nvSpPr>
+          <p:cNvPr id="61" name="Callout: Line 60"/>
+          <p:cNvSpPr/>
+          <p:nvPr/>
+        </p:nvSpPr>
+        <p:spPr>
+          <a:xfrm>
+            <a:off x="10097665" y="3356993"/>
+            <a:ext cx="1222774" cy="763265"/>
+          </a:xfrm>
+          <a:prstGeom prst="borderCallout1">
+            <a:avLst>
+              <a:gd name="adj1" fmla="val 18750"/>
+              <a:gd name="adj2" fmla="val -8333"/>
+              <a:gd name="adj3" fmla="val 101509"/>
+              <a:gd name="adj4" fmla="val -32158"/>
+            </a:avLst>
+          </a:prstGeom>
+          <a:solidFill>
+            <a:schemeClr val="lt1">
+              <a:alpha val="71000"/>
+            </a:schemeClr>
+          </a:solidFill>
+        </p:spPr>
+        <p:style>
+          <a:lnRef idx="2">
+            <a:schemeClr val="accent5"/>
+          </a:lnRef>
+          <a:fillRef idx="1">
+            <a:schemeClr val="lt1"/>
+          </a:fillRef>
+          <a:effectRef idx="0">
+            <a:schemeClr val="accent5"/>
+          </a:effectRef>
+          <a:fontRef idx="minor">
+            <a:schemeClr val="dk1"/>
+          </a:fontRef>
+        </p:style>
+        <p:txBody>
+          <a:bodyPr rtlCol="0" anchor="ctr"/>
+          <a:lstStyle/>
+          <a:p>
+            <a:pPr algn="ctr"/>
+            <a:r>
+              <a:rPr lang="en-US" dirty="0"/>
+              <a:t>Client</a:t>
+            </a:r>
+          </a:p>
+          <a:p>
+            <a:pPr algn="ctr"/>
+            <a:r>
+              <a:rPr lang="en-US" dirty="0"/>
+              <a:t>Endpoint</a:t>
+            </a:r>
+          </a:p>
+        </p:txBody>
+      </p:sp>
     </p:spTree>
     <p:extLst>
       <p:ext uri="{BB962C8B-B14F-4D97-AF65-F5344CB8AC3E}">
-        <p14:creationId xmlns:p14="http://schemas.microsoft.com/office/powerpoint/2010/main" val="2158873328"/>
+        <p14:creationId xmlns:p14="http://schemas.microsoft.com/office/powerpoint/2010/main" val="4012295823"/>
       </p:ext>
     </p:extLst>
   </p:cSld>
   <p:clrMapOvr>
     <a:masterClrMapping/>
   </p:clrMapOvr>
-  <p:timing>
-    <p:tnLst>
-      <p:par>
-        <p:cTn id="1" dur="indefinite" restart="never" nodeType="tmRoot"/>
-      </p:par>
-    </p:tnLst>
-  </p:timing>
 </p:sld>
 </file>
 
@@ -13008,12 +14240,8 @@
           <a:lstStyle/>
           <a:p>
             <a:r>
-              <a:rPr lang="en-US" dirty="0" smtClean="0"/>
-              <a:t>New </a:t>
-            </a:r>
-            <a:r>
               <a:rPr lang="en-US" dirty="0"/>
-              <a:t>deployments</a:t>
+              <a:t>New deployments</a:t>
             </a:r>
           </a:p>
           <a:p>
@@ -13081,13 +14309,6 @@
   <p:clrMapOvr>
     <a:masterClrMapping/>
   </p:clrMapOvr>
-  <p:timing>
-    <p:tnLst>
-      <p:par>
-        <p:cTn id="1" dur="indefinite" restart="never" nodeType="tmRoot"/>
-      </p:par>
-    </p:tnLst>
-  </p:timing>
 </p:sld>
 </file>
 
@@ -13169,13 +14390,6 @@
   <p:clrMapOvr>
     <a:masterClrMapping/>
   </p:clrMapOvr>
-  <p:timing>
-    <p:tnLst>
-      <p:par>
-        <p:cTn id="1" dur="indefinite" restart="never" nodeType="tmRoot"/>
-      </p:par>
-    </p:tnLst>
-  </p:timing>
 </p:sld>
 </file>
 
@@ -13257,13 +14471,6 @@
   <p:clrMapOvr>
     <a:masterClrMapping/>
   </p:clrMapOvr>
-  <p:timing>
-    <p:tnLst>
-      <p:par>
-        <p:cTn id="1" dur="indefinite" restart="never" nodeType="tmRoot"/>
-      </p:par>
-    </p:tnLst>
-  </p:timing>
 </p:sld>
 </file>
 
@@ -13350,13 +14557,6 @@
   <p:clrMapOvr>
     <a:masterClrMapping/>
   </p:clrMapOvr>
-  <p:timing>
-    <p:tnLst>
-      <p:par>
-        <p:cTn id="1" dur="indefinite" restart="never" nodeType="tmRoot"/>
-      </p:par>
-    </p:tnLst>
-  </p:timing>
 </p:sld>
 </file>
 
@@ -13550,13 +14750,6 @@
   <p:clrMapOvr>
     <a:masterClrMapping/>
   </p:clrMapOvr>
-  <p:timing>
-    <p:tnLst>
-      <p:par>
-        <p:cTn id="1" dur="indefinite" restart="never" nodeType="tmRoot"/>
-      </p:par>
-    </p:tnLst>
-  </p:timing>
 </p:sld>
 </file>
 
@@ -13732,13 +14925,6 @@
   <p:clrMapOvr>
     <a:masterClrMapping/>
   </p:clrMapOvr>
-  <p:timing>
-    <p:tnLst>
-      <p:par>
-        <p:cTn id="1" dur="indefinite" restart="never" nodeType="tmRoot"/>
-      </p:par>
-    </p:tnLst>
-  </p:timing>
 </p:sld>
 </file>
 
@@ -13869,13 +15055,6 @@
   <p:clrMapOvr>
     <a:masterClrMapping/>
   </p:clrMapOvr>
-  <p:timing>
-    <p:tnLst>
-      <p:par>
-        <p:cTn id="1" dur="indefinite" restart="never" nodeType="tmRoot"/>
-      </p:par>
-    </p:tnLst>
-  </p:timing>
 </p:sld>
 </file>
 
@@ -13951,13 +15130,6 @@
   <p:clrMapOvr>
     <a:masterClrMapping/>
   </p:clrMapOvr>
-  <p:timing>
-    <p:tnLst>
-      <p:par>
-        <p:cTn id="1" dur="indefinite" restart="never" nodeType="tmRoot"/>
-      </p:par>
-    </p:tnLst>
-  </p:timing>
 </p:sld>
 </file>
 
@@ -14116,13 +15288,6 @@
   <p:clrMapOvr>
     <a:masterClrMapping/>
   </p:clrMapOvr>
-  <p:timing>
-    <p:tnLst>
-      <p:par>
-        <p:cTn id="1" dur="indefinite" restart="never" nodeType="tmRoot"/>
-      </p:par>
-    </p:tnLst>
-  </p:timing>
 </p:sld>
 </file>
 
@@ -14211,13 +15376,6 @@
   <p:clrMapOvr>
     <a:masterClrMapping/>
   </p:clrMapOvr>
-  <p:timing>
-    <p:tnLst>
-      <p:par>
-        <p:cTn id="1" dur="indefinite" restart="never" nodeType="tmRoot"/>
-      </p:par>
-    </p:tnLst>
-  </p:timing>
 </p:sld>
 </file>
 
@@ -14349,13 +15507,6 @@
   <p:clrMapOvr>
     <a:masterClrMapping/>
   </p:clrMapOvr>
-  <p:timing>
-    <p:tnLst>
-      <p:par>
-        <p:cTn id="1" dur="indefinite" restart="never" nodeType="tmRoot"/>
-      </p:par>
-    </p:tnLst>
-  </p:timing>
 </p:sld>
 </file>
 
@@ -14519,13 +15670,6 @@
   <p:clrMapOvr>
     <a:masterClrMapping/>
   </p:clrMapOvr>
-  <p:timing>
-    <p:tnLst>
-      <p:par>
-        <p:cTn id="1" dur="indefinite" restart="never" nodeType="tmRoot"/>
-      </p:par>
-    </p:tnLst>
-  </p:timing>
 </p:sld>
 </file>
 

--- a/presentation/Mercury-Part1.pptx
+++ b/presentation/Mercury-Part1.pptx
@@ -10,18 +10,20 @@
     <p:sldId id="258" r:id="rId4"/>
     <p:sldId id="260" r:id="rId5"/>
     <p:sldId id="259" r:id="rId6"/>
-    <p:sldId id="261" r:id="rId7"/>
-    <p:sldId id="262" r:id="rId8"/>
-    <p:sldId id="263" r:id="rId9"/>
-    <p:sldId id="264" r:id="rId10"/>
-    <p:sldId id="265" r:id="rId11"/>
-    <p:sldId id="266" r:id="rId12"/>
-    <p:sldId id="267" r:id="rId13"/>
-    <p:sldId id="278" r:id="rId14"/>
-    <p:sldId id="274" r:id="rId15"/>
-    <p:sldId id="275" r:id="rId16"/>
-    <p:sldId id="276" r:id="rId17"/>
-    <p:sldId id="277" r:id="rId18"/>
+    <p:sldId id="262" r:id="rId7"/>
+    <p:sldId id="263" r:id="rId8"/>
+    <p:sldId id="264" r:id="rId9"/>
+    <p:sldId id="265" r:id="rId10"/>
+    <p:sldId id="266" r:id="rId11"/>
+    <p:sldId id="267" r:id="rId12"/>
+    <p:sldId id="278" r:id="rId13"/>
+    <p:sldId id="279" r:id="rId14"/>
+    <p:sldId id="280" r:id="rId15"/>
+    <p:sldId id="281" r:id="rId16"/>
+    <p:sldId id="282" r:id="rId17"/>
+    <p:sldId id="283" r:id="rId18"/>
+    <p:sldId id="274" r:id="rId19"/>
+    <p:sldId id="261" r:id="rId20"/>
   </p:sldIdLst>
   <p:sldSz cx="12192000" cy="6858000"/>
   <p:notesSz cx="6858000" cy="9144000"/>
@@ -12487,10 +12489,15 @@
           <a:bodyPr/>
           <a:lstStyle/>
           <a:p>
+            <a:pPr marL="571500" indent="-571500">
+              <a:buFont typeface="Wingdings" panose="05000000000000000000" pitchFamily="2" charset="2"/>
+              <a:buChar char="Ø"/>
+            </a:pPr>
             <a:r>
-              <a:rPr lang="en-US" dirty="0"/>
-              <a:t>Enter: mercury</a:t>
+              <a:rPr lang="en-US" dirty="0" err="1"/>
+              <a:t>SysteM</a:t>
             </a:r>
+            <a:endParaRPr lang="en-US" dirty="0"/>
           </a:p>
         </p:txBody>
       </p:sp>
@@ -12511,73 +12518,21 @@
           <a:p>
             <a:r>
               <a:rPr lang="en-US" dirty="0"/>
-              <a:t>A Geo-Aware, Mobility-Centric </a:t>
+              <a:t>An end-to-end message delivery platform</a:t>
             </a:r>
-            <a:r>
-              <a:rPr lang="en-US" dirty="0">
-                <a:highlight>
-                  <a:srgbClr val="0000FF"/>
-                </a:highlight>
-              </a:rPr>
-              <a:t>Messaging</a:t>
-            </a:r>
+          </a:p>
+          <a:p>
             <a:r>
               <a:rPr lang="en-US" dirty="0"/>
-              <a:t> System</a:t>
-            </a:r>
-          </a:p>
-          <a:p>
-            <a:pPr lvl="1"/>
-            <a:r>
-              <a:rPr lang="en-US" dirty="0"/>
-              <a:t>Short, self-contained communication between actors (think: Tweets)</a:t>
-            </a:r>
-          </a:p>
-          <a:p>
-            <a:pPr lvl="1"/>
-            <a:r>
-              <a:rPr lang="en-US" dirty="0"/>
-              <a:t>One message, potentially many clients (</a:t>
-            </a:r>
-            <a:r>
-              <a:rPr lang="en-US" dirty="0" err="1"/>
-              <a:t>pubsub</a:t>
-            </a:r>
-            <a:r>
-              <a:rPr lang="en-US" dirty="0"/>
-              <a:t>)</a:t>
+              <a:t>Can incorporate related work</a:t>
             </a:r>
           </a:p>
         </p:txBody>
       </p:sp>
-      <p:pic>
-        <p:nvPicPr>
-          <p:cNvPr id="4" name="Picture 3"/>
-          <p:cNvPicPr>
-            <a:picLocks noChangeAspect="1"/>
-          </p:cNvPicPr>
-          <p:nvPr/>
-        </p:nvPicPr>
-        <p:blipFill>
-          <a:blip r:embed="rId2"/>
-          <a:stretch>
-            <a:fillRect/>
-          </a:stretch>
-        </p:blipFill>
-        <p:spPr>
-          <a:xfrm>
-            <a:off x="8194554" y="3152253"/>
-            <a:ext cx="2852857" cy="2940637"/>
-          </a:xfrm>
-          <a:prstGeom prst="rect">
-            <a:avLst/>
-          </a:prstGeom>
-        </p:spPr>
-      </p:pic>
     </p:spTree>
     <p:extLst>
       <p:ext uri="{BB962C8B-B14F-4D97-AF65-F5344CB8AC3E}">
-        <p14:creationId xmlns:p14="http://schemas.microsoft.com/office/powerpoint/2010/main" val="3109785983"/>
+        <p14:creationId xmlns:p14="http://schemas.microsoft.com/office/powerpoint/2010/main" val="129823099"/>
       </p:ext>
     </p:extLst>
   </p:cSld>
@@ -12588,7 +12543,7 @@
 </file>
 
 <file path=ppt/slides/slide11.xml><?xml version="1.0" encoding="utf-8"?>
-<p:sld xmlns:a="http://schemas.openxmlformats.org/drawingml/2006/main" xmlns:r="http://schemas.openxmlformats.org/officeDocument/2006/relationships" xmlns:p="http://schemas.openxmlformats.org/presentationml/2006/main">
+<p:sld xmlns:a="http://schemas.openxmlformats.org/drawingml/2006/main" xmlns:r="http://schemas.openxmlformats.org/officeDocument/2006/relationships" xmlns:p="http://schemas.openxmlformats.org/presentationml/2006/main" show="0">
   <p:cSld>
     <p:spTree>
       <p:nvGrpSpPr>
@@ -12621,102 +12576,6 @@
           <a:p>
             <a:r>
               <a:rPr lang="en-US" dirty="0"/>
-              <a:t>Enter: mercury</a:t>
-            </a:r>
-          </a:p>
-        </p:txBody>
-      </p:sp>
-      <p:sp>
-        <p:nvSpPr>
-          <p:cNvPr id="3" name="Content Placeholder 2"/>
-          <p:cNvSpPr>
-            <a:spLocks noGrp="1"/>
-          </p:cNvSpPr>
-          <p:nvPr>
-            <p:ph idx="1"/>
-          </p:nvPr>
-        </p:nvSpPr>
-        <p:spPr/>
-        <p:txBody>
-          <a:bodyPr/>
-          <a:lstStyle/>
-          <a:p>
-            <a:r>
-              <a:rPr lang="en-US" dirty="0"/>
-              <a:t>A Geo-Aware, Mobility-Centric Messaging </a:t>
-            </a:r>
-            <a:r>
-              <a:rPr lang="en-US" dirty="0">
-                <a:highlight>
-                  <a:srgbClr val="0000FF"/>
-                </a:highlight>
-              </a:rPr>
-              <a:t>System</a:t>
-            </a:r>
-          </a:p>
-          <a:p>
-            <a:pPr lvl="1"/>
-            <a:r>
-              <a:rPr lang="en-US" dirty="0"/>
-              <a:t>An end-to-end message delivery ecosystem</a:t>
-            </a:r>
-          </a:p>
-          <a:p>
-            <a:pPr lvl="1"/>
-            <a:r>
-              <a:rPr lang="en-US" dirty="0"/>
-              <a:t>Can incorporate related work</a:t>
-            </a:r>
-          </a:p>
-        </p:txBody>
-      </p:sp>
-    </p:spTree>
-    <p:extLst>
-      <p:ext uri="{BB962C8B-B14F-4D97-AF65-F5344CB8AC3E}">
-        <p14:creationId xmlns:p14="http://schemas.microsoft.com/office/powerpoint/2010/main" val="129823099"/>
-      </p:ext>
-    </p:extLst>
-  </p:cSld>
-  <p:clrMapOvr>
-    <a:masterClrMapping/>
-  </p:clrMapOvr>
-</p:sld>
-</file>
-
-<file path=ppt/slides/slide12.xml><?xml version="1.0" encoding="utf-8"?>
-<p:sld xmlns:a="http://schemas.openxmlformats.org/drawingml/2006/main" xmlns:r="http://schemas.openxmlformats.org/officeDocument/2006/relationships" xmlns:p="http://schemas.openxmlformats.org/presentationml/2006/main">
-  <p:cSld>
-    <p:spTree>
-      <p:nvGrpSpPr>
-        <p:cNvPr id="1" name=""/>
-        <p:cNvGrpSpPr/>
-        <p:nvPr/>
-      </p:nvGrpSpPr>
-      <p:grpSpPr>
-        <a:xfrm>
-          <a:off x="0" y="0"/>
-          <a:ext cx="0" cy="0"/>
-          <a:chOff x="0" y="0"/>
-          <a:chExt cx="0" cy="0"/>
-        </a:xfrm>
-      </p:grpSpPr>
-      <p:sp>
-        <p:nvSpPr>
-          <p:cNvPr id="2" name="Title 1"/>
-          <p:cNvSpPr>
-            <a:spLocks noGrp="1"/>
-          </p:cNvSpPr>
-          <p:nvPr>
-            <p:ph type="title"/>
-          </p:nvPr>
-        </p:nvSpPr>
-        <p:spPr/>
-        <p:txBody>
-          <a:bodyPr/>
-          <a:lstStyle/>
-          <a:p>
-            <a:r>
-              <a:rPr lang="en-US" dirty="0"/>
               <a:t>Mercury: design goals</a:t>
             </a:r>
           </a:p>
@@ -12831,7 +12690,7 @@
 </p:sld>
 </file>
 
-<file path=ppt/slides/slide13.xml><?xml version="1.0" encoding="utf-8"?>
+<file path=ppt/slides/slide12.xml><?xml version="1.0" encoding="utf-8"?>
 <p:sld xmlns:a="http://schemas.openxmlformats.org/drawingml/2006/main" xmlns:r="http://schemas.openxmlformats.org/officeDocument/2006/relationships" xmlns:p="http://schemas.openxmlformats.org/presentationml/2006/main">
   <p:cSld>
     <p:spTree>
@@ -14178,6 +14037,1521 @@
 </p:sld>
 </file>
 
+<file path=ppt/slides/slide13.xml><?xml version="1.0" encoding="utf-8"?>
+<p:sld xmlns:a="http://schemas.openxmlformats.org/drawingml/2006/main" xmlns:r="http://schemas.openxmlformats.org/officeDocument/2006/relationships" xmlns:p="http://schemas.openxmlformats.org/presentationml/2006/main">
+  <p:cSld>
+    <p:spTree>
+      <p:nvGrpSpPr>
+        <p:cNvPr id="1" name=""/>
+        <p:cNvGrpSpPr/>
+        <p:nvPr/>
+      </p:nvGrpSpPr>
+      <p:grpSpPr>
+        <a:xfrm>
+          <a:off x="0" y="0"/>
+          <a:ext cx="0" cy="0"/>
+          <a:chOff x="0" y="0"/>
+          <a:chExt cx="0" cy="0"/>
+        </a:xfrm>
+      </p:grpSpPr>
+      <p:sp>
+        <p:nvSpPr>
+          <p:cNvPr id="2" name="Title 1"/>
+          <p:cNvSpPr>
+            <a:spLocks noGrp="1"/>
+          </p:cNvSpPr>
+          <p:nvPr>
+            <p:ph type="title"/>
+          </p:nvPr>
+        </p:nvSpPr>
+        <p:spPr/>
+        <p:txBody>
+          <a:bodyPr/>
+          <a:lstStyle/>
+          <a:p>
+            <a:r>
+              <a:rPr lang="en-US" dirty="0"/>
+              <a:t>Component: </a:t>
+            </a:r>
+            <a:r>
+              <a:rPr lang="en-US" dirty="0" err="1"/>
+              <a:t>pubsub</a:t>
+            </a:r>
+            <a:endParaRPr lang="en-US" dirty="0"/>
+          </a:p>
+        </p:txBody>
+      </p:sp>
+      <p:grpSp>
+        <p:nvGrpSpPr>
+          <p:cNvPr id="3" name="Group 2"/>
+          <p:cNvGrpSpPr/>
+          <p:nvPr/>
+        </p:nvGrpSpPr>
+        <p:grpSpPr>
+          <a:xfrm>
+            <a:off x="5464194" y="2378119"/>
+            <a:ext cx="6359584" cy="2946471"/>
+            <a:chOff x="2316490" y="1824446"/>
+            <a:chExt cx="9003949" cy="4171636"/>
+          </a:xfrm>
+        </p:grpSpPr>
+        <p:sp>
+          <p:nvSpPr>
+            <p:cNvPr id="4" name="Rectangle: Diagonal Corners Rounded 3"/>
+            <p:cNvSpPr/>
+            <p:nvPr/>
+          </p:nvSpPr>
+          <p:spPr>
+            <a:xfrm>
+              <a:off x="2952732" y="1824446"/>
+              <a:ext cx="1535185" cy="914400"/>
+            </a:xfrm>
+            <a:prstGeom prst="round2DiagRect">
+              <a:avLst/>
+            </a:prstGeom>
+          </p:spPr>
+          <p:style>
+            <a:lnRef idx="2">
+              <a:schemeClr val="accent1">
+                <a:shade val="50000"/>
+              </a:schemeClr>
+            </a:lnRef>
+            <a:fillRef idx="1">
+              <a:schemeClr val="accent1"/>
+            </a:fillRef>
+            <a:effectRef idx="0">
+              <a:schemeClr val="accent1"/>
+            </a:effectRef>
+            <a:fontRef idx="minor">
+              <a:schemeClr val="lt1"/>
+            </a:fontRef>
+          </p:style>
+          <p:txBody>
+            <a:bodyPr rtlCol="0" anchor="ctr"/>
+            <a:lstStyle/>
+            <a:p>
+              <a:pPr algn="ctr"/>
+              <a:r>
+                <a:rPr lang="en-US" dirty="0"/>
+                <a:t>Broker</a:t>
+              </a:r>
+              <a:endParaRPr lang="en-US" sz="2000" dirty="0"/>
+            </a:p>
+          </p:txBody>
+        </p:sp>
+        <p:sp>
+          <p:nvSpPr>
+            <p:cNvPr id="5" name="Cylinder 4"/>
+            <p:cNvSpPr/>
+            <p:nvPr/>
+          </p:nvSpPr>
+          <p:spPr>
+            <a:xfrm rot="5400000">
+              <a:off x="5909851" y="1260287"/>
+              <a:ext cx="369115" cy="2042718"/>
+            </a:xfrm>
+            <a:prstGeom prst="can">
+              <a:avLst/>
+            </a:prstGeom>
+          </p:spPr>
+          <p:style>
+            <a:lnRef idx="2">
+              <a:schemeClr val="accent2">
+                <a:shade val="50000"/>
+              </a:schemeClr>
+            </a:lnRef>
+            <a:fillRef idx="1">
+              <a:schemeClr val="accent2"/>
+            </a:fillRef>
+            <a:effectRef idx="0">
+              <a:schemeClr val="accent2"/>
+            </a:effectRef>
+            <a:fontRef idx="minor">
+              <a:schemeClr val="lt1"/>
+            </a:fontRef>
+          </p:style>
+          <p:txBody>
+            <a:bodyPr vert="vert270" rtlCol="0" anchor="ctr"/>
+            <a:lstStyle/>
+            <a:p>
+              <a:pPr algn="ctr"/>
+              <a:r>
+                <a:rPr lang="en-US" sz="1400" dirty="0" err="1"/>
+                <a:t>PubSub</a:t>
+              </a:r>
+              <a:endParaRPr lang="en-US" sz="2000" dirty="0"/>
+            </a:p>
+          </p:txBody>
+        </p:sp>
+        <p:sp>
+          <p:nvSpPr>
+            <p:cNvPr id="6" name="Rectangle: Rounded Corners 5"/>
+            <p:cNvSpPr/>
+            <p:nvPr/>
+          </p:nvSpPr>
+          <p:spPr>
+            <a:xfrm>
+              <a:off x="5326815" y="3013596"/>
+              <a:ext cx="1535185" cy="931178"/>
+            </a:xfrm>
+            <a:prstGeom prst="roundRect">
+              <a:avLst/>
+            </a:prstGeom>
+          </p:spPr>
+          <p:style>
+            <a:lnRef idx="2">
+              <a:schemeClr val="accent3">
+                <a:shade val="50000"/>
+              </a:schemeClr>
+            </a:lnRef>
+            <a:fillRef idx="1">
+              <a:schemeClr val="accent3"/>
+            </a:fillRef>
+            <a:effectRef idx="0">
+              <a:schemeClr val="accent3"/>
+            </a:effectRef>
+            <a:fontRef idx="minor">
+              <a:schemeClr val="lt1"/>
+            </a:fontRef>
+          </p:style>
+          <p:txBody>
+            <a:bodyPr rtlCol="0" anchor="ctr"/>
+            <a:lstStyle/>
+            <a:p>
+              <a:pPr algn="ctr"/>
+              <a:r>
+                <a:rPr lang="en-US" sz="1600" dirty="0"/>
+                <a:t>Adapter</a:t>
+              </a:r>
+            </a:p>
+          </p:txBody>
+        </p:sp>
+        <p:cxnSp>
+          <p:nvCxnSpPr>
+            <p:cNvPr id="10" name="Connector: Elbow 9"/>
+            <p:cNvCxnSpPr>
+              <a:stCxn id="5" idx="3"/>
+              <a:endCxn id="4" idx="0"/>
+            </p:cNvCxnSpPr>
+            <p:nvPr/>
+          </p:nvCxnSpPr>
+          <p:spPr>
+            <a:xfrm rot="10800000">
+              <a:off x="4487918" y="2281647"/>
+              <a:ext cx="585133" cy="1"/>
+            </a:xfrm>
+            <a:prstGeom prst="bentConnector3">
+              <a:avLst/>
+            </a:prstGeom>
+            <a:ln>
+              <a:solidFill>
+                <a:schemeClr val="tx1"/>
+              </a:solidFill>
+              <a:headEnd type="triangle"/>
+              <a:tailEnd type="triangle"/>
+            </a:ln>
+          </p:spPr>
+          <p:style>
+            <a:lnRef idx="1">
+              <a:schemeClr val="accent1"/>
+            </a:lnRef>
+            <a:fillRef idx="0">
+              <a:schemeClr val="accent1"/>
+            </a:fillRef>
+            <a:effectRef idx="0">
+              <a:schemeClr val="accent1"/>
+            </a:effectRef>
+            <a:fontRef idx="minor">
+              <a:schemeClr val="tx1"/>
+            </a:fontRef>
+          </p:style>
+        </p:cxnSp>
+        <p:cxnSp>
+          <p:nvCxnSpPr>
+            <p:cNvPr id="20" name="Straight Arrow Connector 19"/>
+            <p:cNvCxnSpPr>
+              <a:stCxn id="5" idx="4"/>
+              <a:endCxn id="6" idx="0"/>
+            </p:cNvCxnSpPr>
+            <p:nvPr/>
+          </p:nvCxnSpPr>
+          <p:spPr>
+            <a:xfrm flipH="1">
+              <a:off x="6094408" y="2466204"/>
+              <a:ext cx="1" cy="547392"/>
+            </a:xfrm>
+            <a:prstGeom prst="straightConnector1">
+              <a:avLst/>
+            </a:prstGeom>
+            <a:ln>
+              <a:solidFill>
+                <a:schemeClr val="tx1"/>
+              </a:solidFill>
+              <a:headEnd type="triangle"/>
+              <a:tailEnd type="triangle"/>
+            </a:ln>
+          </p:spPr>
+          <p:style>
+            <a:lnRef idx="1">
+              <a:schemeClr val="accent1"/>
+            </a:lnRef>
+            <a:fillRef idx="0">
+              <a:schemeClr val="accent1"/>
+            </a:fillRef>
+            <a:effectRef idx="0">
+              <a:schemeClr val="accent1"/>
+            </a:effectRef>
+            <a:fontRef idx="minor">
+              <a:schemeClr val="tx1"/>
+            </a:fontRef>
+          </p:style>
+        </p:cxnSp>
+        <p:sp>
+          <p:nvSpPr>
+            <p:cNvPr id="21" name="Rectangle 20"/>
+            <p:cNvSpPr/>
+            <p:nvPr/>
+          </p:nvSpPr>
+          <p:spPr>
+            <a:xfrm>
+              <a:off x="7700899" y="1824446"/>
+              <a:ext cx="1535185" cy="914400"/>
+            </a:xfrm>
+            <a:prstGeom prst="rect">
+              <a:avLst/>
+            </a:prstGeom>
+            <a:solidFill>
+              <a:schemeClr val="tx2">
+                <a:lumMod val="60000"/>
+                <a:lumOff val="40000"/>
+              </a:schemeClr>
+            </a:solidFill>
+          </p:spPr>
+          <p:style>
+            <a:lnRef idx="2">
+              <a:schemeClr val="accent1">
+                <a:shade val="50000"/>
+              </a:schemeClr>
+            </a:lnRef>
+            <a:fillRef idx="1">
+              <a:schemeClr val="accent1"/>
+            </a:fillRef>
+            <a:effectRef idx="0">
+              <a:schemeClr val="accent1"/>
+            </a:effectRef>
+            <a:fontRef idx="minor">
+              <a:schemeClr val="lt1"/>
+            </a:fontRef>
+          </p:style>
+          <p:txBody>
+            <a:bodyPr rtlCol="0" anchor="ctr"/>
+            <a:lstStyle/>
+            <a:p>
+              <a:pPr algn="ctr"/>
+              <a:r>
+                <a:rPr lang="en-US" sz="1600" dirty="0"/>
+                <a:t>Service Endpoint</a:t>
+              </a:r>
+            </a:p>
+          </p:txBody>
+        </p:sp>
+        <p:cxnSp>
+          <p:nvCxnSpPr>
+            <p:cNvPr id="23" name="Straight Arrow Connector 22"/>
+            <p:cNvCxnSpPr>
+              <a:stCxn id="5" idx="1"/>
+              <a:endCxn id="21" idx="1"/>
+            </p:cNvCxnSpPr>
+            <p:nvPr/>
+          </p:nvCxnSpPr>
+          <p:spPr>
+            <a:xfrm flipV="1">
+              <a:off x="7115768" y="2281646"/>
+              <a:ext cx="585131" cy="1"/>
+            </a:xfrm>
+            <a:prstGeom prst="straightConnector1">
+              <a:avLst/>
+            </a:prstGeom>
+            <a:ln>
+              <a:solidFill>
+                <a:schemeClr val="tx1"/>
+              </a:solidFill>
+              <a:headEnd type="triangle"/>
+              <a:tailEnd type="triangle"/>
+            </a:ln>
+          </p:spPr>
+          <p:style>
+            <a:lnRef idx="1">
+              <a:schemeClr val="accent1"/>
+            </a:lnRef>
+            <a:fillRef idx="0">
+              <a:schemeClr val="accent1"/>
+            </a:fillRef>
+            <a:effectRef idx="0">
+              <a:schemeClr val="accent1"/>
+            </a:effectRef>
+            <a:fontRef idx="minor">
+              <a:schemeClr val="tx1"/>
+            </a:fontRef>
+          </p:style>
+        </p:cxnSp>
+        <p:sp>
+          <p:nvSpPr>
+            <p:cNvPr id="24" name="Cloud 23"/>
+            <p:cNvSpPr/>
+            <p:nvPr/>
+          </p:nvSpPr>
+          <p:spPr>
+            <a:xfrm>
+              <a:off x="5053648" y="4370664"/>
+              <a:ext cx="2081518" cy="1191237"/>
+            </a:xfrm>
+            <a:prstGeom prst="cloud">
+              <a:avLst/>
+            </a:prstGeom>
+          </p:spPr>
+          <p:style>
+            <a:lnRef idx="2">
+              <a:schemeClr val="dk1"/>
+            </a:lnRef>
+            <a:fillRef idx="1">
+              <a:schemeClr val="lt1"/>
+            </a:fillRef>
+            <a:effectRef idx="0">
+              <a:schemeClr val="dk1"/>
+            </a:effectRef>
+            <a:fontRef idx="minor">
+              <a:schemeClr val="dk1"/>
+            </a:fontRef>
+          </p:style>
+          <p:txBody>
+            <a:bodyPr rtlCol="0" anchor="ctr"/>
+            <a:lstStyle/>
+            <a:p>
+              <a:pPr algn="ctr"/>
+              <a:r>
+                <a:rPr lang="en-US" sz="1400" dirty="0"/>
+                <a:t>Mobile Core</a:t>
+              </a:r>
+            </a:p>
+          </p:txBody>
+        </p:sp>
+        <p:cxnSp>
+          <p:nvCxnSpPr>
+            <p:cNvPr id="26" name="Straight Arrow Connector 25"/>
+            <p:cNvCxnSpPr>
+              <a:stCxn id="6" idx="2"/>
+              <a:endCxn id="24" idx="3"/>
+            </p:cNvCxnSpPr>
+            <p:nvPr/>
+          </p:nvCxnSpPr>
+          <p:spPr>
+            <a:xfrm flipH="1">
+              <a:off x="6094407" y="3944774"/>
+              <a:ext cx="1" cy="494000"/>
+            </a:xfrm>
+            <a:prstGeom prst="straightConnector1">
+              <a:avLst/>
+            </a:prstGeom>
+            <a:ln>
+              <a:solidFill>
+                <a:schemeClr val="tx1"/>
+              </a:solidFill>
+              <a:headEnd type="triangle"/>
+              <a:tailEnd type="triangle"/>
+            </a:ln>
+          </p:spPr>
+          <p:style>
+            <a:lnRef idx="1">
+              <a:schemeClr val="accent1"/>
+            </a:lnRef>
+            <a:fillRef idx="0">
+              <a:schemeClr val="accent1"/>
+            </a:fillRef>
+            <a:effectRef idx="0">
+              <a:schemeClr val="accent1"/>
+            </a:effectRef>
+            <a:fontRef idx="minor">
+              <a:schemeClr val="tx1"/>
+            </a:fontRef>
+          </p:style>
+        </p:cxnSp>
+        <p:pic>
+          <p:nvPicPr>
+            <p:cNvPr id="31" name="Picture 30" descr="Cell-Tower.png"/>
+            <p:cNvPicPr>
+              <a:picLocks noChangeAspect="1"/>
+            </p:cNvPicPr>
+            <p:nvPr/>
+          </p:nvPicPr>
+          <p:blipFill>
+            <a:blip r:embed="rId2"/>
+            <a:stretch>
+              <a:fillRect/>
+            </a:stretch>
+          </p:blipFill>
+          <p:spPr>
+            <a:xfrm>
+              <a:off x="7700899" y="4191774"/>
+              <a:ext cx="914402" cy="1368555"/>
+            </a:xfrm>
+            <a:prstGeom prst="rect">
+              <a:avLst/>
+            </a:prstGeom>
+          </p:spPr>
+        </p:pic>
+        <p:pic>
+          <p:nvPicPr>
+            <p:cNvPr id="33" name="Picture 32" descr="Cell-Tower.png"/>
+            <p:cNvPicPr>
+              <a:picLocks noChangeAspect="1"/>
+            </p:cNvPicPr>
+            <p:nvPr/>
+          </p:nvPicPr>
+          <p:blipFill>
+            <a:blip r:embed="rId2"/>
+            <a:stretch>
+              <a:fillRect/>
+            </a:stretch>
+          </p:blipFill>
+          <p:spPr>
+            <a:xfrm>
+              <a:off x="3573513" y="4191774"/>
+              <a:ext cx="914402" cy="1368555"/>
+            </a:xfrm>
+            <a:prstGeom prst="rect">
+              <a:avLst/>
+            </a:prstGeom>
+          </p:spPr>
+        </p:pic>
+        <p:cxnSp>
+          <p:nvCxnSpPr>
+            <p:cNvPr id="35" name="Straight Arrow Connector 34"/>
+            <p:cNvCxnSpPr>
+              <a:stCxn id="24" idx="0"/>
+            </p:cNvCxnSpPr>
+            <p:nvPr/>
+          </p:nvCxnSpPr>
+          <p:spPr>
+            <a:xfrm>
+              <a:off x="7133431" y="4966283"/>
+              <a:ext cx="634775" cy="511728"/>
+            </a:xfrm>
+            <a:prstGeom prst="straightConnector1">
+              <a:avLst/>
+            </a:prstGeom>
+            <a:ln>
+              <a:solidFill>
+                <a:schemeClr val="tx1"/>
+              </a:solidFill>
+              <a:headEnd type="triangle"/>
+              <a:tailEnd type="triangle"/>
+            </a:ln>
+          </p:spPr>
+          <p:style>
+            <a:lnRef idx="1">
+              <a:schemeClr val="accent1"/>
+            </a:lnRef>
+            <a:fillRef idx="0">
+              <a:schemeClr val="accent1"/>
+            </a:fillRef>
+            <a:effectRef idx="0">
+              <a:schemeClr val="accent1"/>
+            </a:effectRef>
+            <a:fontRef idx="minor">
+              <a:schemeClr val="tx1"/>
+            </a:fontRef>
+          </p:style>
+        </p:cxnSp>
+        <p:cxnSp>
+          <p:nvCxnSpPr>
+            <p:cNvPr id="37" name="Straight Arrow Connector 36"/>
+            <p:cNvCxnSpPr>
+              <a:stCxn id="24" idx="2"/>
+            </p:cNvCxnSpPr>
+            <p:nvPr/>
+          </p:nvCxnSpPr>
+          <p:spPr>
+            <a:xfrm flipH="1">
+              <a:off x="4412609" y="4966283"/>
+              <a:ext cx="647496" cy="511728"/>
+            </a:xfrm>
+            <a:prstGeom prst="straightConnector1">
+              <a:avLst/>
+            </a:prstGeom>
+            <a:ln>
+              <a:solidFill>
+                <a:schemeClr val="tx1"/>
+              </a:solidFill>
+              <a:headEnd type="triangle"/>
+              <a:tailEnd type="triangle"/>
+            </a:ln>
+          </p:spPr>
+          <p:style>
+            <a:lnRef idx="1">
+              <a:schemeClr val="accent1"/>
+            </a:lnRef>
+            <a:fillRef idx="0">
+              <a:schemeClr val="accent1"/>
+            </a:fillRef>
+            <a:effectRef idx="0">
+              <a:schemeClr val="accent1"/>
+            </a:effectRef>
+            <a:fontRef idx="minor">
+              <a:schemeClr val="tx1"/>
+            </a:fontRef>
+          </p:style>
+        </p:cxnSp>
+        <p:sp>
+          <p:nvSpPr>
+            <p:cNvPr id="38" name="TextBox 37"/>
+            <p:cNvSpPr txBox="1"/>
+            <p:nvPr/>
+          </p:nvSpPr>
+          <p:spPr>
+            <a:xfrm>
+              <a:off x="3262313" y="5560329"/>
+              <a:ext cx="1622309" cy="435753"/>
+            </a:xfrm>
+            <a:prstGeom prst="rect">
+              <a:avLst/>
+            </a:prstGeom>
+            <a:noFill/>
+          </p:spPr>
+          <p:txBody>
+            <a:bodyPr wrap="square" rtlCol="0">
+              <a:spAutoFit/>
+            </a:bodyPr>
+            <a:lstStyle/>
+            <a:p>
+              <a:r>
+                <a:rPr lang="en-US" sz="1400" dirty="0"/>
+                <a:t>Access Point</a:t>
+              </a:r>
+            </a:p>
+          </p:txBody>
+        </p:sp>
+        <p:sp>
+          <p:nvSpPr>
+            <p:cNvPr id="39" name="TextBox 38"/>
+            <p:cNvSpPr txBox="1"/>
+            <p:nvPr/>
+          </p:nvSpPr>
+          <p:spPr>
+            <a:xfrm>
+              <a:off x="7421338" y="5544512"/>
+              <a:ext cx="1453961" cy="435753"/>
+            </a:xfrm>
+            <a:prstGeom prst="rect">
+              <a:avLst/>
+            </a:prstGeom>
+            <a:noFill/>
+          </p:spPr>
+          <p:txBody>
+            <a:bodyPr wrap="none" rtlCol="0">
+              <a:spAutoFit/>
+            </a:bodyPr>
+            <a:lstStyle/>
+            <a:p>
+              <a:r>
+                <a:rPr lang="en-US" sz="1400" dirty="0"/>
+                <a:t>Access Point</a:t>
+              </a:r>
+            </a:p>
+          </p:txBody>
+        </p:sp>
+        <p:pic>
+          <p:nvPicPr>
+            <p:cNvPr id="40" name="Picture 39" descr="Simple Cellphone Clipart by anubisza on DeviantArt"/>
+            <p:cNvPicPr>
+              <a:picLocks noChangeAspect="1"/>
+            </p:cNvPicPr>
+            <p:nvPr/>
+          </p:nvPicPr>
+          <p:blipFill>
+            <a:blip r:embed="rId3"/>
+            <a:stretch>
+              <a:fillRect/>
+            </a:stretch>
+          </p:blipFill>
+          <p:spPr>
+            <a:xfrm>
+              <a:off x="9369466" y="4191774"/>
+              <a:ext cx="554200" cy="650191"/>
+            </a:xfrm>
+            <a:prstGeom prst="rect">
+              <a:avLst/>
+            </a:prstGeom>
+          </p:spPr>
+        </p:pic>
+        <p:pic>
+          <p:nvPicPr>
+            <p:cNvPr id="41" name="Picture 40" descr="Simple Cellphone Clipart by anubisza on DeviantArt"/>
+            <p:cNvPicPr>
+              <a:picLocks noChangeAspect="1"/>
+            </p:cNvPicPr>
+            <p:nvPr/>
+          </p:nvPicPr>
+          <p:blipFill>
+            <a:blip r:embed="rId3"/>
+            <a:stretch>
+              <a:fillRect/>
+            </a:stretch>
+          </p:blipFill>
+          <p:spPr>
+            <a:xfrm>
+              <a:off x="9369466" y="4910138"/>
+              <a:ext cx="554200" cy="650191"/>
+            </a:xfrm>
+            <a:prstGeom prst="rect">
+              <a:avLst/>
+            </a:prstGeom>
+          </p:spPr>
+        </p:pic>
+        <p:pic>
+          <p:nvPicPr>
+            <p:cNvPr id="42" name="Picture 41" descr="Simple Cellphone Clipart by anubisza on DeviantArt"/>
+            <p:cNvPicPr>
+              <a:picLocks noChangeAspect="1"/>
+            </p:cNvPicPr>
+            <p:nvPr/>
+          </p:nvPicPr>
+          <p:blipFill>
+            <a:blip r:embed="rId3"/>
+            <a:stretch>
+              <a:fillRect/>
+            </a:stretch>
+          </p:blipFill>
+          <p:spPr>
+            <a:xfrm flipH="1">
+              <a:off x="2398532" y="4191774"/>
+              <a:ext cx="554200" cy="650191"/>
+            </a:xfrm>
+            <a:prstGeom prst="rect">
+              <a:avLst/>
+            </a:prstGeom>
+          </p:spPr>
+        </p:pic>
+        <p:pic>
+          <p:nvPicPr>
+            <p:cNvPr id="43" name="Picture 42" descr="Simple Cellphone Clipart by anubisza on DeviantArt"/>
+            <p:cNvPicPr>
+              <a:picLocks noChangeAspect="1"/>
+            </p:cNvPicPr>
+            <p:nvPr/>
+          </p:nvPicPr>
+          <p:blipFill>
+            <a:blip r:embed="rId3"/>
+            <a:stretch>
+              <a:fillRect/>
+            </a:stretch>
+          </p:blipFill>
+          <p:spPr>
+            <a:xfrm flipH="1">
+              <a:off x="2398532" y="4914333"/>
+              <a:ext cx="554200" cy="650191"/>
+            </a:xfrm>
+            <a:prstGeom prst="rect">
+              <a:avLst/>
+            </a:prstGeom>
+          </p:spPr>
+        </p:pic>
+        <p:grpSp>
+          <p:nvGrpSpPr>
+            <p:cNvPr id="48" name="Group 47"/>
+            <p:cNvGrpSpPr/>
+            <p:nvPr/>
+          </p:nvGrpSpPr>
+          <p:grpSpPr>
+            <a:xfrm rot="2277131">
+              <a:off x="2316490" y="3897446"/>
+              <a:ext cx="887924" cy="1023458"/>
+              <a:chOff x="2508770" y="3598877"/>
+              <a:chExt cx="887924" cy="1023458"/>
+            </a:xfrm>
+          </p:grpSpPr>
+          <p:sp>
+            <p:nvSpPr>
+              <p:cNvPr id="44" name="Arc 43"/>
+              <p:cNvSpPr/>
+              <p:nvPr/>
+            </p:nvSpPr>
+            <p:spPr>
+              <a:xfrm>
+                <a:off x="2508770" y="3598877"/>
+                <a:ext cx="887924" cy="1023458"/>
+              </a:xfrm>
+              <a:prstGeom prst="arc">
+                <a:avLst/>
+              </a:prstGeom>
+              <a:ln>
+                <a:solidFill>
+                  <a:schemeClr val="tx1"/>
+                </a:solidFill>
+              </a:ln>
+            </p:spPr>
+            <p:style>
+              <a:lnRef idx="1">
+                <a:schemeClr val="accent1"/>
+              </a:lnRef>
+              <a:fillRef idx="0">
+                <a:schemeClr val="accent1"/>
+              </a:fillRef>
+              <a:effectRef idx="0">
+                <a:schemeClr val="accent1"/>
+              </a:effectRef>
+              <a:fontRef idx="minor">
+                <a:schemeClr val="tx1"/>
+              </a:fontRef>
+            </p:style>
+            <p:txBody>
+              <a:bodyPr rtlCol="0" anchor="ctr"/>
+              <a:lstStyle/>
+              <a:p>
+                <a:pPr algn="ctr"/>
+                <a:endParaRPr lang="en-US"/>
+              </a:p>
+            </p:txBody>
+          </p:sp>
+          <p:sp>
+            <p:nvSpPr>
+              <p:cNvPr id="46" name="Arc 45"/>
+              <p:cNvSpPr/>
+              <p:nvPr/>
+            </p:nvSpPr>
+            <p:spPr>
+              <a:xfrm>
+                <a:off x="2650921" y="3708692"/>
+                <a:ext cx="643206" cy="730082"/>
+              </a:xfrm>
+              <a:prstGeom prst="arc">
+                <a:avLst/>
+              </a:prstGeom>
+              <a:ln>
+                <a:solidFill>
+                  <a:schemeClr val="tx1"/>
+                </a:solidFill>
+              </a:ln>
+            </p:spPr>
+            <p:style>
+              <a:lnRef idx="1">
+                <a:schemeClr val="accent1"/>
+              </a:lnRef>
+              <a:fillRef idx="0">
+                <a:schemeClr val="accent1"/>
+              </a:fillRef>
+              <a:effectRef idx="0">
+                <a:schemeClr val="accent1"/>
+              </a:effectRef>
+              <a:fontRef idx="minor">
+                <a:schemeClr val="tx1"/>
+              </a:fontRef>
+            </p:style>
+            <p:txBody>
+              <a:bodyPr rtlCol="0" anchor="ctr"/>
+              <a:lstStyle/>
+              <a:p>
+                <a:pPr algn="ctr"/>
+                <a:endParaRPr lang="en-US"/>
+              </a:p>
+            </p:txBody>
+          </p:sp>
+          <p:sp>
+            <p:nvSpPr>
+              <p:cNvPr id="47" name="Arc 46"/>
+              <p:cNvSpPr/>
+              <p:nvPr/>
+            </p:nvSpPr>
+            <p:spPr>
+              <a:xfrm>
+                <a:off x="2819347" y="3812648"/>
+                <a:ext cx="377393" cy="427987"/>
+              </a:xfrm>
+              <a:prstGeom prst="arc">
+                <a:avLst/>
+              </a:prstGeom>
+              <a:ln>
+                <a:solidFill>
+                  <a:schemeClr val="tx1"/>
+                </a:solidFill>
+              </a:ln>
+            </p:spPr>
+            <p:style>
+              <a:lnRef idx="1">
+                <a:schemeClr val="accent1"/>
+              </a:lnRef>
+              <a:fillRef idx="0">
+                <a:schemeClr val="accent1"/>
+              </a:fillRef>
+              <a:effectRef idx="0">
+                <a:schemeClr val="accent1"/>
+              </a:effectRef>
+              <a:fontRef idx="minor">
+                <a:schemeClr val="tx1"/>
+              </a:fontRef>
+            </p:style>
+            <p:txBody>
+              <a:bodyPr rtlCol="0" anchor="ctr"/>
+              <a:lstStyle/>
+              <a:p>
+                <a:pPr algn="ctr"/>
+                <a:endParaRPr lang="en-US"/>
+              </a:p>
+            </p:txBody>
+          </p:sp>
+        </p:grpSp>
+        <p:grpSp>
+          <p:nvGrpSpPr>
+            <p:cNvPr id="49" name="Group 48"/>
+            <p:cNvGrpSpPr/>
+            <p:nvPr/>
+          </p:nvGrpSpPr>
+          <p:grpSpPr>
+            <a:xfrm rot="12782066">
+              <a:off x="9038771" y="3730721"/>
+              <a:ext cx="887924" cy="1023458"/>
+              <a:chOff x="2508770" y="3598877"/>
+              <a:chExt cx="887924" cy="1023458"/>
+            </a:xfrm>
+          </p:grpSpPr>
+          <p:sp>
+            <p:nvSpPr>
+              <p:cNvPr id="50" name="Arc 49"/>
+              <p:cNvSpPr/>
+              <p:nvPr/>
+            </p:nvSpPr>
+            <p:spPr>
+              <a:xfrm>
+                <a:off x="2508770" y="3598877"/>
+                <a:ext cx="887924" cy="1023458"/>
+              </a:xfrm>
+              <a:prstGeom prst="arc">
+                <a:avLst/>
+              </a:prstGeom>
+              <a:ln>
+                <a:solidFill>
+                  <a:schemeClr val="tx1"/>
+                </a:solidFill>
+              </a:ln>
+            </p:spPr>
+            <p:style>
+              <a:lnRef idx="1">
+                <a:schemeClr val="accent1"/>
+              </a:lnRef>
+              <a:fillRef idx="0">
+                <a:schemeClr val="accent1"/>
+              </a:fillRef>
+              <a:effectRef idx="0">
+                <a:schemeClr val="accent1"/>
+              </a:effectRef>
+              <a:fontRef idx="minor">
+                <a:schemeClr val="tx1"/>
+              </a:fontRef>
+            </p:style>
+            <p:txBody>
+              <a:bodyPr rtlCol="0" anchor="ctr"/>
+              <a:lstStyle/>
+              <a:p>
+                <a:pPr algn="ctr"/>
+                <a:endParaRPr lang="en-US"/>
+              </a:p>
+            </p:txBody>
+          </p:sp>
+          <p:sp>
+            <p:nvSpPr>
+              <p:cNvPr id="51" name="Arc 50"/>
+              <p:cNvSpPr/>
+              <p:nvPr/>
+            </p:nvSpPr>
+            <p:spPr>
+              <a:xfrm>
+                <a:off x="2650921" y="3708692"/>
+                <a:ext cx="643206" cy="730082"/>
+              </a:xfrm>
+              <a:prstGeom prst="arc">
+                <a:avLst/>
+              </a:prstGeom>
+              <a:ln>
+                <a:solidFill>
+                  <a:schemeClr val="tx1"/>
+                </a:solidFill>
+              </a:ln>
+            </p:spPr>
+            <p:style>
+              <a:lnRef idx="1">
+                <a:schemeClr val="accent1"/>
+              </a:lnRef>
+              <a:fillRef idx="0">
+                <a:schemeClr val="accent1"/>
+              </a:fillRef>
+              <a:effectRef idx="0">
+                <a:schemeClr val="accent1"/>
+              </a:effectRef>
+              <a:fontRef idx="minor">
+                <a:schemeClr val="tx1"/>
+              </a:fontRef>
+            </p:style>
+            <p:txBody>
+              <a:bodyPr rtlCol="0" anchor="ctr"/>
+              <a:lstStyle/>
+              <a:p>
+                <a:pPr algn="ctr"/>
+                <a:endParaRPr lang="en-US"/>
+              </a:p>
+            </p:txBody>
+          </p:sp>
+          <p:sp>
+            <p:nvSpPr>
+              <p:cNvPr id="52" name="Arc 51"/>
+              <p:cNvSpPr/>
+              <p:nvPr/>
+            </p:nvSpPr>
+            <p:spPr>
+              <a:xfrm>
+                <a:off x="2819347" y="3812648"/>
+                <a:ext cx="377393" cy="427987"/>
+              </a:xfrm>
+              <a:prstGeom prst="arc">
+                <a:avLst/>
+              </a:prstGeom>
+              <a:ln>
+                <a:solidFill>
+                  <a:schemeClr val="tx1"/>
+                </a:solidFill>
+              </a:ln>
+            </p:spPr>
+            <p:style>
+              <a:lnRef idx="1">
+                <a:schemeClr val="accent1"/>
+              </a:lnRef>
+              <a:fillRef idx="0">
+                <a:schemeClr val="accent1"/>
+              </a:fillRef>
+              <a:effectRef idx="0">
+                <a:schemeClr val="accent1"/>
+              </a:effectRef>
+              <a:fontRef idx="minor">
+                <a:schemeClr val="tx1"/>
+              </a:fontRef>
+            </p:style>
+            <p:txBody>
+              <a:bodyPr rtlCol="0" anchor="ctr"/>
+              <a:lstStyle/>
+              <a:p>
+                <a:pPr algn="ctr"/>
+                <a:endParaRPr lang="en-US"/>
+              </a:p>
+            </p:txBody>
+          </p:sp>
+        </p:grpSp>
+        <p:grpSp>
+          <p:nvGrpSpPr>
+            <p:cNvPr id="53" name="Group 52"/>
+            <p:cNvGrpSpPr/>
+            <p:nvPr/>
+          </p:nvGrpSpPr>
+          <p:grpSpPr>
+            <a:xfrm rot="2174497">
+              <a:off x="2379049" y="4896211"/>
+              <a:ext cx="887924" cy="1023458"/>
+              <a:chOff x="2508770" y="3598877"/>
+              <a:chExt cx="887924" cy="1023458"/>
+            </a:xfrm>
+          </p:grpSpPr>
+          <p:sp>
+            <p:nvSpPr>
+              <p:cNvPr id="54" name="Arc 53"/>
+              <p:cNvSpPr/>
+              <p:nvPr/>
+            </p:nvSpPr>
+            <p:spPr>
+              <a:xfrm>
+                <a:off x="2508770" y="3598877"/>
+                <a:ext cx="887924" cy="1023458"/>
+              </a:xfrm>
+              <a:prstGeom prst="arc">
+                <a:avLst/>
+              </a:prstGeom>
+              <a:ln>
+                <a:solidFill>
+                  <a:schemeClr val="tx1"/>
+                </a:solidFill>
+              </a:ln>
+            </p:spPr>
+            <p:style>
+              <a:lnRef idx="1">
+                <a:schemeClr val="accent1"/>
+              </a:lnRef>
+              <a:fillRef idx="0">
+                <a:schemeClr val="accent1"/>
+              </a:fillRef>
+              <a:effectRef idx="0">
+                <a:schemeClr val="accent1"/>
+              </a:effectRef>
+              <a:fontRef idx="minor">
+                <a:schemeClr val="tx1"/>
+              </a:fontRef>
+            </p:style>
+            <p:txBody>
+              <a:bodyPr rtlCol="0" anchor="ctr"/>
+              <a:lstStyle/>
+              <a:p>
+                <a:pPr algn="ctr"/>
+                <a:endParaRPr lang="en-US"/>
+              </a:p>
+            </p:txBody>
+          </p:sp>
+          <p:sp>
+            <p:nvSpPr>
+              <p:cNvPr id="55" name="Arc 54"/>
+              <p:cNvSpPr/>
+              <p:nvPr/>
+            </p:nvSpPr>
+            <p:spPr>
+              <a:xfrm>
+                <a:off x="2650921" y="3708692"/>
+                <a:ext cx="643206" cy="730082"/>
+              </a:xfrm>
+              <a:prstGeom prst="arc">
+                <a:avLst/>
+              </a:prstGeom>
+              <a:ln>
+                <a:solidFill>
+                  <a:schemeClr val="tx1"/>
+                </a:solidFill>
+              </a:ln>
+            </p:spPr>
+            <p:style>
+              <a:lnRef idx="1">
+                <a:schemeClr val="accent1"/>
+              </a:lnRef>
+              <a:fillRef idx="0">
+                <a:schemeClr val="accent1"/>
+              </a:fillRef>
+              <a:effectRef idx="0">
+                <a:schemeClr val="accent1"/>
+              </a:effectRef>
+              <a:fontRef idx="minor">
+                <a:schemeClr val="tx1"/>
+              </a:fontRef>
+            </p:style>
+            <p:txBody>
+              <a:bodyPr rtlCol="0" anchor="ctr"/>
+              <a:lstStyle/>
+              <a:p>
+                <a:pPr algn="ctr"/>
+                <a:endParaRPr lang="en-US" dirty="0"/>
+              </a:p>
+            </p:txBody>
+          </p:sp>
+          <p:sp>
+            <p:nvSpPr>
+              <p:cNvPr id="56" name="Arc 55"/>
+              <p:cNvSpPr/>
+              <p:nvPr/>
+            </p:nvSpPr>
+            <p:spPr>
+              <a:xfrm>
+                <a:off x="2819347" y="3812648"/>
+                <a:ext cx="377393" cy="427987"/>
+              </a:xfrm>
+              <a:prstGeom prst="arc">
+                <a:avLst/>
+              </a:prstGeom>
+              <a:ln>
+                <a:solidFill>
+                  <a:schemeClr val="tx1"/>
+                </a:solidFill>
+              </a:ln>
+            </p:spPr>
+            <p:style>
+              <a:lnRef idx="1">
+                <a:schemeClr val="accent1"/>
+              </a:lnRef>
+              <a:fillRef idx="0">
+                <a:schemeClr val="accent1"/>
+              </a:fillRef>
+              <a:effectRef idx="0">
+                <a:schemeClr val="accent1"/>
+              </a:effectRef>
+              <a:fontRef idx="minor">
+                <a:schemeClr val="tx1"/>
+              </a:fontRef>
+            </p:style>
+            <p:txBody>
+              <a:bodyPr rtlCol="0" anchor="ctr"/>
+              <a:lstStyle/>
+              <a:p>
+                <a:pPr algn="ctr"/>
+                <a:endParaRPr lang="en-US"/>
+              </a:p>
+            </p:txBody>
+          </p:sp>
+        </p:grpSp>
+        <p:grpSp>
+          <p:nvGrpSpPr>
+            <p:cNvPr id="57" name="Group 56"/>
+            <p:cNvGrpSpPr/>
+            <p:nvPr/>
+          </p:nvGrpSpPr>
+          <p:grpSpPr>
+            <a:xfrm rot="12968342">
+              <a:off x="9071959" y="4598372"/>
+              <a:ext cx="887924" cy="1023458"/>
+              <a:chOff x="2508770" y="3598877"/>
+              <a:chExt cx="887924" cy="1023458"/>
+            </a:xfrm>
+          </p:grpSpPr>
+          <p:sp>
+            <p:nvSpPr>
+              <p:cNvPr id="58" name="Arc 57"/>
+              <p:cNvSpPr/>
+              <p:nvPr/>
+            </p:nvSpPr>
+            <p:spPr>
+              <a:xfrm>
+                <a:off x="2508770" y="3598877"/>
+                <a:ext cx="887924" cy="1023458"/>
+              </a:xfrm>
+              <a:prstGeom prst="arc">
+                <a:avLst/>
+              </a:prstGeom>
+              <a:ln>
+                <a:solidFill>
+                  <a:schemeClr val="tx1"/>
+                </a:solidFill>
+              </a:ln>
+            </p:spPr>
+            <p:style>
+              <a:lnRef idx="1">
+                <a:schemeClr val="accent1"/>
+              </a:lnRef>
+              <a:fillRef idx="0">
+                <a:schemeClr val="accent1"/>
+              </a:fillRef>
+              <a:effectRef idx="0">
+                <a:schemeClr val="accent1"/>
+              </a:effectRef>
+              <a:fontRef idx="minor">
+                <a:schemeClr val="tx1"/>
+              </a:fontRef>
+            </p:style>
+            <p:txBody>
+              <a:bodyPr rtlCol="0" anchor="ctr"/>
+              <a:lstStyle/>
+              <a:p>
+                <a:pPr algn="ctr"/>
+                <a:endParaRPr lang="en-US"/>
+              </a:p>
+            </p:txBody>
+          </p:sp>
+          <p:sp>
+            <p:nvSpPr>
+              <p:cNvPr id="59" name="Arc 58"/>
+              <p:cNvSpPr/>
+              <p:nvPr/>
+            </p:nvSpPr>
+            <p:spPr>
+              <a:xfrm>
+                <a:off x="2650921" y="3708692"/>
+                <a:ext cx="643206" cy="730082"/>
+              </a:xfrm>
+              <a:prstGeom prst="arc">
+                <a:avLst/>
+              </a:prstGeom>
+              <a:ln>
+                <a:solidFill>
+                  <a:schemeClr val="tx1"/>
+                </a:solidFill>
+              </a:ln>
+            </p:spPr>
+            <p:style>
+              <a:lnRef idx="1">
+                <a:schemeClr val="accent1"/>
+              </a:lnRef>
+              <a:fillRef idx="0">
+                <a:schemeClr val="accent1"/>
+              </a:fillRef>
+              <a:effectRef idx="0">
+                <a:schemeClr val="accent1"/>
+              </a:effectRef>
+              <a:fontRef idx="minor">
+                <a:schemeClr val="tx1"/>
+              </a:fontRef>
+            </p:style>
+            <p:txBody>
+              <a:bodyPr rtlCol="0" anchor="ctr"/>
+              <a:lstStyle/>
+              <a:p>
+                <a:pPr algn="ctr"/>
+                <a:endParaRPr lang="en-US"/>
+              </a:p>
+            </p:txBody>
+          </p:sp>
+          <p:sp>
+            <p:nvSpPr>
+              <p:cNvPr id="60" name="Arc 59"/>
+              <p:cNvSpPr/>
+              <p:nvPr/>
+            </p:nvSpPr>
+            <p:spPr>
+              <a:xfrm>
+                <a:off x="2819347" y="3812648"/>
+                <a:ext cx="377393" cy="427987"/>
+              </a:xfrm>
+              <a:prstGeom prst="arc">
+                <a:avLst/>
+              </a:prstGeom>
+              <a:ln>
+                <a:solidFill>
+                  <a:schemeClr val="tx1"/>
+                </a:solidFill>
+              </a:ln>
+            </p:spPr>
+            <p:style>
+              <a:lnRef idx="1">
+                <a:schemeClr val="accent1"/>
+              </a:lnRef>
+              <a:fillRef idx="0">
+                <a:schemeClr val="accent1"/>
+              </a:fillRef>
+              <a:effectRef idx="0">
+                <a:schemeClr val="accent1"/>
+              </a:effectRef>
+              <a:fontRef idx="minor">
+                <a:schemeClr val="tx1"/>
+              </a:fontRef>
+            </p:style>
+            <p:txBody>
+              <a:bodyPr rtlCol="0" anchor="ctr"/>
+              <a:lstStyle/>
+              <a:p>
+                <a:pPr algn="ctr"/>
+                <a:endParaRPr lang="en-US"/>
+              </a:p>
+            </p:txBody>
+          </p:sp>
+        </p:grpSp>
+        <p:sp>
+          <p:nvSpPr>
+            <p:cNvPr id="61" name="Callout: Line 60"/>
+            <p:cNvSpPr/>
+            <p:nvPr/>
+          </p:nvSpPr>
+          <p:spPr>
+            <a:xfrm>
+              <a:off x="10097665" y="3356993"/>
+              <a:ext cx="1222774" cy="763264"/>
+            </a:xfrm>
+            <a:prstGeom prst="borderCallout1">
+              <a:avLst>
+                <a:gd name="adj1" fmla="val 18750"/>
+                <a:gd name="adj2" fmla="val -8333"/>
+                <a:gd name="adj3" fmla="val 101509"/>
+                <a:gd name="adj4" fmla="val -32158"/>
+              </a:avLst>
+            </a:prstGeom>
+            <a:solidFill>
+              <a:schemeClr val="lt1">
+                <a:alpha val="71000"/>
+              </a:schemeClr>
+            </a:solidFill>
+          </p:spPr>
+          <p:style>
+            <a:lnRef idx="2">
+              <a:schemeClr val="accent5"/>
+            </a:lnRef>
+            <a:fillRef idx="1">
+              <a:schemeClr val="lt1"/>
+            </a:fillRef>
+            <a:effectRef idx="0">
+              <a:schemeClr val="accent5"/>
+            </a:effectRef>
+            <a:fontRef idx="minor">
+              <a:schemeClr val="dk1"/>
+            </a:fontRef>
+          </p:style>
+          <p:txBody>
+            <a:bodyPr rtlCol="0" anchor="ctr"/>
+            <a:lstStyle/>
+            <a:p>
+              <a:pPr algn="ctr"/>
+              <a:r>
+                <a:rPr lang="en-US" sz="1400" dirty="0"/>
+                <a:t>Client Endpoint</a:t>
+              </a:r>
+            </a:p>
+          </p:txBody>
+        </p:sp>
+      </p:grpSp>
+      <p:sp>
+        <p:nvSpPr>
+          <p:cNvPr id="7" name="Rectangle 6"/>
+          <p:cNvSpPr/>
+          <p:nvPr/>
+        </p:nvSpPr>
+        <p:spPr>
+          <a:xfrm>
+            <a:off x="7197754" y="2357799"/>
+            <a:ext cx="1872048" cy="666170"/>
+          </a:xfrm>
+          <a:prstGeom prst="rect">
+            <a:avLst/>
+          </a:prstGeom>
+          <a:noFill/>
+          <a:ln w="38100">
+            <a:solidFill>
+              <a:srgbClr val="92D050"/>
+            </a:solidFill>
+          </a:ln>
+        </p:spPr>
+        <p:style>
+          <a:lnRef idx="2">
+            <a:schemeClr val="accent1">
+              <a:shade val="50000"/>
+            </a:schemeClr>
+          </a:lnRef>
+          <a:fillRef idx="1">
+            <a:schemeClr val="accent1"/>
+          </a:fillRef>
+          <a:effectRef idx="0">
+            <a:schemeClr val="accent1"/>
+          </a:effectRef>
+          <a:fontRef idx="minor">
+            <a:schemeClr val="lt1"/>
+          </a:fontRef>
+        </p:style>
+        <p:txBody>
+          <a:bodyPr rtlCol="0" anchor="ctr"/>
+          <a:lstStyle/>
+          <a:p>
+            <a:pPr algn="ctr"/>
+            <a:endParaRPr lang="en-US"/>
+          </a:p>
+        </p:txBody>
+      </p:sp>
+      <p:cxnSp>
+        <p:nvCxnSpPr>
+          <p:cNvPr id="9" name="Connector: Elbow 8"/>
+          <p:cNvCxnSpPr>
+            <a:stCxn id="7" idx="0"/>
+          </p:cNvCxnSpPr>
+          <p:nvPr/>
+        </p:nvCxnSpPr>
+        <p:spPr>
+          <a:xfrm rot="16200000" flipV="1">
+            <a:off x="6413335" y="637356"/>
+            <a:ext cx="998782" cy="2442104"/>
+          </a:xfrm>
+          <a:prstGeom prst="bentConnector2">
+            <a:avLst/>
+          </a:prstGeom>
+          <a:ln w="38100">
+            <a:solidFill>
+              <a:srgbClr val="92D050"/>
+            </a:solidFill>
+            <a:tailEnd type="triangle"/>
+          </a:ln>
+        </p:spPr>
+        <p:style>
+          <a:lnRef idx="1">
+            <a:schemeClr val="accent1"/>
+          </a:lnRef>
+          <a:fillRef idx="0">
+            <a:schemeClr val="accent1"/>
+          </a:fillRef>
+          <a:effectRef idx="0">
+            <a:schemeClr val="accent1"/>
+          </a:effectRef>
+          <a:fontRef idx="minor">
+            <a:schemeClr val="tx1"/>
+          </a:fontRef>
+        </p:style>
+      </p:cxnSp>
+      <p:sp>
+        <p:nvSpPr>
+          <p:cNvPr id="11" name="TextBox 10"/>
+          <p:cNvSpPr txBox="1"/>
+          <p:nvPr/>
+        </p:nvSpPr>
+        <p:spPr>
+          <a:xfrm>
+            <a:off x="1141413" y="2008306"/>
+            <a:ext cx="4325713" cy="1938992"/>
+          </a:xfrm>
+          <a:prstGeom prst="rect">
+            <a:avLst/>
+          </a:prstGeom>
+          <a:noFill/>
+        </p:spPr>
+        <p:txBody>
+          <a:bodyPr wrap="square" rtlCol="0">
+            <a:spAutoFit/>
+          </a:bodyPr>
+          <a:lstStyle/>
+          <a:p>
+            <a:pPr marL="285750" indent="-285750">
+              <a:buFont typeface="Arial" panose="020B0604020202020204" pitchFamily="34" charset="0"/>
+              <a:buChar char="•"/>
+            </a:pPr>
+            <a:r>
+              <a:rPr lang="en-US" sz="2400" dirty="0"/>
+              <a:t>Apache Kafka, Unmodified</a:t>
+            </a:r>
+          </a:p>
+          <a:p>
+            <a:pPr marL="285750" indent="-285750">
+              <a:buFont typeface="Arial" panose="020B0604020202020204" pitchFamily="34" charset="0"/>
+              <a:buChar char="•"/>
+            </a:pPr>
+            <a:endParaRPr lang="en-US" sz="2400" dirty="0"/>
+          </a:p>
+          <a:p>
+            <a:pPr marL="285750" indent="-285750">
+              <a:buFont typeface="Arial" panose="020B0604020202020204" pitchFamily="34" charset="0"/>
+              <a:buChar char="•"/>
+            </a:pPr>
+            <a:r>
+              <a:rPr lang="en-US" sz="2400" dirty="0"/>
+              <a:t>Transports messages by </a:t>
+            </a:r>
+            <a:r>
+              <a:rPr lang="en-US" sz="2400" i="1" dirty="0"/>
+              <a:t>topic</a:t>
+            </a:r>
+          </a:p>
+          <a:p>
+            <a:pPr marL="285750" indent="-285750">
+              <a:buFont typeface="Arial" panose="020B0604020202020204" pitchFamily="34" charset="0"/>
+              <a:buChar char="•"/>
+            </a:pPr>
+            <a:endParaRPr lang="en-US" sz="2400" i="1" dirty="0"/>
+          </a:p>
+          <a:p>
+            <a:pPr marL="285750" indent="-285750">
+              <a:buFont typeface="Arial" panose="020B0604020202020204" pitchFamily="34" charset="0"/>
+              <a:buChar char="•"/>
+            </a:pPr>
+            <a:r>
+              <a:rPr lang="en-US" sz="2400" dirty="0"/>
+              <a:t>Queue for “going back in time”</a:t>
+            </a:r>
+          </a:p>
+        </p:txBody>
+      </p:sp>
+    </p:spTree>
+    <p:extLst>
+      <p:ext uri="{BB962C8B-B14F-4D97-AF65-F5344CB8AC3E}">
+        <p14:creationId xmlns:p14="http://schemas.microsoft.com/office/powerpoint/2010/main" val="2015307935"/>
+      </p:ext>
+    </p:extLst>
+  </p:cSld>
+  <p:clrMapOvr>
+    <a:masterClrMapping/>
+  </p:clrMapOvr>
+</p:sld>
+</file>
+
 <file path=ppt/slides/slide14.xml><?xml version="1.0" encoding="utf-8"?>
 <p:sld xmlns:a="http://schemas.openxmlformats.org/drawingml/2006/main" xmlns:r="http://schemas.openxmlformats.org/officeDocument/2006/relationships" xmlns:p="http://schemas.openxmlformats.org/presentationml/2006/main">
   <p:cSld>
@@ -14212,89 +15586,1462 @@
           <a:p>
             <a:r>
               <a:rPr lang="en-US" dirty="0"/>
-              <a:t>Deployment scenarios</a:t>
+              <a:t>Component: broker</a:t>
             </a:r>
           </a:p>
         </p:txBody>
       </p:sp>
+      <p:grpSp>
+        <p:nvGrpSpPr>
+          <p:cNvPr id="3" name="Group 2"/>
+          <p:cNvGrpSpPr/>
+          <p:nvPr/>
+        </p:nvGrpSpPr>
+        <p:grpSpPr>
+          <a:xfrm>
+            <a:off x="5464194" y="2378119"/>
+            <a:ext cx="6359584" cy="2946471"/>
+            <a:chOff x="2316490" y="1824446"/>
+            <a:chExt cx="9003949" cy="4171636"/>
+          </a:xfrm>
+        </p:grpSpPr>
+        <p:sp>
+          <p:nvSpPr>
+            <p:cNvPr id="4" name="Rectangle: Diagonal Corners Rounded 3"/>
+            <p:cNvSpPr/>
+            <p:nvPr/>
+          </p:nvSpPr>
+          <p:spPr>
+            <a:xfrm>
+              <a:off x="2952732" y="1824446"/>
+              <a:ext cx="1535185" cy="914400"/>
+            </a:xfrm>
+            <a:prstGeom prst="round2DiagRect">
+              <a:avLst/>
+            </a:prstGeom>
+          </p:spPr>
+          <p:style>
+            <a:lnRef idx="2">
+              <a:schemeClr val="accent1">
+                <a:shade val="50000"/>
+              </a:schemeClr>
+            </a:lnRef>
+            <a:fillRef idx="1">
+              <a:schemeClr val="accent1"/>
+            </a:fillRef>
+            <a:effectRef idx="0">
+              <a:schemeClr val="accent1"/>
+            </a:effectRef>
+            <a:fontRef idx="minor">
+              <a:schemeClr val="lt1"/>
+            </a:fontRef>
+          </p:style>
+          <p:txBody>
+            <a:bodyPr rtlCol="0" anchor="ctr"/>
+            <a:lstStyle/>
+            <a:p>
+              <a:pPr algn="ctr"/>
+              <a:r>
+                <a:rPr lang="en-US" dirty="0"/>
+                <a:t>Broker</a:t>
+              </a:r>
+              <a:endParaRPr lang="en-US" sz="2000" dirty="0"/>
+            </a:p>
+          </p:txBody>
+        </p:sp>
+        <p:sp>
+          <p:nvSpPr>
+            <p:cNvPr id="5" name="Cylinder 4"/>
+            <p:cNvSpPr/>
+            <p:nvPr/>
+          </p:nvSpPr>
+          <p:spPr>
+            <a:xfrm rot="5400000">
+              <a:off x="5909851" y="1260287"/>
+              <a:ext cx="369115" cy="2042718"/>
+            </a:xfrm>
+            <a:prstGeom prst="can">
+              <a:avLst/>
+            </a:prstGeom>
+          </p:spPr>
+          <p:style>
+            <a:lnRef idx="2">
+              <a:schemeClr val="accent2">
+                <a:shade val="50000"/>
+              </a:schemeClr>
+            </a:lnRef>
+            <a:fillRef idx="1">
+              <a:schemeClr val="accent2"/>
+            </a:fillRef>
+            <a:effectRef idx="0">
+              <a:schemeClr val="accent2"/>
+            </a:effectRef>
+            <a:fontRef idx="minor">
+              <a:schemeClr val="lt1"/>
+            </a:fontRef>
+          </p:style>
+          <p:txBody>
+            <a:bodyPr vert="vert270" rtlCol="0" anchor="ctr"/>
+            <a:lstStyle/>
+            <a:p>
+              <a:pPr algn="ctr"/>
+              <a:r>
+                <a:rPr lang="en-US" sz="1400" dirty="0" err="1"/>
+                <a:t>PubSub</a:t>
+              </a:r>
+              <a:endParaRPr lang="en-US" sz="2000" dirty="0"/>
+            </a:p>
+          </p:txBody>
+        </p:sp>
+        <p:sp>
+          <p:nvSpPr>
+            <p:cNvPr id="6" name="Rectangle: Rounded Corners 5"/>
+            <p:cNvSpPr/>
+            <p:nvPr/>
+          </p:nvSpPr>
+          <p:spPr>
+            <a:xfrm>
+              <a:off x="5326815" y="3013596"/>
+              <a:ext cx="1535185" cy="931178"/>
+            </a:xfrm>
+            <a:prstGeom prst="roundRect">
+              <a:avLst/>
+            </a:prstGeom>
+          </p:spPr>
+          <p:style>
+            <a:lnRef idx="2">
+              <a:schemeClr val="accent3">
+                <a:shade val="50000"/>
+              </a:schemeClr>
+            </a:lnRef>
+            <a:fillRef idx="1">
+              <a:schemeClr val="accent3"/>
+            </a:fillRef>
+            <a:effectRef idx="0">
+              <a:schemeClr val="accent3"/>
+            </a:effectRef>
+            <a:fontRef idx="minor">
+              <a:schemeClr val="lt1"/>
+            </a:fontRef>
+          </p:style>
+          <p:txBody>
+            <a:bodyPr rtlCol="0" anchor="ctr"/>
+            <a:lstStyle/>
+            <a:p>
+              <a:pPr algn="ctr"/>
+              <a:r>
+                <a:rPr lang="en-US" sz="1600" dirty="0"/>
+                <a:t>Adapter</a:t>
+              </a:r>
+            </a:p>
+          </p:txBody>
+        </p:sp>
+        <p:cxnSp>
+          <p:nvCxnSpPr>
+            <p:cNvPr id="10" name="Connector: Elbow 9"/>
+            <p:cNvCxnSpPr>
+              <a:stCxn id="5" idx="3"/>
+              <a:endCxn id="4" idx="0"/>
+            </p:cNvCxnSpPr>
+            <p:nvPr/>
+          </p:nvCxnSpPr>
+          <p:spPr>
+            <a:xfrm rot="10800000">
+              <a:off x="4487918" y="2281647"/>
+              <a:ext cx="585133" cy="1"/>
+            </a:xfrm>
+            <a:prstGeom prst="bentConnector3">
+              <a:avLst/>
+            </a:prstGeom>
+            <a:ln>
+              <a:solidFill>
+                <a:schemeClr val="tx1"/>
+              </a:solidFill>
+              <a:headEnd type="triangle"/>
+              <a:tailEnd type="triangle"/>
+            </a:ln>
+          </p:spPr>
+          <p:style>
+            <a:lnRef idx="1">
+              <a:schemeClr val="accent1"/>
+            </a:lnRef>
+            <a:fillRef idx="0">
+              <a:schemeClr val="accent1"/>
+            </a:fillRef>
+            <a:effectRef idx="0">
+              <a:schemeClr val="accent1"/>
+            </a:effectRef>
+            <a:fontRef idx="minor">
+              <a:schemeClr val="tx1"/>
+            </a:fontRef>
+          </p:style>
+        </p:cxnSp>
+        <p:cxnSp>
+          <p:nvCxnSpPr>
+            <p:cNvPr id="20" name="Straight Arrow Connector 19"/>
+            <p:cNvCxnSpPr>
+              <a:stCxn id="5" idx="4"/>
+              <a:endCxn id="6" idx="0"/>
+            </p:cNvCxnSpPr>
+            <p:nvPr/>
+          </p:nvCxnSpPr>
+          <p:spPr>
+            <a:xfrm flipH="1">
+              <a:off x="6094408" y="2466204"/>
+              <a:ext cx="1" cy="547392"/>
+            </a:xfrm>
+            <a:prstGeom prst="straightConnector1">
+              <a:avLst/>
+            </a:prstGeom>
+            <a:ln>
+              <a:solidFill>
+                <a:schemeClr val="tx1"/>
+              </a:solidFill>
+              <a:headEnd type="triangle"/>
+              <a:tailEnd type="triangle"/>
+            </a:ln>
+          </p:spPr>
+          <p:style>
+            <a:lnRef idx="1">
+              <a:schemeClr val="accent1"/>
+            </a:lnRef>
+            <a:fillRef idx="0">
+              <a:schemeClr val="accent1"/>
+            </a:fillRef>
+            <a:effectRef idx="0">
+              <a:schemeClr val="accent1"/>
+            </a:effectRef>
+            <a:fontRef idx="minor">
+              <a:schemeClr val="tx1"/>
+            </a:fontRef>
+          </p:style>
+        </p:cxnSp>
+        <p:sp>
+          <p:nvSpPr>
+            <p:cNvPr id="21" name="Rectangle 20"/>
+            <p:cNvSpPr/>
+            <p:nvPr/>
+          </p:nvSpPr>
+          <p:spPr>
+            <a:xfrm>
+              <a:off x="7700899" y="1824446"/>
+              <a:ext cx="1535185" cy="914400"/>
+            </a:xfrm>
+            <a:prstGeom prst="rect">
+              <a:avLst/>
+            </a:prstGeom>
+            <a:solidFill>
+              <a:schemeClr val="tx2">
+                <a:lumMod val="60000"/>
+                <a:lumOff val="40000"/>
+              </a:schemeClr>
+            </a:solidFill>
+          </p:spPr>
+          <p:style>
+            <a:lnRef idx="2">
+              <a:schemeClr val="accent1">
+                <a:shade val="50000"/>
+              </a:schemeClr>
+            </a:lnRef>
+            <a:fillRef idx="1">
+              <a:schemeClr val="accent1"/>
+            </a:fillRef>
+            <a:effectRef idx="0">
+              <a:schemeClr val="accent1"/>
+            </a:effectRef>
+            <a:fontRef idx="minor">
+              <a:schemeClr val="lt1"/>
+            </a:fontRef>
+          </p:style>
+          <p:txBody>
+            <a:bodyPr rtlCol="0" anchor="ctr"/>
+            <a:lstStyle/>
+            <a:p>
+              <a:pPr algn="ctr"/>
+              <a:r>
+                <a:rPr lang="en-US" sz="1600" dirty="0"/>
+                <a:t>Service Endpoint</a:t>
+              </a:r>
+            </a:p>
+          </p:txBody>
+        </p:sp>
+        <p:cxnSp>
+          <p:nvCxnSpPr>
+            <p:cNvPr id="23" name="Straight Arrow Connector 22"/>
+            <p:cNvCxnSpPr>
+              <a:stCxn id="5" idx="1"/>
+              <a:endCxn id="21" idx="1"/>
+            </p:cNvCxnSpPr>
+            <p:nvPr/>
+          </p:nvCxnSpPr>
+          <p:spPr>
+            <a:xfrm flipV="1">
+              <a:off x="7115768" y="2281646"/>
+              <a:ext cx="585131" cy="1"/>
+            </a:xfrm>
+            <a:prstGeom prst="straightConnector1">
+              <a:avLst/>
+            </a:prstGeom>
+            <a:ln>
+              <a:solidFill>
+                <a:schemeClr val="tx1"/>
+              </a:solidFill>
+              <a:headEnd type="triangle"/>
+              <a:tailEnd type="triangle"/>
+            </a:ln>
+          </p:spPr>
+          <p:style>
+            <a:lnRef idx="1">
+              <a:schemeClr val="accent1"/>
+            </a:lnRef>
+            <a:fillRef idx="0">
+              <a:schemeClr val="accent1"/>
+            </a:fillRef>
+            <a:effectRef idx="0">
+              <a:schemeClr val="accent1"/>
+            </a:effectRef>
+            <a:fontRef idx="minor">
+              <a:schemeClr val="tx1"/>
+            </a:fontRef>
+          </p:style>
+        </p:cxnSp>
+        <p:sp>
+          <p:nvSpPr>
+            <p:cNvPr id="24" name="Cloud 23"/>
+            <p:cNvSpPr/>
+            <p:nvPr/>
+          </p:nvSpPr>
+          <p:spPr>
+            <a:xfrm>
+              <a:off x="5053648" y="4370664"/>
+              <a:ext cx="2081518" cy="1191237"/>
+            </a:xfrm>
+            <a:prstGeom prst="cloud">
+              <a:avLst/>
+            </a:prstGeom>
+          </p:spPr>
+          <p:style>
+            <a:lnRef idx="2">
+              <a:schemeClr val="dk1"/>
+            </a:lnRef>
+            <a:fillRef idx="1">
+              <a:schemeClr val="lt1"/>
+            </a:fillRef>
+            <a:effectRef idx="0">
+              <a:schemeClr val="dk1"/>
+            </a:effectRef>
+            <a:fontRef idx="minor">
+              <a:schemeClr val="dk1"/>
+            </a:fontRef>
+          </p:style>
+          <p:txBody>
+            <a:bodyPr rtlCol="0" anchor="ctr"/>
+            <a:lstStyle/>
+            <a:p>
+              <a:pPr algn="ctr"/>
+              <a:r>
+                <a:rPr lang="en-US" sz="1400" dirty="0"/>
+                <a:t>Mobile Core</a:t>
+              </a:r>
+            </a:p>
+          </p:txBody>
+        </p:sp>
+        <p:cxnSp>
+          <p:nvCxnSpPr>
+            <p:cNvPr id="26" name="Straight Arrow Connector 25"/>
+            <p:cNvCxnSpPr>
+              <a:stCxn id="6" idx="2"/>
+              <a:endCxn id="24" idx="3"/>
+            </p:cNvCxnSpPr>
+            <p:nvPr/>
+          </p:nvCxnSpPr>
+          <p:spPr>
+            <a:xfrm flipH="1">
+              <a:off x="6094407" y="3944774"/>
+              <a:ext cx="1" cy="494000"/>
+            </a:xfrm>
+            <a:prstGeom prst="straightConnector1">
+              <a:avLst/>
+            </a:prstGeom>
+            <a:ln>
+              <a:solidFill>
+                <a:schemeClr val="tx1"/>
+              </a:solidFill>
+              <a:headEnd type="triangle"/>
+              <a:tailEnd type="triangle"/>
+            </a:ln>
+          </p:spPr>
+          <p:style>
+            <a:lnRef idx="1">
+              <a:schemeClr val="accent1"/>
+            </a:lnRef>
+            <a:fillRef idx="0">
+              <a:schemeClr val="accent1"/>
+            </a:fillRef>
+            <a:effectRef idx="0">
+              <a:schemeClr val="accent1"/>
+            </a:effectRef>
+            <a:fontRef idx="minor">
+              <a:schemeClr val="tx1"/>
+            </a:fontRef>
+          </p:style>
+        </p:cxnSp>
+        <p:pic>
+          <p:nvPicPr>
+            <p:cNvPr id="31" name="Picture 30" descr="Cell-Tower.png"/>
+            <p:cNvPicPr>
+              <a:picLocks noChangeAspect="1"/>
+            </p:cNvPicPr>
+            <p:nvPr/>
+          </p:nvPicPr>
+          <p:blipFill>
+            <a:blip r:embed="rId2"/>
+            <a:stretch>
+              <a:fillRect/>
+            </a:stretch>
+          </p:blipFill>
+          <p:spPr>
+            <a:xfrm>
+              <a:off x="7700899" y="4191774"/>
+              <a:ext cx="914402" cy="1368555"/>
+            </a:xfrm>
+            <a:prstGeom prst="rect">
+              <a:avLst/>
+            </a:prstGeom>
+          </p:spPr>
+        </p:pic>
+        <p:pic>
+          <p:nvPicPr>
+            <p:cNvPr id="33" name="Picture 32" descr="Cell-Tower.png"/>
+            <p:cNvPicPr>
+              <a:picLocks noChangeAspect="1"/>
+            </p:cNvPicPr>
+            <p:nvPr/>
+          </p:nvPicPr>
+          <p:blipFill>
+            <a:blip r:embed="rId2"/>
+            <a:stretch>
+              <a:fillRect/>
+            </a:stretch>
+          </p:blipFill>
+          <p:spPr>
+            <a:xfrm>
+              <a:off x="3573513" y="4191774"/>
+              <a:ext cx="914402" cy="1368555"/>
+            </a:xfrm>
+            <a:prstGeom prst="rect">
+              <a:avLst/>
+            </a:prstGeom>
+          </p:spPr>
+        </p:pic>
+        <p:cxnSp>
+          <p:nvCxnSpPr>
+            <p:cNvPr id="35" name="Straight Arrow Connector 34"/>
+            <p:cNvCxnSpPr>
+              <a:stCxn id="24" idx="0"/>
+            </p:cNvCxnSpPr>
+            <p:nvPr/>
+          </p:nvCxnSpPr>
+          <p:spPr>
+            <a:xfrm>
+              <a:off x="7133431" y="4966283"/>
+              <a:ext cx="634775" cy="511728"/>
+            </a:xfrm>
+            <a:prstGeom prst="straightConnector1">
+              <a:avLst/>
+            </a:prstGeom>
+            <a:ln>
+              <a:solidFill>
+                <a:schemeClr val="tx1"/>
+              </a:solidFill>
+              <a:headEnd type="triangle"/>
+              <a:tailEnd type="triangle"/>
+            </a:ln>
+          </p:spPr>
+          <p:style>
+            <a:lnRef idx="1">
+              <a:schemeClr val="accent1"/>
+            </a:lnRef>
+            <a:fillRef idx="0">
+              <a:schemeClr val="accent1"/>
+            </a:fillRef>
+            <a:effectRef idx="0">
+              <a:schemeClr val="accent1"/>
+            </a:effectRef>
+            <a:fontRef idx="minor">
+              <a:schemeClr val="tx1"/>
+            </a:fontRef>
+          </p:style>
+        </p:cxnSp>
+        <p:cxnSp>
+          <p:nvCxnSpPr>
+            <p:cNvPr id="37" name="Straight Arrow Connector 36"/>
+            <p:cNvCxnSpPr>
+              <a:stCxn id="24" idx="2"/>
+            </p:cNvCxnSpPr>
+            <p:nvPr/>
+          </p:nvCxnSpPr>
+          <p:spPr>
+            <a:xfrm flipH="1">
+              <a:off x="4412609" y="4966283"/>
+              <a:ext cx="647496" cy="511728"/>
+            </a:xfrm>
+            <a:prstGeom prst="straightConnector1">
+              <a:avLst/>
+            </a:prstGeom>
+            <a:ln>
+              <a:solidFill>
+                <a:schemeClr val="tx1"/>
+              </a:solidFill>
+              <a:headEnd type="triangle"/>
+              <a:tailEnd type="triangle"/>
+            </a:ln>
+          </p:spPr>
+          <p:style>
+            <a:lnRef idx="1">
+              <a:schemeClr val="accent1"/>
+            </a:lnRef>
+            <a:fillRef idx="0">
+              <a:schemeClr val="accent1"/>
+            </a:fillRef>
+            <a:effectRef idx="0">
+              <a:schemeClr val="accent1"/>
+            </a:effectRef>
+            <a:fontRef idx="minor">
+              <a:schemeClr val="tx1"/>
+            </a:fontRef>
+          </p:style>
+        </p:cxnSp>
+        <p:sp>
+          <p:nvSpPr>
+            <p:cNvPr id="38" name="TextBox 37"/>
+            <p:cNvSpPr txBox="1"/>
+            <p:nvPr/>
+          </p:nvSpPr>
+          <p:spPr>
+            <a:xfrm>
+              <a:off x="3262313" y="5560329"/>
+              <a:ext cx="1622309" cy="435753"/>
+            </a:xfrm>
+            <a:prstGeom prst="rect">
+              <a:avLst/>
+            </a:prstGeom>
+            <a:noFill/>
+          </p:spPr>
+          <p:txBody>
+            <a:bodyPr wrap="square" rtlCol="0">
+              <a:spAutoFit/>
+            </a:bodyPr>
+            <a:lstStyle/>
+            <a:p>
+              <a:r>
+                <a:rPr lang="en-US" sz="1400" dirty="0"/>
+                <a:t>Access Point</a:t>
+              </a:r>
+            </a:p>
+          </p:txBody>
+        </p:sp>
+        <p:sp>
+          <p:nvSpPr>
+            <p:cNvPr id="39" name="TextBox 38"/>
+            <p:cNvSpPr txBox="1"/>
+            <p:nvPr/>
+          </p:nvSpPr>
+          <p:spPr>
+            <a:xfrm>
+              <a:off x="7421338" y="5544512"/>
+              <a:ext cx="1453961" cy="435753"/>
+            </a:xfrm>
+            <a:prstGeom prst="rect">
+              <a:avLst/>
+            </a:prstGeom>
+            <a:noFill/>
+          </p:spPr>
+          <p:txBody>
+            <a:bodyPr wrap="none" rtlCol="0">
+              <a:spAutoFit/>
+            </a:bodyPr>
+            <a:lstStyle/>
+            <a:p>
+              <a:r>
+                <a:rPr lang="en-US" sz="1400" dirty="0"/>
+                <a:t>Access Point</a:t>
+              </a:r>
+            </a:p>
+          </p:txBody>
+        </p:sp>
+        <p:pic>
+          <p:nvPicPr>
+            <p:cNvPr id="40" name="Picture 39" descr="Simple Cellphone Clipart by anubisza on DeviantArt"/>
+            <p:cNvPicPr>
+              <a:picLocks noChangeAspect="1"/>
+            </p:cNvPicPr>
+            <p:nvPr/>
+          </p:nvPicPr>
+          <p:blipFill>
+            <a:blip r:embed="rId3"/>
+            <a:stretch>
+              <a:fillRect/>
+            </a:stretch>
+          </p:blipFill>
+          <p:spPr>
+            <a:xfrm>
+              <a:off x="9369466" y="4191774"/>
+              <a:ext cx="554200" cy="650191"/>
+            </a:xfrm>
+            <a:prstGeom prst="rect">
+              <a:avLst/>
+            </a:prstGeom>
+          </p:spPr>
+        </p:pic>
+        <p:pic>
+          <p:nvPicPr>
+            <p:cNvPr id="41" name="Picture 40" descr="Simple Cellphone Clipart by anubisza on DeviantArt"/>
+            <p:cNvPicPr>
+              <a:picLocks noChangeAspect="1"/>
+            </p:cNvPicPr>
+            <p:nvPr/>
+          </p:nvPicPr>
+          <p:blipFill>
+            <a:blip r:embed="rId3"/>
+            <a:stretch>
+              <a:fillRect/>
+            </a:stretch>
+          </p:blipFill>
+          <p:spPr>
+            <a:xfrm>
+              <a:off x="9369466" y="4910138"/>
+              <a:ext cx="554200" cy="650191"/>
+            </a:xfrm>
+            <a:prstGeom prst="rect">
+              <a:avLst/>
+            </a:prstGeom>
+          </p:spPr>
+        </p:pic>
+        <p:pic>
+          <p:nvPicPr>
+            <p:cNvPr id="42" name="Picture 41" descr="Simple Cellphone Clipart by anubisza on DeviantArt"/>
+            <p:cNvPicPr>
+              <a:picLocks noChangeAspect="1"/>
+            </p:cNvPicPr>
+            <p:nvPr/>
+          </p:nvPicPr>
+          <p:blipFill>
+            <a:blip r:embed="rId3"/>
+            <a:stretch>
+              <a:fillRect/>
+            </a:stretch>
+          </p:blipFill>
+          <p:spPr>
+            <a:xfrm flipH="1">
+              <a:off x="2398532" y="4191774"/>
+              <a:ext cx="554200" cy="650191"/>
+            </a:xfrm>
+            <a:prstGeom prst="rect">
+              <a:avLst/>
+            </a:prstGeom>
+          </p:spPr>
+        </p:pic>
+        <p:pic>
+          <p:nvPicPr>
+            <p:cNvPr id="43" name="Picture 42" descr="Simple Cellphone Clipart by anubisza on DeviantArt"/>
+            <p:cNvPicPr>
+              <a:picLocks noChangeAspect="1"/>
+            </p:cNvPicPr>
+            <p:nvPr/>
+          </p:nvPicPr>
+          <p:blipFill>
+            <a:blip r:embed="rId3"/>
+            <a:stretch>
+              <a:fillRect/>
+            </a:stretch>
+          </p:blipFill>
+          <p:spPr>
+            <a:xfrm flipH="1">
+              <a:off x="2398532" y="4914333"/>
+              <a:ext cx="554200" cy="650191"/>
+            </a:xfrm>
+            <a:prstGeom prst="rect">
+              <a:avLst/>
+            </a:prstGeom>
+          </p:spPr>
+        </p:pic>
+        <p:grpSp>
+          <p:nvGrpSpPr>
+            <p:cNvPr id="48" name="Group 47"/>
+            <p:cNvGrpSpPr/>
+            <p:nvPr/>
+          </p:nvGrpSpPr>
+          <p:grpSpPr>
+            <a:xfrm rot="2277131">
+              <a:off x="2316490" y="3897446"/>
+              <a:ext cx="887924" cy="1023458"/>
+              <a:chOff x="2508770" y="3598877"/>
+              <a:chExt cx="887924" cy="1023458"/>
+            </a:xfrm>
+          </p:grpSpPr>
+          <p:sp>
+            <p:nvSpPr>
+              <p:cNvPr id="44" name="Arc 43"/>
+              <p:cNvSpPr/>
+              <p:nvPr/>
+            </p:nvSpPr>
+            <p:spPr>
+              <a:xfrm>
+                <a:off x="2508770" y="3598877"/>
+                <a:ext cx="887924" cy="1023458"/>
+              </a:xfrm>
+              <a:prstGeom prst="arc">
+                <a:avLst/>
+              </a:prstGeom>
+              <a:ln>
+                <a:solidFill>
+                  <a:schemeClr val="tx1"/>
+                </a:solidFill>
+              </a:ln>
+            </p:spPr>
+            <p:style>
+              <a:lnRef idx="1">
+                <a:schemeClr val="accent1"/>
+              </a:lnRef>
+              <a:fillRef idx="0">
+                <a:schemeClr val="accent1"/>
+              </a:fillRef>
+              <a:effectRef idx="0">
+                <a:schemeClr val="accent1"/>
+              </a:effectRef>
+              <a:fontRef idx="minor">
+                <a:schemeClr val="tx1"/>
+              </a:fontRef>
+            </p:style>
+            <p:txBody>
+              <a:bodyPr rtlCol="0" anchor="ctr"/>
+              <a:lstStyle/>
+              <a:p>
+                <a:pPr algn="ctr"/>
+                <a:endParaRPr lang="en-US"/>
+              </a:p>
+            </p:txBody>
+          </p:sp>
+          <p:sp>
+            <p:nvSpPr>
+              <p:cNvPr id="46" name="Arc 45"/>
+              <p:cNvSpPr/>
+              <p:nvPr/>
+            </p:nvSpPr>
+            <p:spPr>
+              <a:xfrm>
+                <a:off x="2650921" y="3708692"/>
+                <a:ext cx="643206" cy="730082"/>
+              </a:xfrm>
+              <a:prstGeom prst="arc">
+                <a:avLst/>
+              </a:prstGeom>
+              <a:ln>
+                <a:solidFill>
+                  <a:schemeClr val="tx1"/>
+                </a:solidFill>
+              </a:ln>
+            </p:spPr>
+            <p:style>
+              <a:lnRef idx="1">
+                <a:schemeClr val="accent1"/>
+              </a:lnRef>
+              <a:fillRef idx="0">
+                <a:schemeClr val="accent1"/>
+              </a:fillRef>
+              <a:effectRef idx="0">
+                <a:schemeClr val="accent1"/>
+              </a:effectRef>
+              <a:fontRef idx="minor">
+                <a:schemeClr val="tx1"/>
+              </a:fontRef>
+            </p:style>
+            <p:txBody>
+              <a:bodyPr rtlCol="0" anchor="ctr"/>
+              <a:lstStyle/>
+              <a:p>
+                <a:pPr algn="ctr"/>
+                <a:endParaRPr lang="en-US"/>
+              </a:p>
+            </p:txBody>
+          </p:sp>
+          <p:sp>
+            <p:nvSpPr>
+              <p:cNvPr id="47" name="Arc 46"/>
+              <p:cNvSpPr/>
+              <p:nvPr/>
+            </p:nvSpPr>
+            <p:spPr>
+              <a:xfrm>
+                <a:off x="2819347" y="3812648"/>
+                <a:ext cx="377393" cy="427987"/>
+              </a:xfrm>
+              <a:prstGeom prst="arc">
+                <a:avLst/>
+              </a:prstGeom>
+              <a:ln>
+                <a:solidFill>
+                  <a:schemeClr val="tx1"/>
+                </a:solidFill>
+              </a:ln>
+            </p:spPr>
+            <p:style>
+              <a:lnRef idx="1">
+                <a:schemeClr val="accent1"/>
+              </a:lnRef>
+              <a:fillRef idx="0">
+                <a:schemeClr val="accent1"/>
+              </a:fillRef>
+              <a:effectRef idx="0">
+                <a:schemeClr val="accent1"/>
+              </a:effectRef>
+              <a:fontRef idx="minor">
+                <a:schemeClr val="tx1"/>
+              </a:fontRef>
+            </p:style>
+            <p:txBody>
+              <a:bodyPr rtlCol="0" anchor="ctr"/>
+              <a:lstStyle/>
+              <a:p>
+                <a:pPr algn="ctr"/>
+                <a:endParaRPr lang="en-US"/>
+              </a:p>
+            </p:txBody>
+          </p:sp>
+        </p:grpSp>
+        <p:grpSp>
+          <p:nvGrpSpPr>
+            <p:cNvPr id="49" name="Group 48"/>
+            <p:cNvGrpSpPr/>
+            <p:nvPr/>
+          </p:nvGrpSpPr>
+          <p:grpSpPr>
+            <a:xfrm rot="12782066">
+              <a:off x="9038771" y="3730721"/>
+              <a:ext cx="887924" cy="1023458"/>
+              <a:chOff x="2508770" y="3598877"/>
+              <a:chExt cx="887924" cy="1023458"/>
+            </a:xfrm>
+          </p:grpSpPr>
+          <p:sp>
+            <p:nvSpPr>
+              <p:cNvPr id="50" name="Arc 49"/>
+              <p:cNvSpPr/>
+              <p:nvPr/>
+            </p:nvSpPr>
+            <p:spPr>
+              <a:xfrm>
+                <a:off x="2508770" y="3598877"/>
+                <a:ext cx="887924" cy="1023458"/>
+              </a:xfrm>
+              <a:prstGeom prst="arc">
+                <a:avLst/>
+              </a:prstGeom>
+              <a:ln>
+                <a:solidFill>
+                  <a:schemeClr val="tx1"/>
+                </a:solidFill>
+              </a:ln>
+            </p:spPr>
+            <p:style>
+              <a:lnRef idx="1">
+                <a:schemeClr val="accent1"/>
+              </a:lnRef>
+              <a:fillRef idx="0">
+                <a:schemeClr val="accent1"/>
+              </a:fillRef>
+              <a:effectRef idx="0">
+                <a:schemeClr val="accent1"/>
+              </a:effectRef>
+              <a:fontRef idx="minor">
+                <a:schemeClr val="tx1"/>
+              </a:fontRef>
+            </p:style>
+            <p:txBody>
+              <a:bodyPr rtlCol="0" anchor="ctr"/>
+              <a:lstStyle/>
+              <a:p>
+                <a:pPr algn="ctr"/>
+                <a:endParaRPr lang="en-US"/>
+              </a:p>
+            </p:txBody>
+          </p:sp>
+          <p:sp>
+            <p:nvSpPr>
+              <p:cNvPr id="51" name="Arc 50"/>
+              <p:cNvSpPr/>
+              <p:nvPr/>
+            </p:nvSpPr>
+            <p:spPr>
+              <a:xfrm>
+                <a:off x="2650921" y="3708692"/>
+                <a:ext cx="643206" cy="730082"/>
+              </a:xfrm>
+              <a:prstGeom prst="arc">
+                <a:avLst/>
+              </a:prstGeom>
+              <a:ln>
+                <a:solidFill>
+                  <a:schemeClr val="tx1"/>
+                </a:solidFill>
+              </a:ln>
+            </p:spPr>
+            <p:style>
+              <a:lnRef idx="1">
+                <a:schemeClr val="accent1"/>
+              </a:lnRef>
+              <a:fillRef idx="0">
+                <a:schemeClr val="accent1"/>
+              </a:fillRef>
+              <a:effectRef idx="0">
+                <a:schemeClr val="accent1"/>
+              </a:effectRef>
+              <a:fontRef idx="minor">
+                <a:schemeClr val="tx1"/>
+              </a:fontRef>
+            </p:style>
+            <p:txBody>
+              <a:bodyPr rtlCol="0" anchor="ctr"/>
+              <a:lstStyle/>
+              <a:p>
+                <a:pPr algn="ctr"/>
+                <a:endParaRPr lang="en-US"/>
+              </a:p>
+            </p:txBody>
+          </p:sp>
+          <p:sp>
+            <p:nvSpPr>
+              <p:cNvPr id="52" name="Arc 51"/>
+              <p:cNvSpPr/>
+              <p:nvPr/>
+            </p:nvSpPr>
+            <p:spPr>
+              <a:xfrm>
+                <a:off x="2819347" y="3812648"/>
+                <a:ext cx="377393" cy="427987"/>
+              </a:xfrm>
+              <a:prstGeom prst="arc">
+                <a:avLst/>
+              </a:prstGeom>
+              <a:ln>
+                <a:solidFill>
+                  <a:schemeClr val="tx1"/>
+                </a:solidFill>
+              </a:ln>
+            </p:spPr>
+            <p:style>
+              <a:lnRef idx="1">
+                <a:schemeClr val="accent1"/>
+              </a:lnRef>
+              <a:fillRef idx="0">
+                <a:schemeClr val="accent1"/>
+              </a:fillRef>
+              <a:effectRef idx="0">
+                <a:schemeClr val="accent1"/>
+              </a:effectRef>
+              <a:fontRef idx="minor">
+                <a:schemeClr val="tx1"/>
+              </a:fontRef>
+            </p:style>
+            <p:txBody>
+              <a:bodyPr rtlCol="0" anchor="ctr"/>
+              <a:lstStyle/>
+              <a:p>
+                <a:pPr algn="ctr"/>
+                <a:endParaRPr lang="en-US"/>
+              </a:p>
+            </p:txBody>
+          </p:sp>
+        </p:grpSp>
+        <p:grpSp>
+          <p:nvGrpSpPr>
+            <p:cNvPr id="53" name="Group 52"/>
+            <p:cNvGrpSpPr/>
+            <p:nvPr/>
+          </p:nvGrpSpPr>
+          <p:grpSpPr>
+            <a:xfrm rot="2174497">
+              <a:off x="2379049" y="4896211"/>
+              <a:ext cx="887924" cy="1023458"/>
+              <a:chOff x="2508770" y="3598877"/>
+              <a:chExt cx="887924" cy="1023458"/>
+            </a:xfrm>
+          </p:grpSpPr>
+          <p:sp>
+            <p:nvSpPr>
+              <p:cNvPr id="54" name="Arc 53"/>
+              <p:cNvSpPr/>
+              <p:nvPr/>
+            </p:nvSpPr>
+            <p:spPr>
+              <a:xfrm>
+                <a:off x="2508770" y="3598877"/>
+                <a:ext cx="887924" cy="1023458"/>
+              </a:xfrm>
+              <a:prstGeom prst="arc">
+                <a:avLst/>
+              </a:prstGeom>
+              <a:ln>
+                <a:solidFill>
+                  <a:schemeClr val="tx1"/>
+                </a:solidFill>
+              </a:ln>
+            </p:spPr>
+            <p:style>
+              <a:lnRef idx="1">
+                <a:schemeClr val="accent1"/>
+              </a:lnRef>
+              <a:fillRef idx="0">
+                <a:schemeClr val="accent1"/>
+              </a:fillRef>
+              <a:effectRef idx="0">
+                <a:schemeClr val="accent1"/>
+              </a:effectRef>
+              <a:fontRef idx="minor">
+                <a:schemeClr val="tx1"/>
+              </a:fontRef>
+            </p:style>
+            <p:txBody>
+              <a:bodyPr rtlCol="0" anchor="ctr"/>
+              <a:lstStyle/>
+              <a:p>
+                <a:pPr algn="ctr"/>
+                <a:endParaRPr lang="en-US"/>
+              </a:p>
+            </p:txBody>
+          </p:sp>
+          <p:sp>
+            <p:nvSpPr>
+              <p:cNvPr id="55" name="Arc 54"/>
+              <p:cNvSpPr/>
+              <p:nvPr/>
+            </p:nvSpPr>
+            <p:spPr>
+              <a:xfrm>
+                <a:off x="2650921" y="3708692"/>
+                <a:ext cx="643206" cy="730082"/>
+              </a:xfrm>
+              <a:prstGeom prst="arc">
+                <a:avLst/>
+              </a:prstGeom>
+              <a:ln>
+                <a:solidFill>
+                  <a:schemeClr val="tx1"/>
+                </a:solidFill>
+              </a:ln>
+            </p:spPr>
+            <p:style>
+              <a:lnRef idx="1">
+                <a:schemeClr val="accent1"/>
+              </a:lnRef>
+              <a:fillRef idx="0">
+                <a:schemeClr val="accent1"/>
+              </a:fillRef>
+              <a:effectRef idx="0">
+                <a:schemeClr val="accent1"/>
+              </a:effectRef>
+              <a:fontRef idx="minor">
+                <a:schemeClr val="tx1"/>
+              </a:fontRef>
+            </p:style>
+            <p:txBody>
+              <a:bodyPr rtlCol="0" anchor="ctr"/>
+              <a:lstStyle/>
+              <a:p>
+                <a:pPr algn="ctr"/>
+                <a:endParaRPr lang="en-US" dirty="0"/>
+              </a:p>
+            </p:txBody>
+          </p:sp>
+          <p:sp>
+            <p:nvSpPr>
+              <p:cNvPr id="56" name="Arc 55"/>
+              <p:cNvSpPr/>
+              <p:nvPr/>
+            </p:nvSpPr>
+            <p:spPr>
+              <a:xfrm>
+                <a:off x="2819347" y="3812648"/>
+                <a:ext cx="377393" cy="427987"/>
+              </a:xfrm>
+              <a:prstGeom prst="arc">
+                <a:avLst/>
+              </a:prstGeom>
+              <a:ln>
+                <a:solidFill>
+                  <a:schemeClr val="tx1"/>
+                </a:solidFill>
+              </a:ln>
+            </p:spPr>
+            <p:style>
+              <a:lnRef idx="1">
+                <a:schemeClr val="accent1"/>
+              </a:lnRef>
+              <a:fillRef idx="0">
+                <a:schemeClr val="accent1"/>
+              </a:fillRef>
+              <a:effectRef idx="0">
+                <a:schemeClr val="accent1"/>
+              </a:effectRef>
+              <a:fontRef idx="minor">
+                <a:schemeClr val="tx1"/>
+              </a:fontRef>
+            </p:style>
+            <p:txBody>
+              <a:bodyPr rtlCol="0" anchor="ctr"/>
+              <a:lstStyle/>
+              <a:p>
+                <a:pPr algn="ctr"/>
+                <a:endParaRPr lang="en-US"/>
+              </a:p>
+            </p:txBody>
+          </p:sp>
+        </p:grpSp>
+        <p:grpSp>
+          <p:nvGrpSpPr>
+            <p:cNvPr id="57" name="Group 56"/>
+            <p:cNvGrpSpPr/>
+            <p:nvPr/>
+          </p:nvGrpSpPr>
+          <p:grpSpPr>
+            <a:xfrm rot="12968342">
+              <a:off x="9071959" y="4598372"/>
+              <a:ext cx="887924" cy="1023458"/>
+              <a:chOff x="2508770" y="3598877"/>
+              <a:chExt cx="887924" cy="1023458"/>
+            </a:xfrm>
+          </p:grpSpPr>
+          <p:sp>
+            <p:nvSpPr>
+              <p:cNvPr id="58" name="Arc 57"/>
+              <p:cNvSpPr/>
+              <p:nvPr/>
+            </p:nvSpPr>
+            <p:spPr>
+              <a:xfrm>
+                <a:off x="2508770" y="3598877"/>
+                <a:ext cx="887924" cy="1023458"/>
+              </a:xfrm>
+              <a:prstGeom prst="arc">
+                <a:avLst/>
+              </a:prstGeom>
+              <a:ln>
+                <a:solidFill>
+                  <a:schemeClr val="tx1"/>
+                </a:solidFill>
+              </a:ln>
+            </p:spPr>
+            <p:style>
+              <a:lnRef idx="1">
+                <a:schemeClr val="accent1"/>
+              </a:lnRef>
+              <a:fillRef idx="0">
+                <a:schemeClr val="accent1"/>
+              </a:fillRef>
+              <a:effectRef idx="0">
+                <a:schemeClr val="accent1"/>
+              </a:effectRef>
+              <a:fontRef idx="minor">
+                <a:schemeClr val="tx1"/>
+              </a:fontRef>
+            </p:style>
+            <p:txBody>
+              <a:bodyPr rtlCol="0" anchor="ctr"/>
+              <a:lstStyle/>
+              <a:p>
+                <a:pPr algn="ctr"/>
+                <a:endParaRPr lang="en-US"/>
+              </a:p>
+            </p:txBody>
+          </p:sp>
+          <p:sp>
+            <p:nvSpPr>
+              <p:cNvPr id="59" name="Arc 58"/>
+              <p:cNvSpPr/>
+              <p:nvPr/>
+            </p:nvSpPr>
+            <p:spPr>
+              <a:xfrm>
+                <a:off x="2650921" y="3708692"/>
+                <a:ext cx="643206" cy="730082"/>
+              </a:xfrm>
+              <a:prstGeom prst="arc">
+                <a:avLst/>
+              </a:prstGeom>
+              <a:ln>
+                <a:solidFill>
+                  <a:schemeClr val="tx1"/>
+                </a:solidFill>
+              </a:ln>
+            </p:spPr>
+            <p:style>
+              <a:lnRef idx="1">
+                <a:schemeClr val="accent1"/>
+              </a:lnRef>
+              <a:fillRef idx="0">
+                <a:schemeClr val="accent1"/>
+              </a:fillRef>
+              <a:effectRef idx="0">
+                <a:schemeClr val="accent1"/>
+              </a:effectRef>
+              <a:fontRef idx="minor">
+                <a:schemeClr val="tx1"/>
+              </a:fontRef>
+            </p:style>
+            <p:txBody>
+              <a:bodyPr rtlCol="0" anchor="ctr"/>
+              <a:lstStyle/>
+              <a:p>
+                <a:pPr algn="ctr"/>
+                <a:endParaRPr lang="en-US"/>
+              </a:p>
+            </p:txBody>
+          </p:sp>
+          <p:sp>
+            <p:nvSpPr>
+              <p:cNvPr id="60" name="Arc 59"/>
+              <p:cNvSpPr/>
+              <p:nvPr/>
+            </p:nvSpPr>
+            <p:spPr>
+              <a:xfrm>
+                <a:off x="2819347" y="3812648"/>
+                <a:ext cx="377393" cy="427987"/>
+              </a:xfrm>
+              <a:prstGeom prst="arc">
+                <a:avLst/>
+              </a:prstGeom>
+              <a:ln>
+                <a:solidFill>
+                  <a:schemeClr val="tx1"/>
+                </a:solidFill>
+              </a:ln>
+            </p:spPr>
+            <p:style>
+              <a:lnRef idx="1">
+                <a:schemeClr val="accent1"/>
+              </a:lnRef>
+              <a:fillRef idx="0">
+                <a:schemeClr val="accent1"/>
+              </a:fillRef>
+              <a:effectRef idx="0">
+                <a:schemeClr val="accent1"/>
+              </a:effectRef>
+              <a:fontRef idx="minor">
+                <a:schemeClr val="tx1"/>
+              </a:fontRef>
+            </p:style>
+            <p:txBody>
+              <a:bodyPr rtlCol="0" anchor="ctr"/>
+              <a:lstStyle/>
+              <a:p>
+                <a:pPr algn="ctr"/>
+                <a:endParaRPr lang="en-US"/>
+              </a:p>
+            </p:txBody>
+          </p:sp>
+        </p:grpSp>
+        <p:sp>
+          <p:nvSpPr>
+            <p:cNvPr id="61" name="Callout: Line 60"/>
+            <p:cNvSpPr/>
+            <p:nvPr/>
+          </p:nvSpPr>
+          <p:spPr>
+            <a:xfrm>
+              <a:off x="10097665" y="3356993"/>
+              <a:ext cx="1222774" cy="763264"/>
+            </a:xfrm>
+            <a:prstGeom prst="borderCallout1">
+              <a:avLst>
+                <a:gd name="adj1" fmla="val 18750"/>
+                <a:gd name="adj2" fmla="val -8333"/>
+                <a:gd name="adj3" fmla="val 101509"/>
+                <a:gd name="adj4" fmla="val -32158"/>
+              </a:avLst>
+            </a:prstGeom>
+            <a:solidFill>
+              <a:schemeClr val="lt1">
+                <a:alpha val="71000"/>
+              </a:schemeClr>
+            </a:solidFill>
+          </p:spPr>
+          <p:style>
+            <a:lnRef idx="2">
+              <a:schemeClr val="accent5"/>
+            </a:lnRef>
+            <a:fillRef idx="1">
+              <a:schemeClr val="lt1"/>
+            </a:fillRef>
+            <a:effectRef idx="0">
+              <a:schemeClr val="accent5"/>
+            </a:effectRef>
+            <a:fontRef idx="minor">
+              <a:schemeClr val="dk1"/>
+            </a:fontRef>
+          </p:style>
+          <p:txBody>
+            <a:bodyPr rtlCol="0" anchor="ctr"/>
+            <a:lstStyle/>
+            <a:p>
+              <a:pPr algn="ctr"/>
+              <a:r>
+                <a:rPr lang="en-US" sz="1400" dirty="0"/>
+                <a:t>Client Endpoint</a:t>
+              </a:r>
+            </a:p>
+          </p:txBody>
+        </p:sp>
+      </p:grpSp>
       <p:sp>
         <p:nvSpPr>
-          <p:cNvPr id="3" name="Content Placeholder 2"/>
-          <p:cNvSpPr>
-            <a:spLocks noGrp="1"/>
-          </p:cNvSpPr>
-          <p:nvPr>
-            <p:ph idx="1"/>
-          </p:nvPr>
+          <p:cNvPr id="7" name="Rectangle 6"/>
+          <p:cNvSpPr/>
+          <p:nvPr/>
         </p:nvSpPr>
         <p:spPr>
           <a:xfrm>
-            <a:off x="1141412" y="2249487"/>
-            <a:ext cx="9905999" cy="3874476"/>
+            <a:off x="5691674" y="2219003"/>
+            <a:ext cx="1514469" cy="949799"/>
           </a:xfrm>
+          <a:prstGeom prst="rect">
+            <a:avLst/>
+          </a:prstGeom>
+          <a:noFill/>
+          <a:ln w="38100">
+            <a:solidFill>
+              <a:srgbClr val="92D050"/>
+            </a:solidFill>
+          </a:ln>
+        </p:spPr>
+        <p:style>
+          <a:lnRef idx="2">
+            <a:schemeClr val="accent1">
+              <a:shade val="50000"/>
+            </a:schemeClr>
+          </a:lnRef>
+          <a:fillRef idx="1">
+            <a:schemeClr val="accent1"/>
+          </a:fillRef>
+          <a:effectRef idx="0">
+            <a:schemeClr val="accent1"/>
+          </a:effectRef>
+          <a:fontRef idx="minor">
+            <a:schemeClr val="lt1"/>
+          </a:fontRef>
+        </p:style>
+        <p:txBody>
+          <a:bodyPr rtlCol="0" anchor="ctr"/>
+          <a:lstStyle/>
+          <a:p>
+            <a:pPr algn="ctr"/>
+            <a:endParaRPr lang="en-US"/>
+          </a:p>
+        </p:txBody>
+      </p:sp>
+      <p:cxnSp>
+        <p:nvCxnSpPr>
+          <p:cNvPr id="9" name="Connector: Elbow 8"/>
+          <p:cNvCxnSpPr>
+            <a:cxnSpLocks/>
+            <a:stCxn id="7" idx="0"/>
+          </p:cNvCxnSpPr>
+          <p:nvPr/>
+        </p:nvCxnSpPr>
+        <p:spPr>
+          <a:xfrm rot="16200000" flipV="1">
+            <a:off x="5547143" y="1317237"/>
+            <a:ext cx="876764" cy="926768"/>
+          </a:xfrm>
+          <a:prstGeom prst="bentConnector2">
+            <a:avLst/>
+          </a:prstGeom>
+          <a:ln w="38100">
+            <a:solidFill>
+              <a:srgbClr val="92D050"/>
+            </a:solidFill>
+            <a:tailEnd type="triangle"/>
+          </a:ln>
+        </p:spPr>
+        <p:style>
+          <a:lnRef idx="1">
+            <a:schemeClr val="accent1"/>
+          </a:lnRef>
+          <a:fillRef idx="0">
+            <a:schemeClr val="accent1"/>
+          </a:fillRef>
+          <a:effectRef idx="0">
+            <a:schemeClr val="accent1"/>
+          </a:effectRef>
+          <a:fontRef idx="minor">
+            <a:schemeClr val="tx1"/>
+          </a:fontRef>
+        </p:style>
+      </p:cxnSp>
+      <p:sp>
+        <p:nvSpPr>
+          <p:cNvPr id="11" name="TextBox 10"/>
+          <p:cNvSpPr txBox="1"/>
+          <p:nvPr/>
+        </p:nvSpPr>
+        <p:spPr>
+          <a:xfrm>
+            <a:off x="1141413" y="2008306"/>
+            <a:ext cx="4325713" cy="1938992"/>
+          </a:xfrm>
+          <a:prstGeom prst="rect">
+            <a:avLst/>
+          </a:prstGeom>
+          <a:noFill/>
         </p:spPr>
         <p:txBody>
-          <a:bodyPr>
-            <a:normAutofit/>
+          <a:bodyPr wrap="square" rtlCol="0">
+            <a:spAutoFit/>
           </a:bodyPr>
           <a:lstStyle/>
           <a:p>
+            <a:pPr marL="285750" indent="-285750">
+              <a:buFont typeface="Arial" panose="020B0604020202020204" pitchFamily="34" charset="0"/>
+              <a:buChar char="•"/>
+            </a:pPr>
             <a:r>
-              <a:rPr lang="en-US" dirty="0"/>
-              <a:t>New deployments</a:t>
+              <a:rPr lang="en-US" sz="2400" dirty="0"/>
+              <a:t>Aggregation services (AOI)</a:t>
             </a:r>
           </a:p>
           <a:p>
-            <a:pPr lvl="1"/>
+            <a:pPr marL="285750" indent="-285750">
+              <a:buFont typeface="Arial" panose="020B0604020202020204" pitchFamily="34" charset="0"/>
+              <a:buChar char="•"/>
+            </a:pPr>
+            <a:endParaRPr lang="en-US" sz="2400" dirty="0"/>
+          </a:p>
+          <a:p>
+            <a:pPr marL="285750" indent="-285750">
+              <a:buFont typeface="Arial" panose="020B0604020202020204" pitchFamily="34" charset="0"/>
+              <a:buChar char="•"/>
+            </a:pPr>
             <a:r>
-              <a:rPr lang="en-US" dirty="0"/>
-              <a:t>Metropolitan Intelligent Transportation System</a:t>
+              <a:rPr lang="en-US" sz="2400" dirty="0"/>
+              <a:t>Data collection/analysis</a:t>
             </a:r>
           </a:p>
           <a:p>
-            <a:pPr lvl="1"/>
+            <a:pPr marL="285750" indent="-285750">
+              <a:buFont typeface="Arial" panose="020B0604020202020204" pitchFamily="34" charset="0"/>
+              <a:buChar char="•"/>
+            </a:pPr>
+            <a:endParaRPr lang="en-US" sz="2400" dirty="0"/>
+          </a:p>
+          <a:p>
+            <a:pPr marL="285750" indent="-285750">
+              <a:buFont typeface="Arial" panose="020B0604020202020204" pitchFamily="34" charset="0"/>
+              <a:buChar char="•"/>
+            </a:pPr>
             <a:r>
-              <a:rPr lang="en-US" dirty="0" err="1"/>
-              <a:t>CloudRAN</a:t>
-            </a:r>
-            <a:r>
-              <a:rPr lang="en-US" dirty="0"/>
-              <a:t> Data Center</a:t>
-            </a:r>
-          </a:p>
-          <a:p>
-            <a:r>
-              <a:rPr lang="en-US" dirty="0"/>
-              <a:t>Existing deployments</a:t>
-            </a:r>
-          </a:p>
-          <a:p>
-            <a:pPr lvl="1"/>
-            <a:r>
-              <a:rPr lang="en-US" dirty="0"/>
-              <a:t>Interpose at MTSO (a la SMORE)</a:t>
-            </a:r>
-          </a:p>
-          <a:p>
-            <a:pPr lvl="1"/>
-            <a:r>
-              <a:rPr lang="en-US" dirty="0"/>
-              <a:t>Integrate into </a:t>
-            </a:r>
-            <a:r>
-              <a:rPr lang="en-US" dirty="0" err="1"/>
-              <a:t>eNodeB</a:t>
-            </a:r>
-            <a:r>
-              <a:rPr lang="en-US" dirty="0"/>
-              <a:t>, right at the edge</a:t>
-            </a:r>
-          </a:p>
-          <a:p>
-            <a:pPr lvl="1"/>
-            <a:r>
-              <a:rPr lang="en-US" dirty="0"/>
-              <a:t>North of PGW, dedicated or default bearer</a:t>
+              <a:rPr lang="en-US" sz="2400" dirty="0"/>
+              <a:t>Triggers and handlers</a:t>
             </a:r>
           </a:p>
         </p:txBody>
@@ -14302,7 +17049,7 @@
     </p:spTree>
     <p:extLst>
       <p:ext uri="{BB962C8B-B14F-4D97-AF65-F5344CB8AC3E}">
-        <p14:creationId xmlns:p14="http://schemas.microsoft.com/office/powerpoint/2010/main" val="558600912"/>
+        <p14:creationId xmlns:p14="http://schemas.microsoft.com/office/powerpoint/2010/main" val="2639066006"/>
       </p:ext>
     </p:extLst>
   </p:cSld>
@@ -14339,51 +17086,1496 @@
             <p:ph type="title"/>
           </p:nvPr>
         </p:nvSpPr>
-        <p:spPr>
-          <a:xfrm>
-            <a:off x="1141413" y="232624"/>
-            <a:ext cx="9905998" cy="1478570"/>
-          </a:xfrm>
-        </p:spPr>
+        <p:spPr/>
         <p:txBody>
           <a:bodyPr/>
           <a:lstStyle/>
           <a:p>
-            <a:pPr algn="ctr"/>
             <a:r>
               <a:rPr lang="en-US" dirty="0"/>
-              <a:t>Deployment scenarios – Metro ITS</a:t>
+              <a:t>Component: Adapter</a:t>
             </a:r>
           </a:p>
         </p:txBody>
       </p:sp>
-      <p:pic>
-        <p:nvPicPr>
-          <p:cNvPr id="4" name="Picture 3"/>
-          <p:cNvPicPr>
-            <a:picLocks noChangeAspect="1"/>
-          </p:cNvPicPr>
+      <p:grpSp>
+        <p:nvGrpSpPr>
+          <p:cNvPr id="3" name="Group 2"/>
+          <p:cNvGrpSpPr/>
           <p:nvPr/>
-        </p:nvPicPr>
-        <p:blipFill rotWithShape="1">
-          <a:blip r:embed="rId2"/>
-          <a:srcRect r="67870" b="-22"/>
-          <a:stretch/>
-        </p:blipFill>
+        </p:nvGrpSpPr>
+        <p:grpSpPr>
+          <a:xfrm>
+            <a:off x="5464194" y="2378119"/>
+            <a:ext cx="6359584" cy="2946471"/>
+            <a:chOff x="2316490" y="1824446"/>
+            <a:chExt cx="9003949" cy="4171636"/>
+          </a:xfrm>
+        </p:grpSpPr>
+        <p:sp>
+          <p:nvSpPr>
+            <p:cNvPr id="4" name="Rectangle: Diagonal Corners Rounded 3"/>
+            <p:cNvSpPr/>
+            <p:nvPr/>
+          </p:nvSpPr>
+          <p:spPr>
+            <a:xfrm>
+              <a:off x="2952732" y="1824446"/>
+              <a:ext cx="1535185" cy="914400"/>
+            </a:xfrm>
+            <a:prstGeom prst="round2DiagRect">
+              <a:avLst/>
+            </a:prstGeom>
+          </p:spPr>
+          <p:style>
+            <a:lnRef idx="2">
+              <a:schemeClr val="accent1">
+                <a:shade val="50000"/>
+              </a:schemeClr>
+            </a:lnRef>
+            <a:fillRef idx="1">
+              <a:schemeClr val="accent1"/>
+            </a:fillRef>
+            <a:effectRef idx="0">
+              <a:schemeClr val="accent1"/>
+            </a:effectRef>
+            <a:fontRef idx="minor">
+              <a:schemeClr val="lt1"/>
+            </a:fontRef>
+          </p:style>
+          <p:txBody>
+            <a:bodyPr rtlCol="0" anchor="ctr"/>
+            <a:lstStyle/>
+            <a:p>
+              <a:pPr algn="ctr"/>
+              <a:r>
+                <a:rPr lang="en-US" dirty="0"/>
+                <a:t>Broker</a:t>
+              </a:r>
+              <a:endParaRPr lang="en-US" sz="2000" dirty="0"/>
+            </a:p>
+          </p:txBody>
+        </p:sp>
+        <p:sp>
+          <p:nvSpPr>
+            <p:cNvPr id="5" name="Cylinder 4"/>
+            <p:cNvSpPr/>
+            <p:nvPr/>
+          </p:nvSpPr>
+          <p:spPr>
+            <a:xfrm rot="5400000">
+              <a:off x="5909851" y="1260287"/>
+              <a:ext cx="369115" cy="2042718"/>
+            </a:xfrm>
+            <a:prstGeom prst="can">
+              <a:avLst/>
+            </a:prstGeom>
+          </p:spPr>
+          <p:style>
+            <a:lnRef idx="2">
+              <a:schemeClr val="accent2">
+                <a:shade val="50000"/>
+              </a:schemeClr>
+            </a:lnRef>
+            <a:fillRef idx="1">
+              <a:schemeClr val="accent2"/>
+            </a:fillRef>
+            <a:effectRef idx="0">
+              <a:schemeClr val="accent2"/>
+            </a:effectRef>
+            <a:fontRef idx="minor">
+              <a:schemeClr val="lt1"/>
+            </a:fontRef>
+          </p:style>
+          <p:txBody>
+            <a:bodyPr vert="vert270" rtlCol="0" anchor="ctr"/>
+            <a:lstStyle/>
+            <a:p>
+              <a:pPr algn="ctr"/>
+              <a:r>
+                <a:rPr lang="en-US" sz="1400" dirty="0" err="1"/>
+                <a:t>PubSub</a:t>
+              </a:r>
+              <a:endParaRPr lang="en-US" sz="2000" dirty="0"/>
+            </a:p>
+          </p:txBody>
+        </p:sp>
+        <p:sp>
+          <p:nvSpPr>
+            <p:cNvPr id="6" name="Rectangle: Rounded Corners 5"/>
+            <p:cNvSpPr/>
+            <p:nvPr/>
+          </p:nvSpPr>
+          <p:spPr>
+            <a:xfrm>
+              <a:off x="5326815" y="3013596"/>
+              <a:ext cx="1535185" cy="931178"/>
+            </a:xfrm>
+            <a:prstGeom prst="roundRect">
+              <a:avLst/>
+            </a:prstGeom>
+          </p:spPr>
+          <p:style>
+            <a:lnRef idx="2">
+              <a:schemeClr val="accent3">
+                <a:shade val="50000"/>
+              </a:schemeClr>
+            </a:lnRef>
+            <a:fillRef idx="1">
+              <a:schemeClr val="accent3"/>
+            </a:fillRef>
+            <a:effectRef idx="0">
+              <a:schemeClr val="accent3"/>
+            </a:effectRef>
+            <a:fontRef idx="minor">
+              <a:schemeClr val="lt1"/>
+            </a:fontRef>
+          </p:style>
+          <p:txBody>
+            <a:bodyPr rtlCol="0" anchor="ctr"/>
+            <a:lstStyle/>
+            <a:p>
+              <a:pPr algn="ctr"/>
+              <a:r>
+                <a:rPr lang="en-US" sz="1600" dirty="0"/>
+                <a:t>Adapter</a:t>
+              </a:r>
+            </a:p>
+          </p:txBody>
+        </p:sp>
+        <p:cxnSp>
+          <p:nvCxnSpPr>
+            <p:cNvPr id="10" name="Connector: Elbow 9"/>
+            <p:cNvCxnSpPr>
+              <a:stCxn id="5" idx="3"/>
+              <a:endCxn id="4" idx="0"/>
+            </p:cNvCxnSpPr>
+            <p:nvPr/>
+          </p:nvCxnSpPr>
+          <p:spPr>
+            <a:xfrm rot="10800000">
+              <a:off x="4487918" y="2281647"/>
+              <a:ext cx="585133" cy="1"/>
+            </a:xfrm>
+            <a:prstGeom prst="bentConnector3">
+              <a:avLst/>
+            </a:prstGeom>
+            <a:ln>
+              <a:solidFill>
+                <a:schemeClr val="tx1"/>
+              </a:solidFill>
+              <a:headEnd type="triangle"/>
+              <a:tailEnd type="triangle"/>
+            </a:ln>
+          </p:spPr>
+          <p:style>
+            <a:lnRef idx="1">
+              <a:schemeClr val="accent1"/>
+            </a:lnRef>
+            <a:fillRef idx="0">
+              <a:schemeClr val="accent1"/>
+            </a:fillRef>
+            <a:effectRef idx="0">
+              <a:schemeClr val="accent1"/>
+            </a:effectRef>
+            <a:fontRef idx="minor">
+              <a:schemeClr val="tx1"/>
+            </a:fontRef>
+          </p:style>
+        </p:cxnSp>
+        <p:cxnSp>
+          <p:nvCxnSpPr>
+            <p:cNvPr id="20" name="Straight Arrow Connector 19"/>
+            <p:cNvCxnSpPr>
+              <a:stCxn id="5" idx="4"/>
+              <a:endCxn id="6" idx="0"/>
+            </p:cNvCxnSpPr>
+            <p:nvPr/>
+          </p:nvCxnSpPr>
+          <p:spPr>
+            <a:xfrm flipH="1">
+              <a:off x="6094408" y="2466204"/>
+              <a:ext cx="1" cy="547392"/>
+            </a:xfrm>
+            <a:prstGeom prst="straightConnector1">
+              <a:avLst/>
+            </a:prstGeom>
+            <a:ln>
+              <a:solidFill>
+                <a:schemeClr val="tx1"/>
+              </a:solidFill>
+              <a:headEnd type="triangle"/>
+              <a:tailEnd type="triangle"/>
+            </a:ln>
+          </p:spPr>
+          <p:style>
+            <a:lnRef idx="1">
+              <a:schemeClr val="accent1"/>
+            </a:lnRef>
+            <a:fillRef idx="0">
+              <a:schemeClr val="accent1"/>
+            </a:fillRef>
+            <a:effectRef idx="0">
+              <a:schemeClr val="accent1"/>
+            </a:effectRef>
+            <a:fontRef idx="minor">
+              <a:schemeClr val="tx1"/>
+            </a:fontRef>
+          </p:style>
+        </p:cxnSp>
+        <p:sp>
+          <p:nvSpPr>
+            <p:cNvPr id="21" name="Rectangle 20"/>
+            <p:cNvSpPr/>
+            <p:nvPr/>
+          </p:nvSpPr>
+          <p:spPr>
+            <a:xfrm>
+              <a:off x="7700899" y="1824446"/>
+              <a:ext cx="1535185" cy="914400"/>
+            </a:xfrm>
+            <a:prstGeom prst="rect">
+              <a:avLst/>
+            </a:prstGeom>
+            <a:solidFill>
+              <a:schemeClr val="tx2">
+                <a:lumMod val="60000"/>
+                <a:lumOff val="40000"/>
+              </a:schemeClr>
+            </a:solidFill>
+          </p:spPr>
+          <p:style>
+            <a:lnRef idx="2">
+              <a:schemeClr val="accent1">
+                <a:shade val="50000"/>
+              </a:schemeClr>
+            </a:lnRef>
+            <a:fillRef idx="1">
+              <a:schemeClr val="accent1"/>
+            </a:fillRef>
+            <a:effectRef idx="0">
+              <a:schemeClr val="accent1"/>
+            </a:effectRef>
+            <a:fontRef idx="minor">
+              <a:schemeClr val="lt1"/>
+            </a:fontRef>
+          </p:style>
+          <p:txBody>
+            <a:bodyPr rtlCol="0" anchor="ctr"/>
+            <a:lstStyle/>
+            <a:p>
+              <a:pPr algn="ctr"/>
+              <a:r>
+                <a:rPr lang="en-US" sz="1600" dirty="0"/>
+                <a:t>Service Endpoint</a:t>
+              </a:r>
+            </a:p>
+          </p:txBody>
+        </p:sp>
+        <p:cxnSp>
+          <p:nvCxnSpPr>
+            <p:cNvPr id="23" name="Straight Arrow Connector 22"/>
+            <p:cNvCxnSpPr>
+              <a:stCxn id="5" idx="1"/>
+              <a:endCxn id="21" idx="1"/>
+            </p:cNvCxnSpPr>
+            <p:nvPr/>
+          </p:nvCxnSpPr>
+          <p:spPr>
+            <a:xfrm flipV="1">
+              <a:off x="7115768" y="2281646"/>
+              <a:ext cx="585131" cy="1"/>
+            </a:xfrm>
+            <a:prstGeom prst="straightConnector1">
+              <a:avLst/>
+            </a:prstGeom>
+            <a:ln>
+              <a:solidFill>
+                <a:schemeClr val="tx1"/>
+              </a:solidFill>
+              <a:headEnd type="triangle"/>
+              <a:tailEnd type="triangle"/>
+            </a:ln>
+          </p:spPr>
+          <p:style>
+            <a:lnRef idx="1">
+              <a:schemeClr val="accent1"/>
+            </a:lnRef>
+            <a:fillRef idx="0">
+              <a:schemeClr val="accent1"/>
+            </a:fillRef>
+            <a:effectRef idx="0">
+              <a:schemeClr val="accent1"/>
+            </a:effectRef>
+            <a:fontRef idx="minor">
+              <a:schemeClr val="tx1"/>
+            </a:fontRef>
+          </p:style>
+        </p:cxnSp>
+        <p:sp>
+          <p:nvSpPr>
+            <p:cNvPr id="24" name="Cloud 23"/>
+            <p:cNvSpPr/>
+            <p:nvPr/>
+          </p:nvSpPr>
+          <p:spPr>
+            <a:xfrm>
+              <a:off x="5053648" y="4370664"/>
+              <a:ext cx="2081518" cy="1191237"/>
+            </a:xfrm>
+            <a:prstGeom prst="cloud">
+              <a:avLst/>
+            </a:prstGeom>
+          </p:spPr>
+          <p:style>
+            <a:lnRef idx="2">
+              <a:schemeClr val="dk1"/>
+            </a:lnRef>
+            <a:fillRef idx="1">
+              <a:schemeClr val="lt1"/>
+            </a:fillRef>
+            <a:effectRef idx="0">
+              <a:schemeClr val="dk1"/>
+            </a:effectRef>
+            <a:fontRef idx="minor">
+              <a:schemeClr val="dk1"/>
+            </a:fontRef>
+          </p:style>
+          <p:txBody>
+            <a:bodyPr rtlCol="0" anchor="ctr"/>
+            <a:lstStyle/>
+            <a:p>
+              <a:pPr algn="ctr"/>
+              <a:r>
+                <a:rPr lang="en-US" sz="1400" dirty="0"/>
+                <a:t>Mobile Core</a:t>
+              </a:r>
+            </a:p>
+          </p:txBody>
+        </p:sp>
+        <p:cxnSp>
+          <p:nvCxnSpPr>
+            <p:cNvPr id="26" name="Straight Arrow Connector 25"/>
+            <p:cNvCxnSpPr>
+              <a:stCxn id="6" idx="2"/>
+              <a:endCxn id="24" idx="3"/>
+            </p:cNvCxnSpPr>
+            <p:nvPr/>
+          </p:nvCxnSpPr>
+          <p:spPr>
+            <a:xfrm flipH="1">
+              <a:off x="6094407" y="3944774"/>
+              <a:ext cx="1" cy="494000"/>
+            </a:xfrm>
+            <a:prstGeom prst="straightConnector1">
+              <a:avLst/>
+            </a:prstGeom>
+            <a:ln>
+              <a:solidFill>
+                <a:schemeClr val="tx1"/>
+              </a:solidFill>
+              <a:headEnd type="triangle"/>
+              <a:tailEnd type="triangle"/>
+            </a:ln>
+          </p:spPr>
+          <p:style>
+            <a:lnRef idx="1">
+              <a:schemeClr val="accent1"/>
+            </a:lnRef>
+            <a:fillRef idx="0">
+              <a:schemeClr val="accent1"/>
+            </a:fillRef>
+            <a:effectRef idx="0">
+              <a:schemeClr val="accent1"/>
+            </a:effectRef>
+            <a:fontRef idx="minor">
+              <a:schemeClr val="tx1"/>
+            </a:fontRef>
+          </p:style>
+        </p:cxnSp>
+        <p:pic>
+          <p:nvPicPr>
+            <p:cNvPr id="31" name="Picture 30" descr="Cell-Tower.png"/>
+            <p:cNvPicPr>
+              <a:picLocks noChangeAspect="1"/>
+            </p:cNvPicPr>
+            <p:nvPr/>
+          </p:nvPicPr>
+          <p:blipFill>
+            <a:blip r:embed="rId2"/>
+            <a:stretch>
+              <a:fillRect/>
+            </a:stretch>
+          </p:blipFill>
+          <p:spPr>
+            <a:xfrm>
+              <a:off x="7700899" y="4191774"/>
+              <a:ext cx="914402" cy="1368555"/>
+            </a:xfrm>
+            <a:prstGeom prst="rect">
+              <a:avLst/>
+            </a:prstGeom>
+          </p:spPr>
+        </p:pic>
+        <p:pic>
+          <p:nvPicPr>
+            <p:cNvPr id="33" name="Picture 32" descr="Cell-Tower.png"/>
+            <p:cNvPicPr>
+              <a:picLocks noChangeAspect="1"/>
+            </p:cNvPicPr>
+            <p:nvPr/>
+          </p:nvPicPr>
+          <p:blipFill>
+            <a:blip r:embed="rId2"/>
+            <a:stretch>
+              <a:fillRect/>
+            </a:stretch>
+          </p:blipFill>
+          <p:spPr>
+            <a:xfrm>
+              <a:off x="3573513" y="4191774"/>
+              <a:ext cx="914402" cy="1368555"/>
+            </a:xfrm>
+            <a:prstGeom prst="rect">
+              <a:avLst/>
+            </a:prstGeom>
+          </p:spPr>
+        </p:pic>
+        <p:cxnSp>
+          <p:nvCxnSpPr>
+            <p:cNvPr id="35" name="Straight Arrow Connector 34"/>
+            <p:cNvCxnSpPr>
+              <a:stCxn id="24" idx="0"/>
+            </p:cNvCxnSpPr>
+            <p:nvPr/>
+          </p:nvCxnSpPr>
+          <p:spPr>
+            <a:xfrm>
+              <a:off x="7133431" y="4966283"/>
+              <a:ext cx="634775" cy="511728"/>
+            </a:xfrm>
+            <a:prstGeom prst="straightConnector1">
+              <a:avLst/>
+            </a:prstGeom>
+            <a:ln>
+              <a:solidFill>
+                <a:schemeClr val="tx1"/>
+              </a:solidFill>
+              <a:headEnd type="triangle"/>
+              <a:tailEnd type="triangle"/>
+            </a:ln>
+          </p:spPr>
+          <p:style>
+            <a:lnRef idx="1">
+              <a:schemeClr val="accent1"/>
+            </a:lnRef>
+            <a:fillRef idx="0">
+              <a:schemeClr val="accent1"/>
+            </a:fillRef>
+            <a:effectRef idx="0">
+              <a:schemeClr val="accent1"/>
+            </a:effectRef>
+            <a:fontRef idx="minor">
+              <a:schemeClr val="tx1"/>
+            </a:fontRef>
+          </p:style>
+        </p:cxnSp>
+        <p:cxnSp>
+          <p:nvCxnSpPr>
+            <p:cNvPr id="37" name="Straight Arrow Connector 36"/>
+            <p:cNvCxnSpPr>
+              <a:stCxn id="24" idx="2"/>
+            </p:cNvCxnSpPr>
+            <p:nvPr/>
+          </p:nvCxnSpPr>
+          <p:spPr>
+            <a:xfrm flipH="1">
+              <a:off x="4412609" y="4966283"/>
+              <a:ext cx="647496" cy="511728"/>
+            </a:xfrm>
+            <a:prstGeom prst="straightConnector1">
+              <a:avLst/>
+            </a:prstGeom>
+            <a:ln>
+              <a:solidFill>
+                <a:schemeClr val="tx1"/>
+              </a:solidFill>
+              <a:headEnd type="triangle"/>
+              <a:tailEnd type="triangle"/>
+            </a:ln>
+          </p:spPr>
+          <p:style>
+            <a:lnRef idx="1">
+              <a:schemeClr val="accent1"/>
+            </a:lnRef>
+            <a:fillRef idx="0">
+              <a:schemeClr val="accent1"/>
+            </a:fillRef>
+            <a:effectRef idx="0">
+              <a:schemeClr val="accent1"/>
+            </a:effectRef>
+            <a:fontRef idx="minor">
+              <a:schemeClr val="tx1"/>
+            </a:fontRef>
+          </p:style>
+        </p:cxnSp>
+        <p:sp>
+          <p:nvSpPr>
+            <p:cNvPr id="38" name="TextBox 37"/>
+            <p:cNvSpPr txBox="1"/>
+            <p:nvPr/>
+          </p:nvSpPr>
+          <p:spPr>
+            <a:xfrm>
+              <a:off x="3262313" y="5560329"/>
+              <a:ext cx="1622309" cy="435753"/>
+            </a:xfrm>
+            <a:prstGeom prst="rect">
+              <a:avLst/>
+            </a:prstGeom>
+            <a:noFill/>
+          </p:spPr>
+          <p:txBody>
+            <a:bodyPr wrap="square" rtlCol="0">
+              <a:spAutoFit/>
+            </a:bodyPr>
+            <a:lstStyle/>
+            <a:p>
+              <a:r>
+                <a:rPr lang="en-US" sz="1400" dirty="0"/>
+                <a:t>Access Point</a:t>
+              </a:r>
+            </a:p>
+          </p:txBody>
+        </p:sp>
+        <p:sp>
+          <p:nvSpPr>
+            <p:cNvPr id="39" name="TextBox 38"/>
+            <p:cNvSpPr txBox="1"/>
+            <p:nvPr/>
+          </p:nvSpPr>
+          <p:spPr>
+            <a:xfrm>
+              <a:off x="7421338" y="5544512"/>
+              <a:ext cx="1453961" cy="435753"/>
+            </a:xfrm>
+            <a:prstGeom prst="rect">
+              <a:avLst/>
+            </a:prstGeom>
+            <a:noFill/>
+          </p:spPr>
+          <p:txBody>
+            <a:bodyPr wrap="none" rtlCol="0">
+              <a:spAutoFit/>
+            </a:bodyPr>
+            <a:lstStyle/>
+            <a:p>
+              <a:r>
+                <a:rPr lang="en-US" sz="1400" dirty="0"/>
+                <a:t>Access Point</a:t>
+              </a:r>
+            </a:p>
+          </p:txBody>
+        </p:sp>
+        <p:pic>
+          <p:nvPicPr>
+            <p:cNvPr id="40" name="Picture 39" descr="Simple Cellphone Clipart by anubisza on DeviantArt"/>
+            <p:cNvPicPr>
+              <a:picLocks noChangeAspect="1"/>
+            </p:cNvPicPr>
+            <p:nvPr/>
+          </p:nvPicPr>
+          <p:blipFill>
+            <a:blip r:embed="rId3"/>
+            <a:stretch>
+              <a:fillRect/>
+            </a:stretch>
+          </p:blipFill>
+          <p:spPr>
+            <a:xfrm>
+              <a:off x="9369466" y="4191774"/>
+              <a:ext cx="554200" cy="650191"/>
+            </a:xfrm>
+            <a:prstGeom prst="rect">
+              <a:avLst/>
+            </a:prstGeom>
+          </p:spPr>
+        </p:pic>
+        <p:pic>
+          <p:nvPicPr>
+            <p:cNvPr id="41" name="Picture 40" descr="Simple Cellphone Clipart by anubisza on DeviantArt"/>
+            <p:cNvPicPr>
+              <a:picLocks noChangeAspect="1"/>
+            </p:cNvPicPr>
+            <p:nvPr/>
+          </p:nvPicPr>
+          <p:blipFill>
+            <a:blip r:embed="rId3"/>
+            <a:stretch>
+              <a:fillRect/>
+            </a:stretch>
+          </p:blipFill>
+          <p:spPr>
+            <a:xfrm>
+              <a:off x="9369466" y="4910138"/>
+              <a:ext cx="554200" cy="650191"/>
+            </a:xfrm>
+            <a:prstGeom prst="rect">
+              <a:avLst/>
+            </a:prstGeom>
+          </p:spPr>
+        </p:pic>
+        <p:pic>
+          <p:nvPicPr>
+            <p:cNvPr id="42" name="Picture 41" descr="Simple Cellphone Clipart by anubisza on DeviantArt"/>
+            <p:cNvPicPr>
+              <a:picLocks noChangeAspect="1"/>
+            </p:cNvPicPr>
+            <p:nvPr/>
+          </p:nvPicPr>
+          <p:blipFill>
+            <a:blip r:embed="rId3"/>
+            <a:stretch>
+              <a:fillRect/>
+            </a:stretch>
+          </p:blipFill>
+          <p:spPr>
+            <a:xfrm flipH="1">
+              <a:off x="2398532" y="4191774"/>
+              <a:ext cx="554200" cy="650191"/>
+            </a:xfrm>
+            <a:prstGeom prst="rect">
+              <a:avLst/>
+            </a:prstGeom>
+          </p:spPr>
+        </p:pic>
+        <p:pic>
+          <p:nvPicPr>
+            <p:cNvPr id="43" name="Picture 42" descr="Simple Cellphone Clipart by anubisza on DeviantArt"/>
+            <p:cNvPicPr>
+              <a:picLocks noChangeAspect="1"/>
+            </p:cNvPicPr>
+            <p:nvPr/>
+          </p:nvPicPr>
+          <p:blipFill>
+            <a:blip r:embed="rId3"/>
+            <a:stretch>
+              <a:fillRect/>
+            </a:stretch>
+          </p:blipFill>
+          <p:spPr>
+            <a:xfrm flipH="1">
+              <a:off x="2398532" y="4914333"/>
+              <a:ext cx="554200" cy="650191"/>
+            </a:xfrm>
+            <a:prstGeom prst="rect">
+              <a:avLst/>
+            </a:prstGeom>
+          </p:spPr>
+        </p:pic>
+        <p:grpSp>
+          <p:nvGrpSpPr>
+            <p:cNvPr id="48" name="Group 47"/>
+            <p:cNvGrpSpPr/>
+            <p:nvPr/>
+          </p:nvGrpSpPr>
+          <p:grpSpPr>
+            <a:xfrm rot="2277131">
+              <a:off x="2316490" y="3897446"/>
+              <a:ext cx="887924" cy="1023458"/>
+              <a:chOff x="2508770" y="3598877"/>
+              <a:chExt cx="887924" cy="1023458"/>
+            </a:xfrm>
+          </p:grpSpPr>
+          <p:sp>
+            <p:nvSpPr>
+              <p:cNvPr id="44" name="Arc 43"/>
+              <p:cNvSpPr/>
+              <p:nvPr/>
+            </p:nvSpPr>
+            <p:spPr>
+              <a:xfrm>
+                <a:off x="2508770" y="3598877"/>
+                <a:ext cx="887924" cy="1023458"/>
+              </a:xfrm>
+              <a:prstGeom prst="arc">
+                <a:avLst/>
+              </a:prstGeom>
+              <a:ln>
+                <a:solidFill>
+                  <a:schemeClr val="tx1"/>
+                </a:solidFill>
+              </a:ln>
+            </p:spPr>
+            <p:style>
+              <a:lnRef idx="1">
+                <a:schemeClr val="accent1"/>
+              </a:lnRef>
+              <a:fillRef idx="0">
+                <a:schemeClr val="accent1"/>
+              </a:fillRef>
+              <a:effectRef idx="0">
+                <a:schemeClr val="accent1"/>
+              </a:effectRef>
+              <a:fontRef idx="minor">
+                <a:schemeClr val="tx1"/>
+              </a:fontRef>
+            </p:style>
+            <p:txBody>
+              <a:bodyPr rtlCol="0" anchor="ctr"/>
+              <a:lstStyle/>
+              <a:p>
+                <a:pPr algn="ctr"/>
+                <a:endParaRPr lang="en-US"/>
+              </a:p>
+            </p:txBody>
+          </p:sp>
+          <p:sp>
+            <p:nvSpPr>
+              <p:cNvPr id="46" name="Arc 45"/>
+              <p:cNvSpPr/>
+              <p:nvPr/>
+            </p:nvSpPr>
+            <p:spPr>
+              <a:xfrm>
+                <a:off x="2650921" y="3708692"/>
+                <a:ext cx="643206" cy="730082"/>
+              </a:xfrm>
+              <a:prstGeom prst="arc">
+                <a:avLst/>
+              </a:prstGeom>
+              <a:ln>
+                <a:solidFill>
+                  <a:schemeClr val="tx1"/>
+                </a:solidFill>
+              </a:ln>
+            </p:spPr>
+            <p:style>
+              <a:lnRef idx="1">
+                <a:schemeClr val="accent1"/>
+              </a:lnRef>
+              <a:fillRef idx="0">
+                <a:schemeClr val="accent1"/>
+              </a:fillRef>
+              <a:effectRef idx="0">
+                <a:schemeClr val="accent1"/>
+              </a:effectRef>
+              <a:fontRef idx="minor">
+                <a:schemeClr val="tx1"/>
+              </a:fontRef>
+            </p:style>
+            <p:txBody>
+              <a:bodyPr rtlCol="0" anchor="ctr"/>
+              <a:lstStyle/>
+              <a:p>
+                <a:pPr algn="ctr"/>
+                <a:endParaRPr lang="en-US"/>
+              </a:p>
+            </p:txBody>
+          </p:sp>
+          <p:sp>
+            <p:nvSpPr>
+              <p:cNvPr id="47" name="Arc 46"/>
+              <p:cNvSpPr/>
+              <p:nvPr/>
+            </p:nvSpPr>
+            <p:spPr>
+              <a:xfrm>
+                <a:off x="2819347" y="3812648"/>
+                <a:ext cx="377393" cy="427987"/>
+              </a:xfrm>
+              <a:prstGeom prst="arc">
+                <a:avLst/>
+              </a:prstGeom>
+              <a:ln>
+                <a:solidFill>
+                  <a:schemeClr val="tx1"/>
+                </a:solidFill>
+              </a:ln>
+            </p:spPr>
+            <p:style>
+              <a:lnRef idx="1">
+                <a:schemeClr val="accent1"/>
+              </a:lnRef>
+              <a:fillRef idx="0">
+                <a:schemeClr val="accent1"/>
+              </a:fillRef>
+              <a:effectRef idx="0">
+                <a:schemeClr val="accent1"/>
+              </a:effectRef>
+              <a:fontRef idx="minor">
+                <a:schemeClr val="tx1"/>
+              </a:fontRef>
+            </p:style>
+            <p:txBody>
+              <a:bodyPr rtlCol="0" anchor="ctr"/>
+              <a:lstStyle/>
+              <a:p>
+                <a:pPr algn="ctr"/>
+                <a:endParaRPr lang="en-US"/>
+              </a:p>
+            </p:txBody>
+          </p:sp>
+        </p:grpSp>
+        <p:grpSp>
+          <p:nvGrpSpPr>
+            <p:cNvPr id="49" name="Group 48"/>
+            <p:cNvGrpSpPr/>
+            <p:nvPr/>
+          </p:nvGrpSpPr>
+          <p:grpSpPr>
+            <a:xfrm rot="12782066">
+              <a:off x="9038771" y="3730721"/>
+              <a:ext cx="887924" cy="1023458"/>
+              <a:chOff x="2508770" y="3598877"/>
+              <a:chExt cx="887924" cy="1023458"/>
+            </a:xfrm>
+          </p:grpSpPr>
+          <p:sp>
+            <p:nvSpPr>
+              <p:cNvPr id="50" name="Arc 49"/>
+              <p:cNvSpPr/>
+              <p:nvPr/>
+            </p:nvSpPr>
+            <p:spPr>
+              <a:xfrm>
+                <a:off x="2508770" y="3598877"/>
+                <a:ext cx="887924" cy="1023458"/>
+              </a:xfrm>
+              <a:prstGeom prst="arc">
+                <a:avLst/>
+              </a:prstGeom>
+              <a:ln>
+                <a:solidFill>
+                  <a:schemeClr val="tx1"/>
+                </a:solidFill>
+              </a:ln>
+            </p:spPr>
+            <p:style>
+              <a:lnRef idx="1">
+                <a:schemeClr val="accent1"/>
+              </a:lnRef>
+              <a:fillRef idx="0">
+                <a:schemeClr val="accent1"/>
+              </a:fillRef>
+              <a:effectRef idx="0">
+                <a:schemeClr val="accent1"/>
+              </a:effectRef>
+              <a:fontRef idx="minor">
+                <a:schemeClr val="tx1"/>
+              </a:fontRef>
+            </p:style>
+            <p:txBody>
+              <a:bodyPr rtlCol="0" anchor="ctr"/>
+              <a:lstStyle/>
+              <a:p>
+                <a:pPr algn="ctr"/>
+                <a:endParaRPr lang="en-US"/>
+              </a:p>
+            </p:txBody>
+          </p:sp>
+          <p:sp>
+            <p:nvSpPr>
+              <p:cNvPr id="51" name="Arc 50"/>
+              <p:cNvSpPr/>
+              <p:nvPr/>
+            </p:nvSpPr>
+            <p:spPr>
+              <a:xfrm>
+                <a:off x="2650921" y="3708692"/>
+                <a:ext cx="643206" cy="730082"/>
+              </a:xfrm>
+              <a:prstGeom prst="arc">
+                <a:avLst/>
+              </a:prstGeom>
+              <a:ln>
+                <a:solidFill>
+                  <a:schemeClr val="tx1"/>
+                </a:solidFill>
+              </a:ln>
+            </p:spPr>
+            <p:style>
+              <a:lnRef idx="1">
+                <a:schemeClr val="accent1"/>
+              </a:lnRef>
+              <a:fillRef idx="0">
+                <a:schemeClr val="accent1"/>
+              </a:fillRef>
+              <a:effectRef idx="0">
+                <a:schemeClr val="accent1"/>
+              </a:effectRef>
+              <a:fontRef idx="minor">
+                <a:schemeClr val="tx1"/>
+              </a:fontRef>
+            </p:style>
+            <p:txBody>
+              <a:bodyPr rtlCol="0" anchor="ctr"/>
+              <a:lstStyle/>
+              <a:p>
+                <a:pPr algn="ctr"/>
+                <a:endParaRPr lang="en-US"/>
+              </a:p>
+            </p:txBody>
+          </p:sp>
+          <p:sp>
+            <p:nvSpPr>
+              <p:cNvPr id="52" name="Arc 51"/>
+              <p:cNvSpPr/>
+              <p:nvPr/>
+            </p:nvSpPr>
+            <p:spPr>
+              <a:xfrm>
+                <a:off x="2819347" y="3812648"/>
+                <a:ext cx="377393" cy="427987"/>
+              </a:xfrm>
+              <a:prstGeom prst="arc">
+                <a:avLst/>
+              </a:prstGeom>
+              <a:ln>
+                <a:solidFill>
+                  <a:schemeClr val="tx1"/>
+                </a:solidFill>
+              </a:ln>
+            </p:spPr>
+            <p:style>
+              <a:lnRef idx="1">
+                <a:schemeClr val="accent1"/>
+              </a:lnRef>
+              <a:fillRef idx="0">
+                <a:schemeClr val="accent1"/>
+              </a:fillRef>
+              <a:effectRef idx="0">
+                <a:schemeClr val="accent1"/>
+              </a:effectRef>
+              <a:fontRef idx="minor">
+                <a:schemeClr val="tx1"/>
+              </a:fontRef>
+            </p:style>
+            <p:txBody>
+              <a:bodyPr rtlCol="0" anchor="ctr"/>
+              <a:lstStyle/>
+              <a:p>
+                <a:pPr algn="ctr"/>
+                <a:endParaRPr lang="en-US"/>
+              </a:p>
+            </p:txBody>
+          </p:sp>
+        </p:grpSp>
+        <p:grpSp>
+          <p:nvGrpSpPr>
+            <p:cNvPr id="53" name="Group 52"/>
+            <p:cNvGrpSpPr/>
+            <p:nvPr/>
+          </p:nvGrpSpPr>
+          <p:grpSpPr>
+            <a:xfrm rot="2174497">
+              <a:off x="2379049" y="4896211"/>
+              <a:ext cx="887924" cy="1023458"/>
+              <a:chOff x="2508770" y="3598877"/>
+              <a:chExt cx="887924" cy="1023458"/>
+            </a:xfrm>
+          </p:grpSpPr>
+          <p:sp>
+            <p:nvSpPr>
+              <p:cNvPr id="54" name="Arc 53"/>
+              <p:cNvSpPr/>
+              <p:nvPr/>
+            </p:nvSpPr>
+            <p:spPr>
+              <a:xfrm>
+                <a:off x="2508770" y="3598877"/>
+                <a:ext cx="887924" cy="1023458"/>
+              </a:xfrm>
+              <a:prstGeom prst="arc">
+                <a:avLst/>
+              </a:prstGeom>
+              <a:ln>
+                <a:solidFill>
+                  <a:schemeClr val="tx1"/>
+                </a:solidFill>
+              </a:ln>
+            </p:spPr>
+            <p:style>
+              <a:lnRef idx="1">
+                <a:schemeClr val="accent1"/>
+              </a:lnRef>
+              <a:fillRef idx="0">
+                <a:schemeClr val="accent1"/>
+              </a:fillRef>
+              <a:effectRef idx="0">
+                <a:schemeClr val="accent1"/>
+              </a:effectRef>
+              <a:fontRef idx="minor">
+                <a:schemeClr val="tx1"/>
+              </a:fontRef>
+            </p:style>
+            <p:txBody>
+              <a:bodyPr rtlCol="0" anchor="ctr"/>
+              <a:lstStyle/>
+              <a:p>
+                <a:pPr algn="ctr"/>
+                <a:endParaRPr lang="en-US"/>
+              </a:p>
+            </p:txBody>
+          </p:sp>
+          <p:sp>
+            <p:nvSpPr>
+              <p:cNvPr id="55" name="Arc 54"/>
+              <p:cNvSpPr/>
+              <p:nvPr/>
+            </p:nvSpPr>
+            <p:spPr>
+              <a:xfrm>
+                <a:off x="2650921" y="3708692"/>
+                <a:ext cx="643206" cy="730082"/>
+              </a:xfrm>
+              <a:prstGeom prst="arc">
+                <a:avLst/>
+              </a:prstGeom>
+              <a:ln>
+                <a:solidFill>
+                  <a:schemeClr val="tx1"/>
+                </a:solidFill>
+              </a:ln>
+            </p:spPr>
+            <p:style>
+              <a:lnRef idx="1">
+                <a:schemeClr val="accent1"/>
+              </a:lnRef>
+              <a:fillRef idx="0">
+                <a:schemeClr val="accent1"/>
+              </a:fillRef>
+              <a:effectRef idx="0">
+                <a:schemeClr val="accent1"/>
+              </a:effectRef>
+              <a:fontRef idx="minor">
+                <a:schemeClr val="tx1"/>
+              </a:fontRef>
+            </p:style>
+            <p:txBody>
+              <a:bodyPr rtlCol="0" anchor="ctr"/>
+              <a:lstStyle/>
+              <a:p>
+                <a:pPr algn="ctr"/>
+                <a:endParaRPr lang="en-US" dirty="0"/>
+              </a:p>
+            </p:txBody>
+          </p:sp>
+          <p:sp>
+            <p:nvSpPr>
+              <p:cNvPr id="56" name="Arc 55"/>
+              <p:cNvSpPr/>
+              <p:nvPr/>
+            </p:nvSpPr>
+            <p:spPr>
+              <a:xfrm>
+                <a:off x="2819347" y="3812648"/>
+                <a:ext cx="377393" cy="427987"/>
+              </a:xfrm>
+              <a:prstGeom prst="arc">
+                <a:avLst/>
+              </a:prstGeom>
+              <a:ln>
+                <a:solidFill>
+                  <a:schemeClr val="tx1"/>
+                </a:solidFill>
+              </a:ln>
+            </p:spPr>
+            <p:style>
+              <a:lnRef idx="1">
+                <a:schemeClr val="accent1"/>
+              </a:lnRef>
+              <a:fillRef idx="0">
+                <a:schemeClr val="accent1"/>
+              </a:fillRef>
+              <a:effectRef idx="0">
+                <a:schemeClr val="accent1"/>
+              </a:effectRef>
+              <a:fontRef idx="minor">
+                <a:schemeClr val="tx1"/>
+              </a:fontRef>
+            </p:style>
+            <p:txBody>
+              <a:bodyPr rtlCol="0" anchor="ctr"/>
+              <a:lstStyle/>
+              <a:p>
+                <a:pPr algn="ctr"/>
+                <a:endParaRPr lang="en-US"/>
+              </a:p>
+            </p:txBody>
+          </p:sp>
+        </p:grpSp>
+        <p:grpSp>
+          <p:nvGrpSpPr>
+            <p:cNvPr id="57" name="Group 56"/>
+            <p:cNvGrpSpPr/>
+            <p:nvPr/>
+          </p:nvGrpSpPr>
+          <p:grpSpPr>
+            <a:xfrm rot="12968342">
+              <a:off x="9071959" y="4598372"/>
+              <a:ext cx="887924" cy="1023458"/>
+              <a:chOff x="2508770" y="3598877"/>
+              <a:chExt cx="887924" cy="1023458"/>
+            </a:xfrm>
+          </p:grpSpPr>
+          <p:sp>
+            <p:nvSpPr>
+              <p:cNvPr id="58" name="Arc 57"/>
+              <p:cNvSpPr/>
+              <p:nvPr/>
+            </p:nvSpPr>
+            <p:spPr>
+              <a:xfrm>
+                <a:off x="2508770" y="3598877"/>
+                <a:ext cx="887924" cy="1023458"/>
+              </a:xfrm>
+              <a:prstGeom prst="arc">
+                <a:avLst/>
+              </a:prstGeom>
+              <a:ln>
+                <a:solidFill>
+                  <a:schemeClr val="tx1"/>
+                </a:solidFill>
+              </a:ln>
+            </p:spPr>
+            <p:style>
+              <a:lnRef idx="1">
+                <a:schemeClr val="accent1"/>
+              </a:lnRef>
+              <a:fillRef idx="0">
+                <a:schemeClr val="accent1"/>
+              </a:fillRef>
+              <a:effectRef idx="0">
+                <a:schemeClr val="accent1"/>
+              </a:effectRef>
+              <a:fontRef idx="minor">
+                <a:schemeClr val="tx1"/>
+              </a:fontRef>
+            </p:style>
+            <p:txBody>
+              <a:bodyPr rtlCol="0" anchor="ctr"/>
+              <a:lstStyle/>
+              <a:p>
+                <a:pPr algn="ctr"/>
+                <a:endParaRPr lang="en-US"/>
+              </a:p>
+            </p:txBody>
+          </p:sp>
+          <p:sp>
+            <p:nvSpPr>
+              <p:cNvPr id="59" name="Arc 58"/>
+              <p:cNvSpPr/>
+              <p:nvPr/>
+            </p:nvSpPr>
+            <p:spPr>
+              <a:xfrm>
+                <a:off x="2650921" y="3708692"/>
+                <a:ext cx="643206" cy="730082"/>
+              </a:xfrm>
+              <a:prstGeom prst="arc">
+                <a:avLst/>
+              </a:prstGeom>
+              <a:ln>
+                <a:solidFill>
+                  <a:schemeClr val="tx1"/>
+                </a:solidFill>
+              </a:ln>
+            </p:spPr>
+            <p:style>
+              <a:lnRef idx="1">
+                <a:schemeClr val="accent1"/>
+              </a:lnRef>
+              <a:fillRef idx="0">
+                <a:schemeClr val="accent1"/>
+              </a:fillRef>
+              <a:effectRef idx="0">
+                <a:schemeClr val="accent1"/>
+              </a:effectRef>
+              <a:fontRef idx="minor">
+                <a:schemeClr val="tx1"/>
+              </a:fontRef>
+            </p:style>
+            <p:txBody>
+              <a:bodyPr rtlCol="0" anchor="ctr"/>
+              <a:lstStyle/>
+              <a:p>
+                <a:pPr algn="ctr"/>
+                <a:endParaRPr lang="en-US"/>
+              </a:p>
+            </p:txBody>
+          </p:sp>
+          <p:sp>
+            <p:nvSpPr>
+              <p:cNvPr id="60" name="Arc 59"/>
+              <p:cNvSpPr/>
+              <p:nvPr/>
+            </p:nvSpPr>
+            <p:spPr>
+              <a:xfrm>
+                <a:off x="2819347" y="3812648"/>
+                <a:ext cx="377393" cy="427987"/>
+              </a:xfrm>
+              <a:prstGeom prst="arc">
+                <a:avLst/>
+              </a:prstGeom>
+              <a:ln>
+                <a:solidFill>
+                  <a:schemeClr val="tx1"/>
+                </a:solidFill>
+              </a:ln>
+            </p:spPr>
+            <p:style>
+              <a:lnRef idx="1">
+                <a:schemeClr val="accent1"/>
+              </a:lnRef>
+              <a:fillRef idx="0">
+                <a:schemeClr val="accent1"/>
+              </a:fillRef>
+              <a:effectRef idx="0">
+                <a:schemeClr val="accent1"/>
+              </a:effectRef>
+              <a:fontRef idx="minor">
+                <a:schemeClr val="tx1"/>
+              </a:fontRef>
+            </p:style>
+            <p:txBody>
+              <a:bodyPr rtlCol="0" anchor="ctr"/>
+              <a:lstStyle/>
+              <a:p>
+                <a:pPr algn="ctr"/>
+                <a:endParaRPr lang="en-US"/>
+              </a:p>
+            </p:txBody>
+          </p:sp>
+        </p:grpSp>
+        <p:sp>
+          <p:nvSpPr>
+            <p:cNvPr id="61" name="Callout: Line 60"/>
+            <p:cNvSpPr/>
+            <p:nvPr/>
+          </p:nvSpPr>
+          <p:spPr>
+            <a:xfrm>
+              <a:off x="10097665" y="3356993"/>
+              <a:ext cx="1222774" cy="763264"/>
+            </a:xfrm>
+            <a:prstGeom prst="borderCallout1">
+              <a:avLst>
+                <a:gd name="adj1" fmla="val 18750"/>
+                <a:gd name="adj2" fmla="val -8333"/>
+                <a:gd name="adj3" fmla="val 101509"/>
+                <a:gd name="adj4" fmla="val -32158"/>
+              </a:avLst>
+            </a:prstGeom>
+            <a:solidFill>
+              <a:schemeClr val="lt1">
+                <a:alpha val="71000"/>
+              </a:schemeClr>
+            </a:solidFill>
+          </p:spPr>
+          <p:style>
+            <a:lnRef idx="2">
+              <a:schemeClr val="accent5"/>
+            </a:lnRef>
+            <a:fillRef idx="1">
+              <a:schemeClr val="lt1"/>
+            </a:fillRef>
+            <a:effectRef idx="0">
+              <a:schemeClr val="accent5"/>
+            </a:effectRef>
+            <a:fontRef idx="minor">
+              <a:schemeClr val="dk1"/>
+            </a:fontRef>
+          </p:style>
+          <p:txBody>
+            <a:bodyPr rtlCol="0" anchor="ctr"/>
+            <a:lstStyle/>
+            <a:p>
+              <a:pPr algn="ctr"/>
+              <a:r>
+                <a:rPr lang="en-US" sz="1400" dirty="0"/>
+                <a:t>Client Endpoint</a:t>
+              </a:r>
+            </a:p>
+          </p:txBody>
+        </p:sp>
+      </p:grpSp>
+      <p:sp>
+        <p:nvSpPr>
+          <p:cNvPr id="7" name="Rectangle 6"/>
+          <p:cNvSpPr/>
+          <p:nvPr/>
+        </p:nvSpPr>
         <p:spPr>
           <a:xfrm>
-            <a:off x="4335303" y="1546746"/>
-            <a:ext cx="3518218" cy="4698368"/>
+            <a:off x="7375341" y="3023970"/>
+            <a:ext cx="1514469" cy="1022216"/>
           </a:xfrm>
           <a:prstGeom prst="rect">
             <a:avLst/>
           </a:prstGeom>
+          <a:noFill/>
+          <a:ln w="38100">
+            <a:solidFill>
+              <a:srgbClr val="92D050"/>
+            </a:solidFill>
+          </a:ln>
         </p:spPr>
-      </p:pic>
+        <p:style>
+          <a:lnRef idx="2">
+            <a:schemeClr val="accent1">
+              <a:shade val="50000"/>
+            </a:schemeClr>
+          </a:lnRef>
+          <a:fillRef idx="1">
+            <a:schemeClr val="accent1"/>
+          </a:fillRef>
+          <a:effectRef idx="0">
+            <a:schemeClr val="accent1"/>
+          </a:effectRef>
+          <a:fontRef idx="minor">
+            <a:schemeClr val="lt1"/>
+          </a:fontRef>
+        </p:style>
+        <p:txBody>
+          <a:bodyPr rtlCol="0" anchor="ctr"/>
+          <a:lstStyle/>
+          <a:p>
+            <a:pPr algn="ctr"/>
+            <a:endParaRPr lang="en-US"/>
+          </a:p>
+        </p:txBody>
+      </p:sp>
+      <p:sp>
+        <p:nvSpPr>
+          <p:cNvPr id="11" name="TextBox 10"/>
+          <p:cNvSpPr txBox="1"/>
+          <p:nvPr/>
+        </p:nvSpPr>
+        <p:spPr>
+          <a:xfrm>
+            <a:off x="1141413" y="2008306"/>
+            <a:ext cx="4325713" cy="2677656"/>
+          </a:xfrm>
+          <a:prstGeom prst="rect">
+            <a:avLst/>
+          </a:prstGeom>
+          <a:noFill/>
+        </p:spPr>
+        <p:txBody>
+          <a:bodyPr wrap="square" rtlCol="0">
+            <a:spAutoFit/>
+          </a:bodyPr>
+          <a:lstStyle/>
+          <a:p>
+            <a:pPr marL="285750" indent="-285750">
+              <a:buFont typeface="Arial" panose="020B0604020202020204" pitchFamily="34" charset="0"/>
+              <a:buChar char="•"/>
+            </a:pPr>
+            <a:r>
+              <a:rPr lang="en-US" sz="2400" dirty="0"/>
+              <a:t>Interface to Mobile Core</a:t>
+            </a:r>
+          </a:p>
+          <a:p>
+            <a:pPr marL="285750" indent="-285750">
+              <a:buFont typeface="Arial" panose="020B0604020202020204" pitchFamily="34" charset="0"/>
+              <a:buChar char="•"/>
+            </a:pPr>
+            <a:endParaRPr lang="en-US" sz="2400" dirty="0"/>
+          </a:p>
+          <a:p>
+            <a:pPr marL="285750" indent="-285750">
+              <a:buFont typeface="Arial" panose="020B0604020202020204" pitchFamily="34" charset="0"/>
+              <a:buChar char="•"/>
+            </a:pPr>
+            <a:r>
+              <a:rPr lang="en-US" sz="2400" dirty="0"/>
+              <a:t>Manages Client Sessions</a:t>
+            </a:r>
+          </a:p>
+          <a:p>
+            <a:pPr marL="285750" indent="-285750">
+              <a:buFont typeface="Arial" panose="020B0604020202020204" pitchFamily="34" charset="0"/>
+              <a:buChar char="•"/>
+            </a:pPr>
+            <a:endParaRPr lang="en-US" sz="2400" dirty="0"/>
+          </a:p>
+          <a:p>
+            <a:pPr marL="285750" indent="-285750">
+              <a:buFont typeface="Arial" panose="020B0604020202020204" pitchFamily="34" charset="0"/>
+              <a:buChar char="•"/>
+            </a:pPr>
+            <a:r>
+              <a:rPr lang="en-US" sz="2400" dirty="0"/>
+              <a:t>Client gateway</a:t>
+            </a:r>
+          </a:p>
+          <a:p>
+            <a:pPr marL="285750" indent="-285750">
+              <a:buFont typeface="Arial" panose="020B0604020202020204" pitchFamily="34" charset="0"/>
+              <a:buChar char="•"/>
+            </a:pPr>
+            <a:endParaRPr lang="en-US" sz="2400" dirty="0"/>
+          </a:p>
+          <a:p>
+            <a:pPr marL="285750" indent="-285750">
+              <a:buFont typeface="Arial" panose="020B0604020202020204" pitchFamily="34" charset="0"/>
+              <a:buChar char="•"/>
+            </a:pPr>
+            <a:r>
+              <a:rPr lang="en-US" sz="2400" dirty="0"/>
+              <a:t>Scopes Geo-Addresses</a:t>
+            </a:r>
+          </a:p>
+        </p:txBody>
+      </p:sp>
+      <p:cxnSp>
+        <p:nvCxnSpPr>
+          <p:cNvPr id="14" name="Connector: Elbow 13"/>
+          <p:cNvCxnSpPr>
+            <a:cxnSpLocks/>
+            <a:stCxn id="7" idx="1"/>
+          </p:cNvCxnSpPr>
+          <p:nvPr/>
+        </p:nvCxnSpPr>
+        <p:spPr>
+          <a:xfrm rot="10800000">
+            <a:off x="5427865" y="1854774"/>
+            <a:ext cx="1947477" cy="1680305"/>
+          </a:xfrm>
+          <a:prstGeom prst="bentConnector3">
+            <a:avLst>
+              <a:gd name="adj1" fmla="val 99968"/>
+            </a:avLst>
+          </a:prstGeom>
+          <a:ln w="38100">
+            <a:solidFill>
+              <a:srgbClr val="92D050"/>
+            </a:solidFill>
+            <a:tailEnd type="triangle"/>
+          </a:ln>
+        </p:spPr>
+        <p:style>
+          <a:lnRef idx="1">
+            <a:schemeClr val="accent1"/>
+          </a:lnRef>
+          <a:fillRef idx="0">
+            <a:schemeClr val="accent1"/>
+          </a:fillRef>
+          <a:effectRef idx="0">
+            <a:schemeClr val="accent1"/>
+          </a:effectRef>
+          <a:fontRef idx="minor">
+            <a:schemeClr val="tx1"/>
+          </a:fontRef>
+        </p:style>
+      </p:cxnSp>
     </p:spTree>
     <p:extLst>
       <p:ext uri="{BB962C8B-B14F-4D97-AF65-F5344CB8AC3E}">
-        <p14:creationId xmlns:p14="http://schemas.microsoft.com/office/powerpoint/2010/main" val="188553244"/>
+        <p14:creationId xmlns:p14="http://schemas.microsoft.com/office/powerpoint/2010/main" val="1992980215"/>
       </p:ext>
     </p:extLst>
   </p:cSld>
@@ -14420,51 +18612,1477 @@
             <p:ph type="title"/>
           </p:nvPr>
         </p:nvSpPr>
-        <p:spPr>
-          <a:xfrm>
-            <a:off x="1141413" y="299736"/>
-            <a:ext cx="9905998" cy="1478570"/>
-          </a:xfrm>
-        </p:spPr>
+        <p:spPr/>
         <p:txBody>
           <a:bodyPr/>
           <a:lstStyle/>
           <a:p>
-            <a:pPr algn="ctr"/>
             <a:r>
               <a:rPr lang="en-US" dirty="0"/>
-              <a:t>Deployment scenarios - MTSO</a:t>
+              <a:t>Component: Client endpoint</a:t>
             </a:r>
           </a:p>
         </p:txBody>
       </p:sp>
-      <p:pic>
-        <p:nvPicPr>
-          <p:cNvPr id="3" name="Picture 2"/>
-          <p:cNvPicPr>
-            <a:picLocks noChangeAspect="1"/>
-          </p:cNvPicPr>
+      <p:grpSp>
+        <p:nvGrpSpPr>
+          <p:cNvPr id="3" name="Group 2"/>
+          <p:cNvGrpSpPr/>
           <p:nvPr/>
-        </p:nvPicPr>
-        <p:blipFill rotWithShape="1">
-          <a:blip r:embed="rId2"/>
-          <a:srcRect l="33250" r="33250"/>
-          <a:stretch/>
-        </p:blipFill>
+        </p:nvGrpSpPr>
+        <p:grpSpPr>
+          <a:xfrm>
+            <a:off x="5464194" y="2378119"/>
+            <a:ext cx="6359584" cy="2946471"/>
+            <a:chOff x="2316490" y="1824446"/>
+            <a:chExt cx="9003949" cy="4171636"/>
+          </a:xfrm>
+        </p:grpSpPr>
+        <p:sp>
+          <p:nvSpPr>
+            <p:cNvPr id="4" name="Rectangle: Diagonal Corners Rounded 3"/>
+            <p:cNvSpPr/>
+            <p:nvPr/>
+          </p:nvSpPr>
+          <p:spPr>
+            <a:xfrm>
+              <a:off x="2952732" y="1824446"/>
+              <a:ext cx="1535185" cy="914400"/>
+            </a:xfrm>
+            <a:prstGeom prst="round2DiagRect">
+              <a:avLst/>
+            </a:prstGeom>
+          </p:spPr>
+          <p:style>
+            <a:lnRef idx="2">
+              <a:schemeClr val="accent1">
+                <a:shade val="50000"/>
+              </a:schemeClr>
+            </a:lnRef>
+            <a:fillRef idx="1">
+              <a:schemeClr val="accent1"/>
+            </a:fillRef>
+            <a:effectRef idx="0">
+              <a:schemeClr val="accent1"/>
+            </a:effectRef>
+            <a:fontRef idx="minor">
+              <a:schemeClr val="lt1"/>
+            </a:fontRef>
+          </p:style>
+          <p:txBody>
+            <a:bodyPr rtlCol="0" anchor="ctr"/>
+            <a:lstStyle/>
+            <a:p>
+              <a:pPr algn="ctr"/>
+              <a:r>
+                <a:rPr lang="en-US" dirty="0"/>
+                <a:t>Broker</a:t>
+              </a:r>
+              <a:endParaRPr lang="en-US" sz="2000" dirty="0"/>
+            </a:p>
+          </p:txBody>
+        </p:sp>
+        <p:sp>
+          <p:nvSpPr>
+            <p:cNvPr id="5" name="Cylinder 4"/>
+            <p:cNvSpPr/>
+            <p:nvPr/>
+          </p:nvSpPr>
+          <p:spPr>
+            <a:xfrm rot="5400000">
+              <a:off x="5909851" y="1260287"/>
+              <a:ext cx="369115" cy="2042718"/>
+            </a:xfrm>
+            <a:prstGeom prst="can">
+              <a:avLst/>
+            </a:prstGeom>
+          </p:spPr>
+          <p:style>
+            <a:lnRef idx="2">
+              <a:schemeClr val="accent2">
+                <a:shade val="50000"/>
+              </a:schemeClr>
+            </a:lnRef>
+            <a:fillRef idx="1">
+              <a:schemeClr val="accent2"/>
+            </a:fillRef>
+            <a:effectRef idx="0">
+              <a:schemeClr val="accent2"/>
+            </a:effectRef>
+            <a:fontRef idx="minor">
+              <a:schemeClr val="lt1"/>
+            </a:fontRef>
+          </p:style>
+          <p:txBody>
+            <a:bodyPr vert="vert270" rtlCol="0" anchor="ctr"/>
+            <a:lstStyle/>
+            <a:p>
+              <a:pPr algn="ctr"/>
+              <a:r>
+                <a:rPr lang="en-US" sz="1400" dirty="0" err="1"/>
+                <a:t>PubSub</a:t>
+              </a:r>
+              <a:endParaRPr lang="en-US" sz="2000" dirty="0"/>
+            </a:p>
+          </p:txBody>
+        </p:sp>
+        <p:sp>
+          <p:nvSpPr>
+            <p:cNvPr id="6" name="Rectangle: Rounded Corners 5"/>
+            <p:cNvSpPr/>
+            <p:nvPr/>
+          </p:nvSpPr>
+          <p:spPr>
+            <a:xfrm>
+              <a:off x="5326815" y="3013596"/>
+              <a:ext cx="1535185" cy="931178"/>
+            </a:xfrm>
+            <a:prstGeom prst="roundRect">
+              <a:avLst/>
+            </a:prstGeom>
+          </p:spPr>
+          <p:style>
+            <a:lnRef idx="2">
+              <a:schemeClr val="accent3">
+                <a:shade val="50000"/>
+              </a:schemeClr>
+            </a:lnRef>
+            <a:fillRef idx="1">
+              <a:schemeClr val="accent3"/>
+            </a:fillRef>
+            <a:effectRef idx="0">
+              <a:schemeClr val="accent3"/>
+            </a:effectRef>
+            <a:fontRef idx="minor">
+              <a:schemeClr val="lt1"/>
+            </a:fontRef>
+          </p:style>
+          <p:txBody>
+            <a:bodyPr rtlCol="0" anchor="ctr"/>
+            <a:lstStyle/>
+            <a:p>
+              <a:pPr algn="ctr"/>
+              <a:r>
+                <a:rPr lang="en-US" sz="1600" dirty="0"/>
+                <a:t>Adapter</a:t>
+              </a:r>
+            </a:p>
+          </p:txBody>
+        </p:sp>
+        <p:cxnSp>
+          <p:nvCxnSpPr>
+            <p:cNvPr id="10" name="Connector: Elbow 9"/>
+            <p:cNvCxnSpPr>
+              <a:stCxn id="5" idx="3"/>
+              <a:endCxn id="4" idx="0"/>
+            </p:cNvCxnSpPr>
+            <p:nvPr/>
+          </p:nvCxnSpPr>
+          <p:spPr>
+            <a:xfrm rot="10800000">
+              <a:off x="4487918" y="2281647"/>
+              <a:ext cx="585133" cy="1"/>
+            </a:xfrm>
+            <a:prstGeom prst="bentConnector3">
+              <a:avLst/>
+            </a:prstGeom>
+            <a:ln>
+              <a:solidFill>
+                <a:schemeClr val="tx1"/>
+              </a:solidFill>
+              <a:headEnd type="triangle"/>
+              <a:tailEnd type="triangle"/>
+            </a:ln>
+          </p:spPr>
+          <p:style>
+            <a:lnRef idx="1">
+              <a:schemeClr val="accent1"/>
+            </a:lnRef>
+            <a:fillRef idx="0">
+              <a:schemeClr val="accent1"/>
+            </a:fillRef>
+            <a:effectRef idx="0">
+              <a:schemeClr val="accent1"/>
+            </a:effectRef>
+            <a:fontRef idx="minor">
+              <a:schemeClr val="tx1"/>
+            </a:fontRef>
+          </p:style>
+        </p:cxnSp>
+        <p:cxnSp>
+          <p:nvCxnSpPr>
+            <p:cNvPr id="20" name="Straight Arrow Connector 19"/>
+            <p:cNvCxnSpPr>
+              <a:stCxn id="5" idx="4"/>
+              <a:endCxn id="6" idx="0"/>
+            </p:cNvCxnSpPr>
+            <p:nvPr/>
+          </p:nvCxnSpPr>
+          <p:spPr>
+            <a:xfrm flipH="1">
+              <a:off x="6094408" y="2466204"/>
+              <a:ext cx="1" cy="547392"/>
+            </a:xfrm>
+            <a:prstGeom prst="straightConnector1">
+              <a:avLst/>
+            </a:prstGeom>
+            <a:ln>
+              <a:solidFill>
+                <a:schemeClr val="tx1"/>
+              </a:solidFill>
+              <a:headEnd type="triangle"/>
+              <a:tailEnd type="triangle"/>
+            </a:ln>
+          </p:spPr>
+          <p:style>
+            <a:lnRef idx="1">
+              <a:schemeClr val="accent1"/>
+            </a:lnRef>
+            <a:fillRef idx="0">
+              <a:schemeClr val="accent1"/>
+            </a:fillRef>
+            <a:effectRef idx="0">
+              <a:schemeClr val="accent1"/>
+            </a:effectRef>
+            <a:fontRef idx="minor">
+              <a:schemeClr val="tx1"/>
+            </a:fontRef>
+          </p:style>
+        </p:cxnSp>
+        <p:sp>
+          <p:nvSpPr>
+            <p:cNvPr id="21" name="Rectangle 20"/>
+            <p:cNvSpPr/>
+            <p:nvPr/>
+          </p:nvSpPr>
+          <p:spPr>
+            <a:xfrm>
+              <a:off x="7700899" y="1824446"/>
+              <a:ext cx="1535185" cy="914400"/>
+            </a:xfrm>
+            <a:prstGeom prst="rect">
+              <a:avLst/>
+            </a:prstGeom>
+            <a:solidFill>
+              <a:schemeClr val="tx2">
+                <a:lumMod val="60000"/>
+                <a:lumOff val="40000"/>
+              </a:schemeClr>
+            </a:solidFill>
+          </p:spPr>
+          <p:style>
+            <a:lnRef idx="2">
+              <a:schemeClr val="accent1">
+                <a:shade val="50000"/>
+              </a:schemeClr>
+            </a:lnRef>
+            <a:fillRef idx="1">
+              <a:schemeClr val="accent1"/>
+            </a:fillRef>
+            <a:effectRef idx="0">
+              <a:schemeClr val="accent1"/>
+            </a:effectRef>
+            <a:fontRef idx="minor">
+              <a:schemeClr val="lt1"/>
+            </a:fontRef>
+          </p:style>
+          <p:txBody>
+            <a:bodyPr rtlCol="0" anchor="ctr"/>
+            <a:lstStyle/>
+            <a:p>
+              <a:pPr algn="ctr"/>
+              <a:r>
+                <a:rPr lang="en-US" sz="1600" dirty="0"/>
+                <a:t>Service Endpoint</a:t>
+              </a:r>
+            </a:p>
+          </p:txBody>
+        </p:sp>
+        <p:cxnSp>
+          <p:nvCxnSpPr>
+            <p:cNvPr id="23" name="Straight Arrow Connector 22"/>
+            <p:cNvCxnSpPr>
+              <a:stCxn id="5" idx="1"/>
+              <a:endCxn id="21" idx="1"/>
+            </p:cNvCxnSpPr>
+            <p:nvPr/>
+          </p:nvCxnSpPr>
+          <p:spPr>
+            <a:xfrm flipV="1">
+              <a:off x="7115768" y="2281646"/>
+              <a:ext cx="585131" cy="1"/>
+            </a:xfrm>
+            <a:prstGeom prst="straightConnector1">
+              <a:avLst/>
+            </a:prstGeom>
+            <a:ln>
+              <a:solidFill>
+                <a:schemeClr val="tx1"/>
+              </a:solidFill>
+              <a:headEnd type="triangle"/>
+              <a:tailEnd type="triangle"/>
+            </a:ln>
+          </p:spPr>
+          <p:style>
+            <a:lnRef idx="1">
+              <a:schemeClr val="accent1"/>
+            </a:lnRef>
+            <a:fillRef idx="0">
+              <a:schemeClr val="accent1"/>
+            </a:fillRef>
+            <a:effectRef idx="0">
+              <a:schemeClr val="accent1"/>
+            </a:effectRef>
+            <a:fontRef idx="minor">
+              <a:schemeClr val="tx1"/>
+            </a:fontRef>
+          </p:style>
+        </p:cxnSp>
+        <p:sp>
+          <p:nvSpPr>
+            <p:cNvPr id="24" name="Cloud 23"/>
+            <p:cNvSpPr/>
+            <p:nvPr/>
+          </p:nvSpPr>
+          <p:spPr>
+            <a:xfrm>
+              <a:off x="5053648" y="4370664"/>
+              <a:ext cx="2081518" cy="1191237"/>
+            </a:xfrm>
+            <a:prstGeom prst="cloud">
+              <a:avLst/>
+            </a:prstGeom>
+          </p:spPr>
+          <p:style>
+            <a:lnRef idx="2">
+              <a:schemeClr val="dk1"/>
+            </a:lnRef>
+            <a:fillRef idx="1">
+              <a:schemeClr val="lt1"/>
+            </a:fillRef>
+            <a:effectRef idx="0">
+              <a:schemeClr val="dk1"/>
+            </a:effectRef>
+            <a:fontRef idx="minor">
+              <a:schemeClr val="dk1"/>
+            </a:fontRef>
+          </p:style>
+          <p:txBody>
+            <a:bodyPr rtlCol="0" anchor="ctr"/>
+            <a:lstStyle/>
+            <a:p>
+              <a:pPr algn="ctr"/>
+              <a:r>
+                <a:rPr lang="en-US" sz="1400" dirty="0"/>
+                <a:t>Mobile Core</a:t>
+              </a:r>
+            </a:p>
+          </p:txBody>
+        </p:sp>
+        <p:cxnSp>
+          <p:nvCxnSpPr>
+            <p:cNvPr id="26" name="Straight Arrow Connector 25"/>
+            <p:cNvCxnSpPr>
+              <a:stCxn id="6" idx="2"/>
+              <a:endCxn id="24" idx="3"/>
+            </p:cNvCxnSpPr>
+            <p:nvPr/>
+          </p:nvCxnSpPr>
+          <p:spPr>
+            <a:xfrm flipH="1">
+              <a:off x="6094407" y="3944774"/>
+              <a:ext cx="1" cy="494000"/>
+            </a:xfrm>
+            <a:prstGeom prst="straightConnector1">
+              <a:avLst/>
+            </a:prstGeom>
+            <a:ln>
+              <a:solidFill>
+                <a:schemeClr val="tx1"/>
+              </a:solidFill>
+              <a:headEnd type="triangle"/>
+              <a:tailEnd type="triangle"/>
+            </a:ln>
+          </p:spPr>
+          <p:style>
+            <a:lnRef idx="1">
+              <a:schemeClr val="accent1"/>
+            </a:lnRef>
+            <a:fillRef idx="0">
+              <a:schemeClr val="accent1"/>
+            </a:fillRef>
+            <a:effectRef idx="0">
+              <a:schemeClr val="accent1"/>
+            </a:effectRef>
+            <a:fontRef idx="minor">
+              <a:schemeClr val="tx1"/>
+            </a:fontRef>
+          </p:style>
+        </p:cxnSp>
+        <p:pic>
+          <p:nvPicPr>
+            <p:cNvPr id="31" name="Picture 30" descr="Cell-Tower.png"/>
+            <p:cNvPicPr>
+              <a:picLocks noChangeAspect="1"/>
+            </p:cNvPicPr>
+            <p:nvPr/>
+          </p:nvPicPr>
+          <p:blipFill>
+            <a:blip r:embed="rId2"/>
+            <a:stretch>
+              <a:fillRect/>
+            </a:stretch>
+          </p:blipFill>
+          <p:spPr>
+            <a:xfrm>
+              <a:off x="7700899" y="4191774"/>
+              <a:ext cx="914402" cy="1368555"/>
+            </a:xfrm>
+            <a:prstGeom prst="rect">
+              <a:avLst/>
+            </a:prstGeom>
+          </p:spPr>
+        </p:pic>
+        <p:pic>
+          <p:nvPicPr>
+            <p:cNvPr id="33" name="Picture 32" descr="Cell-Tower.png"/>
+            <p:cNvPicPr>
+              <a:picLocks noChangeAspect="1"/>
+            </p:cNvPicPr>
+            <p:nvPr/>
+          </p:nvPicPr>
+          <p:blipFill>
+            <a:blip r:embed="rId2"/>
+            <a:stretch>
+              <a:fillRect/>
+            </a:stretch>
+          </p:blipFill>
+          <p:spPr>
+            <a:xfrm>
+              <a:off x="3573513" y="4191774"/>
+              <a:ext cx="914402" cy="1368555"/>
+            </a:xfrm>
+            <a:prstGeom prst="rect">
+              <a:avLst/>
+            </a:prstGeom>
+          </p:spPr>
+        </p:pic>
+        <p:cxnSp>
+          <p:nvCxnSpPr>
+            <p:cNvPr id="35" name="Straight Arrow Connector 34"/>
+            <p:cNvCxnSpPr>
+              <a:stCxn id="24" idx="0"/>
+            </p:cNvCxnSpPr>
+            <p:nvPr/>
+          </p:nvCxnSpPr>
+          <p:spPr>
+            <a:xfrm>
+              <a:off x="7133431" y="4966283"/>
+              <a:ext cx="634775" cy="511728"/>
+            </a:xfrm>
+            <a:prstGeom prst="straightConnector1">
+              <a:avLst/>
+            </a:prstGeom>
+            <a:ln>
+              <a:solidFill>
+                <a:schemeClr val="tx1"/>
+              </a:solidFill>
+              <a:headEnd type="triangle"/>
+              <a:tailEnd type="triangle"/>
+            </a:ln>
+          </p:spPr>
+          <p:style>
+            <a:lnRef idx="1">
+              <a:schemeClr val="accent1"/>
+            </a:lnRef>
+            <a:fillRef idx="0">
+              <a:schemeClr val="accent1"/>
+            </a:fillRef>
+            <a:effectRef idx="0">
+              <a:schemeClr val="accent1"/>
+            </a:effectRef>
+            <a:fontRef idx="minor">
+              <a:schemeClr val="tx1"/>
+            </a:fontRef>
+          </p:style>
+        </p:cxnSp>
+        <p:cxnSp>
+          <p:nvCxnSpPr>
+            <p:cNvPr id="37" name="Straight Arrow Connector 36"/>
+            <p:cNvCxnSpPr>
+              <a:stCxn id="24" idx="2"/>
+            </p:cNvCxnSpPr>
+            <p:nvPr/>
+          </p:nvCxnSpPr>
+          <p:spPr>
+            <a:xfrm flipH="1">
+              <a:off x="4412609" y="4966283"/>
+              <a:ext cx="647496" cy="511728"/>
+            </a:xfrm>
+            <a:prstGeom prst="straightConnector1">
+              <a:avLst/>
+            </a:prstGeom>
+            <a:ln>
+              <a:solidFill>
+                <a:schemeClr val="tx1"/>
+              </a:solidFill>
+              <a:headEnd type="triangle"/>
+              <a:tailEnd type="triangle"/>
+            </a:ln>
+          </p:spPr>
+          <p:style>
+            <a:lnRef idx="1">
+              <a:schemeClr val="accent1"/>
+            </a:lnRef>
+            <a:fillRef idx="0">
+              <a:schemeClr val="accent1"/>
+            </a:fillRef>
+            <a:effectRef idx="0">
+              <a:schemeClr val="accent1"/>
+            </a:effectRef>
+            <a:fontRef idx="minor">
+              <a:schemeClr val="tx1"/>
+            </a:fontRef>
+          </p:style>
+        </p:cxnSp>
+        <p:sp>
+          <p:nvSpPr>
+            <p:cNvPr id="38" name="TextBox 37"/>
+            <p:cNvSpPr txBox="1"/>
+            <p:nvPr/>
+          </p:nvSpPr>
+          <p:spPr>
+            <a:xfrm>
+              <a:off x="3262313" y="5560329"/>
+              <a:ext cx="1622309" cy="435753"/>
+            </a:xfrm>
+            <a:prstGeom prst="rect">
+              <a:avLst/>
+            </a:prstGeom>
+            <a:noFill/>
+          </p:spPr>
+          <p:txBody>
+            <a:bodyPr wrap="square" rtlCol="0">
+              <a:spAutoFit/>
+            </a:bodyPr>
+            <a:lstStyle/>
+            <a:p>
+              <a:r>
+                <a:rPr lang="en-US" sz="1400" dirty="0"/>
+                <a:t>Access Point</a:t>
+              </a:r>
+            </a:p>
+          </p:txBody>
+        </p:sp>
+        <p:sp>
+          <p:nvSpPr>
+            <p:cNvPr id="39" name="TextBox 38"/>
+            <p:cNvSpPr txBox="1"/>
+            <p:nvPr/>
+          </p:nvSpPr>
+          <p:spPr>
+            <a:xfrm>
+              <a:off x="7421338" y="5544512"/>
+              <a:ext cx="1453961" cy="435753"/>
+            </a:xfrm>
+            <a:prstGeom prst="rect">
+              <a:avLst/>
+            </a:prstGeom>
+            <a:noFill/>
+          </p:spPr>
+          <p:txBody>
+            <a:bodyPr wrap="none" rtlCol="0">
+              <a:spAutoFit/>
+            </a:bodyPr>
+            <a:lstStyle/>
+            <a:p>
+              <a:r>
+                <a:rPr lang="en-US" sz="1400" dirty="0"/>
+                <a:t>Access Point</a:t>
+              </a:r>
+            </a:p>
+          </p:txBody>
+        </p:sp>
+        <p:pic>
+          <p:nvPicPr>
+            <p:cNvPr id="40" name="Picture 39" descr="Simple Cellphone Clipart by anubisza on DeviantArt"/>
+            <p:cNvPicPr>
+              <a:picLocks noChangeAspect="1"/>
+            </p:cNvPicPr>
+            <p:nvPr/>
+          </p:nvPicPr>
+          <p:blipFill>
+            <a:blip r:embed="rId3"/>
+            <a:stretch>
+              <a:fillRect/>
+            </a:stretch>
+          </p:blipFill>
+          <p:spPr>
+            <a:xfrm>
+              <a:off x="9369466" y="4191774"/>
+              <a:ext cx="554200" cy="650191"/>
+            </a:xfrm>
+            <a:prstGeom prst="rect">
+              <a:avLst/>
+            </a:prstGeom>
+          </p:spPr>
+        </p:pic>
+        <p:pic>
+          <p:nvPicPr>
+            <p:cNvPr id="41" name="Picture 40" descr="Simple Cellphone Clipart by anubisza on DeviantArt"/>
+            <p:cNvPicPr>
+              <a:picLocks noChangeAspect="1"/>
+            </p:cNvPicPr>
+            <p:nvPr/>
+          </p:nvPicPr>
+          <p:blipFill>
+            <a:blip r:embed="rId3"/>
+            <a:stretch>
+              <a:fillRect/>
+            </a:stretch>
+          </p:blipFill>
+          <p:spPr>
+            <a:xfrm>
+              <a:off x="9369466" y="4910138"/>
+              <a:ext cx="554200" cy="650191"/>
+            </a:xfrm>
+            <a:prstGeom prst="rect">
+              <a:avLst/>
+            </a:prstGeom>
+          </p:spPr>
+        </p:pic>
+        <p:pic>
+          <p:nvPicPr>
+            <p:cNvPr id="42" name="Picture 41" descr="Simple Cellphone Clipart by anubisza on DeviantArt"/>
+            <p:cNvPicPr>
+              <a:picLocks noChangeAspect="1"/>
+            </p:cNvPicPr>
+            <p:nvPr/>
+          </p:nvPicPr>
+          <p:blipFill>
+            <a:blip r:embed="rId3"/>
+            <a:stretch>
+              <a:fillRect/>
+            </a:stretch>
+          </p:blipFill>
+          <p:spPr>
+            <a:xfrm flipH="1">
+              <a:off x="2398532" y="4191774"/>
+              <a:ext cx="554200" cy="650191"/>
+            </a:xfrm>
+            <a:prstGeom prst="rect">
+              <a:avLst/>
+            </a:prstGeom>
+          </p:spPr>
+        </p:pic>
+        <p:pic>
+          <p:nvPicPr>
+            <p:cNvPr id="43" name="Picture 42" descr="Simple Cellphone Clipart by anubisza on DeviantArt"/>
+            <p:cNvPicPr>
+              <a:picLocks noChangeAspect="1"/>
+            </p:cNvPicPr>
+            <p:nvPr/>
+          </p:nvPicPr>
+          <p:blipFill>
+            <a:blip r:embed="rId3"/>
+            <a:stretch>
+              <a:fillRect/>
+            </a:stretch>
+          </p:blipFill>
+          <p:spPr>
+            <a:xfrm flipH="1">
+              <a:off x="2398532" y="4914333"/>
+              <a:ext cx="554200" cy="650191"/>
+            </a:xfrm>
+            <a:prstGeom prst="rect">
+              <a:avLst/>
+            </a:prstGeom>
+          </p:spPr>
+        </p:pic>
+        <p:grpSp>
+          <p:nvGrpSpPr>
+            <p:cNvPr id="48" name="Group 47"/>
+            <p:cNvGrpSpPr/>
+            <p:nvPr/>
+          </p:nvGrpSpPr>
+          <p:grpSpPr>
+            <a:xfrm rot="2277131">
+              <a:off x="2316490" y="3897446"/>
+              <a:ext cx="887924" cy="1023458"/>
+              <a:chOff x="2508770" y="3598877"/>
+              <a:chExt cx="887924" cy="1023458"/>
+            </a:xfrm>
+          </p:grpSpPr>
+          <p:sp>
+            <p:nvSpPr>
+              <p:cNvPr id="44" name="Arc 43"/>
+              <p:cNvSpPr/>
+              <p:nvPr/>
+            </p:nvSpPr>
+            <p:spPr>
+              <a:xfrm>
+                <a:off x="2508770" y="3598877"/>
+                <a:ext cx="887924" cy="1023458"/>
+              </a:xfrm>
+              <a:prstGeom prst="arc">
+                <a:avLst/>
+              </a:prstGeom>
+              <a:ln>
+                <a:solidFill>
+                  <a:schemeClr val="tx1"/>
+                </a:solidFill>
+              </a:ln>
+            </p:spPr>
+            <p:style>
+              <a:lnRef idx="1">
+                <a:schemeClr val="accent1"/>
+              </a:lnRef>
+              <a:fillRef idx="0">
+                <a:schemeClr val="accent1"/>
+              </a:fillRef>
+              <a:effectRef idx="0">
+                <a:schemeClr val="accent1"/>
+              </a:effectRef>
+              <a:fontRef idx="minor">
+                <a:schemeClr val="tx1"/>
+              </a:fontRef>
+            </p:style>
+            <p:txBody>
+              <a:bodyPr rtlCol="0" anchor="ctr"/>
+              <a:lstStyle/>
+              <a:p>
+                <a:pPr algn="ctr"/>
+                <a:endParaRPr lang="en-US"/>
+              </a:p>
+            </p:txBody>
+          </p:sp>
+          <p:sp>
+            <p:nvSpPr>
+              <p:cNvPr id="46" name="Arc 45"/>
+              <p:cNvSpPr/>
+              <p:nvPr/>
+            </p:nvSpPr>
+            <p:spPr>
+              <a:xfrm>
+                <a:off x="2650921" y="3708692"/>
+                <a:ext cx="643206" cy="730082"/>
+              </a:xfrm>
+              <a:prstGeom prst="arc">
+                <a:avLst/>
+              </a:prstGeom>
+              <a:ln>
+                <a:solidFill>
+                  <a:schemeClr val="tx1"/>
+                </a:solidFill>
+              </a:ln>
+            </p:spPr>
+            <p:style>
+              <a:lnRef idx="1">
+                <a:schemeClr val="accent1"/>
+              </a:lnRef>
+              <a:fillRef idx="0">
+                <a:schemeClr val="accent1"/>
+              </a:fillRef>
+              <a:effectRef idx="0">
+                <a:schemeClr val="accent1"/>
+              </a:effectRef>
+              <a:fontRef idx="minor">
+                <a:schemeClr val="tx1"/>
+              </a:fontRef>
+            </p:style>
+            <p:txBody>
+              <a:bodyPr rtlCol="0" anchor="ctr"/>
+              <a:lstStyle/>
+              <a:p>
+                <a:pPr algn="ctr"/>
+                <a:endParaRPr lang="en-US"/>
+              </a:p>
+            </p:txBody>
+          </p:sp>
+          <p:sp>
+            <p:nvSpPr>
+              <p:cNvPr id="47" name="Arc 46"/>
+              <p:cNvSpPr/>
+              <p:nvPr/>
+            </p:nvSpPr>
+            <p:spPr>
+              <a:xfrm>
+                <a:off x="2819347" y="3812648"/>
+                <a:ext cx="377393" cy="427987"/>
+              </a:xfrm>
+              <a:prstGeom prst="arc">
+                <a:avLst/>
+              </a:prstGeom>
+              <a:ln>
+                <a:solidFill>
+                  <a:schemeClr val="tx1"/>
+                </a:solidFill>
+              </a:ln>
+            </p:spPr>
+            <p:style>
+              <a:lnRef idx="1">
+                <a:schemeClr val="accent1"/>
+              </a:lnRef>
+              <a:fillRef idx="0">
+                <a:schemeClr val="accent1"/>
+              </a:fillRef>
+              <a:effectRef idx="0">
+                <a:schemeClr val="accent1"/>
+              </a:effectRef>
+              <a:fontRef idx="minor">
+                <a:schemeClr val="tx1"/>
+              </a:fontRef>
+            </p:style>
+            <p:txBody>
+              <a:bodyPr rtlCol="0" anchor="ctr"/>
+              <a:lstStyle/>
+              <a:p>
+                <a:pPr algn="ctr"/>
+                <a:endParaRPr lang="en-US"/>
+              </a:p>
+            </p:txBody>
+          </p:sp>
+        </p:grpSp>
+        <p:grpSp>
+          <p:nvGrpSpPr>
+            <p:cNvPr id="49" name="Group 48"/>
+            <p:cNvGrpSpPr/>
+            <p:nvPr/>
+          </p:nvGrpSpPr>
+          <p:grpSpPr>
+            <a:xfrm rot="12782066">
+              <a:off x="9038771" y="3730721"/>
+              <a:ext cx="887924" cy="1023458"/>
+              <a:chOff x="2508770" y="3598877"/>
+              <a:chExt cx="887924" cy="1023458"/>
+            </a:xfrm>
+          </p:grpSpPr>
+          <p:sp>
+            <p:nvSpPr>
+              <p:cNvPr id="50" name="Arc 49"/>
+              <p:cNvSpPr/>
+              <p:nvPr/>
+            </p:nvSpPr>
+            <p:spPr>
+              <a:xfrm>
+                <a:off x="2508770" y="3598877"/>
+                <a:ext cx="887924" cy="1023458"/>
+              </a:xfrm>
+              <a:prstGeom prst="arc">
+                <a:avLst/>
+              </a:prstGeom>
+              <a:ln>
+                <a:solidFill>
+                  <a:schemeClr val="tx1"/>
+                </a:solidFill>
+              </a:ln>
+            </p:spPr>
+            <p:style>
+              <a:lnRef idx="1">
+                <a:schemeClr val="accent1"/>
+              </a:lnRef>
+              <a:fillRef idx="0">
+                <a:schemeClr val="accent1"/>
+              </a:fillRef>
+              <a:effectRef idx="0">
+                <a:schemeClr val="accent1"/>
+              </a:effectRef>
+              <a:fontRef idx="minor">
+                <a:schemeClr val="tx1"/>
+              </a:fontRef>
+            </p:style>
+            <p:txBody>
+              <a:bodyPr rtlCol="0" anchor="ctr"/>
+              <a:lstStyle/>
+              <a:p>
+                <a:pPr algn="ctr"/>
+                <a:endParaRPr lang="en-US"/>
+              </a:p>
+            </p:txBody>
+          </p:sp>
+          <p:sp>
+            <p:nvSpPr>
+              <p:cNvPr id="51" name="Arc 50"/>
+              <p:cNvSpPr/>
+              <p:nvPr/>
+            </p:nvSpPr>
+            <p:spPr>
+              <a:xfrm>
+                <a:off x="2650921" y="3708692"/>
+                <a:ext cx="643206" cy="730082"/>
+              </a:xfrm>
+              <a:prstGeom prst="arc">
+                <a:avLst/>
+              </a:prstGeom>
+              <a:ln>
+                <a:solidFill>
+                  <a:schemeClr val="tx1"/>
+                </a:solidFill>
+              </a:ln>
+            </p:spPr>
+            <p:style>
+              <a:lnRef idx="1">
+                <a:schemeClr val="accent1"/>
+              </a:lnRef>
+              <a:fillRef idx="0">
+                <a:schemeClr val="accent1"/>
+              </a:fillRef>
+              <a:effectRef idx="0">
+                <a:schemeClr val="accent1"/>
+              </a:effectRef>
+              <a:fontRef idx="minor">
+                <a:schemeClr val="tx1"/>
+              </a:fontRef>
+            </p:style>
+            <p:txBody>
+              <a:bodyPr rtlCol="0" anchor="ctr"/>
+              <a:lstStyle/>
+              <a:p>
+                <a:pPr algn="ctr"/>
+                <a:endParaRPr lang="en-US"/>
+              </a:p>
+            </p:txBody>
+          </p:sp>
+          <p:sp>
+            <p:nvSpPr>
+              <p:cNvPr id="52" name="Arc 51"/>
+              <p:cNvSpPr/>
+              <p:nvPr/>
+            </p:nvSpPr>
+            <p:spPr>
+              <a:xfrm>
+                <a:off x="2819347" y="3812648"/>
+                <a:ext cx="377393" cy="427987"/>
+              </a:xfrm>
+              <a:prstGeom prst="arc">
+                <a:avLst/>
+              </a:prstGeom>
+              <a:ln>
+                <a:solidFill>
+                  <a:schemeClr val="tx1"/>
+                </a:solidFill>
+              </a:ln>
+            </p:spPr>
+            <p:style>
+              <a:lnRef idx="1">
+                <a:schemeClr val="accent1"/>
+              </a:lnRef>
+              <a:fillRef idx="0">
+                <a:schemeClr val="accent1"/>
+              </a:fillRef>
+              <a:effectRef idx="0">
+                <a:schemeClr val="accent1"/>
+              </a:effectRef>
+              <a:fontRef idx="minor">
+                <a:schemeClr val="tx1"/>
+              </a:fontRef>
+            </p:style>
+            <p:txBody>
+              <a:bodyPr rtlCol="0" anchor="ctr"/>
+              <a:lstStyle/>
+              <a:p>
+                <a:pPr algn="ctr"/>
+                <a:endParaRPr lang="en-US"/>
+              </a:p>
+            </p:txBody>
+          </p:sp>
+        </p:grpSp>
+        <p:grpSp>
+          <p:nvGrpSpPr>
+            <p:cNvPr id="53" name="Group 52"/>
+            <p:cNvGrpSpPr/>
+            <p:nvPr/>
+          </p:nvGrpSpPr>
+          <p:grpSpPr>
+            <a:xfrm rot="2174497">
+              <a:off x="2379049" y="4896211"/>
+              <a:ext cx="887924" cy="1023458"/>
+              <a:chOff x="2508770" y="3598877"/>
+              <a:chExt cx="887924" cy="1023458"/>
+            </a:xfrm>
+          </p:grpSpPr>
+          <p:sp>
+            <p:nvSpPr>
+              <p:cNvPr id="54" name="Arc 53"/>
+              <p:cNvSpPr/>
+              <p:nvPr/>
+            </p:nvSpPr>
+            <p:spPr>
+              <a:xfrm>
+                <a:off x="2508770" y="3598877"/>
+                <a:ext cx="887924" cy="1023458"/>
+              </a:xfrm>
+              <a:prstGeom prst="arc">
+                <a:avLst/>
+              </a:prstGeom>
+              <a:ln>
+                <a:solidFill>
+                  <a:schemeClr val="tx1"/>
+                </a:solidFill>
+              </a:ln>
+            </p:spPr>
+            <p:style>
+              <a:lnRef idx="1">
+                <a:schemeClr val="accent1"/>
+              </a:lnRef>
+              <a:fillRef idx="0">
+                <a:schemeClr val="accent1"/>
+              </a:fillRef>
+              <a:effectRef idx="0">
+                <a:schemeClr val="accent1"/>
+              </a:effectRef>
+              <a:fontRef idx="minor">
+                <a:schemeClr val="tx1"/>
+              </a:fontRef>
+            </p:style>
+            <p:txBody>
+              <a:bodyPr rtlCol="0" anchor="ctr"/>
+              <a:lstStyle/>
+              <a:p>
+                <a:pPr algn="ctr"/>
+                <a:endParaRPr lang="en-US"/>
+              </a:p>
+            </p:txBody>
+          </p:sp>
+          <p:sp>
+            <p:nvSpPr>
+              <p:cNvPr id="55" name="Arc 54"/>
+              <p:cNvSpPr/>
+              <p:nvPr/>
+            </p:nvSpPr>
+            <p:spPr>
+              <a:xfrm>
+                <a:off x="2650921" y="3708692"/>
+                <a:ext cx="643206" cy="730082"/>
+              </a:xfrm>
+              <a:prstGeom prst="arc">
+                <a:avLst/>
+              </a:prstGeom>
+              <a:ln>
+                <a:solidFill>
+                  <a:schemeClr val="tx1"/>
+                </a:solidFill>
+              </a:ln>
+            </p:spPr>
+            <p:style>
+              <a:lnRef idx="1">
+                <a:schemeClr val="accent1"/>
+              </a:lnRef>
+              <a:fillRef idx="0">
+                <a:schemeClr val="accent1"/>
+              </a:fillRef>
+              <a:effectRef idx="0">
+                <a:schemeClr val="accent1"/>
+              </a:effectRef>
+              <a:fontRef idx="minor">
+                <a:schemeClr val="tx1"/>
+              </a:fontRef>
+            </p:style>
+            <p:txBody>
+              <a:bodyPr rtlCol="0" anchor="ctr"/>
+              <a:lstStyle/>
+              <a:p>
+                <a:pPr algn="ctr"/>
+                <a:endParaRPr lang="en-US" dirty="0"/>
+              </a:p>
+            </p:txBody>
+          </p:sp>
+          <p:sp>
+            <p:nvSpPr>
+              <p:cNvPr id="56" name="Arc 55"/>
+              <p:cNvSpPr/>
+              <p:nvPr/>
+            </p:nvSpPr>
+            <p:spPr>
+              <a:xfrm>
+                <a:off x="2819347" y="3812648"/>
+                <a:ext cx="377393" cy="427987"/>
+              </a:xfrm>
+              <a:prstGeom prst="arc">
+                <a:avLst/>
+              </a:prstGeom>
+              <a:ln>
+                <a:solidFill>
+                  <a:schemeClr val="tx1"/>
+                </a:solidFill>
+              </a:ln>
+            </p:spPr>
+            <p:style>
+              <a:lnRef idx="1">
+                <a:schemeClr val="accent1"/>
+              </a:lnRef>
+              <a:fillRef idx="0">
+                <a:schemeClr val="accent1"/>
+              </a:fillRef>
+              <a:effectRef idx="0">
+                <a:schemeClr val="accent1"/>
+              </a:effectRef>
+              <a:fontRef idx="minor">
+                <a:schemeClr val="tx1"/>
+              </a:fontRef>
+            </p:style>
+            <p:txBody>
+              <a:bodyPr rtlCol="0" anchor="ctr"/>
+              <a:lstStyle/>
+              <a:p>
+                <a:pPr algn="ctr"/>
+                <a:endParaRPr lang="en-US"/>
+              </a:p>
+            </p:txBody>
+          </p:sp>
+        </p:grpSp>
+        <p:grpSp>
+          <p:nvGrpSpPr>
+            <p:cNvPr id="57" name="Group 56"/>
+            <p:cNvGrpSpPr/>
+            <p:nvPr/>
+          </p:nvGrpSpPr>
+          <p:grpSpPr>
+            <a:xfrm rot="12968342">
+              <a:off x="9071959" y="4598372"/>
+              <a:ext cx="887924" cy="1023458"/>
+              <a:chOff x="2508770" y="3598877"/>
+              <a:chExt cx="887924" cy="1023458"/>
+            </a:xfrm>
+          </p:grpSpPr>
+          <p:sp>
+            <p:nvSpPr>
+              <p:cNvPr id="58" name="Arc 57"/>
+              <p:cNvSpPr/>
+              <p:nvPr/>
+            </p:nvSpPr>
+            <p:spPr>
+              <a:xfrm>
+                <a:off x="2508770" y="3598877"/>
+                <a:ext cx="887924" cy="1023458"/>
+              </a:xfrm>
+              <a:prstGeom prst="arc">
+                <a:avLst/>
+              </a:prstGeom>
+              <a:ln>
+                <a:solidFill>
+                  <a:schemeClr val="tx1"/>
+                </a:solidFill>
+              </a:ln>
+            </p:spPr>
+            <p:style>
+              <a:lnRef idx="1">
+                <a:schemeClr val="accent1"/>
+              </a:lnRef>
+              <a:fillRef idx="0">
+                <a:schemeClr val="accent1"/>
+              </a:fillRef>
+              <a:effectRef idx="0">
+                <a:schemeClr val="accent1"/>
+              </a:effectRef>
+              <a:fontRef idx="minor">
+                <a:schemeClr val="tx1"/>
+              </a:fontRef>
+            </p:style>
+            <p:txBody>
+              <a:bodyPr rtlCol="0" anchor="ctr"/>
+              <a:lstStyle/>
+              <a:p>
+                <a:pPr algn="ctr"/>
+                <a:endParaRPr lang="en-US"/>
+              </a:p>
+            </p:txBody>
+          </p:sp>
+          <p:sp>
+            <p:nvSpPr>
+              <p:cNvPr id="59" name="Arc 58"/>
+              <p:cNvSpPr/>
+              <p:nvPr/>
+            </p:nvSpPr>
+            <p:spPr>
+              <a:xfrm>
+                <a:off x="2650921" y="3708692"/>
+                <a:ext cx="643206" cy="730082"/>
+              </a:xfrm>
+              <a:prstGeom prst="arc">
+                <a:avLst/>
+              </a:prstGeom>
+              <a:ln>
+                <a:solidFill>
+                  <a:schemeClr val="tx1"/>
+                </a:solidFill>
+              </a:ln>
+            </p:spPr>
+            <p:style>
+              <a:lnRef idx="1">
+                <a:schemeClr val="accent1"/>
+              </a:lnRef>
+              <a:fillRef idx="0">
+                <a:schemeClr val="accent1"/>
+              </a:fillRef>
+              <a:effectRef idx="0">
+                <a:schemeClr val="accent1"/>
+              </a:effectRef>
+              <a:fontRef idx="minor">
+                <a:schemeClr val="tx1"/>
+              </a:fontRef>
+            </p:style>
+            <p:txBody>
+              <a:bodyPr rtlCol="0" anchor="ctr"/>
+              <a:lstStyle/>
+              <a:p>
+                <a:pPr algn="ctr"/>
+                <a:endParaRPr lang="en-US"/>
+              </a:p>
+            </p:txBody>
+          </p:sp>
+          <p:sp>
+            <p:nvSpPr>
+              <p:cNvPr id="60" name="Arc 59"/>
+              <p:cNvSpPr/>
+              <p:nvPr/>
+            </p:nvSpPr>
+            <p:spPr>
+              <a:xfrm>
+                <a:off x="2819347" y="3812648"/>
+                <a:ext cx="377393" cy="427987"/>
+              </a:xfrm>
+              <a:prstGeom prst="arc">
+                <a:avLst/>
+              </a:prstGeom>
+              <a:ln>
+                <a:solidFill>
+                  <a:schemeClr val="tx1"/>
+                </a:solidFill>
+              </a:ln>
+            </p:spPr>
+            <p:style>
+              <a:lnRef idx="1">
+                <a:schemeClr val="accent1"/>
+              </a:lnRef>
+              <a:fillRef idx="0">
+                <a:schemeClr val="accent1"/>
+              </a:fillRef>
+              <a:effectRef idx="0">
+                <a:schemeClr val="accent1"/>
+              </a:effectRef>
+              <a:fontRef idx="minor">
+                <a:schemeClr val="tx1"/>
+              </a:fontRef>
+            </p:style>
+            <p:txBody>
+              <a:bodyPr rtlCol="0" anchor="ctr"/>
+              <a:lstStyle/>
+              <a:p>
+                <a:pPr algn="ctr"/>
+                <a:endParaRPr lang="en-US"/>
+              </a:p>
+            </p:txBody>
+          </p:sp>
+        </p:grpSp>
+        <p:sp>
+          <p:nvSpPr>
+            <p:cNvPr id="61" name="Callout: Line 60"/>
+            <p:cNvSpPr/>
+            <p:nvPr/>
+          </p:nvSpPr>
+          <p:spPr>
+            <a:xfrm>
+              <a:off x="10097665" y="3356993"/>
+              <a:ext cx="1222774" cy="763264"/>
+            </a:xfrm>
+            <a:prstGeom prst="borderCallout1">
+              <a:avLst>
+                <a:gd name="adj1" fmla="val 18750"/>
+                <a:gd name="adj2" fmla="val -8333"/>
+                <a:gd name="adj3" fmla="val 101509"/>
+                <a:gd name="adj4" fmla="val -32158"/>
+              </a:avLst>
+            </a:prstGeom>
+            <a:solidFill>
+              <a:schemeClr val="lt1">
+                <a:alpha val="71000"/>
+              </a:schemeClr>
+            </a:solidFill>
+          </p:spPr>
+          <p:style>
+            <a:lnRef idx="2">
+              <a:schemeClr val="accent5"/>
+            </a:lnRef>
+            <a:fillRef idx="1">
+              <a:schemeClr val="lt1"/>
+            </a:fillRef>
+            <a:effectRef idx="0">
+              <a:schemeClr val="accent5"/>
+            </a:effectRef>
+            <a:fontRef idx="minor">
+              <a:schemeClr val="dk1"/>
+            </a:fontRef>
+          </p:style>
+          <p:txBody>
+            <a:bodyPr rtlCol="0" anchor="ctr"/>
+            <a:lstStyle/>
+            <a:p>
+              <a:pPr algn="ctr"/>
+              <a:r>
+                <a:rPr lang="en-US" sz="1400" dirty="0"/>
+                <a:t>Client Endpoint</a:t>
+              </a:r>
+            </a:p>
+          </p:txBody>
+        </p:sp>
+      </p:grpSp>
+      <p:sp>
+        <p:nvSpPr>
+          <p:cNvPr id="7" name="Rectangle 6"/>
+          <p:cNvSpPr/>
+          <p:nvPr/>
+        </p:nvSpPr>
         <p:spPr>
           <a:xfrm>
-            <a:off x="4237517" y="1565734"/>
-            <a:ext cx="3713789" cy="4755683"/>
+            <a:off x="10798027" y="3303333"/>
+            <a:ext cx="1173063" cy="870504"/>
           </a:xfrm>
           <a:prstGeom prst="rect">
             <a:avLst/>
           </a:prstGeom>
+          <a:noFill/>
+          <a:ln w="38100">
+            <a:solidFill>
+              <a:srgbClr val="92D050"/>
+            </a:solidFill>
+          </a:ln>
         </p:spPr>
-      </p:pic>
+        <p:style>
+          <a:lnRef idx="2">
+            <a:schemeClr val="accent1">
+              <a:shade val="50000"/>
+            </a:schemeClr>
+          </a:lnRef>
+          <a:fillRef idx="1">
+            <a:schemeClr val="accent1"/>
+          </a:fillRef>
+          <a:effectRef idx="0">
+            <a:schemeClr val="accent1"/>
+          </a:effectRef>
+          <a:fontRef idx="minor">
+            <a:schemeClr val="lt1"/>
+          </a:fontRef>
+        </p:style>
+        <p:txBody>
+          <a:bodyPr rtlCol="0" anchor="ctr"/>
+          <a:lstStyle/>
+          <a:p>
+            <a:pPr algn="ctr"/>
+            <a:endParaRPr lang="en-US"/>
+          </a:p>
+        </p:txBody>
+      </p:sp>
+      <p:sp>
+        <p:nvSpPr>
+          <p:cNvPr id="11" name="TextBox 10"/>
+          <p:cNvSpPr txBox="1"/>
+          <p:nvPr/>
+        </p:nvSpPr>
+        <p:spPr>
+          <a:xfrm>
+            <a:off x="1141413" y="2008306"/>
+            <a:ext cx="4325713" cy="1938992"/>
+          </a:xfrm>
+          <a:prstGeom prst="rect">
+            <a:avLst/>
+          </a:prstGeom>
+          <a:noFill/>
+        </p:spPr>
+        <p:txBody>
+          <a:bodyPr wrap="square" rtlCol="0">
+            <a:spAutoFit/>
+          </a:bodyPr>
+          <a:lstStyle/>
+          <a:p>
+            <a:pPr marL="285750" indent="-285750">
+              <a:buFont typeface="Arial" panose="020B0604020202020204" pitchFamily="34" charset="0"/>
+              <a:buChar char="•"/>
+            </a:pPr>
+            <a:r>
+              <a:rPr lang="en-US" sz="2400" dirty="0"/>
+              <a:t>Agent on mobile device</a:t>
+            </a:r>
+          </a:p>
+          <a:p>
+            <a:pPr marL="285750" indent="-285750">
+              <a:buFont typeface="Arial" panose="020B0604020202020204" pitchFamily="34" charset="0"/>
+              <a:buChar char="•"/>
+            </a:pPr>
+            <a:endParaRPr lang="en-US" sz="2400" dirty="0"/>
+          </a:p>
+          <a:p>
+            <a:pPr marL="285750" indent="-285750">
+              <a:buFont typeface="Arial" panose="020B0604020202020204" pitchFamily="34" charset="0"/>
+              <a:buChar char="•"/>
+            </a:pPr>
+            <a:r>
+              <a:rPr lang="en-US" sz="2400" dirty="0"/>
+              <a:t>Sends mobile telemetry</a:t>
+            </a:r>
+          </a:p>
+          <a:p>
+            <a:pPr marL="285750" indent="-285750">
+              <a:buFont typeface="Arial" panose="020B0604020202020204" pitchFamily="34" charset="0"/>
+              <a:buChar char="•"/>
+            </a:pPr>
+            <a:endParaRPr lang="en-US" sz="2400" dirty="0"/>
+          </a:p>
+          <a:p>
+            <a:pPr marL="285750" indent="-285750">
+              <a:buFont typeface="Arial" panose="020B0604020202020204" pitchFamily="34" charset="0"/>
+              <a:buChar char="•"/>
+            </a:pPr>
+            <a:r>
+              <a:rPr lang="en-US" sz="2400" dirty="0"/>
+              <a:t>Interface for apps</a:t>
+            </a:r>
+          </a:p>
+        </p:txBody>
+      </p:sp>
+      <p:cxnSp>
+        <p:nvCxnSpPr>
+          <p:cNvPr id="14" name="Connector: Elbow 13"/>
+          <p:cNvCxnSpPr>
+            <a:cxnSpLocks/>
+            <a:stCxn id="7" idx="0"/>
+          </p:cNvCxnSpPr>
+          <p:nvPr/>
+        </p:nvCxnSpPr>
+        <p:spPr>
+          <a:xfrm rot="16200000" flipV="1">
+            <a:off x="8513460" y="432234"/>
+            <a:ext cx="1977872" cy="3764326"/>
+          </a:xfrm>
+          <a:prstGeom prst="bentConnector2">
+            <a:avLst/>
+          </a:prstGeom>
+          <a:ln w="38100">
+            <a:solidFill>
+              <a:srgbClr val="92D050"/>
+            </a:solidFill>
+            <a:tailEnd type="triangle"/>
+          </a:ln>
+        </p:spPr>
+        <p:style>
+          <a:lnRef idx="1">
+            <a:schemeClr val="accent1"/>
+          </a:lnRef>
+          <a:fillRef idx="0">
+            <a:schemeClr val="accent1"/>
+          </a:fillRef>
+          <a:effectRef idx="0">
+            <a:schemeClr val="accent1"/>
+          </a:effectRef>
+          <a:fontRef idx="minor">
+            <a:schemeClr val="tx1"/>
+          </a:fontRef>
+        </p:style>
+      </p:cxnSp>
     </p:spTree>
     <p:extLst>
       <p:ext uri="{BB962C8B-B14F-4D97-AF65-F5344CB8AC3E}">
-        <p14:creationId xmlns:p14="http://schemas.microsoft.com/office/powerpoint/2010/main" val="597229695"/>
+        <p14:creationId xmlns:p14="http://schemas.microsoft.com/office/powerpoint/2010/main" val="1942360311"/>
       </p:ext>
     </p:extLst>
   </p:cSld>
@@ -14501,32 +20119,1599 @@
             <p:ph type="title"/>
           </p:nvPr>
         </p:nvSpPr>
+        <p:spPr/>
+        <p:txBody>
+          <a:bodyPr/>
+          <a:lstStyle/>
+          <a:p>
+            <a:r>
+              <a:rPr lang="en-US" dirty="0"/>
+              <a:t>Component: Service endpoint</a:t>
+            </a:r>
+          </a:p>
+        </p:txBody>
+      </p:sp>
+      <p:grpSp>
+        <p:nvGrpSpPr>
+          <p:cNvPr id="3" name="Group 2"/>
+          <p:cNvGrpSpPr/>
+          <p:nvPr/>
+        </p:nvGrpSpPr>
+        <p:grpSpPr>
+          <a:xfrm>
+            <a:off x="5464194" y="2378119"/>
+            <a:ext cx="6359584" cy="2946471"/>
+            <a:chOff x="2316490" y="1824446"/>
+            <a:chExt cx="9003949" cy="4171636"/>
+          </a:xfrm>
+        </p:grpSpPr>
+        <p:sp>
+          <p:nvSpPr>
+            <p:cNvPr id="4" name="Rectangle: Diagonal Corners Rounded 3"/>
+            <p:cNvSpPr/>
+            <p:nvPr/>
+          </p:nvSpPr>
+          <p:spPr>
+            <a:xfrm>
+              <a:off x="2952732" y="1824446"/>
+              <a:ext cx="1535185" cy="914400"/>
+            </a:xfrm>
+            <a:prstGeom prst="round2DiagRect">
+              <a:avLst/>
+            </a:prstGeom>
+          </p:spPr>
+          <p:style>
+            <a:lnRef idx="2">
+              <a:schemeClr val="accent1">
+                <a:shade val="50000"/>
+              </a:schemeClr>
+            </a:lnRef>
+            <a:fillRef idx="1">
+              <a:schemeClr val="accent1"/>
+            </a:fillRef>
+            <a:effectRef idx="0">
+              <a:schemeClr val="accent1"/>
+            </a:effectRef>
+            <a:fontRef idx="minor">
+              <a:schemeClr val="lt1"/>
+            </a:fontRef>
+          </p:style>
+          <p:txBody>
+            <a:bodyPr rtlCol="0" anchor="ctr"/>
+            <a:lstStyle/>
+            <a:p>
+              <a:pPr algn="ctr"/>
+              <a:r>
+                <a:rPr lang="en-US" dirty="0"/>
+                <a:t>Broker</a:t>
+              </a:r>
+              <a:endParaRPr lang="en-US" sz="2000" dirty="0"/>
+            </a:p>
+          </p:txBody>
+        </p:sp>
+        <p:sp>
+          <p:nvSpPr>
+            <p:cNvPr id="5" name="Cylinder 4"/>
+            <p:cNvSpPr/>
+            <p:nvPr/>
+          </p:nvSpPr>
+          <p:spPr>
+            <a:xfrm rot="5400000">
+              <a:off x="5909851" y="1260287"/>
+              <a:ext cx="369115" cy="2042718"/>
+            </a:xfrm>
+            <a:prstGeom prst="can">
+              <a:avLst/>
+            </a:prstGeom>
+          </p:spPr>
+          <p:style>
+            <a:lnRef idx="2">
+              <a:schemeClr val="accent2">
+                <a:shade val="50000"/>
+              </a:schemeClr>
+            </a:lnRef>
+            <a:fillRef idx="1">
+              <a:schemeClr val="accent2"/>
+            </a:fillRef>
+            <a:effectRef idx="0">
+              <a:schemeClr val="accent2"/>
+            </a:effectRef>
+            <a:fontRef idx="minor">
+              <a:schemeClr val="lt1"/>
+            </a:fontRef>
+          </p:style>
+          <p:txBody>
+            <a:bodyPr vert="vert270" rtlCol="0" anchor="ctr"/>
+            <a:lstStyle/>
+            <a:p>
+              <a:pPr algn="ctr"/>
+              <a:r>
+                <a:rPr lang="en-US" sz="1400" dirty="0" err="1"/>
+                <a:t>PubSub</a:t>
+              </a:r>
+              <a:endParaRPr lang="en-US" sz="2000" dirty="0"/>
+            </a:p>
+          </p:txBody>
+        </p:sp>
+        <p:sp>
+          <p:nvSpPr>
+            <p:cNvPr id="6" name="Rectangle: Rounded Corners 5"/>
+            <p:cNvSpPr/>
+            <p:nvPr/>
+          </p:nvSpPr>
+          <p:spPr>
+            <a:xfrm>
+              <a:off x="5326815" y="3013596"/>
+              <a:ext cx="1535185" cy="931178"/>
+            </a:xfrm>
+            <a:prstGeom prst="roundRect">
+              <a:avLst/>
+            </a:prstGeom>
+          </p:spPr>
+          <p:style>
+            <a:lnRef idx="2">
+              <a:schemeClr val="accent3">
+                <a:shade val="50000"/>
+              </a:schemeClr>
+            </a:lnRef>
+            <a:fillRef idx="1">
+              <a:schemeClr val="accent3"/>
+            </a:fillRef>
+            <a:effectRef idx="0">
+              <a:schemeClr val="accent3"/>
+            </a:effectRef>
+            <a:fontRef idx="minor">
+              <a:schemeClr val="lt1"/>
+            </a:fontRef>
+          </p:style>
+          <p:txBody>
+            <a:bodyPr rtlCol="0" anchor="ctr"/>
+            <a:lstStyle/>
+            <a:p>
+              <a:pPr algn="ctr"/>
+              <a:r>
+                <a:rPr lang="en-US" sz="1600" dirty="0"/>
+                <a:t>Adapter</a:t>
+              </a:r>
+            </a:p>
+          </p:txBody>
+        </p:sp>
+        <p:cxnSp>
+          <p:nvCxnSpPr>
+            <p:cNvPr id="10" name="Connector: Elbow 9"/>
+            <p:cNvCxnSpPr>
+              <a:stCxn id="5" idx="3"/>
+              <a:endCxn id="4" idx="0"/>
+            </p:cNvCxnSpPr>
+            <p:nvPr/>
+          </p:nvCxnSpPr>
+          <p:spPr>
+            <a:xfrm rot="10800000">
+              <a:off x="4487918" y="2281647"/>
+              <a:ext cx="585133" cy="1"/>
+            </a:xfrm>
+            <a:prstGeom prst="bentConnector3">
+              <a:avLst/>
+            </a:prstGeom>
+            <a:ln>
+              <a:solidFill>
+                <a:schemeClr val="tx1"/>
+              </a:solidFill>
+              <a:headEnd type="triangle"/>
+              <a:tailEnd type="triangle"/>
+            </a:ln>
+          </p:spPr>
+          <p:style>
+            <a:lnRef idx="1">
+              <a:schemeClr val="accent1"/>
+            </a:lnRef>
+            <a:fillRef idx="0">
+              <a:schemeClr val="accent1"/>
+            </a:fillRef>
+            <a:effectRef idx="0">
+              <a:schemeClr val="accent1"/>
+            </a:effectRef>
+            <a:fontRef idx="minor">
+              <a:schemeClr val="tx1"/>
+            </a:fontRef>
+          </p:style>
+        </p:cxnSp>
+        <p:cxnSp>
+          <p:nvCxnSpPr>
+            <p:cNvPr id="20" name="Straight Arrow Connector 19"/>
+            <p:cNvCxnSpPr>
+              <a:stCxn id="5" idx="4"/>
+              <a:endCxn id="6" idx="0"/>
+            </p:cNvCxnSpPr>
+            <p:nvPr/>
+          </p:nvCxnSpPr>
+          <p:spPr>
+            <a:xfrm flipH="1">
+              <a:off x="6094408" y="2466204"/>
+              <a:ext cx="1" cy="547392"/>
+            </a:xfrm>
+            <a:prstGeom prst="straightConnector1">
+              <a:avLst/>
+            </a:prstGeom>
+            <a:ln>
+              <a:solidFill>
+                <a:schemeClr val="tx1"/>
+              </a:solidFill>
+              <a:headEnd type="triangle"/>
+              <a:tailEnd type="triangle"/>
+            </a:ln>
+          </p:spPr>
+          <p:style>
+            <a:lnRef idx="1">
+              <a:schemeClr val="accent1"/>
+            </a:lnRef>
+            <a:fillRef idx="0">
+              <a:schemeClr val="accent1"/>
+            </a:fillRef>
+            <a:effectRef idx="0">
+              <a:schemeClr val="accent1"/>
+            </a:effectRef>
+            <a:fontRef idx="minor">
+              <a:schemeClr val="tx1"/>
+            </a:fontRef>
+          </p:style>
+        </p:cxnSp>
+        <p:sp>
+          <p:nvSpPr>
+            <p:cNvPr id="21" name="Rectangle 20"/>
+            <p:cNvSpPr/>
+            <p:nvPr/>
+          </p:nvSpPr>
+          <p:spPr>
+            <a:xfrm>
+              <a:off x="7700899" y="1824446"/>
+              <a:ext cx="1535185" cy="914400"/>
+            </a:xfrm>
+            <a:prstGeom prst="rect">
+              <a:avLst/>
+            </a:prstGeom>
+            <a:solidFill>
+              <a:schemeClr val="tx2">
+                <a:lumMod val="60000"/>
+                <a:lumOff val="40000"/>
+              </a:schemeClr>
+            </a:solidFill>
+          </p:spPr>
+          <p:style>
+            <a:lnRef idx="2">
+              <a:schemeClr val="accent1">
+                <a:shade val="50000"/>
+              </a:schemeClr>
+            </a:lnRef>
+            <a:fillRef idx="1">
+              <a:schemeClr val="accent1"/>
+            </a:fillRef>
+            <a:effectRef idx="0">
+              <a:schemeClr val="accent1"/>
+            </a:effectRef>
+            <a:fontRef idx="minor">
+              <a:schemeClr val="lt1"/>
+            </a:fontRef>
+          </p:style>
+          <p:txBody>
+            <a:bodyPr rtlCol="0" anchor="ctr"/>
+            <a:lstStyle/>
+            <a:p>
+              <a:pPr algn="ctr"/>
+              <a:r>
+                <a:rPr lang="en-US" sz="1600" dirty="0"/>
+                <a:t>Service Endpoint</a:t>
+              </a:r>
+            </a:p>
+          </p:txBody>
+        </p:sp>
+        <p:cxnSp>
+          <p:nvCxnSpPr>
+            <p:cNvPr id="23" name="Straight Arrow Connector 22"/>
+            <p:cNvCxnSpPr>
+              <a:stCxn id="5" idx="1"/>
+              <a:endCxn id="21" idx="1"/>
+            </p:cNvCxnSpPr>
+            <p:nvPr/>
+          </p:nvCxnSpPr>
+          <p:spPr>
+            <a:xfrm flipV="1">
+              <a:off x="7115768" y="2281646"/>
+              <a:ext cx="585131" cy="1"/>
+            </a:xfrm>
+            <a:prstGeom prst="straightConnector1">
+              <a:avLst/>
+            </a:prstGeom>
+            <a:ln>
+              <a:solidFill>
+                <a:schemeClr val="tx1"/>
+              </a:solidFill>
+              <a:headEnd type="triangle"/>
+              <a:tailEnd type="triangle"/>
+            </a:ln>
+          </p:spPr>
+          <p:style>
+            <a:lnRef idx="1">
+              <a:schemeClr val="accent1"/>
+            </a:lnRef>
+            <a:fillRef idx="0">
+              <a:schemeClr val="accent1"/>
+            </a:fillRef>
+            <a:effectRef idx="0">
+              <a:schemeClr val="accent1"/>
+            </a:effectRef>
+            <a:fontRef idx="minor">
+              <a:schemeClr val="tx1"/>
+            </a:fontRef>
+          </p:style>
+        </p:cxnSp>
+        <p:sp>
+          <p:nvSpPr>
+            <p:cNvPr id="24" name="Cloud 23"/>
+            <p:cNvSpPr/>
+            <p:nvPr/>
+          </p:nvSpPr>
+          <p:spPr>
+            <a:xfrm>
+              <a:off x="5053648" y="4370664"/>
+              <a:ext cx="2081518" cy="1191237"/>
+            </a:xfrm>
+            <a:prstGeom prst="cloud">
+              <a:avLst/>
+            </a:prstGeom>
+          </p:spPr>
+          <p:style>
+            <a:lnRef idx="2">
+              <a:schemeClr val="dk1"/>
+            </a:lnRef>
+            <a:fillRef idx="1">
+              <a:schemeClr val="lt1"/>
+            </a:fillRef>
+            <a:effectRef idx="0">
+              <a:schemeClr val="dk1"/>
+            </a:effectRef>
+            <a:fontRef idx="minor">
+              <a:schemeClr val="dk1"/>
+            </a:fontRef>
+          </p:style>
+          <p:txBody>
+            <a:bodyPr rtlCol="0" anchor="ctr"/>
+            <a:lstStyle/>
+            <a:p>
+              <a:pPr algn="ctr"/>
+              <a:r>
+                <a:rPr lang="en-US" sz="1400" dirty="0"/>
+                <a:t>Mobile Core</a:t>
+              </a:r>
+            </a:p>
+          </p:txBody>
+        </p:sp>
+        <p:cxnSp>
+          <p:nvCxnSpPr>
+            <p:cNvPr id="26" name="Straight Arrow Connector 25"/>
+            <p:cNvCxnSpPr>
+              <a:stCxn id="6" idx="2"/>
+              <a:endCxn id="24" idx="3"/>
+            </p:cNvCxnSpPr>
+            <p:nvPr/>
+          </p:nvCxnSpPr>
+          <p:spPr>
+            <a:xfrm flipH="1">
+              <a:off x="6094407" y="3944774"/>
+              <a:ext cx="1" cy="494000"/>
+            </a:xfrm>
+            <a:prstGeom prst="straightConnector1">
+              <a:avLst/>
+            </a:prstGeom>
+            <a:ln>
+              <a:solidFill>
+                <a:schemeClr val="tx1"/>
+              </a:solidFill>
+              <a:headEnd type="triangle"/>
+              <a:tailEnd type="triangle"/>
+            </a:ln>
+          </p:spPr>
+          <p:style>
+            <a:lnRef idx="1">
+              <a:schemeClr val="accent1"/>
+            </a:lnRef>
+            <a:fillRef idx="0">
+              <a:schemeClr val="accent1"/>
+            </a:fillRef>
+            <a:effectRef idx="0">
+              <a:schemeClr val="accent1"/>
+            </a:effectRef>
+            <a:fontRef idx="minor">
+              <a:schemeClr val="tx1"/>
+            </a:fontRef>
+          </p:style>
+        </p:cxnSp>
+        <p:pic>
+          <p:nvPicPr>
+            <p:cNvPr id="31" name="Picture 30" descr="Cell-Tower.png"/>
+            <p:cNvPicPr>
+              <a:picLocks noChangeAspect="1"/>
+            </p:cNvPicPr>
+            <p:nvPr/>
+          </p:nvPicPr>
+          <p:blipFill>
+            <a:blip r:embed="rId2"/>
+            <a:stretch>
+              <a:fillRect/>
+            </a:stretch>
+          </p:blipFill>
+          <p:spPr>
+            <a:xfrm>
+              <a:off x="7700899" y="4191774"/>
+              <a:ext cx="914402" cy="1368555"/>
+            </a:xfrm>
+            <a:prstGeom prst="rect">
+              <a:avLst/>
+            </a:prstGeom>
+          </p:spPr>
+        </p:pic>
+        <p:pic>
+          <p:nvPicPr>
+            <p:cNvPr id="33" name="Picture 32" descr="Cell-Tower.png"/>
+            <p:cNvPicPr>
+              <a:picLocks noChangeAspect="1"/>
+            </p:cNvPicPr>
+            <p:nvPr/>
+          </p:nvPicPr>
+          <p:blipFill>
+            <a:blip r:embed="rId2"/>
+            <a:stretch>
+              <a:fillRect/>
+            </a:stretch>
+          </p:blipFill>
+          <p:spPr>
+            <a:xfrm>
+              <a:off x="3573513" y="4191774"/>
+              <a:ext cx="914402" cy="1368555"/>
+            </a:xfrm>
+            <a:prstGeom prst="rect">
+              <a:avLst/>
+            </a:prstGeom>
+          </p:spPr>
+        </p:pic>
+        <p:cxnSp>
+          <p:nvCxnSpPr>
+            <p:cNvPr id="35" name="Straight Arrow Connector 34"/>
+            <p:cNvCxnSpPr>
+              <a:stCxn id="24" idx="0"/>
+            </p:cNvCxnSpPr>
+            <p:nvPr/>
+          </p:nvCxnSpPr>
+          <p:spPr>
+            <a:xfrm>
+              <a:off x="7133431" y="4966283"/>
+              <a:ext cx="634775" cy="511728"/>
+            </a:xfrm>
+            <a:prstGeom prst="straightConnector1">
+              <a:avLst/>
+            </a:prstGeom>
+            <a:ln>
+              <a:solidFill>
+                <a:schemeClr val="tx1"/>
+              </a:solidFill>
+              <a:headEnd type="triangle"/>
+              <a:tailEnd type="triangle"/>
+            </a:ln>
+          </p:spPr>
+          <p:style>
+            <a:lnRef idx="1">
+              <a:schemeClr val="accent1"/>
+            </a:lnRef>
+            <a:fillRef idx="0">
+              <a:schemeClr val="accent1"/>
+            </a:fillRef>
+            <a:effectRef idx="0">
+              <a:schemeClr val="accent1"/>
+            </a:effectRef>
+            <a:fontRef idx="minor">
+              <a:schemeClr val="tx1"/>
+            </a:fontRef>
+          </p:style>
+        </p:cxnSp>
+        <p:cxnSp>
+          <p:nvCxnSpPr>
+            <p:cNvPr id="37" name="Straight Arrow Connector 36"/>
+            <p:cNvCxnSpPr>
+              <a:stCxn id="24" idx="2"/>
+            </p:cNvCxnSpPr>
+            <p:nvPr/>
+          </p:nvCxnSpPr>
+          <p:spPr>
+            <a:xfrm flipH="1">
+              <a:off x="4412609" y="4966283"/>
+              <a:ext cx="647496" cy="511728"/>
+            </a:xfrm>
+            <a:prstGeom prst="straightConnector1">
+              <a:avLst/>
+            </a:prstGeom>
+            <a:ln>
+              <a:solidFill>
+                <a:schemeClr val="tx1"/>
+              </a:solidFill>
+              <a:headEnd type="triangle"/>
+              <a:tailEnd type="triangle"/>
+            </a:ln>
+          </p:spPr>
+          <p:style>
+            <a:lnRef idx="1">
+              <a:schemeClr val="accent1"/>
+            </a:lnRef>
+            <a:fillRef idx="0">
+              <a:schemeClr val="accent1"/>
+            </a:fillRef>
+            <a:effectRef idx="0">
+              <a:schemeClr val="accent1"/>
+            </a:effectRef>
+            <a:fontRef idx="minor">
+              <a:schemeClr val="tx1"/>
+            </a:fontRef>
+          </p:style>
+        </p:cxnSp>
+        <p:sp>
+          <p:nvSpPr>
+            <p:cNvPr id="38" name="TextBox 37"/>
+            <p:cNvSpPr txBox="1"/>
+            <p:nvPr/>
+          </p:nvSpPr>
+          <p:spPr>
+            <a:xfrm>
+              <a:off x="3262313" y="5560329"/>
+              <a:ext cx="1622309" cy="435753"/>
+            </a:xfrm>
+            <a:prstGeom prst="rect">
+              <a:avLst/>
+            </a:prstGeom>
+            <a:noFill/>
+          </p:spPr>
+          <p:txBody>
+            <a:bodyPr wrap="square" rtlCol="0">
+              <a:spAutoFit/>
+            </a:bodyPr>
+            <a:lstStyle/>
+            <a:p>
+              <a:r>
+                <a:rPr lang="en-US" sz="1400" dirty="0"/>
+                <a:t>Access Point</a:t>
+              </a:r>
+            </a:p>
+          </p:txBody>
+        </p:sp>
+        <p:sp>
+          <p:nvSpPr>
+            <p:cNvPr id="39" name="TextBox 38"/>
+            <p:cNvSpPr txBox="1"/>
+            <p:nvPr/>
+          </p:nvSpPr>
+          <p:spPr>
+            <a:xfrm>
+              <a:off x="7421338" y="5544512"/>
+              <a:ext cx="1453961" cy="435753"/>
+            </a:xfrm>
+            <a:prstGeom prst="rect">
+              <a:avLst/>
+            </a:prstGeom>
+            <a:noFill/>
+          </p:spPr>
+          <p:txBody>
+            <a:bodyPr wrap="none" rtlCol="0">
+              <a:spAutoFit/>
+            </a:bodyPr>
+            <a:lstStyle/>
+            <a:p>
+              <a:r>
+                <a:rPr lang="en-US" sz="1400" dirty="0"/>
+                <a:t>Access Point</a:t>
+              </a:r>
+            </a:p>
+          </p:txBody>
+        </p:sp>
+        <p:pic>
+          <p:nvPicPr>
+            <p:cNvPr id="40" name="Picture 39" descr="Simple Cellphone Clipart by anubisza on DeviantArt"/>
+            <p:cNvPicPr>
+              <a:picLocks noChangeAspect="1"/>
+            </p:cNvPicPr>
+            <p:nvPr/>
+          </p:nvPicPr>
+          <p:blipFill>
+            <a:blip r:embed="rId3"/>
+            <a:stretch>
+              <a:fillRect/>
+            </a:stretch>
+          </p:blipFill>
+          <p:spPr>
+            <a:xfrm>
+              <a:off x="9369466" y="4191774"/>
+              <a:ext cx="554200" cy="650191"/>
+            </a:xfrm>
+            <a:prstGeom prst="rect">
+              <a:avLst/>
+            </a:prstGeom>
+          </p:spPr>
+        </p:pic>
+        <p:pic>
+          <p:nvPicPr>
+            <p:cNvPr id="41" name="Picture 40" descr="Simple Cellphone Clipart by anubisza on DeviantArt"/>
+            <p:cNvPicPr>
+              <a:picLocks noChangeAspect="1"/>
+            </p:cNvPicPr>
+            <p:nvPr/>
+          </p:nvPicPr>
+          <p:blipFill>
+            <a:blip r:embed="rId3"/>
+            <a:stretch>
+              <a:fillRect/>
+            </a:stretch>
+          </p:blipFill>
+          <p:spPr>
+            <a:xfrm>
+              <a:off x="9369466" y="4910138"/>
+              <a:ext cx="554200" cy="650191"/>
+            </a:xfrm>
+            <a:prstGeom prst="rect">
+              <a:avLst/>
+            </a:prstGeom>
+          </p:spPr>
+        </p:pic>
+        <p:pic>
+          <p:nvPicPr>
+            <p:cNvPr id="42" name="Picture 41" descr="Simple Cellphone Clipart by anubisza on DeviantArt"/>
+            <p:cNvPicPr>
+              <a:picLocks noChangeAspect="1"/>
+            </p:cNvPicPr>
+            <p:nvPr/>
+          </p:nvPicPr>
+          <p:blipFill>
+            <a:blip r:embed="rId3"/>
+            <a:stretch>
+              <a:fillRect/>
+            </a:stretch>
+          </p:blipFill>
+          <p:spPr>
+            <a:xfrm flipH="1">
+              <a:off x="2398532" y="4191774"/>
+              <a:ext cx="554200" cy="650191"/>
+            </a:xfrm>
+            <a:prstGeom prst="rect">
+              <a:avLst/>
+            </a:prstGeom>
+          </p:spPr>
+        </p:pic>
+        <p:pic>
+          <p:nvPicPr>
+            <p:cNvPr id="43" name="Picture 42" descr="Simple Cellphone Clipart by anubisza on DeviantArt"/>
+            <p:cNvPicPr>
+              <a:picLocks noChangeAspect="1"/>
+            </p:cNvPicPr>
+            <p:nvPr/>
+          </p:nvPicPr>
+          <p:blipFill>
+            <a:blip r:embed="rId3"/>
+            <a:stretch>
+              <a:fillRect/>
+            </a:stretch>
+          </p:blipFill>
+          <p:spPr>
+            <a:xfrm flipH="1">
+              <a:off x="2398532" y="4914333"/>
+              <a:ext cx="554200" cy="650191"/>
+            </a:xfrm>
+            <a:prstGeom prst="rect">
+              <a:avLst/>
+            </a:prstGeom>
+          </p:spPr>
+        </p:pic>
+        <p:grpSp>
+          <p:nvGrpSpPr>
+            <p:cNvPr id="48" name="Group 47"/>
+            <p:cNvGrpSpPr/>
+            <p:nvPr/>
+          </p:nvGrpSpPr>
+          <p:grpSpPr>
+            <a:xfrm rot="2277131">
+              <a:off x="2316490" y="3897446"/>
+              <a:ext cx="887924" cy="1023458"/>
+              <a:chOff x="2508770" y="3598877"/>
+              <a:chExt cx="887924" cy="1023458"/>
+            </a:xfrm>
+          </p:grpSpPr>
+          <p:sp>
+            <p:nvSpPr>
+              <p:cNvPr id="44" name="Arc 43"/>
+              <p:cNvSpPr/>
+              <p:nvPr/>
+            </p:nvSpPr>
+            <p:spPr>
+              <a:xfrm>
+                <a:off x="2508770" y="3598877"/>
+                <a:ext cx="887924" cy="1023458"/>
+              </a:xfrm>
+              <a:prstGeom prst="arc">
+                <a:avLst/>
+              </a:prstGeom>
+              <a:ln>
+                <a:solidFill>
+                  <a:schemeClr val="tx1"/>
+                </a:solidFill>
+              </a:ln>
+            </p:spPr>
+            <p:style>
+              <a:lnRef idx="1">
+                <a:schemeClr val="accent1"/>
+              </a:lnRef>
+              <a:fillRef idx="0">
+                <a:schemeClr val="accent1"/>
+              </a:fillRef>
+              <a:effectRef idx="0">
+                <a:schemeClr val="accent1"/>
+              </a:effectRef>
+              <a:fontRef idx="minor">
+                <a:schemeClr val="tx1"/>
+              </a:fontRef>
+            </p:style>
+            <p:txBody>
+              <a:bodyPr rtlCol="0" anchor="ctr"/>
+              <a:lstStyle/>
+              <a:p>
+                <a:pPr algn="ctr"/>
+                <a:endParaRPr lang="en-US"/>
+              </a:p>
+            </p:txBody>
+          </p:sp>
+          <p:sp>
+            <p:nvSpPr>
+              <p:cNvPr id="46" name="Arc 45"/>
+              <p:cNvSpPr/>
+              <p:nvPr/>
+            </p:nvSpPr>
+            <p:spPr>
+              <a:xfrm>
+                <a:off x="2650921" y="3708692"/>
+                <a:ext cx="643206" cy="730082"/>
+              </a:xfrm>
+              <a:prstGeom prst="arc">
+                <a:avLst/>
+              </a:prstGeom>
+              <a:ln>
+                <a:solidFill>
+                  <a:schemeClr val="tx1"/>
+                </a:solidFill>
+              </a:ln>
+            </p:spPr>
+            <p:style>
+              <a:lnRef idx="1">
+                <a:schemeClr val="accent1"/>
+              </a:lnRef>
+              <a:fillRef idx="0">
+                <a:schemeClr val="accent1"/>
+              </a:fillRef>
+              <a:effectRef idx="0">
+                <a:schemeClr val="accent1"/>
+              </a:effectRef>
+              <a:fontRef idx="minor">
+                <a:schemeClr val="tx1"/>
+              </a:fontRef>
+            </p:style>
+            <p:txBody>
+              <a:bodyPr rtlCol="0" anchor="ctr"/>
+              <a:lstStyle/>
+              <a:p>
+                <a:pPr algn="ctr"/>
+                <a:endParaRPr lang="en-US"/>
+              </a:p>
+            </p:txBody>
+          </p:sp>
+          <p:sp>
+            <p:nvSpPr>
+              <p:cNvPr id="47" name="Arc 46"/>
+              <p:cNvSpPr/>
+              <p:nvPr/>
+            </p:nvSpPr>
+            <p:spPr>
+              <a:xfrm>
+                <a:off x="2819347" y="3812648"/>
+                <a:ext cx="377393" cy="427987"/>
+              </a:xfrm>
+              <a:prstGeom prst="arc">
+                <a:avLst/>
+              </a:prstGeom>
+              <a:ln>
+                <a:solidFill>
+                  <a:schemeClr val="tx1"/>
+                </a:solidFill>
+              </a:ln>
+            </p:spPr>
+            <p:style>
+              <a:lnRef idx="1">
+                <a:schemeClr val="accent1"/>
+              </a:lnRef>
+              <a:fillRef idx="0">
+                <a:schemeClr val="accent1"/>
+              </a:fillRef>
+              <a:effectRef idx="0">
+                <a:schemeClr val="accent1"/>
+              </a:effectRef>
+              <a:fontRef idx="minor">
+                <a:schemeClr val="tx1"/>
+              </a:fontRef>
+            </p:style>
+            <p:txBody>
+              <a:bodyPr rtlCol="0" anchor="ctr"/>
+              <a:lstStyle/>
+              <a:p>
+                <a:pPr algn="ctr"/>
+                <a:endParaRPr lang="en-US"/>
+              </a:p>
+            </p:txBody>
+          </p:sp>
+        </p:grpSp>
+        <p:grpSp>
+          <p:nvGrpSpPr>
+            <p:cNvPr id="49" name="Group 48"/>
+            <p:cNvGrpSpPr/>
+            <p:nvPr/>
+          </p:nvGrpSpPr>
+          <p:grpSpPr>
+            <a:xfrm rot="12782066">
+              <a:off x="9038771" y="3730721"/>
+              <a:ext cx="887924" cy="1023458"/>
+              <a:chOff x="2508770" y="3598877"/>
+              <a:chExt cx="887924" cy="1023458"/>
+            </a:xfrm>
+          </p:grpSpPr>
+          <p:sp>
+            <p:nvSpPr>
+              <p:cNvPr id="50" name="Arc 49"/>
+              <p:cNvSpPr/>
+              <p:nvPr/>
+            </p:nvSpPr>
+            <p:spPr>
+              <a:xfrm>
+                <a:off x="2508770" y="3598877"/>
+                <a:ext cx="887924" cy="1023458"/>
+              </a:xfrm>
+              <a:prstGeom prst="arc">
+                <a:avLst/>
+              </a:prstGeom>
+              <a:ln>
+                <a:solidFill>
+                  <a:schemeClr val="tx1"/>
+                </a:solidFill>
+              </a:ln>
+            </p:spPr>
+            <p:style>
+              <a:lnRef idx="1">
+                <a:schemeClr val="accent1"/>
+              </a:lnRef>
+              <a:fillRef idx="0">
+                <a:schemeClr val="accent1"/>
+              </a:fillRef>
+              <a:effectRef idx="0">
+                <a:schemeClr val="accent1"/>
+              </a:effectRef>
+              <a:fontRef idx="minor">
+                <a:schemeClr val="tx1"/>
+              </a:fontRef>
+            </p:style>
+            <p:txBody>
+              <a:bodyPr rtlCol="0" anchor="ctr"/>
+              <a:lstStyle/>
+              <a:p>
+                <a:pPr algn="ctr"/>
+                <a:endParaRPr lang="en-US"/>
+              </a:p>
+            </p:txBody>
+          </p:sp>
+          <p:sp>
+            <p:nvSpPr>
+              <p:cNvPr id="51" name="Arc 50"/>
+              <p:cNvSpPr/>
+              <p:nvPr/>
+            </p:nvSpPr>
+            <p:spPr>
+              <a:xfrm>
+                <a:off x="2650921" y="3708692"/>
+                <a:ext cx="643206" cy="730082"/>
+              </a:xfrm>
+              <a:prstGeom prst="arc">
+                <a:avLst/>
+              </a:prstGeom>
+              <a:ln>
+                <a:solidFill>
+                  <a:schemeClr val="tx1"/>
+                </a:solidFill>
+              </a:ln>
+            </p:spPr>
+            <p:style>
+              <a:lnRef idx="1">
+                <a:schemeClr val="accent1"/>
+              </a:lnRef>
+              <a:fillRef idx="0">
+                <a:schemeClr val="accent1"/>
+              </a:fillRef>
+              <a:effectRef idx="0">
+                <a:schemeClr val="accent1"/>
+              </a:effectRef>
+              <a:fontRef idx="minor">
+                <a:schemeClr val="tx1"/>
+              </a:fontRef>
+            </p:style>
+            <p:txBody>
+              <a:bodyPr rtlCol="0" anchor="ctr"/>
+              <a:lstStyle/>
+              <a:p>
+                <a:pPr algn="ctr"/>
+                <a:endParaRPr lang="en-US"/>
+              </a:p>
+            </p:txBody>
+          </p:sp>
+          <p:sp>
+            <p:nvSpPr>
+              <p:cNvPr id="52" name="Arc 51"/>
+              <p:cNvSpPr/>
+              <p:nvPr/>
+            </p:nvSpPr>
+            <p:spPr>
+              <a:xfrm>
+                <a:off x="2819347" y="3812648"/>
+                <a:ext cx="377393" cy="427987"/>
+              </a:xfrm>
+              <a:prstGeom prst="arc">
+                <a:avLst/>
+              </a:prstGeom>
+              <a:ln>
+                <a:solidFill>
+                  <a:schemeClr val="tx1"/>
+                </a:solidFill>
+              </a:ln>
+            </p:spPr>
+            <p:style>
+              <a:lnRef idx="1">
+                <a:schemeClr val="accent1"/>
+              </a:lnRef>
+              <a:fillRef idx="0">
+                <a:schemeClr val="accent1"/>
+              </a:fillRef>
+              <a:effectRef idx="0">
+                <a:schemeClr val="accent1"/>
+              </a:effectRef>
+              <a:fontRef idx="minor">
+                <a:schemeClr val="tx1"/>
+              </a:fontRef>
+            </p:style>
+            <p:txBody>
+              <a:bodyPr rtlCol="0" anchor="ctr"/>
+              <a:lstStyle/>
+              <a:p>
+                <a:pPr algn="ctr"/>
+                <a:endParaRPr lang="en-US"/>
+              </a:p>
+            </p:txBody>
+          </p:sp>
+        </p:grpSp>
+        <p:grpSp>
+          <p:nvGrpSpPr>
+            <p:cNvPr id="53" name="Group 52"/>
+            <p:cNvGrpSpPr/>
+            <p:nvPr/>
+          </p:nvGrpSpPr>
+          <p:grpSpPr>
+            <a:xfrm rot="2174497">
+              <a:off x="2379049" y="4896211"/>
+              <a:ext cx="887924" cy="1023458"/>
+              <a:chOff x="2508770" y="3598877"/>
+              <a:chExt cx="887924" cy="1023458"/>
+            </a:xfrm>
+          </p:grpSpPr>
+          <p:sp>
+            <p:nvSpPr>
+              <p:cNvPr id="54" name="Arc 53"/>
+              <p:cNvSpPr/>
+              <p:nvPr/>
+            </p:nvSpPr>
+            <p:spPr>
+              <a:xfrm>
+                <a:off x="2508770" y="3598877"/>
+                <a:ext cx="887924" cy="1023458"/>
+              </a:xfrm>
+              <a:prstGeom prst="arc">
+                <a:avLst/>
+              </a:prstGeom>
+              <a:ln>
+                <a:solidFill>
+                  <a:schemeClr val="tx1"/>
+                </a:solidFill>
+              </a:ln>
+            </p:spPr>
+            <p:style>
+              <a:lnRef idx="1">
+                <a:schemeClr val="accent1"/>
+              </a:lnRef>
+              <a:fillRef idx="0">
+                <a:schemeClr val="accent1"/>
+              </a:fillRef>
+              <a:effectRef idx="0">
+                <a:schemeClr val="accent1"/>
+              </a:effectRef>
+              <a:fontRef idx="minor">
+                <a:schemeClr val="tx1"/>
+              </a:fontRef>
+            </p:style>
+            <p:txBody>
+              <a:bodyPr rtlCol="0" anchor="ctr"/>
+              <a:lstStyle/>
+              <a:p>
+                <a:pPr algn="ctr"/>
+                <a:endParaRPr lang="en-US"/>
+              </a:p>
+            </p:txBody>
+          </p:sp>
+          <p:sp>
+            <p:nvSpPr>
+              <p:cNvPr id="55" name="Arc 54"/>
+              <p:cNvSpPr/>
+              <p:nvPr/>
+            </p:nvSpPr>
+            <p:spPr>
+              <a:xfrm>
+                <a:off x="2650921" y="3708692"/>
+                <a:ext cx="643206" cy="730082"/>
+              </a:xfrm>
+              <a:prstGeom prst="arc">
+                <a:avLst/>
+              </a:prstGeom>
+              <a:ln>
+                <a:solidFill>
+                  <a:schemeClr val="tx1"/>
+                </a:solidFill>
+              </a:ln>
+            </p:spPr>
+            <p:style>
+              <a:lnRef idx="1">
+                <a:schemeClr val="accent1"/>
+              </a:lnRef>
+              <a:fillRef idx="0">
+                <a:schemeClr val="accent1"/>
+              </a:fillRef>
+              <a:effectRef idx="0">
+                <a:schemeClr val="accent1"/>
+              </a:effectRef>
+              <a:fontRef idx="minor">
+                <a:schemeClr val="tx1"/>
+              </a:fontRef>
+            </p:style>
+            <p:txBody>
+              <a:bodyPr rtlCol="0" anchor="ctr"/>
+              <a:lstStyle/>
+              <a:p>
+                <a:pPr algn="ctr"/>
+                <a:endParaRPr lang="en-US" dirty="0"/>
+              </a:p>
+            </p:txBody>
+          </p:sp>
+          <p:sp>
+            <p:nvSpPr>
+              <p:cNvPr id="56" name="Arc 55"/>
+              <p:cNvSpPr/>
+              <p:nvPr/>
+            </p:nvSpPr>
+            <p:spPr>
+              <a:xfrm>
+                <a:off x="2819347" y="3812648"/>
+                <a:ext cx="377393" cy="427987"/>
+              </a:xfrm>
+              <a:prstGeom prst="arc">
+                <a:avLst/>
+              </a:prstGeom>
+              <a:ln>
+                <a:solidFill>
+                  <a:schemeClr val="tx1"/>
+                </a:solidFill>
+              </a:ln>
+            </p:spPr>
+            <p:style>
+              <a:lnRef idx="1">
+                <a:schemeClr val="accent1"/>
+              </a:lnRef>
+              <a:fillRef idx="0">
+                <a:schemeClr val="accent1"/>
+              </a:fillRef>
+              <a:effectRef idx="0">
+                <a:schemeClr val="accent1"/>
+              </a:effectRef>
+              <a:fontRef idx="minor">
+                <a:schemeClr val="tx1"/>
+              </a:fontRef>
+            </p:style>
+            <p:txBody>
+              <a:bodyPr rtlCol="0" anchor="ctr"/>
+              <a:lstStyle/>
+              <a:p>
+                <a:pPr algn="ctr"/>
+                <a:endParaRPr lang="en-US"/>
+              </a:p>
+            </p:txBody>
+          </p:sp>
+        </p:grpSp>
+        <p:grpSp>
+          <p:nvGrpSpPr>
+            <p:cNvPr id="57" name="Group 56"/>
+            <p:cNvGrpSpPr/>
+            <p:nvPr/>
+          </p:nvGrpSpPr>
+          <p:grpSpPr>
+            <a:xfrm rot="12968342">
+              <a:off x="9071959" y="4598372"/>
+              <a:ext cx="887924" cy="1023458"/>
+              <a:chOff x="2508770" y="3598877"/>
+              <a:chExt cx="887924" cy="1023458"/>
+            </a:xfrm>
+          </p:grpSpPr>
+          <p:sp>
+            <p:nvSpPr>
+              <p:cNvPr id="58" name="Arc 57"/>
+              <p:cNvSpPr/>
+              <p:nvPr/>
+            </p:nvSpPr>
+            <p:spPr>
+              <a:xfrm>
+                <a:off x="2508770" y="3598877"/>
+                <a:ext cx="887924" cy="1023458"/>
+              </a:xfrm>
+              <a:prstGeom prst="arc">
+                <a:avLst/>
+              </a:prstGeom>
+              <a:ln>
+                <a:solidFill>
+                  <a:schemeClr val="tx1"/>
+                </a:solidFill>
+              </a:ln>
+            </p:spPr>
+            <p:style>
+              <a:lnRef idx="1">
+                <a:schemeClr val="accent1"/>
+              </a:lnRef>
+              <a:fillRef idx="0">
+                <a:schemeClr val="accent1"/>
+              </a:fillRef>
+              <a:effectRef idx="0">
+                <a:schemeClr val="accent1"/>
+              </a:effectRef>
+              <a:fontRef idx="minor">
+                <a:schemeClr val="tx1"/>
+              </a:fontRef>
+            </p:style>
+            <p:txBody>
+              <a:bodyPr rtlCol="0" anchor="ctr"/>
+              <a:lstStyle/>
+              <a:p>
+                <a:pPr algn="ctr"/>
+                <a:endParaRPr lang="en-US"/>
+              </a:p>
+            </p:txBody>
+          </p:sp>
+          <p:sp>
+            <p:nvSpPr>
+              <p:cNvPr id="59" name="Arc 58"/>
+              <p:cNvSpPr/>
+              <p:nvPr/>
+            </p:nvSpPr>
+            <p:spPr>
+              <a:xfrm>
+                <a:off x="2650921" y="3708692"/>
+                <a:ext cx="643206" cy="730082"/>
+              </a:xfrm>
+              <a:prstGeom prst="arc">
+                <a:avLst/>
+              </a:prstGeom>
+              <a:ln>
+                <a:solidFill>
+                  <a:schemeClr val="tx1"/>
+                </a:solidFill>
+              </a:ln>
+            </p:spPr>
+            <p:style>
+              <a:lnRef idx="1">
+                <a:schemeClr val="accent1"/>
+              </a:lnRef>
+              <a:fillRef idx="0">
+                <a:schemeClr val="accent1"/>
+              </a:fillRef>
+              <a:effectRef idx="0">
+                <a:schemeClr val="accent1"/>
+              </a:effectRef>
+              <a:fontRef idx="minor">
+                <a:schemeClr val="tx1"/>
+              </a:fontRef>
+            </p:style>
+            <p:txBody>
+              <a:bodyPr rtlCol="0" anchor="ctr"/>
+              <a:lstStyle/>
+              <a:p>
+                <a:pPr algn="ctr"/>
+                <a:endParaRPr lang="en-US"/>
+              </a:p>
+            </p:txBody>
+          </p:sp>
+          <p:sp>
+            <p:nvSpPr>
+              <p:cNvPr id="60" name="Arc 59"/>
+              <p:cNvSpPr/>
+              <p:nvPr/>
+            </p:nvSpPr>
+            <p:spPr>
+              <a:xfrm>
+                <a:off x="2819347" y="3812648"/>
+                <a:ext cx="377393" cy="427987"/>
+              </a:xfrm>
+              <a:prstGeom prst="arc">
+                <a:avLst/>
+              </a:prstGeom>
+              <a:ln>
+                <a:solidFill>
+                  <a:schemeClr val="tx1"/>
+                </a:solidFill>
+              </a:ln>
+            </p:spPr>
+            <p:style>
+              <a:lnRef idx="1">
+                <a:schemeClr val="accent1"/>
+              </a:lnRef>
+              <a:fillRef idx="0">
+                <a:schemeClr val="accent1"/>
+              </a:fillRef>
+              <a:effectRef idx="0">
+                <a:schemeClr val="accent1"/>
+              </a:effectRef>
+              <a:fontRef idx="minor">
+                <a:schemeClr val="tx1"/>
+              </a:fontRef>
+            </p:style>
+            <p:txBody>
+              <a:bodyPr rtlCol="0" anchor="ctr"/>
+              <a:lstStyle/>
+              <a:p>
+                <a:pPr algn="ctr"/>
+                <a:endParaRPr lang="en-US"/>
+              </a:p>
+            </p:txBody>
+          </p:sp>
+        </p:grpSp>
+        <p:sp>
+          <p:nvSpPr>
+            <p:cNvPr id="61" name="Callout: Line 60"/>
+            <p:cNvSpPr/>
+            <p:nvPr/>
+          </p:nvSpPr>
+          <p:spPr>
+            <a:xfrm>
+              <a:off x="10097665" y="3356993"/>
+              <a:ext cx="1222774" cy="763264"/>
+            </a:xfrm>
+            <a:prstGeom prst="borderCallout1">
+              <a:avLst>
+                <a:gd name="adj1" fmla="val 18750"/>
+                <a:gd name="adj2" fmla="val -8333"/>
+                <a:gd name="adj3" fmla="val 101509"/>
+                <a:gd name="adj4" fmla="val -32158"/>
+              </a:avLst>
+            </a:prstGeom>
+            <a:solidFill>
+              <a:schemeClr val="lt1">
+                <a:alpha val="71000"/>
+              </a:schemeClr>
+            </a:solidFill>
+          </p:spPr>
+          <p:style>
+            <a:lnRef idx="2">
+              <a:schemeClr val="accent5"/>
+            </a:lnRef>
+            <a:fillRef idx="1">
+              <a:schemeClr val="lt1"/>
+            </a:fillRef>
+            <a:effectRef idx="0">
+              <a:schemeClr val="accent5"/>
+            </a:effectRef>
+            <a:fontRef idx="minor">
+              <a:schemeClr val="dk1"/>
+            </a:fontRef>
+          </p:style>
+          <p:txBody>
+            <a:bodyPr rtlCol="0" anchor="ctr"/>
+            <a:lstStyle/>
+            <a:p>
+              <a:pPr algn="ctr"/>
+              <a:r>
+                <a:rPr lang="en-US" sz="1400" dirty="0"/>
+                <a:t>Client Endpoint</a:t>
+              </a:r>
+            </a:p>
+          </p:txBody>
+        </p:sp>
+      </p:grpSp>
+      <p:sp>
+        <p:nvSpPr>
+          <p:cNvPr id="7" name="Rectangle 6"/>
+          <p:cNvSpPr/>
+          <p:nvPr/>
+        </p:nvSpPr>
         <p:spPr>
           <a:xfrm>
-            <a:off x="1141413" y="308125"/>
-            <a:ext cx="9905998" cy="1478570"/>
+            <a:off x="9069803" y="2179916"/>
+            <a:ext cx="1483547" cy="1038112"/>
+          </a:xfrm>
+          <a:prstGeom prst="rect">
+            <a:avLst/>
+          </a:prstGeom>
+          <a:noFill/>
+          <a:ln w="38100">
+            <a:solidFill>
+              <a:srgbClr val="92D050"/>
+            </a:solidFill>
+          </a:ln>
+        </p:spPr>
+        <p:style>
+          <a:lnRef idx="2">
+            <a:schemeClr val="accent1">
+              <a:shade val="50000"/>
+            </a:schemeClr>
+          </a:lnRef>
+          <a:fillRef idx="1">
+            <a:schemeClr val="accent1"/>
+          </a:fillRef>
+          <a:effectRef idx="0">
+            <a:schemeClr val="accent1"/>
+          </a:effectRef>
+          <a:fontRef idx="minor">
+            <a:schemeClr val="lt1"/>
+          </a:fontRef>
+        </p:style>
+        <p:txBody>
+          <a:bodyPr rtlCol="0" anchor="ctr"/>
+          <a:lstStyle/>
+          <a:p>
+            <a:pPr algn="ctr"/>
+            <a:endParaRPr lang="en-US"/>
+          </a:p>
+        </p:txBody>
+      </p:sp>
+      <p:sp>
+        <p:nvSpPr>
+          <p:cNvPr id="11" name="TextBox 10"/>
+          <p:cNvSpPr txBox="1"/>
+          <p:nvPr/>
+        </p:nvSpPr>
+        <p:spPr>
+          <a:xfrm>
+            <a:off x="1141413" y="2008306"/>
+            <a:ext cx="4325713" cy="1200329"/>
+          </a:xfrm>
+          <a:prstGeom prst="rect">
+            <a:avLst/>
+          </a:prstGeom>
+          <a:noFill/>
+        </p:spPr>
+        <p:txBody>
+          <a:bodyPr wrap="square" rtlCol="0">
+            <a:spAutoFit/>
+          </a:bodyPr>
+          <a:lstStyle/>
+          <a:p>
+            <a:pPr marL="285750" indent="-285750">
+              <a:buFont typeface="Arial" panose="020B0604020202020204" pitchFamily="34" charset="0"/>
+              <a:buChar char="•"/>
+            </a:pPr>
+            <a:r>
+              <a:rPr lang="en-US" sz="2400" dirty="0"/>
+              <a:t>Service-specific processing</a:t>
+            </a:r>
+          </a:p>
+          <a:p>
+            <a:pPr marL="285750" indent="-285750">
+              <a:buFont typeface="Arial" panose="020B0604020202020204" pitchFamily="34" charset="0"/>
+              <a:buChar char="•"/>
+            </a:pPr>
+            <a:endParaRPr lang="en-US" sz="2400" dirty="0"/>
+          </a:p>
+          <a:p>
+            <a:pPr marL="285750" indent="-285750">
+              <a:buFont typeface="Arial" panose="020B0604020202020204" pitchFamily="34" charset="0"/>
+              <a:buChar char="•"/>
+            </a:pPr>
+            <a:r>
+              <a:rPr lang="en-US" sz="2400" dirty="0"/>
+              <a:t>Likely uses Broker services</a:t>
+            </a:r>
+          </a:p>
+        </p:txBody>
+      </p:sp>
+      <p:cxnSp>
+        <p:nvCxnSpPr>
+          <p:cNvPr id="14" name="Connector: Elbow 13"/>
+          <p:cNvCxnSpPr>
+            <a:cxnSpLocks/>
+            <a:stCxn id="7" idx="0"/>
+          </p:cNvCxnSpPr>
+          <p:nvPr/>
+        </p:nvCxnSpPr>
+        <p:spPr>
+          <a:xfrm rot="16200000" flipV="1">
+            <a:off x="8388467" y="756806"/>
+            <a:ext cx="828016" cy="2018204"/>
+          </a:xfrm>
+          <a:prstGeom prst="bentConnector2">
+            <a:avLst/>
+          </a:prstGeom>
+          <a:ln w="38100">
+            <a:solidFill>
+              <a:srgbClr val="92D050"/>
+            </a:solidFill>
+            <a:tailEnd type="triangle"/>
+          </a:ln>
+        </p:spPr>
+        <p:style>
+          <a:lnRef idx="1">
+            <a:schemeClr val="accent1"/>
+          </a:lnRef>
+          <a:fillRef idx="0">
+            <a:schemeClr val="accent1"/>
+          </a:fillRef>
+          <a:effectRef idx="0">
+            <a:schemeClr val="accent1"/>
+          </a:effectRef>
+          <a:fontRef idx="minor">
+            <a:schemeClr val="tx1"/>
+          </a:fontRef>
+        </p:style>
+      </p:cxnSp>
+    </p:spTree>
+    <p:extLst>
+      <p:ext uri="{BB962C8B-B14F-4D97-AF65-F5344CB8AC3E}">
+        <p14:creationId xmlns:p14="http://schemas.microsoft.com/office/powerpoint/2010/main" val="2479225123"/>
+      </p:ext>
+    </p:extLst>
+  </p:cSld>
+  <p:clrMapOvr>
+    <a:masterClrMapping/>
+  </p:clrMapOvr>
+</p:sld>
+</file>
+
+<file path=ppt/slides/slide18.xml><?xml version="1.0" encoding="utf-8"?>
+<p:sld xmlns:a="http://schemas.openxmlformats.org/drawingml/2006/main" xmlns:r="http://schemas.openxmlformats.org/officeDocument/2006/relationships" xmlns:p="http://schemas.openxmlformats.org/presentationml/2006/main">
+  <p:cSld>
+    <p:spTree>
+      <p:nvGrpSpPr>
+        <p:cNvPr id="1" name=""/>
+        <p:cNvGrpSpPr/>
+        <p:nvPr/>
+      </p:nvGrpSpPr>
+      <p:grpSpPr>
+        <a:xfrm>
+          <a:off x="0" y="0"/>
+          <a:ext cx="0" cy="0"/>
+          <a:chOff x="0" y="0"/>
+          <a:chExt cx="0" cy="0"/>
+        </a:xfrm>
+      </p:grpSpPr>
+      <p:sp>
+        <p:nvSpPr>
+          <p:cNvPr id="2" name="Title 1"/>
+          <p:cNvSpPr>
+            <a:spLocks noGrp="1"/>
+          </p:cNvSpPr>
+          <p:nvPr>
+            <p:ph type="title"/>
+          </p:nvPr>
+        </p:nvSpPr>
+        <p:spPr/>
+        <p:txBody>
+          <a:bodyPr/>
+          <a:lstStyle/>
+          <a:p>
+            <a:r>
+              <a:rPr lang="en-US" dirty="0"/>
+              <a:t>Deployment scenarios</a:t>
+            </a:r>
+          </a:p>
+        </p:txBody>
+      </p:sp>
+      <p:sp>
+        <p:nvSpPr>
+          <p:cNvPr id="3" name="Content Placeholder 2"/>
+          <p:cNvSpPr>
+            <a:spLocks noGrp="1"/>
+          </p:cNvSpPr>
+          <p:nvPr>
+            <p:ph idx="1"/>
+          </p:nvPr>
+        </p:nvSpPr>
+        <p:spPr>
+          <a:xfrm>
+            <a:off x="1141412" y="2249487"/>
+            <a:ext cx="9905999" cy="3874476"/>
           </a:xfrm>
         </p:spPr>
         <p:txBody>
-          <a:bodyPr/>
+          <a:bodyPr>
+            <a:normAutofit/>
+          </a:bodyPr>
           <a:lstStyle/>
           <a:p>
-            <a:pPr algn="ctr"/>
             <a:r>
               <a:rPr lang="en-US" dirty="0"/>
-              <a:t>Deployment scenarios – </a:t>
+              <a:t>Latency/complexity tradeoffs</a:t>
+            </a:r>
+          </a:p>
+          <a:p>
+            <a:r>
+              <a:rPr lang="en-US" dirty="0"/>
+              <a:t>“Within the City” (future / new) - ~10ms RTT</a:t>
+            </a:r>
+          </a:p>
+          <a:p>
+            <a:pPr lvl="1"/>
+            <a:r>
+              <a:rPr lang="en-US" dirty="0"/>
+              <a:t>Metropolitan Intelligent Transportation System</a:t>
+            </a:r>
+          </a:p>
+          <a:p>
+            <a:pPr lvl="1"/>
+            <a:r>
+              <a:rPr lang="en-US" dirty="0" err="1"/>
+              <a:t>CloudRAN</a:t>
+            </a:r>
+            <a:r>
+              <a:rPr lang="en-US" dirty="0"/>
+              <a:t> Data Center</a:t>
+            </a:r>
+          </a:p>
+          <a:p>
+            <a:r>
+              <a:rPr lang="en-US" dirty="0"/>
+              <a:t>Existing mobile carrier deployments</a:t>
+            </a:r>
+          </a:p>
+          <a:p>
+            <a:pPr lvl="1"/>
+            <a:r>
+              <a:rPr lang="en-US" dirty="0"/>
+              <a:t>“Tap in” at regional datacenter - ~25ms RTT</a:t>
+            </a:r>
+          </a:p>
+          <a:p>
+            <a:pPr lvl="1"/>
+            <a:r>
+              <a:rPr lang="en-US" dirty="0"/>
+              <a:t>Integrate right at the edge (</a:t>
             </a:r>
             <a:r>
               <a:rPr lang="en-US" dirty="0" err="1"/>
-              <a:t>enodeb</a:t>
+              <a:t>eNodeB</a:t>
             </a:r>
-            <a:endParaRPr lang="en-US" dirty="0"/>
+            <a:r>
+              <a:rPr lang="en-US" dirty="0"/>
+              <a:t> access point) – ~0ms RTT…</a:t>
+            </a:r>
+          </a:p>
+          <a:p>
+            <a:pPr lvl="1"/>
+            <a:r>
+              <a:rPr lang="en-US" dirty="0"/>
+              <a:t>National datacenter at client data egress - ~50ms RTT</a:t>
+            </a:r>
           </a:p>
         </p:txBody>
       </p:sp>
       <p:pic>
         <p:nvPicPr>
-          <p:cNvPr id="3" name="Picture 2"/>
+          <p:cNvPr id="4" name="Picture 3"/>
           <p:cNvPicPr>
             <a:picLocks noChangeAspect="1"/>
           </p:cNvPicPr>
@@ -14534,23 +21719,374 @@
         </p:nvPicPr>
         <p:blipFill rotWithShape="1">
           <a:blip r:embed="rId2"/>
-          <a:srcRect l="67747" t="239" r="-59"/>
+          <a:srcRect r="67870" b="-22"/>
           <a:stretch/>
         </p:blipFill>
         <p:spPr>
           <a:xfrm>
-            <a:off x="4303363" y="1627464"/>
-            <a:ext cx="3582098" cy="4744287"/>
+            <a:off x="7312505" y="335400"/>
+            <a:ext cx="3518218" cy="4698368"/>
           </a:xfrm>
           <a:prstGeom prst="rect">
             <a:avLst/>
           </a:prstGeom>
         </p:spPr>
       </p:pic>
+      <p:sp>
+        <p:nvSpPr>
+          <p:cNvPr id="5" name="Rectangle 4"/>
+          <p:cNvSpPr/>
+          <p:nvPr/>
+        </p:nvSpPr>
+        <p:spPr>
+          <a:xfrm>
+            <a:off x="7775705" y="407729"/>
+            <a:ext cx="2608976" cy="1912690"/>
+          </a:xfrm>
+          <a:prstGeom prst="rect">
+            <a:avLst/>
+          </a:prstGeom>
+          <a:noFill/>
+          <a:ln w="38100">
+            <a:solidFill>
+              <a:srgbClr val="92D050"/>
+            </a:solidFill>
+          </a:ln>
+        </p:spPr>
+        <p:style>
+          <a:lnRef idx="2">
+            <a:schemeClr val="accent1">
+              <a:shade val="50000"/>
+            </a:schemeClr>
+          </a:lnRef>
+          <a:fillRef idx="1">
+            <a:schemeClr val="accent1"/>
+          </a:fillRef>
+          <a:effectRef idx="0">
+            <a:schemeClr val="accent1"/>
+          </a:effectRef>
+          <a:fontRef idx="minor">
+            <a:schemeClr val="lt1"/>
+          </a:fontRef>
+        </p:style>
+        <p:txBody>
+          <a:bodyPr rtlCol="0" anchor="ctr"/>
+          <a:lstStyle/>
+          <a:p>
+            <a:pPr algn="ctr"/>
+            <a:endParaRPr lang="en-US"/>
+          </a:p>
+        </p:txBody>
+      </p:sp>
+      <p:sp>
+        <p:nvSpPr>
+          <p:cNvPr id="6" name="Callout: Line 5"/>
+          <p:cNvSpPr/>
+          <p:nvPr/>
+        </p:nvSpPr>
+        <p:spPr>
+          <a:xfrm>
+            <a:off x="10464280" y="3541132"/>
+            <a:ext cx="863658" cy="539102"/>
+          </a:xfrm>
+          <a:prstGeom prst="borderCallout1">
+            <a:avLst>
+              <a:gd name="adj1" fmla="val 18750"/>
+              <a:gd name="adj2" fmla="val -8333"/>
+              <a:gd name="adj3" fmla="val 101509"/>
+              <a:gd name="adj4" fmla="val -32158"/>
+            </a:avLst>
+          </a:prstGeom>
+          <a:solidFill>
+            <a:schemeClr val="lt1">
+              <a:alpha val="71000"/>
+            </a:schemeClr>
+          </a:solidFill>
+        </p:spPr>
+        <p:style>
+          <a:lnRef idx="2">
+            <a:schemeClr val="accent5"/>
+          </a:lnRef>
+          <a:fillRef idx="1">
+            <a:schemeClr val="lt1"/>
+          </a:fillRef>
+          <a:effectRef idx="0">
+            <a:schemeClr val="accent5"/>
+          </a:effectRef>
+          <a:fontRef idx="minor">
+            <a:schemeClr val="dk1"/>
+          </a:fontRef>
+        </p:style>
+        <p:txBody>
+          <a:bodyPr rtlCol="0" anchor="ctr"/>
+          <a:lstStyle/>
+          <a:p>
+            <a:pPr algn="ctr"/>
+            <a:r>
+              <a:rPr lang="en-US" sz="1400" dirty="0"/>
+              <a:t>Client Endpoint</a:t>
+            </a:r>
+          </a:p>
+        </p:txBody>
+      </p:sp>
+      <p:sp>
+        <p:nvSpPr>
+          <p:cNvPr id="7" name="Rectangle 6"/>
+          <p:cNvSpPr/>
+          <p:nvPr/>
+        </p:nvSpPr>
+        <p:spPr>
+          <a:xfrm>
+            <a:off x="9671617" y="3452933"/>
+            <a:ext cx="1736521" cy="1048624"/>
+          </a:xfrm>
+          <a:prstGeom prst="rect">
+            <a:avLst/>
+          </a:prstGeom>
+          <a:noFill/>
+          <a:ln w="38100">
+            <a:solidFill>
+              <a:srgbClr val="92D050"/>
+            </a:solidFill>
+          </a:ln>
+        </p:spPr>
+        <p:style>
+          <a:lnRef idx="2">
+            <a:schemeClr val="accent1">
+              <a:shade val="50000"/>
+            </a:schemeClr>
+          </a:lnRef>
+          <a:fillRef idx="1">
+            <a:schemeClr val="accent1"/>
+          </a:fillRef>
+          <a:effectRef idx="0">
+            <a:schemeClr val="accent1"/>
+          </a:effectRef>
+          <a:fontRef idx="minor">
+            <a:schemeClr val="lt1"/>
+          </a:fontRef>
+        </p:style>
+        <p:txBody>
+          <a:bodyPr rtlCol="0" anchor="ctr"/>
+          <a:lstStyle/>
+          <a:p>
+            <a:pPr algn="ctr"/>
+            <a:endParaRPr lang="en-US"/>
+          </a:p>
+        </p:txBody>
+      </p:sp>
+      <p:sp>
+        <p:nvSpPr>
+          <p:cNvPr id="8" name="Rectangle 7"/>
+          <p:cNvSpPr/>
+          <p:nvPr/>
+        </p:nvSpPr>
+        <p:spPr>
+          <a:xfrm>
+            <a:off x="7908324" y="4719483"/>
+            <a:ext cx="2343737" cy="218114"/>
+          </a:xfrm>
+          <a:prstGeom prst="rect">
+            <a:avLst/>
+          </a:prstGeom>
+          <a:solidFill>
+            <a:schemeClr val="tx1"/>
+          </a:solidFill>
+        </p:spPr>
+        <p:style>
+          <a:lnRef idx="2">
+            <a:schemeClr val="accent1">
+              <a:shade val="50000"/>
+            </a:schemeClr>
+          </a:lnRef>
+          <a:fillRef idx="1">
+            <a:schemeClr val="accent1"/>
+          </a:fillRef>
+          <a:effectRef idx="0">
+            <a:schemeClr val="accent1"/>
+          </a:effectRef>
+          <a:fontRef idx="minor">
+            <a:schemeClr val="lt1"/>
+          </a:fontRef>
+        </p:style>
+        <p:txBody>
+          <a:bodyPr rtlCol="0" anchor="ctr"/>
+          <a:lstStyle/>
+          <a:p>
+            <a:pPr algn="ctr"/>
+            <a:r>
+              <a:rPr lang="en-US" dirty="0">
+                <a:solidFill>
+                  <a:schemeClr val="bg1"/>
+                </a:solidFill>
+              </a:rPr>
+              <a:t>Mercury in 4G Context</a:t>
+            </a:r>
+          </a:p>
+        </p:txBody>
+      </p:sp>
     </p:spTree>
     <p:extLst>
       <p:ext uri="{BB962C8B-B14F-4D97-AF65-F5344CB8AC3E}">
-        <p14:creationId xmlns:p14="http://schemas.microsoft.com/office/powerpoint/2010/main" val="3376742031"/>
+        <p14:creationId xmlns:p14="http://schemas.microsoft.com/office/powerpoint/2010/main" val="558600912"/>
+      </p:ext>
+    </p:extLst>
+  </p:cSld>
+  <p:clrMapOvr>
+    <a:masterClrMapping/>
+  </p:clrMapOvr>
+</p:sld>
+</file>
+
+<file path=ppt/slides/slide19.xml><?xml version="1.0" encoding="utf-8"?>
+<p:sld xmlns:a="http://schemas.openxmlformats.org/drawingml/2006/main" xmlns:r="http://schemas.openxmlformats.org/officeDocument/2006/relationships" xmlns:p="http://schemas.openxmlformats.org/presentationml/2006/main" show="0">
+  <p:cSld>
+    <p:spTree>
+      <p:nvGrpSpPr>
+        <p:cNvPr id="1" name=""/>
+        <p:cNvGrpSpPr/>
+        <p:nvPr/>
+      </p:nvGrpSpPr>
+      <p:grpSpPr>
+        <a:xfrm>
+          <a:off x="0" y="0"/>
+          <a:ext cx="0" cy="0"/>
+          <a:chOff x="0" y="0"/>
+          <a:chExt cx="0" cy="0"/>
+        </a:xfrm>
+      </p:grpSpPr>
+      <p:sp>
+        <p:nvSpPr>
+          <p:cNvPr id="2" name="Title 1"/>
+          <p:cNvSpPr>
+            <a:spLocks noGrp="1"/>
+          </p:cNvSpPr>
+          <p:nvPr>
+            <p:ph type="title"/>
+          </p:nvPr>
+        </p:nvSpPr>
+        <p:spPr/>
+        <p:txBody>
+          <a:bodyPr/>
+          <a:lstStyle/>
+          <a:p>
+            <a:r>
+              <a:rPr lang="en-US" dirty="0"/>
+              <a:t>Related work</a:t>
+            </a:r>
+          </a:p>
+        </p:txBody>
+      </p:sp>
+      <p:sp>
+        <p:nvSpPr>
+          <p:cNvPr id="3" name="Content Placeholder 2"/>
+          <p:cNvSpPr>
+            <a:spLocks noGrp="1"/>
+          </p:cNvSpPr>
+          <p:nvPr>
+            <p:ph idx="1"/>
+          </p:nvPr>
+        </p:nvSpPr>
+        <p:spPr>
+          <a:xfrm>
+            <a:off x="1141412" y="2249487"/>
+            <a:ext cx="9905999" cy="3857698"/>
+          </a:xfrm>
+        </p:spPr>
+        <p:txBody>
+          <a:bodyPr>
+            <a:normAutofit fontScale="92500" lnSpcReduction="20000"/>
+          </a:bodyPr>
+          <a:lstStyle/>
+          <a:p>
+            <a:r>
+              <a:rPr lang="en-US" dirty="0"/>
+              <a:t>Focuses on one end or the other</a:t>
+            </a:r>
+          </a:p>
+          <a:p>
+            <a:pPr lvl="1"/>
+            <a:r>
+              <a:rPr lang="en-US" dirty="0"/>
+              <a:t>Vehicle Area Networks</a:t>
+            </a:r>
+          </a:p>
+          <a:p>
+            <a:pPr lvl="2"/>
+            <a:r>
+              <a:rPr lang="en-US" dirty="0"/>
+              <a:t>Clustering, delivery resilience, with LTE bridging</a:t>
+            </a:r>
+          </a:p>
+          <a:p>
+            <a:pPr lvl="2"/>
+            <a:r>
+              <a:rPr lang="en-US" dirty="0" err="1"/>
+              <a:t>VMaSC</a:t>
+            </a:r>
+            <a:r>
+              <a:rPr lang="en-US" dirty="0"/>
+              <a:t>, MDMAC, </a:t>
+            </a:r>
+            <a:r>
+              <a:rPr lang="en-US" dirty="0" err="1"/>
+              <a:t>NHop</a:t>
+            </a:r>
+            <a:endParaRPr lang="en-US" dirty="0"/>
+          </a:p>
+          <a:p>
+            <a:pPr lvl="1"/>
+            <a:r>
+              <a:rPr lang="en-US" dirty="0"/>
+              <a:t>Mobile </a:t>
+            </a:r>
+            <a:r>
+              <a:rPr lang="en-US" dirty="0" err="1"/>
+              <a:t>pubsub</a:t>
+            </a:r>
+            <a:endParaRPr lang="en-US" dirty="0"/>
+          </a:p>
+          <a:p>
+            <a:pPr lvl="2"/>
+            <a:r>
+              <a:rPr lang="en-US" dirty="0"/>
+              <a:t>Tracking changes in association</a:t>
+            </a:r>
+          </a:p>
+          <a:p>
+            <a:pPr lvl="2"/>
+            <a:r>
+              <a:rPr lang="en-US" dirty="0" err="1"/>
+              <a:t>MoPS</a:t>
+            </a:r>
+            <a:endParaRPr lang="en-US" dirty="0"/>
+          </a:p>
+          <a:p>
+            <a:r>
+              <a:rPr lang="en-US" dirty="0"/>
+              <a:t>Deficiencies: </a:t>
+            </a:r>
+          </a:p>
+          <a:p>
+            <a:pPr lvl="1"/>
+            <a:r>
+              <a:rPr lang="en-US" dirty="0"/>
+              <a:t>Little to no attention paid to mobile core network</a:t>
+            </a:r>
+          </a:p>
+          <a:p>
+            <a:pPr lvl="1"/>
+            <a:r>
+              <a:rPr lang="en-US" dirty="0"/>
+              <a:t>No holistic systems (that we could find)</a:t>
+            </a:r>
+          </a:p>
+        </p:txBody>
+      </p:sp>
+    </p:spTree>
+    <p:extLst>
+      <p:ext uri="{BB962C8B-B14F-4D97-AF65-F5344CB8AC3E}">
+        <p14:creationId xmlns:p14="http://schemas.microsoft.com/office/powerpoint/2010/main" val="3469386797"/>
       </p:ext>
     </p:extLst>
   </p:cSld>
@@ -14719,8 +22255,8 @@
         </p:nvSpPr>
         <p:spPr>
           <a:xfrm>
-            <a:off x="3094654" y="5191294"/>
-            <a:ext cx="8503298" cy="523220"/>
+            <a:off x="2718034" y="4883650"/>
+            <a:ext cx="9102054" cy="1384995"/>
           </a:xfrm>
           <a:prstGeom prst="rect">
             <a:avLst/>
@@ -14732,10 +22268,33 @@
           </a:bodyPr>
           <a:lstStyle/>
           <a:p>
-            <a:pPr lvl="1"/>
+            <a:pPr marL="914400" lvl="1" indent="-457200">
+              <a:buFont typeface="Arial" panose="020B0604020202020204" pitchFamily="34" charset="0"/>
+              <a:buChar char="•"/>
+            </a:pPr>
             <a:r>
               <a:rPr lang="en-US" sz="2800" dirty="0"/>
-              <a:t>Want: location- and trajectory-relevant communication</a:t>
+              <a:t>Want: location-relevant communication</a:t>
+            </a:r>
+          </a:p>
+          <a:p>
+            <a:pPr marL="914400" lvl="1" indent="-457200">
+              <a:buFont typeface="Arial" panose="020B0604020202020204" pitchFamily="34" charset="0"/>
+              <a:buChar char="•"/>
+            </a:pPr>
+            <a:r>
+              <a:rPr lang="en-US" sz="2800" dirty="0"/>
+              <a:t>Problem: No holistic mobile messaging system exists…</a:t>
+            </a:r>
+          </a:p>
+          <a:p>
+            <a:pPr marL="914400" lvl="1" indent="-457200">
+              <a:buFont typeface="Arial" panose="020B0604020202020204" pitchFamily="34" charset="0"/>
+              <a:buChar char="•"/>
+            </a:pPr>
+            <a:r>
+              <a:rPr lang="en-US" sz="2800" dirty="0"/>
+              <a:t>Solution: Design and build one!</a:t>
             </a:r>
           </a:p>
         </p:txBody>
@@ -14787,7 +22346,7 @@
           <a:p>
             <a:r>
               <a:rPr lang="en-US" dirty="0"/>
-              <a:t>introduction</a:t>
+              <a:t>Types of messages</a:t>
             </a:r>
           </a:p>
         </p:txBody>
@@ -14814,12 +22373,6 @@
           </a:bodyPr>
           <a:lstStyle/>
           <a:p>
-            <a:r>
-              <a:rPr lang="en-US" dirty="0"/>
-              <a:t>Types of communication</a:t>
-            </a:r>
-          </a:p>
-          <a:p>
             <a:pPr lvl="1"/>
             <a:r>
               <a:rPr lang="en-US" sz="2400" dirty="0"/>
@@ -14853,6 +22406,10 @@
               <a:rPr lang="en-US" sz="2000" dirty="0"/>
               <a:t>Unsafe conditions (ice)</a:t>
             </a:r>
+          </a:p>
+          <a:p>
+            <a:pPr lvl="1"/>
+            <a:endParaRPr lang="en-US" sz="2400" dirty="0"/>
           </a:p>
           <a:p>
             <a:pPr lvl="1"/>
@@ -14883,7 +22440,7 @@
         </p:blipFill>
         <p:spPr>
           <a:xfrm>
-            <a:off x="5946306" y="3788174"/>
+            <a:off x="7167802" y="3728057"/>
             <a:ext cx="2857500" cy="1600200"/>
           </a:xfrm>
           <a:prstGeom prst="rect">
@@ -14907,7 +22464,7 @@
         </p:blipFill>
         <p:spPr>
           <a:xfrm>
-            <a:off x="5335558" y="1039614"/>
+            <a:off x="5946306" y="963416"/>
             <a:ext cx="4078996" cy="2419743"/>
           </a:xfrm>
           <a:prstGeom prst="rect">
@@ -14962,7 +22519,7 @@
           <a:p>
             <a:r>
               <a:rPr lang="en-US" dirty="0"/>
-              <a:t>Introduction</a:t>
+              <a:t>Message latency requirements</a:t>
             </a:r>
           </a:p>
         </p:txBody>
@@ -15092,7 +22649,7 @@
           <a:p>
             <a:r>
               <a:rPr lang="en-US" dirty="0"/>
-              <a:t>introduction</a:t>
+              <a:t>Consequences…</a:t>
             </a:r>
           </a:p>
         </p:txBody>
@@ -15167,7 +22724,7 @@
           <a:p>
             <a:r>
               <a:rPr lang="en-US" dirty="0"/>
-              <a:t>Related work</a:t>
+              <a:t>Our contribution: mercury</a:t>
             </a:r>
           </a:p>
         </p:txBody>
@@ -15182,98 +22739,25 @@
             <p:ph idx="1"/>
           </p:nvPr>
         </p:nvSpPr>
-        <p:spPr>
-          <a:xfrm>
-            <a:off x="1141412" y="2249487"/>
-            <a:ext cx="9905999" cy="3857698"/>
-          </a:xfrm>
-        </p:spPr>
+        <p:spPr/>
         <p:txBody>
-          <a:bodyPr>
-            <a:normAutofit fontScale="92500" lnSpcReduction="20000"/>
-          </a:bodyPr>
+          <a:bodyPr/>
           <a:lstStyle/>
           <a:p>
+            <a:pPr marL="0" indent="0">
+              <a:buNone/>
+            </a:pPr>
+            <a:endParaRPr lang="en-US" dirty="0"/>
+          </a:p>
+          <a:p>
+            <a:pPr lvl="1" algn="ctr"/>
             <a:r>
-              <a:rPr lang="en-US" dirty="0"/>
-              <a:t>Focuses on one end or the other</a:t>
-            </a:r>
-          </a:p>
-          <a:p>
-            <a:pPr lvl="1"/>
-            <a:r>
-              <a:rPr lang="en-US" dirty="0"/>
-              <a:t>Vehicle Area Networks</a:t>
-            </a:r>
-          </a:p>
-          <a:p>
-            <a:pPr lvl="2"/>
-            <a:r>
-              <a:rPr lang="en-US" dirty="0"/>
-              <a:t>Clustering, delivery resilience, with LTE bridging</a:t>
-            </a:r>
-          </a:p>
-          <a:p>
-            <a:pPr lvl="2"/>
-            <a:r>
-              <a:rPr lang="en-US" dirty="0" err="1"/>
-              <a:t>VMaSC</a:t>
-            </a:r>
-            <a:r>
-              <a:rPr lang="en-US" dirty="0"/>
-              <a:t>, MDMAC, </a:t>
-            </a:r>
-            <a:r>
-              <a:rPr lang="en-US" dirty="0" err="1"/>
-              <a:t>NHop</a:t>
-            </a:r>
-            <a:endParaRPr lang="en-US" dirty="0"/>
-          </a:p>
-          <a:p>
-            <a:pPr lvl="1"/>
-            <a:r>
-              <a:rPr lang="en-US" dirty="0"/>
-              <a:t>Mobile </a:t>
-            </a:r>
-            <a:r>
-              <a:rPr lang="en-US" dirty="0" err="1"/>
-              <a:t>pubsub</a:t>
-            </a:r>
-            <a:endParaRPr lang="en-US" dirty="0"/>
-          </a:p>
-          <a:p>
-            <a:pPr lvl="2"/>
-            <a:r>
-              <a:rPr lang="en-US" dirty="0"/>
-              <a:t>Tracking changes in association</a:t>
-            </a:r>
-          </a:p>
-          <a:p>
-            <a:pPr lvl="2"/>
-            <a:r>
-              <a:rPr lang="en-US" dirty="0" err="1"/>
-              <a:t>MoPS</a:t>
-            </a:r>
-            <a:endParaRPr lang="en-US" dirty="0"/>
-          </a:p>
-          <a:p>
-            <a:r>
-              <a:rPr lang="en-US" dirty="0"/>
-              <a:t>Deficiencies: </a:t>
-            </a:r>
-          </a:p>
-          <a:p>
-            <a:pPr lvl="1"/>
-            <a:r>
-              <a:rPr lang="en-US" dirty="0"/>
-              <a:t>Little to no attention paid to mobile core network</a:t>
-            </a:r>
-          </a:p>
-          <a:p>
-            <a:pPr lvl="1"/>
-            <a:r>
-              <a:rPr lang="en-US" dirty="0"/>
-              <a:t>No holistic systems (that we could find)</a:t>
+              <a:rPr lang="en-US" sz="2400" dirty="0">
+                <a:highlight>
+                  <a:srgbClr val="008000"/>
+                </a:highlight>
+              </a:rPr>
+              <a:t>A Geo-Aware, Mobility-Centric Messaging System</a:t>
             </a:r>
           </a:p>
         </p:txBody>
@@ -15281,7 +22765,7 @@
     </p:spTree>
     <p:extLst>
       <p:ext uri="{BB962C8B-B14F-4D97-AF65-F5344CB8AC3E}">
-        <p14:creationId xmlns:p14="http://schemas.microsoft.com/office/powerpoint/2010/main" val="3469386797"/>
+        <p14:creationId xmlns:p14="http://schemas.microsoft.com/office/powerpoint/2010/main" val="644174574"/>
       </p:ext>
     </p:extLst>
   </p:cSld>
@@ -15323,9 +22807,13 @@
           <a:bodyPr/>
           <a:lstStyle/>
           <a:p>
+            <a:pPr marL="571500" indent="-571500">
+              <a:buFont typeface="Wingdings" panose="05000000000000000000" pitchFamily="2" charset="2"/>
+              <a:buChar char="Ø"/>
+            </a:pPr>
             <a:r>
               <a:rPr lang="en-US" dirty="0"/>
-              <a:t>Enter: mercury</a:t>
+              <a:t>Geo-aware</a:t>
             </a:r>
           </a:p>
         </p:txBody>
@@ -15347,29 +22835,51 @@
           <a:p>
             <a:r>
               <a:rPr lang="en-US" dirty="0"/>
-              <a:t>Breaking it down by the tagline:</a:t>
+              <a:t>Location matters. Trajectory matters. Context matters.</a:t>
             </a:r>
           </a:p>
           <a:p>
-            <a:endParaRPr lang="en-US" dirty="0"/>
-          </a:p>
-          <a:p>
-            <a:pPr lvl="1" algn="ctr"/>
             <a:r>
-              <a:rPr lang="en-US" sz="2400" dirty="0">
-                <a:highlight>
-                  <a:srgbClr val="008000"/>
-                </a:highlight>
-              </a:rPr>
-              <a:t>A Geo-Aware, Mobility-Centric Messaging System</a:t>
+              <a:rPr lang="en-US" dirty="0"/>
+              <a:t>Address endpoints by location (geo-addressing)</a:t>
+            </a:r>
+          </a:p>
+          <a:p>
+            <a:r>
+              <a:rPr lang="en-US" dirty="0"/>
+              <a:t>Filter endpoints by context: Area of Interest</a:t>
             </a:r>
           </a:p>
         </p:txBody>
       </p:sp>
+      <p:pic>
+        <p:nvPicPr>
+          <p:cNvPr id="4" name="Picture 3"/>
+          <p:cNvPicPr>
+            <a:picLocks noChangeAspect="1"/>
+          </p:cNvPicPr>
+          <p:nvPr/>
+        </p:nvPicPr>
+        <p:blipFill>
+          <a:blip r:embed="rId2"/>
+          <a:stretch>
+            <a:fillRect/>
+          </a:stretch>
+        </p:blipFill>
+        <p:spPr>
+          <a:xfrm>
+            <a:off x="4243600" y="4316154"/>
+            <a:ext cx="3701621" cy="1795397"/>
+          </a:xfrm>
+          <a:prstGeom prst="rect">
+            <a:avLst/>
+          </a:prstGeom>
+        </p:spPr>
+      </p:pic>
     </p:spTree>
     <p:extLst>
       <p:ext uri="{BB962C8B-B14F-4D97-AF65-F5344CB8AC3E}">
-        <p14:creationId xmlns:p14="http://schemas.microsoft.com/office/powerpoint/2010/main" val="644174574"/>
+        <p14:creationId xmlns:p14="http://schemas.microsoft.com/office/powerpoint/2010/main" val="145708617"/>
       </p:ext>
     </p:extLst>
   </p:cSld>
@@ -15411,9 +22921,13 @@
           <a:bodyPr/>
           <a:lstStyle/>
           <a:p>
+            <a:pPr marL="571500" indent="-571500">
+              <a:buFont typeface="Wingdings" panose="05000000000000000000" pitchFamily="2" charset="2"/>
+              <a:buChar char="Ø"/>
+            </a:pPr>
             <a:r>
               <a:rPr lang="en-US" dirty="0"/>
-              <a:t>Enter: mercury</a:t>
+              <a:t>Mobility-centric</a:t>
             </a:r>
           </a:p>
         </p:txBody>
@@ -15428,54 +22942,65 @@
             <p:ph idx="1"/>
           </p:nvPr>
         </p:nvSpPr>
-        <p:spPr/>
+        <p:spPr>
+          <a:xfrm>
+            <a:off x="516260" y="2097088"/>
+            <a:ext cx="9905999" cy="3541714"/>
+          </a:xfrm>
+        </p:spPr>
         <p:txBody>
           <a:bodyPr/>
           <a:lstStyle/>
           <a:p>
             <a:r>
               <a:rPr lang="en-US" dirty="0"/>
-              <a:t>A </a:t>
+              <a:t>The mobility core network is NOT A BLACK BOX!</a:t>
+            </a:r>
+          </a:p>
+          <a:p>
+            <a:r>
+              <a:rPr lang="en-US" dirty="0"/>
+              <a:t>Where to deploy components?</a:t>
+            </a:r>
+          </a:p>
+          <a:p>
+            <a:r>
+              <a:rPr lang="en-US" dirty="0"/>
+              <a:t>Work with provided mechanisms/facilities</a:t>
+            </a:r>
+          </a:p>
+          <a:p>
+            <a:pPr lvl="1"/>
+            <a:r>
+              <a:rPr lang="en-US" dirty="0"/>
+              <a:t>Broadcasting in 3GPP: </a:t>
             </a:r>
             <a:r>
-              <a:rPr lang="en-US" dirty="0">
-                <a:highlight>
-                  <a:srgbClr val="0000FF"/>
-                </a:highlight>
-              </a:rPr>
-              <a:t>Geo-Aware</a:t>
+              <a:rPr lang="en-US" dirty="0" err="1"/>
+              <a:t>eMBMS</a:t>
+            </a:r>
+            <a:endParaRPr lang="en-US" dirty="0"/>
+          </a:p>
+          <a:p>
+            <a:pPr lvl="1"/>
+            <a:r>
+              <a:rPr lang="en-US" dirty="0"/>
+              <a:t>Location-agnostic endpoint addresses (</a:t>
+            </a:r>
+            <a:r>
+              <a:rPr lang="en-US" dirty="0" err="1"/>
+              <a:t>MobilityFirst</a:t>
             </a:r>
             <a:r>
               <a:rPr lang="en-US" dirty="0"/>
-              <a:t>, Mobility-Centric Messaging System</a:t>
-            </a:r>
-          </a:p>
-          <a:p>
-            <a:pPr lvl="1"/>
-            <a:r>
-              <a:rPr lang="en-US" dirty="0"/>
-              <a:t>Location matters. Trajectory matters. Context matters.</a:t>
-            </a:r>
-          </a:p>
-          <a:p>
-            <a:pPr lvl="1"/>
-            <a:r>
-              <a:rPr lang="en-US" dirty="0"/>
-              <a:t>Address endpoints by location (geo-addressing)</a:t>
-            </a:r>
-          </a:p>
-          <a:p>
-            <a:pPr lvl="1"/>
-            <a:r>
-              <a:rPr lang="en-US" dirty="0"/>
-              <a:t>Filter endpoints by context: Area of Interest</a:t>
+              <a:t>)</a:t>
             </a:r>
           </a:p>
         </p:txBody>
       </p:sp>
       <p:pic>
         <p:nvPicPr>
-          <p:cNvPr id="4" name="Picture 3"/>
+          <p:cNvPr id="5" name="Picture 4"/>
           <p:cNvPicPr>
             <a:picLocks noChangeAspect="1"/>
           </p:cNvPicPr>
@@ -15489,8 +23014,8 @@
         </p:blipFill>
         <p:spPr>
           <a:xfrm>
-            <a:off x="4243600" y="4316154"/>
-            <a:ext cx="3701621" cy="1795397"/>
+            <a:off x="7218785" y="2150407"/>
+            <a:ext cx="4385387" cy="2850501"/>
           </a:xfrm>
           <a:prstGeom prst="rect">
             <a:avLst/>
@@ -15500,7 +23025,7 @@
     </p:spTree>
     <p:extLst>
       <p:ext uri="{BB962C8B-B14F-4D97-AF65-F5344CB8AC3E}">
-        <p14:creationId xmlns:p14="http://schemas.microsoft.com/office/powerpoint/2010/main" val="145708617"/>
+        <p14:creationId xmlns:p14="http://schemas.microsoft.com/office/powerpoint/2010/main" val="1243955386"/>
       </p:ext>
     </p:extLst>
   </p:cSld>
@@ -15542,9 +23067,13 @@
           <a:bodyPr/>
           <a:lstStyle/>
           <a:p>
+            <a:pPr marL="571500" indent="-571500">
+              <a:buFont typeface="Wingdings" panose="05000000000000000000" pitchFamily="2" charset="2"/>
+              <a:buChar char="Ø"/>
+            </a:pPr>
             <a:r>
               <a:rPr lang="en-US" dirty="0"/>
-              <a:t>Enter: mercury</a:t>
+              <a:t>Messaging</a:t>
             </a:r>
           </a:p>
         </p:txBody>
@@ -15559,75 +23088,24 @@
             <p:ph idx="1"/>
           </p:nvPr>
         </p:nvSpPr>
-        <p:spPr>
-          <a:xfrm>
-            <a:off x="516260" y="2097088"/>
-            <a:ext cx="9905999" cy="3541714"/>
-          </a:xfrm>
-        </p:spPr>
+        <p:spPr/>
         <p:txBody>
           <a:bodyPr/>
           <a:lstStyle/>
           <a:p>
             <a:r>
               <a:rPr lang="en-US" dirty="0"/>
-              <a:t>A Geo-Aware, </a:t>
+              <a:t>Short, self-contained communication between actors (think: Tweets)</a:t>
             </a:r>
-            <a:r>
-              <a:rPr lang="en-US" dirty="0">
-                <a:highlight>
-                  <a:srgbClr val="0000FF"/>
-                </a:highlight>
-              </a:rPr>
-              <a:t>Mobility-Centric</a:t>
-            </a:r>
+          </a:p>
+          <a:p>
             <a:r>
               <a:rPr lang="en-US" dirty="0"/>
-              <a:t> Messaging System</a:t>
-            </a:r>
-          </a:p>
-          <a:p>
-            <a:pPr lvl="1"/>
-            <a:r>
-              <a:rPr lang="en-US" dirty="0"/>
-              <a:t>The mobility core network is NOT A BLACK BOX!</a:t>
-            </a:r>
-          </a:p>
-          <a:p>
-            <a:pPr lvl="1"/>
-            <a:r>
-              <a:rPr lang="en-US" dirty="0"/>
-              <a:t>Where to deploy components?</a:t>
-            </a:r>
-          </a:p>
-          <a:p>
-            <a:pPr lvl="1"/>
-            <a:r>
-              <a:rPr lang="en-US" dirty="0"/>
-              <a:t>Work with provided mechanisms/facilities</a:t>
-            </a:r>
-          </a:p>
-          <a:p>
-            <a:pPr lvl="2"/>
-            <a:r>
-              <a:rPr lang="en-US" dirty="0"/>
-              <a:t>Broadcasting in 3GPP: </a:t>
+              <a:t>One message, potentially many clients (</a:t>
             </a:r>
             <a:r>
               <a:rPr lang="en-US" dirty="0" err="1"/>
-              <a:t>eMBMS</a:t>
-            </a:r>
-            <a:endParaRPr lang="en-US" dirty="0"/>
-          </a:p>
-          <a:p>
-            <a:pPr lvl="2"/>
-            <a:r>
-              <a:rPr lang="en-US" dirty="0"/>
-              <a:t>Location-agnostic endpoint addresses (</a:t>
-            </a:r>
-            <a:r>
-              <a:rPr lang="en-US" dirty="0" err="1"/>
-              <a:t>MobilityFirst</a:t>
+              <a:t>pubsub</a:t>
             </a:r>
             <a:r>
               <a:rPr lang="en-US" dirty="0"/>
@@ -15638,7 +23116,7 @@
       </p:sp>
       <p:pic>
         <p:nvPicPr>
-          <p:cNvPr id="5" name="Picture 4"/>
+          <p:cNvPr id="4" name="Picture 3"/>
           <p:cNvPicPr>
             <a:picLocks noChangeAspect="1"/>
           </p:cNvPicPr>
@@ -15652,8 +23130,8 @@
         </p:blipFill>
         <p:spPr>
           <a:xfrm>
-            <a:off x="7218785" y="2150407"/>
-            <a:ext cx="4385387" cy="2850501"/>
+            <a:off x="7296932" y="3278088"/>
+            <a:ext cx="2852857" cy="2940637"/>
           </a:xfrm>
           <a:prstGeom prst="rect">
             <a:avLst/>
@@ -15663,7 +23141,7 @@
     </p:spTree>
     <p:extLst>
       <p:ext uri="{BB962C8B-B14F-4D97-AF65-F5344CB8AC3E}">
-        <p14:creationId xmlns:p14="http://schemas.microsoft.com/office/powerpoint/2010/main" val="1243955386"/>
+        <p14:creationId xmlns:p14="http://schemas.microsoft.com/office/powerpoint/2010/main" val="3109785983"/>
       </p:ext>
     </p:extLst>
   </p:cSld>

--- a/presentation/Mercury-Part1.pptx
+++ b/presentation/Mercury-Part1.pptx
@@ -187,7 +187,7 @@
           <a:noFill/>
           <a:extLst>
             <a:ext uri="{909E8E84-426E-40dd-AFC4-6F175D3DCCD1}">
-              <a14:hiddenFill xmlns="" xmlns:a14="http://schemas.microsoft.com/office/drawing/2010/main">
+              <a14:hiddenFill xmlns:a14="http://schemas.microsoft.com/office/drawing/2010/main" xmlns="">
                 <a:solidFill>
                   <a:srgbClr val="FFFFFF"/>
                 </a:solidFill>
@@ -246,7 +246,7 @@
             </a:ln>
             <a:extLst>
               <a:ext uri="{91240B29-F687-4f45-9708-019B960494DF}">
-                <a14:hiddenLine xmlns="" xmlns:a14="http://schemas.microsoft.com/office/drawing/2010/main" w="9525">
+                <a14:hiddenLine xmlns:a14="http://schemas.microsoft.com/office/drawing/2010/main" xmlns="" w="9525">
                   <a:solidFill>
                     <a:srgbClr val="000000"/>
                   </a:solidFill>
@@ -336,7 +336,7 @@
             </a:ln>
             <a:extLst>
               <a:ext uri="{91240B29-F687-4f45-9708-019B960494DF}">
-                <a14:hiddenLine xmlns="" xmlns:a14="http://schemas.microsoft.com/office/drawing/2010/main" w="9525">
+                <a14:hiddenLine xmlns:a14="http://schemas.microsoft.com/office/drawing/2010/main" xmlns="" w="9525">
                   <a:solidFill>
                     <a:srgbClr val="000000"/>
                   </a:solidFill>
@@ -426,7 +426,7 @@
             </a:ln>
             <a:extLst>
               <a:ext uri="{91240B29-F687-4f45-9708-019B960494DF}">
-                <a14:hiddenLine xmlns="" xmlns:a14="http://schemas.microsoft.com/office/drawing/2010/main" w="9525">
+                <a14:hiddenLine xmlns:a14="http://schemas.microsoft.com/office/drawing/2010/main" xmlns="" w="9525">
                   <a:solidFill>
                     <a:srgbClr val="000000"/>
                   </a:solidFill>
@@ -460,7 +460,7 @@
             </a:ln>
             <a:extLst>
               <a:ext uri="{91240B29-F687-4f45-9708-019B960494DF}">
-                <a14:hiddenLine xmlns="" xmlns:a14="http://schemas.microsoft.com/office/drawing/2010/main" w="9525">
+                <a14:hiddenLine xmlns:a14="http://schemas.microsoft.com/office/drawing/2010/main" xmlns="" w="9525">
                   <a:solidFill>
                     <a:srgbClr val="000000"/>
                   </a:solidFill>
@@ -550,7 +550,7 @@
             </a:ln>
             <a:extLst>
               <a:ext uri="{91240B29-F687-4f45-9708-019B960494DF}">
-                <a14:hiddenLine xmlns="" xmlns:a14="http://schemas.microsoft.com/office/drawing/2010/main" w="9525">
+                <a14:hiddenLine xmlns:a14="http://schemas.microsoft.com/office/drawing/2010/main" xmlns="" w="9525">
                   <a:solidFill>
                     <a:srgbClr val="000000"/>
                   </a:solidFill>
@@ -612,7 +612,7 @@
             </a:ln>
             <a:extLst>
               <a:ext uri="{91240B29-F687-4f45-9708-019B960494DF}">
-                <a14:hiddenLine xmlns="" xmlns:a14="http://schemas.microsoft.com/office/drawing/2010/main" w="9525">
+                <a14:hiddenLine xmlns:a14="http://schemas.microsoft.com/office/drawing/2010/main" xmlns="" w="9525">
                   <a:solidFill>
                     <a:srgbClr val="000000"/>
                   </a:solidFill>
@@ -674,7 +674,7 @@
             </a:ln>
             <a:extLst>
               <a:ext uri="{91240B29-F687-4f45-9708-019B960494DF}">
-                <a14:hiddenLine xmlns="" xmlns:a14="http://schemas.microsoft.com/office/drawing/2010/main" w="9525">
+                <a14:hiddenLine xmlns:a14="http://schemas.microsoft.com/office/drawing/2010/main" xmlns="" w="9525">
                   <a:solidFill>
                     <a:srgbClr val="000000"/>
                   </a:solidFill>
@@ -764,7 +764,7 @@
             </a:ln>
             <a:extLst>
               <a:ext uri="{91240B29-F687-4f45-9708-019B960494DF}">
-                <a14:hiddenLine xmlns="" xmlns:a14="http://schemas.microsoft.com/office/drawing/2010/main" w="9525">
+                <a14:hiddenLine xmlns:a14="http://schemas.microsoft.com/office/drawing/2010/main" xmlns="" w="9525">
                   <a:solidFill>
                     <a:srgbClr val="000000"/>
                   </a:solidFill>
@@ -826,7 +826,7 @@
             </a:ln>
             <a:extLst>
               <a:ext uri="{91240B29-F687-4f45-9708-019B960494DF}">
-                <a14:hiddenLine xmlns="" xmlns:a14="http://schemas.microsoft.com/office/drawing/2010/main" w="9525">
+                <a14:hiddenLine xmlns:a14="http://schemas.microsoft.com/office/drawing/2010/main" xmlns="" w="9525">
                   <a:solidFill>
                     <a:srgbClr val="000000"/>
                   </a:solidFill>
@@ -888,7 +888,7 @@
             </a:ln>
             <a:extLst>
               <a:ext uri="{91240B29-F687-4f45-9708-019B960494DF}">
-                <a14:hiddenLine xmlns="" xmlns:a14="http://schemas.microsoft.com/office/drawing/2010/main" w="9525">
+                <a14:hiddenLine xmlns:a14="http://schemas.microsoft.com/office/drawing/2010/main" xmlns="" w="9525">
                   <a:solidFill>
                     <a:srgbClr val="000000"/>
                   </a:solidFill>
@@ -978,7 +978,7 @@
             </a:ln>
             <a:extLst>
               <a:ext uri="{91240B29-F687-4f45-9708-019B960494DF}">
-                <a14:hiddenLine xmlns="" xmlns:a14="http://schemas.microsoft.com/office/drawing/2010/main" w="9525">
+                <a14:hiddenLine xmlns:a14="http://schemas.microsoft.com/office/drawing/2010/main" xmlns="" w="9525">
                   <a:solidFill>
                     <a:srgbClr val="000000"/>
                   </a:solidFill>
@@ -1068,7 +1068,7 @@
             </a:ln>
             <a:extLst>
               <a:ext uri="{91240B29-F687-4f45-9708-019B960494DF}">
-                <a14:hiddenLine xmlns="" xmlns:a14="http://schemas.microsoft.com/office/drawing/2010/main" w="9525">
+                <a14:hiddenLine xmlns:a14="http://schemas.microsoft.com/office/drawing/2010/main" xmlns="" w="9525">
                   <a:solidFill>
                     <a:srgbClr val="000000"/>
                   </a:solidFill>
@@ -1130,7 +1130,7 @@
             </a:ln>
             <a:extLst>
               <a:ext uri="{91240B29-F687-4f45-9708-019B960494DF}">
-                <a14:hiddenLine xmlns="" xmlns:a14="http://schemas.microsoft.com/office/drawing/2010/main" w="9525">
+                <a14:hiddenLine xmlns:a14="http://schemas.microsoft.com/office/drawing/2010/main" xmlns="" w="9525">
                   <a:solidFill>
                     <a:srgbClr val="000000"/>
                   </a:solidFill>
@@ -1240,7 +1240,7 @@
             </a:ln>
             <a:extLst>
               <a:ext uri="{91240B29-F687-4f45-9708-019B960494DF}">
-                <a14:hiddenLine xmlns="" xmlns:a14="http://schemas.microsoft.com/office/drawing/2010/main" w="9525">
+                <a14:hiddenLine xmlns:a14="http://schemas.microsoft.com/office/drawing/2010/main" xmlns="" w="9525">
                   <a:solidFill>
                     <a:srgbClr val="000000"/>
                   </a:solidFill>
@@ -1302,7 +1302,7 @@
             </a:ln>
             <a:extLst>
               <a:ext uri="{91240B29-F687-4f45-9708-019B960494DF}">
-                <a14:hiddenLine xmlns="" xmlns:a14="http://schemas.microsoft.com/office/drawing/2010/main" w="9525">
+                <a14:hiddenLine xmlns:a14="http://schemas.microsoft.com/office/drawing/2010/main" xmlns="" w="9525">
                   <a:solidFill>
                     <a:srgbClr val="000000"/>
                   </a:solidFill>
@@ -1392,7 +1392,7 @@
             </a:ln>
             <a:extLst>
               <a:ext uri="{91240B29-F687-4f45-9708-019B960494DF}">
-                <a14:hiddenLine xmlns="" xmlns:a14="http://schemas.microsoft.com/office/drawing/2010/main" w="9525">
+                <a14:hiddenLine xmlns:a14="http://schemas.microsoft.com/office/drawing/2010/main" xmlns="" w="9525">
                   <a:solidFill>
                     <a:srgbClr val="000000"/>
                   </a:solidFill>
@@ -1482,7 +1482,7 @@
             </a:ln>
             <a:extLst>
               <a:ext uri="{91240B29-F687-4f45-9708-019B960494DF}">
-                <a14:hiddenLine xmlns="" xmlns:a14="http://schemas.microsoft.com/office/drawing/2010/main" w="9525">
+                <a14:hiddenLine xmlns:a14="http://schemas.microsoft.com/office/drawing/2010/main" xmlns="" w="9525">
                   <a:solidFill>
                     <a:srgbClr val="000000"/>
                   </a:solidFill>
@@ -1544,7 +1544,7 @@
             </a:ln>
             <a:extLst>
               <a:ext uri="{91240B29-F687-4f45-9708-019B960494DF}">
-                <a14:hiddenLine xmlns="" xmlns:a14="http://schemas.microsoft.com/office/drawing/2010/main" w="9525">
+                <a14:hiddenLine xmlns:a14="http://schemas.microsoft.com/office/drawing/2010/main" xmlns="" w="9525">
                   <a:solidFill>
                     <a:srgbClr val="000000"/>
                   </a:solidFill>
@@ -1634,7 +1634,7 @@
             </a:ln>
             <a:extLst>
               <a:ext uri="{91240B29-F687-4f45-9708-019B960494DF}">
-                <a14:hiddenLine xmlns="" xmlns:a14="http://schemas.microsoft.com/office/drawing/2010/main" w="9525">
+                <a14:hiddenLine xmlns:a14="http://schemas.microsoft.com/office/drawing/2010/main" xmlns="" w="9525">
                   <a:solidFill>
                     <a:srgbClr val="000000"/>
                   </a:solidFill>
@@ -1724,7 +1724,7 @@
             </a:ln>
             <a:extLst>
               <a:ext uri="{91240B29-F687-4f45-9708-019B960494DF}">
-                <a14:hiddenLine xmlns="" xmlns:a14="http://schemas.microsoft.com/office/drawing/2010/main" w="9525">
+                <a14:hiddenLine xmlns:a14="http://schemas.microsoft.com/office/drawing/2010/main" xmlns="" w="9525">
                   <a:solidFill>
                     <a:srgbClr val="000000"/>
                   </a:solidFill>
@@ -1780,7 +1780,7 @@
             </a:ln>
             <a:extLst>
               <a:ext uri="{91240B29-F687-4f45-9708-019B960494DF}">
-                <a14:hiddenLine xmlns="" xmlns:a14="http://schemas.microsoft.com/office/drawing/2010/main" w="9525">
+                <a14:hiddenLine xmlns:a14="http://schemas.microsoft.com/office/drawing/2010/main" xmlns="" w="9525">
                   <a:solidFill>
                     <a:srgbClr val="000000"/>
                   </a:solidFill>
@@ -1870,7 +1870,7 @@
             </a:ln>
             <a:extLst>
               <a:ext uri="{91240B29-F687-4f45-9708-019B960494DF}">
-                <a14:hiddenLine xmlns="" xmlns:a14="http://schemas.microsoft.com/office/drawing/2010/main" w="9525">
+                <a14:hiddenLine xmlns:a14="http://schemas.microsoft.com/office/drawing/2010/main" xmlns="" w="9525">
                   <a:solidFill>
                     <a:srgbClr val="000000"/>
                   </a:solidFill>
@@ -1926,7 +1926,7 @@
             </a:ln>
             <a:extLst>
               <a:ext uri="{91240B29-F687-4f45-9708-019B960494DF}">
-                <a14:hiddenLine xmlns="" xmlns:a14="http://schemas.microsoft.com/office/drawing/2010/main" w="9525">
+                <a14:hiddenLine xmlns:a14="http://schemas.microsoft.com/office/drawing/2010/main" xmlns="" w="9525">
                   <a:solidFill>
                     <a:srgbClr val="000000"/>
                   </a:solidFill>
@@ -2016,7 +2016,7 @@
             </a:ln>
             <a:extLst>
               <a:ext uri="{91240B29-F687-4f45-9708-019B960494DF}">
-                <a14:hiddenLine xmlns="" xmlns:a14="http://schemas.microsoft.com/office/drawing/2010/main" w="9525">
+                <a14:hiddenLine xmlns:a14="http://schemas.microsoft.com/office/drawing/2010/main" xmlns="" w="9525">
                   <a:solidFill>
                     <a:srgbClr val="000000"/>
                   </a:solidFill>
@@ -2084,7 +2084,7 @@
             </a:ln>
             <a:extLst>
               <a:ext uri="{91240B29-F687-4f45-9708-019B960494DF}">
-                <a14:hiddenLine xmlns="" xmlns:a14="http://schemas.microsoft.com/office/drawing/2010/main" w="9525">
+                <a14:hiddenLine xmlns:a14="http://schemas.microsoft.com/office/drawing/2010/main" xmlns="" w="9525">
                   <a:solidFill>
                     <a:srgbClr val="000000"/>
                   </a:solidFill>
@@ -2174,7 +2174,7 @@
             </a:ln>
             <a:extLst>
               <a:ext uri="{91240B29-F687-4f45-9708-019B960494DF}">
-                <a14:hiddenLine xmlns="" xmlns:a14="http://schemas.microsoft.com/office/drawing/2010/main" w="9525">
+                <a14:hiddenLine xmlns:a14="http://schemas.microsoft.com/office/drawing/2010/main" xmlns="" w="9525">
                   <a:solidFill>
                     <a:srgbClr val="000000"/>
                   </a:solidFill>
@@ -2242,7 +2242,7 @@
             </a:ln>
             <a:extLst>
               <a:ext uri="{91240B29-F687-4f45-9708-019B960494DF}">
-                <a14:hiddenLine xmlns="" xmlns:a14="http://schemas.microsoft.com/office/drawing/2010/main" w="9525">
+                <a14:hiddenLine xmlns:a14="http://schemas.microsoft.com/office/drawing/2010/main" xmlns="" w="9525">
                   <a:solidFill>
                     <a:srgbClr val="000000"/>
                   </a:solidFill>
@@ -2332,7 +2332,7 @@
             </a:ln>
             <a:extLst>
               <a:ext uri="{91240B29-F687-4f45-9708-019B960494DF}">
-                <a14:hiddenLine xmlns="" xmlns:a14="http://schemas.microsoft.com/office/drawing/2010/main" w="9525">
+                <a14:hiddenLine xmlns:a14="http://schemas.microsoft.com/office/drawing/2010/main" xmlns="" w="9525">
                   <a:solidFill>
                     <a:srgbClr val="000000"/>
                   </a:solidFill>
@@ -2366,7 +2366,7 @@
             </a:ln>
             <a:extLst>
               <a:ext uri="{91240B29-F687-4f45-9708-019B960494DF}">
-                <a14:hiddenLine xmlns="" xmlns:a14="http://schemas.microsoft.com/office/drawing/2010/main" w="9525">
+                <a14:hiddenLine xmlns:a14="http://schemas.microsoft.com/office/drawing/2010/main" xmlns="" w="9525">
                   <a:solidFill>
                     <a:srgbClr val="000000"/>
                   </a:solidFill>
@@ -2456,7 +2456,7 @@
             </a:ln>
             <a:extLst>
               <a:ext uri="{91240B29-F687-4f45-9708-019B960494DF}">
-                <a14:hiddenLine xmlns="" xmlns:a14="http://schemas.microsoft.com/office/drawing/2010/main" w="9525">
+                <a14:hiddenLine xmlns:a14="http://schemas.microsoft.com/office/drawing/2010/main" xmlns="" w="9525">
                   <a:solidFill>
                     <a:srgbClr val="000000"/>
                   </a:solidFill>
@@ -2518,7 +2518,7 @@
             </a:ln>
             <a:extLst>
               <a:ext uri="{91240B29-F687-4f45-9708-019B960494DF}">
-                <a14:hiddenLine xmlns="" xmlns:a14="http://schemas.microsoft.com/office/drawing/2010/main" w="9525">
+                <a14:hiddenLine xmlns:a14="http://schemas.microsoft.com/office/drawing/2010/main" xmlns="" w="9525">
                   <a:solidFill>
                     <a:srgbClr val="000000"/>
                   </a:solidFill>
@@ -2580,7 +2580,7 @@
             </a:ln>
             <a:extLst>
               <a:ext uri="{91240B29-F687-4f45-9708-019B960494DF}">
-                <a14:hiddenLine xmlns="" xmlns:a14="http://schemas.microsoft.com/office/drawing/2010/main" w="9525">
+                <a14:hiddenLine xmlns:a14="http://schemas.microsoft.com/office/drawing/2010/main" xmlns="" w="9525">
                   <a:solidFill>
                     <a:srgbClr val="000000"/>
                   </a:solidFill>
@@ -2670,7 +2670,7 @@
             </a:ln>
             <a:extLst>
               <a:ext uri="{91240B29-F687-4f45-9708-019B960494DF}">
-                <a14:hiddenLine xmlns="" xmlns:a14="http://schemas.microsoft.com/office/drawing/2010/main" w="9525">
+                <a14:hiddenLine xmlns:a14="http://schemas.microsoft.com/office/drawing/2010/main" xmlns="" w="9525">
                   <a:solidFill>
                     <a:srgbClr val="000000"/>
                   </a:solidFill>
@@ -2738,7 +2738,7 @@
             </a:ln>
             <a:extLst>
               <a:ext uri="{91240B29-F687-4f45-9708-019B960494DF}">
-                <a14:hiddenLine xmlns="" xmlns:a14="http://schemas.microsoft.com/office/drawing/2010/main" w="9525">
+                <a14:hiddenLine xmlns:a14="http://schemas.microsoft.com/office/drawing/2010/main" xmlns="" w="9525">
                   <a:solidFill>
                     <a:srgbClr val="000000"/>
                   </a:solidFill>
@@ -2800,7 +2800,7 @@
             </a:ln>
             <a:extLst>
               <a:ext uri="{91240B29-F687-4f45-9708-019B960494DF}">
-                <a14:hiddenLine xmlns="" xmlns:a14="http://schemas.microsoft.com/office/drawing/2010/main" w="9525">
+                <a14:hiddenLine xmlns:a14="http://schemas.microsoft.com/office/drawing/2010/main" xmlns="" w="9525">
                   <a:solidFill>
                     <a:srgbClr val="000000"/>
                   </a:solidFill>
@@ -2890,7 +2890,7 @@
             </a:ln>
             <a:extLst>
               <a:ext uri="{91240B29-F687-4f45-9708-019B960494DF}">
-                <a14:hiddenLine xmlns="" xmlns:a14="http://schemas.microsoft.com/office/drawing/2010/main" w="9525">
+                <a14:hiddenLine xmlns:a14="http://schemas.microsoft.com/office/drawing/2010/main" xmlns="" w="9525">
                   <a:solidFill>
                     <a:srgbClr val="000000"/>
                   </a:solidFill>
@@ -2952,7 +2952,7 @@
             </a:ln>
             <a:extLst>
               <a:ext uri="{91240B29-F687-4f45-9708-019B960494DF}">
-                <a14:hiddenLine xmlns="" xmlns:a14="http://schemas.microsoft.com/office/drawing/2010/main" w="9525">
+                <a14:hiddenLine xmlns:a14="http://schemas.microsoft.com/office/drawing/2010/main" xmlns="" w="9525">
                   <a:solidFill>
                     <a:srgbClr val="000000"/>
                   </a:solidFill>
@@ -3042,7 +3042,7 @@
             </a:ln>
             <a:extLst>
               <a:ext uri="{91240B29-F687-4f45-9708-019B960494DF}">
-                <a14:hiddenLine xmlns="" xmlns:a14="http://schemas.microsoft.com/office/drawing/2010/main" w="9525">
+                <a14:hiddenLine xmlns:a14="http://schemas.microsoft.com/office/drawing/2010/main" xmlns="" w="9525">
                   <a:solidFill>
                     <a:srgbClr val="000000"/>
                   </a:solidFill>
@@ -3104,7 +3104,7 @@
             </a:ln>
             <a:extLst>
               <a:ext uri="{91240B29-F687-4f45-9708-019B960494DF}">
-                <a14:hiddenLine xmlns="" xmlns:a14="http://schemas.microsoft.com/office/drawing/2010/main" w="9525">
+                <a14:hiddenLine xmlns:a14="http://schemas.microsoft.com/office/drawing/2010/main" xmlns="" w="9525">
                   <a:solidFill>
                     <a:srgbClr val="000000"/>
                   </a:solidFill>
@@ -3194,7 +3194,7 @@
             </a:ln>
             <a:extLst>
               <a:ext uri="{91240B29-F687-4f45-9708-019B960494DF}">
-                <a14:hiddenLine xmlns="" xmlns:a14="http://schemas.microsoft.com/office/drawing/2010/main" w="9525">
+                <a14:hiddenLine xmlns:a14="http://schemas.microsoft.com/office/drawing/2010/main" xmlns="" w="9525">
                   <a:solidFill>
                     <a:srgbClr val="000000"/>
                   </a:solidFill>
@@ -3228,7 +3228,7 @@
             </a:ln>
             <a:extLst>
               <a:ext uri="{91240B29-F687-4f45-9708-019B960494DF}">
-                <a14:hiddenLine xmlns="" xmlns:a14="http://schemas.microsoft.com/office/drawing/2010/main" w="9525">
+                <a14:hiddenLine xmlns:a14="http://schemas.microsoft.com/office/drawing/2010/main" xmlns="" w="9525">
                   <a:solidFill>
                     <a:srgbClr val="000000"/>
                   </a:solidFill>
@@ -3293,7 +3293,7 @@
             </a:ln>
             <a:extLst>
               <a:ext uri="{91240B29-F687-4f45-9708-019B960494DF}">
-                <a14:hiddenLine xmlns="" xmlns:a14="http://schemas.microsoft.com/office/drawing/2010/main" w="9525">
+                <a14:hiddenLine xmlns:a14="http://schemas.microsoft.com/office/drawing/2010/main" xmlns="" w="9525">
                   <a:solidFill>
                     <a:srgbClr val="000000"/>
                   </a:solidFill>
@@ -3383,7 +3383,7 @@
             </a:ln>
             <a:extLst>
               <a:ext uri="{91240B29-F687-4f45-9708-019B960494DF}">
-                <a14:hiddenLine xmlns="" xmlns:a14="http://schemas.microsoft.com/office/drawing/2010/main" w="9525">
+                <a14:hiddenLine xmlns:a14="http://schemas.microsoft.com/office/drawing/2010/main" xmlns="" w="9525">
                   <a:solidFill>
                     <a:srgbClr val="000000"/>
                   </a:solidFill>
@@ -3445,7 +3445,7 @@
             </a:ln>
             <a:extLst>
               <a:ext uri="{91240B29-F687-4f45-9708-019B960494DF}">
-                <a14:hiddenLine xmlns="" xmlns:a14="http://schemas.microsoft.com/office/drawing/2010/main" w="9525">
+                <a14:hiddenLine xmlns:a14="http://schemas.microsoft.com/office/drawing/2010/main" xmlns="" w="9525">
                   <a:solidFill>
                     <a:srgbClr val="000000"/>
                   </a:solidFill>
@@ -3535,7 +3535,7 @@
             </a:ln>
             <a:extLst>
               <a:ext uri="{91240B29-F687-4f45-9708-019B960494DF}">
-                <a14:hiddenLine xmlns="" xmlns:a14="http://schemas.microsoft.com/office/drawing/2010/main" w="9525">
+                <a14:hiddenLine xmlns:a14="http://schemas.microsoft.com/office/drawing/2010/main" xmlns="" w="9525">
                   <a:solidFill>
                     <a:srgbClr val="000000"/>
                   </a:solidFill>
@@ -3625,7 +3625,7 @@
             </a:ln>
             <a:extLst>
               <a:ext uri="{91240B29-F687-4f45-9708-019B960494DF}">
-                <a14:hiddenLine xmlns="" xmlns:a14="http://schemas.microsoft.com/office/drawing/2010/main" w="9525">
+                <a14:hiddenLine xmlns:a14="http://schemas.microsoft.com/office/drawing/2010/main" xmlns="" w="9525">
                   <a:solidFill>
                     <a:srgbClr val="000000"/>
                   </a:solidFill>
@@ -3690,7 +3690,7 @@
             </a:ln>
             <a:extLst>
               <a:ext uri="{91240B29-F687-4f45-9708-019B960494DF}">
-                <a14:hiddenLine xmlns="" xmlns:a14="http://schemas.microsoft.com/office/drawing/2010/main" w="9525">
+                <a14:hiddenLine xmlns:a14="http://schemas.microsoft.com/office/drawing/2010/main" xmlns="" w="9525">
                   <a:solidFill>
                     <a:srgbClr val="000000"/>
                   </a:solidFill>
@@ -3752,7 +3752,7 @@
             </a:ln>
             <a:extLst>
               <a:ext uri="{91240B29-F687-4f45-9708-019B960494DF}">
-                <a14:hiddenLine xmlns="" xmlns:a14="http://schemas.microsoft.com/office/drawing/2010/main" w="9525">
+                <a14:hiddenLine xmlns:a14="http://schemas.microsoft.com/office/drawing/2010/main" xmlns="" w="9525">
                   <a:solidFill>
                     <a:srgbClr val="000000"/>
                   </a:solidFill>
@@ -3842,7 +3842,7 @@
             </a:ln>
             <a:extLst>
               <a:ext uri="{91240B29-F687-4f45-9708-019B960494DF}">
-                <a14:hiddenLine xmlns="" xmlns:a14="http://schemas.microsoft.com/office/drawing/2010/main" w="9525">
+                <a14:hiddenLine xmlns:a14="http://schemas.microsoft.com/office/drawing/2010/main" xmlns="" w="9525">
                   <a:solidFill>
                     <a:srgbClr val="000000"/>
                   </a:solidFill>
@@ -3932,7 +3932,7 @@
             </a:ln>
             <a:extLst>
               <a:ext uri="{91240B29-F687-4f45-9708-019B960494DF}">
-                <a14:hiddenLine xmlns="" xmlns:a14="http://schemas.microsoft.com/office/drawing/2010/main" w="9525">
+                <a14:hiddenLine xmlns:a14="http://schemas.microsoft.com/office/drawing/2010/main" xmlns="" w="9525">
                   <a:solidFill>
                     <a:srgbClr val="000000"/>
                   </a:solidFill>
@@ -3994,7 +3994,7 @@
             </a:ln>
             <a:extLst>
               <a:ext uri="{91240B29-F687-4f45-9708-019B960494DF}">
-                <a14:hiddenLine xmlns="" xmlns:a14="http://schemas.microsoft.com/office/drawing/2010/main" w="9525">
+                <a14:hiddenLine xmlns:a14="http://schemas.microsoft.com/office/drawing/2010/main" xmlns="" w="9525">
                   <a:solidFill>
                     <a:srgbClr val="000000"/>
                   </a:solidFill>
@@ -4114,7 +4114,7 @@
             </a:ln>
             <a:extLst>
               <a:ext uri="{91240B29-F687-4f45-9708-019B960494DF}">
-                <a14:hiddenLine xmlns="" xmlns:a14="http://schemas.microsoft.com/office/drawing/2010/main" w="9525">
+                <a14:hiddenLine xmlns:a14="http://schemas.microsoft.com/office/drawing/2010/main" xmlns="" w="9525">
                   <a:solidFill>
                     <a:srgbClr val="000000"/>
                   </a:solidFill>
@@ -4182,7 +4182,7 @@
             </a:ln>
             <a:extLst>
               <a:ext uri="{91240B29-F687-4f45-9708-019B960494DF}">
-                <a14:hiddenLine xmlns="" xmlns:a14="http://schemas.microsoft.com/office/drawing/2010/main" w="9525">
+                <a14:hiddenLine xmlns:a14="http://schemas.microsoft.com/office/drawing/2010/main" xmlns="" w="9525">
                   <a:solidFill>
                     <a:srgbClr val="000000"/>
                   </a:solidFill>
@@ -4272,7 +4272,7 @@
             </a:ln>
             <a:extLst>
               <a:ext uri="{91240B29-F687-4f45-9708-019B960494DF}">
-                <a14:hiddenLine xmlns="" xmlns:a14="http://schemas.microsoft.com/office/drawing/2010/main" w="9525">
+                <a14:hiddenLine xmlns:a14="http://schemas.microsoft.com/office/drawing/2010/main" xmlns="" w="9525">
                   <a:solidFill>
                     <a:srgbClr val="000000"/>
                   </a:solidFill>
@@ -9001,7 +9001,7 @@
           <a:noFill/>
           <a:extLst>
             <a:ext uri="{909E8E84-426E-40dd-AFC4-6F175D3DCCD1}">
-              <a14:hiddenFill xmlns="" xmlns:a14="http://schemas.microsoft.com/office/drawing/2010/main">
+              <a14:hiddenFill xmlns:a14="http://schemas.microsoft.com/office/drawing/2010/main" xmlns="">
                 <a:solidFill>
                   <a:srgbClr val="FFFFFF"/>
                 </a:solidFill>
@@ -9075,7 +9075,7 @@
               </a:ln>
               <a:extLst>
                 <a:ext uri="{91240B29-F687-4f45-9708-019B960494DF}">
-                  <a14:hiddenLine xmlns="" xmlns:a14="http://schemas.microsoft.com/office/drawing/2010/main" w="9525">
+                  <a14:hiddenLine xmlns:a14="http://schemas.microsoft.com/office/drawing/2010/main" xmlns="" w="9525">
                     <a:solidFill>
                       <a:srgbClr val="000000"/>
                     </a:solidFill>
@@ -9165,7 +9165,7 @@
               </a:ln>
               <a:extLst>
                 <a:ext uri="{91240B29-F687-4f45-9708-019B960494DF}">
-                  <a14:hiddenLine xmlns="" xmlns:a14="http://schemas.microsoft.com/office/drawing/2010/main" w="9525">
+                  <a14:hiddenLine xmlns:a14="http://schemas.microsoft.com/office/drawing/2010/main" xmlns="" w="9525">
                     <a:solidFill>
                       <a:srgbClr val="000000"/>
                     </a:solidFill>
@@ -9255,7 +9255,7 @@
               </a:ln>
               <a:extLst>
                 <a:ext uri="{91240B29-F687-4f45-9708-019B960494DF}">
-                  <a14:hiddenLine xmlns="" xmlns:a14="http://schemas.microsoft.com/office/drawing/2010/main" w="9525">
+                  <a14:hiddenLine xmlns:a14="http://schemas.microsoft.com/office/drawing/2010/main" xmlns="" w="9525">
                     <a:solidFill>
                       <a:srgbClr val="000000"/>
                     </a:solidFill>
@@ -9317,7 +9317,7 @@
               </a:ln>
               <a:extLst>
                 <a:ext uri="{91240B29-F687-4f45-9708-019B960494DF}">
-                  <a14:hiddenLine xmlns="" xmlns:a14="http://schemas.microsoft.com/office/drawing/2010/main" w="9525">
+                  <a14:hiddenLine xmlns:a14="http://schemas.microsoft.com/office/drawing/2010/main" xmlns="" w="9525">
                     <a:solidFill>
                       <a:srgbClr val="000000"/>
                     </a:solidFill>
@@ -9407,7 +9407,7 @@
               </a:ln>
               <a:extLst>
                 <a:ext uri="{91240B29-F687-4f45-9708-019B960494DF}">
-                  <a14:hiddenLine xmlns="" xmlns:a14="http://schemas.microsoft.com/office/drawing/2010/main" w="9525">
+                  <a14:hiddenLine xmlns:a14="http://schemas.microsoft.com/office/drawing/2010/main" xmlns="" w="9525">
                     <a:solidFill>
                       <a:srgbClr val="000000"/>
                     </a:solidFill>
@@ -9469,7 +9469,7 @@
               </a:ln>
               <a:extLst>
                 <a:ext uri="{91240B29-F687-4f45-9708-019B960494DF}">
-                  <a14:hiddenLine xmlns="" xmlns:a14="http://schemas.microsoft.com/office/drawing/2010/main" w="9525">
+                  <a14:hiddenLine xmlns:a14="http://schemas.microsoft.com/office/drawing/2010/main" xmlns="" w="9525">
                     <a:solidFill>
                       <a:srgbClr val="000000"/>
                     </a:solidFill>
@@ -9531,7 +9531,7 @@
               </a:ln>
               <a:extLst>
                 <a:ext uri="{91240B29-F687-4f45-9708-019B960494DF}">
-                  <a14:hiddenLine xmlns="" xmlns:a14="http://schemas.microsoft.com/office/drawing/2010/main" w="9525">
+                  <a14:hiddenLine xmlns:a14="http://schemas.microsoft.com/office/drawing/2010/main" xmlns="" w="9525">
                     <a:solidFill>
                       <a:srgbClr val="000000"/>
                     </a:solidFill>
@@ -9621,7 +9621,7 @@
               </a:ln>
               <a:extLst>
                 <a:ext uri="{91240B29-F687-4f45-9708-019B960494DF}">
-                  <a14:hiddenLine xmlns="" xmlns:a14="http://schemas.microsoft.com/office/drawing/2010/main" w="9525">
+                  <a14:hiddenLine xmlns:a14="http://schemas.microsoft.com/office/drawing/2010/main" xmlns="" w="9525">
                     <a:solidFill>
                       <a:srgbClr val="000000"/>
                     </a:solidFill>
@@ -9711,7 +9711,7 @@
               </a:ln>
               <a:extLst>
                 <a:ext uri="{91240B29-F687-4f45-9708-019B960494DF}">
-                  <a14:hiddenLine xmlns="" xmlns:a14="http://schemas.microsoft.com/office/drawing/2010/main" w="9525">
+                  <a14:hiddenLine xmlns:a14="http://schemas.microsoft.com/office/drawing/2010/main" xmlns="" w="9525">
                     <a:solidFill>
                       <a:srgbClr val="000000"/>
                     </a:solidFill>
@@ -9773,7 +9773,7 @@
               </a:ln>
               <a:extLst>
                 <a:ext uri="{91240B29-F687-4f45-9708-019B960494DF}">
-                  <a14:hiddenLine xmlns="" xmlns:a14="http://schemas.microsoft.com/office/drawing/2010/main" w="9525">
+                  <a14:hiddenLine xmlns:a14="http://schemas.microsoft.com/office/drawing/2010/main" xmlns="" w="9525">
                     <a:solidFill>
                       <a:srgbClr val="000000"/>
                     </a:solidFill>
@@ -9883,7 +9883,7 @@
               </a:ln>
               <a:extLst>
                 <a:ext uri="{91240B29-F687-4f45-9708-019B960494DF}">
-                  <a14:hiddenLine xmlns="" xmlns:a14="http://schemas.microsoft.com/office/drawing/2010/main" w="9525">
+                  <a14:hiddenLine xmlns:a14="http://schemas.microsoft.com/office/drawing/2010/main" xmlns="" w="9525">
                     <a:solidFill>
                       <a:srgbClr val="000000"/>
                     </a:solidFill>
@@ -9967,7 +9967,7 @@
               </a:ln>
               <a:extLst>
                 <a:ext uri="{91240B29-F687-4f45-9708-019B960494DF}">
-                  <a14:hiddenLine xmlns="" xmlns:a14="http://schemas.microsoft.com/office/drawing/2010/main" w="9525">
+                  <a14:hiddenLine xmlns:a14="http://schemas.microsoft.com/office/drawing/2010/main" xmlns="" w="9525">
                     <a:solidFill>
                       <a:srgbClr val="000000"/>
                     </a:solidFill>
@@ -10029,7 +10029,7 @@
               </a:ln>
               <a:extLst>
                 <a:ext uri="{91240B29-F687-4f45-9708-019B960494DF}">
-                  <a14:hiddenLine xmlns="" xmlns:a14="http://schemas.microsoft.com/office/drawing/2010/main" w="9525">
+                  <a14:hiddenLine xmlns:a14="http://schemas.microsoft.com/office/drawing/2010/main" xmlns="" w="9525">
                     <a:solidFill>
                       <a:srgbClr val="000000"/>
                     </a:solidFill>
@@ -10091,7 +10091,7 @@
               </a:ln>
               <a:extLst>
                 <a:ext uri="{91240B29-F687-4f45-9708-019B960494DF}">
-                  <a14:hiddenLine xmlns="" xmlns:a14="http://schemas.microsoft.com/office/drawing/2010/main" w="9525">
+                  <a14:hiddenLine xmlns:a14="http://schemas.microsoft.com/office/drawing/2010/main" xmlns="" w="9525">
                     <a:solidFill>
                       <a:srgbClr val="000000"/>
                     </a:solidFill>
@@ -10181,7 +10181,7 @@
               </a:ln>
               <a:extLst>
                 <a:ext uri="{91240B29-F687-4f45-9708-019B960494DF}">
-                  <a14:hiddenLine xmlns="" xmlns:a14="http://schemas.microsoft.com/office/drawing/2010/main" w="9525">
+                  <a14:hiddenLine xmlns:a14="http://schemas.microsoft.com/office/drawing/2010/main" xmlns="" w="9525">
                     <a:solidFill>
                       <a:srgbClr val="000000"/>
                     </a:solidFill>
@@ -10215,7 +10215,7 @@
               </a:ln>
               <a:extLst>
                 <a:ext uri="{91240B29-F687-4f45-9708-019B960494DF}">
-                  <a14:hiddenLine xmlns="" xmlns:a14="http://schemas.microsoft.com/office/drawing/2010/main" w="9525">
+                  <a14:hiddenLine xmlns:a14="http://schemas.microsoft.com/office/drawing/2010/main" xmlns="" w="9525">
                     <a:solidFill>
                       <a:srgbClr val="000000"/>
                     </a:solidFill>
@@ -10280,7 +10280,7 @@
               </a:ln>
               <a:extLst>
                 <a:ext uri="{91240B29-F687-4f45-9708-019B960494DF}">
-                  <a14:hiddenLine xmlns="" xmlns:a14="http://schemas.microsoft.com/office/drawing/2010/main" w="9525">
+                  <a14:hiddenLine xmlns:a14="http://schemas.microsoft.com/office/drawing/2010/main" xmlns="" w="9525">
                     <a:solidFill>
                       <a:srgbClr val="000000"/>
                     </a:solidFill>
@@ -10370,7 +10370,7 @@
               </a:ln>
               <a:extLst>
                 <a:ext uri="{91240B29-F687-4f45-9708-019B960494DF}">
-                  <a14:hiddenLine xmlns="" xmlns:a14="http://schemas.microsoft.com/office/drawing/2010/main" w="9525">
+                  <a14:hiddenLine xmlns:a14="http://schemas.microsoft.com/office/drawing/2010/main" xmlns="" w="9525">
                     <a:solidFill>
                       <a:srgbClr val="000000"/>
                     </a:solidFill>
@@ -10432,7 +10432,7 @@
               </a:ln>
               <a:extLst>
                 <a:ext uri="{91240B29-F687-4f45-9708-019B960494DF}">
-                  <a14:hiddenLine xmlns="" xmlns:a14="http://schemas.microsoft.com/office/drawing/2010/main" w="9525">
+                  <a14:hiddenLine xmlns:a14="http://schemas.microsoft.com/office/drawing/2010/main" xmlns="" w="9525">
                     <a:solidFill>
                       <a:srgbClr val="000000"/>
                     </a:solidFill>
@@ -10522,7 +10522,7 @@
               </a:ln>
               <a:extLst>
                 <a:ext uri="{91240B29-F687-4f45-9708-019B960494DF}">
-                  <a14:hiddenLine xmlns="" xmlns:a14="http://schemas.microsoft.com/office/drawing/2010/main" w="9525">
+                  <a14:hiddenLine xmlns:a14="http://schemas.microsoft.com/office/drawing/2010/main" xmlns="" w="9525">
                     <a:solidFill>
                       <a:srgbClr val="000000"/>
                     </a:solidFill>
@@ -10587,7 +10587,7 @@
               </a:ln>
               <a:extLst>
                 <a:ext uri="{91240B29-F687-4f45-9708-019B960494DF}">
-                  <a14:hiddenLine xmlns="" xmlns:a14="http://schemas.microsoft.com/office/drawing/2010/main" w="9525">
+                  <a14:hiddenLine xmlns:a14="http://schemas.microsoft.com/office/drawing/2010/main" xmlns="" w="9525">
                     <a:solidFill>
                       <a:srgbClr val="000000"/>
                     </a:solidFill>
@@ -10649,7 +10649,7 @@
               </a:ln>
               <a:extLst>
                 <a:ext uri="{91240B29-F687-4f45-9708-019B960494DF}">
-                  <a14:hiddenLine xmlns="" xmlns:a14="http://schemas.microsoft.com/office/drawing/2010/main" w="9525">
+                  <a14:hiddenLine xmlns:a14="http://schemas.microsoft.com/office/drawing/2010/main" xmlns="" w="9525">
                     <a:solidFill>
                       <a:srgbClr val="000000"/>
                     </a:solidFill>
@@ -10739,7 +10739,7 @@
               </a:ln>
               <a:extLst>
                 <a:ext uri="{91240B29-F687-4f45-9708-019B960494DF}">
-                  <a14:hiddenLine xmlns="" xmlns:a14="http://schemas.microsoft.com/office/drawing/2010/main" w="9525">
+                  <a14:hiddenLine xmlns:a14="http://schemas.microsoft.com/office/drawing/2010/main" xmlns="" w="9525">
                     <a:solidFill>
                       <a:srgbClr val="000000"/>
                     </a:solidFill>
@@ -10829,7 +10829,7 @@
               </a:ln>
               <a:extLst>
                 <a:ext uri="{91240B29-F687-4f45-9708-019B960494DF}">
-                  <a14:hiddenLine xmlns="" xmlns:a14="http://schemas.microsoft.com/office/drawing/2010/main" w="9525">
+                  <a14:hiddenLine xmlns:a14="http://schemas.microsoft.com/office/drawing/2010/main" xmlns="" w="9525">
                     <a:solidFill>
                       <a:srgbClr val="000000"/>
                     </a:solidFill>
@@ -10894,7 +10894,7 @@
               </a:ln>
               <a:extLst>
                 <a:ext uri="{91240B29-F687-4f45-9708-019B960494DF}">
-                  <a14:hiddenLine xmlns="" xmlns:a14="http://schemas.microsoft.com/office/drawing/2010/main" w="9525">
+                  <a14:hiddenLine xmlns:a14="http://schemas.microsoft.com/office/drawing/2010/main" xmlns="" w="9525">
                     <a:solidFill>
                       <a:srgbClr val="000000"/>
                     </a:solidFill>
@@ -11014,7 +11014,7 @@
               </a:ln>
               <a:extLst>
                 <a:ext uri="{91240B29-F687-4f45-9708-019B960494DF}">
-                  <a14:hiddenLine xmlns="" xmlns:a14="http://schemas.microsoft.com/office/drawing/2010/main" w="9525">
+                  <a14:hiddenLine xmlns:a14="http://schemas.microsoft.com/office/drawing/2010/main" xmlns="" w="9525">
                     <a:solidFill>
                       <a:srgbClr val="000000"/>
                     </a:solidFill>
@@ -11095,7 +11095,7 @@
               </a:ln>
               <a:extLst>
                 <a:ext uri="{91240B29-F687-4f45-9708-019B960494DF}">
-                  <a14:hiddenLine xmlns="" xmlns:a14="http://schemas.microsoft.com/office/drawing/2010/main" w="9525">
+                  <a14:hiddenLine xmlns:a14="http://schemas.microsoft.com/office/drawing/2010/main" xmlns="" w="9525">
                     <a:solidFill>
                       <a:srgbClr val="000000"/>
                     </a:solidFill>
@@ -11210,7 +11210,7 @@
               </a:ln>
               <a:extLst>
                 <a:ext uri="{91240B29-F687-4f45-9708-019B960494DF}">
-                  <a14:hiddenLine xmlns="" xmlns:a14="http://schemas.microsoft.com/office/drawing/2010/main" w="9525">
+                  <a14:hiddenLine xmlns:a14="http://schemas.microsoft.com/office/drawing/2010/main" xmlns="" w="9525">
                     <a:solidFill>
                       <a:srgbClr val="000000"/>
                     </a:solidFill>
@@ -11300,7 +11300,7 @@
               </a:ln>
               <a:extLst>
                 <a:ext uri="{91240B29-F687-4f45-9708-019B960494DF}">
-                  <a14:hiddenLine xmlns="" xmlns:a14="http://schemas.microsoft.com/office/drawing/2010/main" w="9525">
+                  <a14:hiddenLine xmlns:a14="http://schemas.microsoft.com/office/drawing/2010/main" xmlns="" w="9525">
                     <a:solidFill>
                       <a:srgbClr val="000000"/>
                     </a:solidFill>
@@ -11365,7 +11365,7 @@
               </a:ln>
               <a:extLst>
                 <a:ext uri="{91240B29-F687-4f45-9708-019B960494DF}">
-                  <a14:hiddenLine xmlns="" xmlns:a14="http://schemas.microsoft.com/office/drawing/2010/main" w="9525">
+                  <a14:hiddenLine xmlns:a14="http://schemas.microsoft.com/office/drawing/2010/main" xmlns="" w="9525">
                     <a:solidFill>
                       <a:srgbClr val="000000"/>
                     </a:solidFill>
@@ -11455,7 +11455,7 @@
               </a:ln>
               <a:extLst>
                 <a:ext uri="{91240B29-F687-4f45-9708-019B960494DF}">
-                  <a14:hiddenLine xmlns="" xmlns:a14="http://schemas.microsoft.com/office/drawing/2010/main" w="9525">
+                  <a14:hiddenLine xmlns:a14="http://schemas.microsoft.com/office/drawing/2010/main" xmlns="" w="9525">
                     <a:solidFill>
                       <a:srgbClr val="000000"/>
                     </a:solidFill>
@@ -11523,7 +11523,7 @@
               </a:ln>
               <a:extLst>
                 <a:ext uri="{91240B29-F687-4f45-9708-019B960494DF}">
-                  <a14:hiddenLine xmlns="" xmlns:a14="http://schemas.microsoft.com/office/drawing/2010/main" w="9525">
+                  <a14:hiddenLine xmlns:a14="http://schemas.microsoft.com/office/drawing/2010/main" xmlns="" w="9525">
                     <a:solidFill>
                       <a:srgbClr val="000000"/>
                     </a:solidFill>
@@ -11613,7 +11613,7 @@
               </a:ln>
               <a:extLst>
                 <a:ext uri="{91240B29-F687-4f45-9708-019B960494DF}">
-                  <a14:hiddenLine xmlns="" xmlns:a14="http://schemas.microsoft.com/office/drawing/2010/main" w="9525">
+                  <a14:hiddenLine xmlns:a14="http://schemas.microsoft.com/office/drawing/2010/main" xmlns="" w="9525">
                     <a:solidFill>
                       <a:srgbClr val="000000"/>
                     </a:solidFill>
@@ -11681,7 +11681,7 @@
               </a:ln>
               <a:extLst>
                 <a:ext uri="{91240B29-F687-4f45-9708-019B960494DF}">
-                  <a14:hiddenLine xmlns="" xmlns:a14="http://schemas.microsoft.com/office/drawing/2010/main" w="9525">
+                  <a14:hiddenLine xmlns:a14="http://schemas.microsoft.com/office/drawing/2010/main" xmlns="" w="9525">
                     <a:solidFill>
                       <a:srgbClr val="000000"/>
                     </a:solidFill>
@@ -11771,7 +11771,7 @@
               </a:ln>
               <a:extLst>
                 <a:ext uri="{91240B29-F687-4f45-9708-019B960494DF}">
-                  <a14:hiddenLine xmlns="" xmlns:a14="http://schemas.microsoft.com/office/drawing/2010/main" w="9525">
+                  <a14:hiddenLine xmlns:a14="http://schemas.microsoft.com/office/drawing/2010/main" xmlns="" w="9525">
                     <a:solidFill>
                       <a:srgbClr val="000000"/>
                     </a:solidFill>
@@ -11805,7 +11805,7 @@
               </a:ln>
               <a:extLst>
                 <a:ext uri="{91240B29-F687-4f45-9708-019B960494DF}">
-                  <a14:hiddenLine xmlns="" xmlns:a14="http://schemas.microsoft.com/office/drawing/2010/main" w="9525">
+                  <a14:hiddenLine xmlns:a14="http://schemas.microsoft.com/office/drawing/2010/main" xmlns="" w="9525">
                     <a:solidFill>
                       <a:srgbClr val="000000"/>
                     </a:solidFill>
@@ -22284,7 +22284,7 @@
             </a:pPr>
             <a:r>
               <a:rPr lang="en-US" sz="2800" dirty="0"/>
-              <a:t>Problem: No holistic mobile messaging system exists…</a:t>
+              <a:t>Problem: No such holistic messaging system exists…</a:t>
             </a:r>
           </a:p>
           <a:p>
@@ -22548,55 +22548,46 @@
           <a:p>
             <a:r>
               <a:rPr lang="en-US" sz="2800" dirty="0"/>
-              <a:t>Message latency requirements</a:t>
+              <a:t>High (&gt; 1 second)</a:t>
             </a:r>
           </a:p>
           <a:p>
             <a:pPr lvl="1"/>
             <a:r>
-              <a:rPr lang="en-US" sz="2400" dirty="0"/>
-              <a:t>High (&gt; 1 second)</a:t>
-            </a:r>
-          </a:p>
-          <a:p>
-            <a:pPr lvl="2"/>
-            <a:r>
-              <a:rPr lang="en-US" sz="2000" dirty="0"/>
+              <a:rPr lang="en-US" sz="2200" dirty="0"/>
               <a:t>Consumer messages</a:t>
             </a:r>
           </a:p>
           <a:p>
-            <a:pPr lvl="2"/>
+            <a:pPr lvl="1"/>
             <a:r>
-              <a:rPr lang="en-US" sz="2000" dirty="0"/>
+              <a:rPr lang="en-US" sz="2200" dirty="0"/>
               <a:t>Congestion, approaching emergency vehicle</a:t>
             </a:r>
           </a:p>
           <a:p>
+            <a:r>
+              <a:rPr lang="en-US" sz="2800" dirty="0"/>
+              <a:t>Medium (&lt; 50ms)</a:t>
+            </a:r>
+          </a:p>
+          <a:p>
             <a:pPr lvl="1"/>
             <a:r>
-              <a:rPr lang="en-US" sz="2400" dirty="0"/>
-              <a:t>Medium (&lt; 50ms)</a:t>
-            </a:r>
-          </a:p>
-          <a:p>
-            <a:pPr lvl="2"/>
-            <a:r>
-              <a:rPr lang="en-US" sz="2000" dirty="0"/>
+              <a:rPr lang="en-US" sz="2200" dirty="0"/>
               <a:t>Lane change notification</a:t>
             </a:r>
           </a:p>
           <a:p>
+            <a:r>
+              <a:rPr lang="en-US" sz="2800" dirty="0"/>
+              <a:t>Low (&lt; 10ms)</a:t>
+            </a:r>
+          </a:p>
+          <a:p>
             <a:pPr lvl="1"/>
             <a:r>
-              <a:rPr lang="en-US" sz="2400" dirty="0"/>
-              <a:t>Low (&lt; 10ms)</a:t>
-            </a:r>
-          </a:p>
-          <a:p>
-            <a:pPr lvl="2"/>
-            <a:r>
-              <a:rPr lang="en-US" sz="2000" dirty="0"/>
+              <a:rPr lang="en-US" sz="2200" dirty="0"/>
               <a:t>Immediate control response (collision imminent)</a:t>
             </a:r>
           </a:p>
